--- a/Strafer II.pptx
+++ b/Strafer II.pptx
@@ -2,16 +2,15 @@
 <file path=ppt/presentation.xml><?xml version="1.0" encoding="utf-8"?>
 <p:presentation xmlns:a="http://schemas.openxmlformats.org/drawingml/2006/main" xmlns:r="http://schemas.openxmlformats.org/officeDocument/2006/relationships" xmlns:p="http://schemas.openxmlformats.org/presentationml/2006/main" saveSubsetFonts="1">
   <p:sldMasterIdLst>
-    <p:sldMasterId id="2147483648" r:id="rId1"/>
+    <p:sldMasterId id="2147483660" r:id="rId1"/>
   </p:sldMasterIdLst>
   <p:sldIdLst>
-    <p:sldId id="256" r:id="rId2"/>
-    <p:sldId id="257" r:id="rId3"/>
-    <p:sldId id="258" r:id="rId4"/>
-    <p:sldId id="259" r:id="rId5"/>
-    <p:sldId id="260" r:id="rId6"/>
+    <p:sldId id="257" r:id="rId2"/>
+    <p:sldId id="258" r:id="rId3"/>
+    <p:sldId id="259" r:id="rId4"/>
+    <p:sldId id="260" r:id="rId5"/>
+    <p:sldId id="262" r:id="rId6"/>
     <p:sldId id="261" r:id="rId7"/>
-    <p:sldId id="262" r:id="rId8"/>
   </p:sldIdLst>
   <p:sldSz cx="12192000" cy="6858000"/>
   <p:notesSz cx="6858000" cy="9144000"/>
@@ -19,7 +18,7 @@
     <a:defPPr>
       <a:defRPr lang="en-US"/>
     </a:defPPr>
-    <a:lvl1pPr marL="0" algn="l" defTabSz="914400" rtl="0" eaLnBrk="1" latinLnBrk="0" hangingPunct="1">
+    <a:lvl1pPr marL="0" algn="l" defTabSz="457200" rtl="0" eaLnBrk="1" latinLnBrk="0" hangingPunct="1">
       <a:defRPr sz="1800" kern="1200">
         <a:solidFill>
           <a:schemeClr val="tx1"/>
@@ -29,7 +28,7 @@
         <a:cs typeface="+mn-cs"/>
       </a:defRPr>
     </a:lvl1pPr>
-    <a:lvl2pPr marL="457200" algn="l" defTabSz="914400" rtl="0" eaLnBrk="1" latinLnBrk="0" hangingPunct="1">
+    <a:lvl2pPr marL="457200" algn="l" defTabSz="457200" rtl="0" eaLnBrk="1" latinLnBrk="0" hangingPunct="1">
       <a:defRPr sz="1800" kern="1200">
         <a:solidFill>
           <a:schemeClr val="tx1"/>
@@ -39,7 +38,7 @@
         <a:cs typeface="+mn-cs"/>
       </a:defRPr>
     </a:lvl2pPr>
-    <a:lvl3pPr marL="914400" algn="l" defTabSz="914400" rtl="0" eaLnBrk="1" latinLnBrk="0" hangingPunct="1">
+    <a:lvl3pPr marL="914400" algn="l" defTabSz="457200" rtl="0" eaLnBrk="1" latinLnBrk="0" hangingPunct="1">
       <a:defRPr sz="1800" kern="1200">
         <a:solidFill>
           <a:schemeClr val="tx1"/>
@@ -49,7 +48,7 @@
         <a:cs typeface="+mn-cs"/>
       </a:defRPr>
     </a:lvl3pPr>
-    <a:lvl4pPr marL="1371600" algn="l" defTabSz="914400" rtl="0" eaLnBrk="1" latinLnBrk="0" hangingPunct="1">
+    <a:lvl4pPr marL="1371600" algn="l" defTabSz="457200" rtl="0" eaLnBrk="1" latinLnBrk="0" hangingPunct="1">
       <a:defRPr sz="1800" kern="1200">
         <a:solidFill>
           <a:schemeClr val="tx1"/>
@@ -59,7 +58,7 @@
         <a:cs typeface="+mn-cs"/>
       </a:defRPr>
     </a:lvl4pPr>
-    <a:lvl5pPr marL="1828800" algn="l" defTabSz="914400" rtl="0" eaLnBrk="1" latinLnBrk="0" hangingPunct="1">
+    <a:lvl5pPr marL="1828800" algn="l" defTabSz="457200" rtl="0" eaLnBrk="1" latinLnBrk="0" hangingPunct="1">
       <a:defRPr sz="1800" kern="1200">
         <a:solidFill>
           <a:schemeClr val="tx1"/>
@@ -69,7 +68,7 @@
         <a:cs typeface="+mn-cs"/>
       </a:defRPr>
     </a:lvl5pPr>
-    <a:lvl6pPr marL="2286000" algn="l" defTabSz="914400" rtl="0" eaLnBrk="1" latinLnBrk="0" hangingPunct="1">
+    <a:lvl6pPr marL="2286000" algn="l" defTabSz="457200" rtl="0" eaLnBrk="1" latinLnBrk="0" hangingPunct="1">
       <a:defRPr sz="1800" kern="1200">
         <a:solidFill>
           <a:schemeClr val="tx1"/>
@@ -79,7 +78,7 @@
         <a:cs typeface="+mn-cs"/>
       </a:defRPr>
     </a:lvl6pPr>
-    <a:lvl7pPr marL="2743200" algn="l" defTabSz="914400" rtl="0" eaLnBrk="1" latinLnBrk="0" hangingPunct="1">
+    <a:lvl7pPr marL="2743200" algn="l" defTabSz="457200" rtl="0" eaLnBrk="1" latinLnBrk="0" hangingPunct="1">
       <a:defRPr sz="1800" kern="1200">
         <a:solidFill>
           <a:schemeClr val="tx1"/>
@@ -89,7 +88,7 @@
         <a:cs typeface="+mn-cs"/>
       </a:defRPr>
     </a:lvl7pPr>
-    <a:lvl8pPr marL="3200400" algn="l" defTabSz="914400" rtl="0" eaLnBrk="1" latinLnBrk="0" hangingPunct="1">
+    <a:lvl8pPr marL="3200400" algn="l" defTabSz="457200" rtl="0" eaLnBrk="1" latinLnBrk="0" hangingPunct="1">
       <a:defRPr sz="1800" kern="1200">
         <a:solidFill>
           <a:schemeClr val="tx1"/>
@@ -99,7 +98,7 @@
         <a:cs typeface="+mn-cs"/>
       </a:defRPr>
     </a:lvl8pPr>
-    <a:lvl9pPr marL="3657600" algn="l" defTabSz="914400" rtl="0" eaLnBrk="1" latinLnBrk="0" hangingPunct="1">
+    <a:lvl9pPr marL="3657600" algn="l" defTabSz="457200" rtl="0" eaLnBrk="1" latinLnBrk="0" hangingPunct="1">
       <a:defRPr sz="1800" kern="1200">
         <a:solidFill>
           <a:schemeClr val="tx1"/>
@@ -110,12 +109,27 @@
       </a:defRPr>
     </a:lvl9pPr>
   </p:defaultTextStyle>
+  <p:extLst>
+    <p:ext uri="{EFAFB233-063F-42B5-8137-9DF3F51BA10A}">
+      <p15:sldGuideLst xmlns:p15="http://schemas.microsoft.com/office/powerpoint/2012/main"/>
+    </p:ext>
+  </p:extLst>
 </p:presentation>
 </file>
 
 <file path=ppt/slideLayouts/slideLayout1.xml><?xml version="1.0" encoding="utf-8"?>
-<p:sldLayout xmlns:a="http://schemas.openxmlformats.org/drawingml/2006/main" xmlns:r="http://schemas.openxmlformats.org/officeDocument/2006/relationships" xmlns:p="http://schemas.openxmlformats.org/presentationml/2006/main" type="title" preserve="1">
+<p:sldLayout xmlns:a="http://schemas.openxmlformats.org/drawingml/2006/main" xmlns:r="http://schemas.openxmlformats.org/officeDocument/2006/relationships" xmlns:p="http://schemas.openxmlformats.org/presentationml/2006/main" showMasterSp="0" type="title" preserve="1">
   <p:cSld name="Title Slide">
+    <p:bg>
+      <p:bgPr>
+        <a:solidFill>
+          <a:schemeClr val="bg2">
+            <a:lumMod val="75000"/>
+          </a:schemeClr>
+        </a:solidFill>
+        <a:effectLst/>
+      </p:bgPr>
+    </p:bg>
     <p:spTree>
       <p:nvGrpSpPr>
         <p:cNvPr id="1" name=""/>
@@ -132,13 +146,7 @@
       </p:grpSpPr>
       <p:sp>
         <p:nvSpPr>
-          <p:cNvPr id="2" name="Title 1">
-            <a:extLst>
-              <a:ext uri="{FF2B5EF4-FFF2-40B4-BE49-F238E27FC236}">
-                <a16:creationId xmlns:a16="http://schemas.microsoft.com/office/drawing/2014/main" id="{95FFC5ED-863C-43F4-B442-0973032BD3C1}"/>
-              </a:ext>
-            </a:extLst>
-          </p:cNvPr>
+          <p:cNvPr id="2" name="Title 1"/>
           <p:cNvSpPr>
             <a:spLocks noGrp="1"/>
           </p:cNvSpPr>
@@ -148,15 +156,24 @@
         </p:nvSpPr>
         <p:spPr>
           <a:xfrm>
-            <a:off x="1524000" y="1122363"/>
-            <a:ext cx="9144000" cy="2387600"/>
+            <a:off x="1261872" y="758952"/>
+            <a:ext cx="9418320" cy="4041648"/>
           </a:xfrm>
         </p:spPr>
         <p:txBody>
-          <a:bodyPr anchor="b"/>
+          <a:bodyPr anchor="b">
+            <a:normAutofit/>
+          </a:bodyPr>
           <a:lstStyle>
-            <a:lvl1pPr algn="ctr">
-              <a:defRPr sz="6000"/>
+            <a:lvl1pPr algn="l">
+              <a:lnSpc>
+                <a:spcPct val="85000"/>
+              </a:lnSpc>
+              <a:defRPr sz="7200" baseline="0">
+                <a:solidFill>
+                  <a:schemeClr val="tx1"/>
+                </a:solidFill>
+              </a:defRPr>
             </a:lvl1pPr>
           </a:lstStyle>
           <a:p>
@@ -164,18 +181,13 @@
               <a:rPr lang="en-US"/>
               <a:t>Click to edit Master title style</a:t>
             </a:r>
-          </a:p>
-        </p:txBody>
-      </p:sp>
-      <p:sp>
-        <p:nvSpPr>
-          <p:cNvPr id="3" name="Subtitle 2">
-            <a:extLst>
-              <a:ext uri="{FF2B5EF4-FFF2-40B4-BE49-F238E27FC236}">
-                <a16:creationId xmlns:a16="http://schemas.microsoft.com/office/drawing/2014/main" id="{62690DE7-E11C-4727-A7FE-3E6B2C3CBF91}"/>
-              </a:ext>
-            </a:extLst>
-          </p:cNvPr>
+            <a:endParaRPr lang="en-US" dirty="0"/>
+          </a:p>
+        </p:txBody>
+      </p:sp>
+      <p:sp>
+        <p:nvSpPr>
+          <p:cNvPr id="3" name="Subtitle 2"/>
           <p:cNvSpPr>
             <a:spLocks noGrp="1"/>
           </p:cNvSpPr>
@@ -185,48 +197,56 @@
         </p:nvSpPr>
         <p:spPr>
           <a:xfrm>
-            <a:off x="1524000" y="3602038"/>
-            <a:ext cx="9144000" cy="1655762"/>
+            <a:off x="1261872" y="4800600"/>
+            <a:ext cx="9418320" cy="1691640"/>
           </a:xfrm>
         </p:spPr>
         <p:txBody>
-          <a:bodyPr/>
+          <a:bodyPr>
+            <a:normAutofit/>
+          </a:bodyPr>
           <a:lstStyle>
-            <a:lvl1pPr marL="0" indent="0" algn="ctr">
+            <a:lvl1pPr marL="0" indent="0" algn="l">
               <a:buNone/>
-              <a:defRPr sz="2400"/>
+              <a:defRPr sz="2200" baseline="0">
+                <a:solidFill>
+                  <a:schemeClr val="tx1">
+                    <a:lumMod val="75000"/>
+                  </a:schemeClr>
+                </a:solidFill>
+              </a:defRPr>
             </a:lvl1pPr>
             <a:lvl2pPr marL="457200" indent="0" algn="ctr">
               <a:buNone/>
-              <a:defRPr sz="2000"/>
+              <a:defRPr sz="2200"/>
             </a:lvl2pPr>
             <a:lvl3pPr marL="914400" indent="0" algn="ctr">
               <a:buNone/>
-              <a:defRPr sz="1800"/>
+              <a:defRPr sz="2200"/>
             </a:lvl3pPr>
             <a:lvl4pPr marL="1371600" indent="0" algn="ctr">
               <a:buNone/>
-              <a:defRPr sz="1600"/>
+              <a:defRPr sz="2000"/>
             </a:lvl4pPr>
             <a:lvl5pPr marL="1828800" indent="0" algn="ctr">
               <a:buNone/>
-              <a:defRPr sz="1600"/>
+              <a:defRPr sz="2000"/>
             </a:lvl5pPr>
             <a:lvl6pPr marL="2286000" indent="0" algn="ctr">
               <a:buNone/>
-              <a:defRPr sz="1600"/>
+              <a:defRPr sz="2000"/>
             </a:lvl6pPr>
             <a:lvl7pPr marL="2743200" indent="0" algn="ctr">
               <a:buNone/>
-              <a:defRPr sz="1600"/>
+              <a:defRPr sz="2000"/>
             </a:lvl7pPr>
             <a:lvl8pPr marL="3200400" indent="0" algn="ctr">
               <a:buNone/>
-              <a:defRPr sz="1600"/>
+              <a:defRPr sz="2000"/>
             </a:lvl8pPr>
             <a:lvl9pPr marL="3657600" indent="0" algn="ctr">
               <a:buNone/>
-              <a:defRPr sz="1600"/>
+              <a:defRPr sz="2000"/>
             </a:lvl9pPr>
           </a:lstStyle>
           <a:p>
@@ -234,18 +254,13 @@
               <a:rPr lang="en-US"/>
               <a:t>Click to edit Master subtitle style</a:t>
             </a:r>
-          </a:p>
-        </p:txBody>
-      </p:sp>
-      <p:sp>
-        <p:nvSpPr>
-          <p:cNvPr id="4" name="Date Placeholder 3">
-            <a:extLst>
-              <a:ext uri="{FF2B5EF4-FFF2-40B4-BE49-F238E27FC236}">
-                <a16:creationId xmlns:a16="http://schemas.microsoft.com/office/drawing/2014/main" id="{A376CE0F-5630-47FD-80BC-715688E25C6D}"/>
-              </a:ext>
-            </a:extLst>
-          </p:cNvPr>
+            <a:endParaRPr lang="en-US" dirty="0"/>
+          </a:p>
+        </p:txBody>
+      </p:sp>
+      <p:sp>
+        <p:nvSpPr>
+          <p:cNvPr id="4" name="Date Placeholder 3"/>
           <p:cNvSpPr>
             <a:spLocks noGrp="1"/>
           </p:cNvSpPr>
@@ -256,11 +271,21 @@
         <p:spPr/>
         <p:txBody>
           <a:bodyPr/>
-          <a:lstStyle/>
+          <a:lstStyle>
+            <a:lvl1pPr>
+              <a:defRPr>
+                <a:solidFill>
+                  <a:schemeClr val="tx1">
+                    <a:lumMod val="50000"/>
+                  </a:schemeClr>
+                </a:solidFill>
+              </a:defRPr>
+            </a:lvl1pPr>
+          </a:lstStyle>
           <a:p>
             <a:fld id="{34DFA977-3B96-43F7-83A3-823D9151661D}" type="datetimeFigureOut">
               <a:rPr lang="en-US" smtClean="0"/>
-              <a:t>2/27/2022</a:t>
+              <a:t>28-Feb-22</a:t>
             </a:fld>
             <a:endParaRPr lang="en-US"/>
           </a:p>
@@ -268,13 +293,7 @@
       </p:sp>
       <p:sp>
         <p:nvSpPr>
-          <p:cNvPr id="5" name="Footer Placeholder 4">
-            <a:extLst>
-              <a:ext uri="{FF2B5EF4-FFF2-40B4-BE49-F238E27FC236}">
-                <a16:creationId xmlns:a16="http://schemas.microsoft.com/office/drawing/2014/main" id="{4E18B710-61B2-4EC7-8640-13056A67A848}"/>
-              </a:ext>
-            </a:extLst>
-          </p:cNvPr>
+          <p:cNvPr id="5" name="Footer Placeholder 4"/>
           <p:cNvSpPr>
             <a:spLocks noGrp="1"/>
           </p:cNvSpPr>
@@ -285,7 +304,17 @@
         <p:spPr/>
         <p:txBody>
           <a:bodyPr/>
-          <a:lstStyle/>
+          <a:lstStyle>
+            <a:lvl1pPr>
+              <a:defRPr>
+                <a:solidFill>
+                  <a:schemeClr val="tx1">
+                    <a:lumMod val="65000"/>
+                  </a:schemeClr>
+                </a:solidFill>
+              </a:defRPr>
+            </a:lvl1pPr>
+          </a:lstStyle>
           <a:p>
             <a:endParaRPr lang="en-US"/>
           </a:p>
@@ -293,13 +322,7 @@
       </p:sp>
       <p:sp>
         <p:nvSpPr>
-          <p:cNvPr id="6" name="Slide Number Placeholder 5">
-            <a:extLst>
-              <a:ext uri="{FF2B5EF4-FFF2-40B4-BE49-F238E27FC236}">
-                <a16:creationId xmlns:a16="http://schemas.microsoft.com/office/drawing/2014/main" id="{A064A1D3-D85C-40C2-B295-B2B7E1C16B5B}"/>
-              </a:ext>
-            </a:extLst>
-          </p:cNvPr>
+          <p:cNvPr id="6" name="Slide Number Placeholder 5"/>
           <p:cNvSpPr>
             <a:spLocks noGrp="1"/>
           </p:cNvSpPr>
@@ -310,7 +333,17 @@
         <p:spPr/>
         <p:txBody>
           <a:bodyPr/>
-          <a:lstStyle/>
+          <a:lstStyle>
+            <a:lvl1pPr>
+              <a:defRPr>
+                <a:solidFill>
+                  <a:schemeClr val="tx1">
+                    <a:lumMod val="65000"/>
+                  </a:schemeClr>
+                </a:solidFill>
+              </a:defRPr>
+            </a:lvl1pPr>
+          </a:lstStyle>
           <a:p>
             <a:fld id="{E0665E3E-E658-4C46-ACA3-7EE56C6FF3BE}" type="slidenum">
               <a:rPr lang="en-US" smtClean="0"/>
@@ -320,15 +353,53 @@
           </a:p>
         </p:txBody>
       </p:sp>
+      <p:sp>
+        <p:nvSpPr>
+          <p:cNvPr id="7" name="Rectangle 6"/>
+          <p:cNvSpPr/>
+          <p:nvPr/>
+        </p:nvSpPr>
+        <p:spPr>
+          <a:xfrm>
+            <a:off x="0" y="0"/>
+            <a:ext cx="457200" cy="6858000"/>
+          </a:xfrm>
+          <a:prstGeom prst="rect">
+            <a:avLst/>
+          </a:prstGeom>
+          <a:solidFill>
+            <a:schemeClr val="accent1"/>
+          </a:solidFill>
+          <a:ln>
+            <a:noFill/>
+          </a:ln>
+        </p:spPr>
+        <p:style>
+          <a:lnRef idx="2">
+            <a:schemeClr val="accent1">
+              <a:shade val="50000"/>
+            </a:schemeClr>
+          </a:lnRef>
+          <a:fillRef idx="1">
+            <a:schemeClr val="accent1"/>
+          </a:fillRef>
+          <a:effectRef idx="0">
+            <a:schemeClr val="accent1"/>
+          </a:effectRef>
+          <a:fontRef idx="minor">
+            <a:schemeClr val="lt1"/>
+          </a:fontRef>
+        </p:style>
+      </p:sp>
     </p:spTree>
     <p:extLst>
       <p:ext uri="{BB962C8B-B14F-4D97-AF65-F5344CB8AC3E}">
-        <p14:creationId xmlns:p14="http://schemas.microsoft.com/office/powerpoint/2010/main" val="4197261174"/>
+        <p14:creationId xmlns:p14="http://schemas.microsoft.com/office/powerpoint/2010/main" val="2967276399"/>
       </p:ext>
     </p:extLst>
   </p:cSld>
   <p:clrMapOvr>
-    <a:masterClrMapping/>
+    <a:overrideClrMapping bg1="dk1" tx1="lt1" bg2="dk2" tx2="lt2" accent1="accent1" accent2="accent2" accent3="accent3" accent4="accent4" accent5="accent5" accent6="accent6" hlink="hlink" folHlink="folHlink"/>
   </p:clrMapOvr>
 </p:sldLayout>
 </file>
@@ -352,13 +423,7 @@
       </p:grpSpPr>
       <p:sp>
         <p:nvSpPr>
-          <p:cNvPr id="2" name="Title 1">
-            <a:extLst>
-              <a:ext uri="{FF2B5EF4-FFF2-40B4-BE49-F238E27FC236}">
-                <a16:creationId xmlns:a16="http://schemas.microsoft.com/office/drawing/2014/main" id="{72784793-BFB0-4F0D-A61F-DF99CFF22539}"/>
-              </a:ext>
-            </a:extLst>
-          </p:cNvPr>
+          <p:cNvPr id="2" name="Title 1"/>
           <p:cNvSpPr>
             <a:spLocks noGrp="1"/>
           </p:cNvSpPr>
@@ -375,18 +440,13 @@
               <a:rPr lang="en-US"/>
               <a:t>Click to edit Master title style</a:t>
             </a:r>
-          </a:p>
-        </p:txBody>
-      </p:sp>
-      <p:sp>
-        <p:nvSpPr>
-          <p:cNvPr id="3" name="Vertical Text Placeholder 2">
-            <a:extLst>
-              <a:ext uri="{FF2B5EF4-FFF2-40B4-BE49-F238E27FC236}">
-                <a16:creationId xmlns:a16="http://schemas.microsoft.com/office/drawing/2014/main" id="{A92D9858-FDB4-44F9-B361-93F3DB487988}"/>
-              </a:ext>
-            </a:extLst>
-          </p:cNvPr>
+            <a:endParaRPr lang="en-US" dirty="0"/>
+          </a:p>
+        </p:txBody>
+      </p:sp>
+      <p:sp>
+        <p:nvSpPr>
+          <p:cNvPr id="3" name="Vertical Text Placeholder 2"/>
           <p:cNvSpPr>
             <a:spLocks noGrp="1"/>
           </p:cNvSpPr>
@@ -432,18 +492,13 @@
               <a:rPr lang="en-US"/>
               <a:t>Fifth level</a:t>
             </a:r>
-          </a:p>
-        </p:txBody>
-      </p:sp>
-      <p:sp>
-        <p:nvSpPr>
-          <p:cNvPr id="4" name="Date Placeholder 3">
-            <a:extLst>
-              <a:ext uri="{FF2B5EF4-FFF2-40B4-BE49-F238E27FC236}">
-                <a16:creationId xmlns:a16="http://schemas.microsoft.com/office/drawing/2014/main" id="{5E2A738C-554C-4FEA-ADCA-73F074B35335}"/>
-              </a:ext>
-            </a:extLst>
-          </p:cNvPr>
+            <a:endParaRPr lang="en-US" dirty="0"/>
+          </a:p>
+        </p:txBody>
+      </p:sp>
+      <p:sp>
+        <p:nvSpPr>
+          <p:cNvPr id="4" name="Date Placeholder 3"/>
           <p:cNvSpPr>
             <a:spLocks noGrp="1"/>
           </p:cNvSpPr>
@@ -458,7 +513,7 @@
           <a:p>
             <a:fld id="{34DFA977-3B96-43F7-83A3-823D9151661D}" type="datetimeFigureOut">
               <a:rPr lang="en-US" smtClean="0"/>
-              <a:t>2/27/2022</a:t>
+              <a:t>28-Feb-22</a:t>
             </a:fld>
             <a:endParaRPr lang="en-US"/>
           </a:p>
@@ -466,13 +521,7 @@
       </p:sp>
       <p:sp>
         <p:nvSpPr>
-          <p:cNvPr id="5" name="Footer Placeholder 4">
-            <a:extLst>
-              <a:ext uri="{FF2B5EF4-FFF2-40B4-BE49-F238E27FC236}">
-                <a16:creationId xmlns:a16="http://schemas.microsoft.com/office/drawing/2014/main" id="{8BEA4D2F-8831-4D08-9AEC-A0967A6E9A5D}"/>
-              </a:ext>
-            </a:extLst>
-          </p:cNvPr>
+          <p:cNvPr id="5" name="Footer Placeholder 4"/>
           <p:cNvSpPr>
             <a:spLocks noGrp="1"/>
           </p:cNvSpPr>
@@ -491,13 +540,7 @@
       </p:sp>
       <p:sp>
         <p:nvSpPr>
-          <p:cNvPr id="6" name="Slide Number Placeholder 5">
-            <a:extLst>
-              <a:ext uri="{FF2B5EF4-FFF2-40B4-BE49-F238E27FC236}">
-                <a16:creationId xmlns:a16="http://schemas.microsoft.com/office/drawing/2014/main" id="{58D06DE8-04D9-4495-BA73-8E0207908515}"/>
-              </a:ext>
-            </a:extLst>
-          </p:cNvPr>
+          <p:cNvPr id="6" name="Slide Number Placeholder 5"/>
           <p:cNvSpPr>
             <a:spLocks noGrp="1"/>
           </p:cNvSpPr>
@@ -521,7 +564,7 @@
     </p:spTree>
     <p:extLst>
       <p:ext uri="{BB962C8B-B14F-4D97-AF65-F5344CB8AC3E}">
-        <p14:creationId xmlns:p14="http://schemas.microsoft.com/office/powerpoint/2010/main" val="1295296905"/>
+        <p14:creationId xmlns:p14="http://schemas.microsoft.com/office/powerpoint/2010/main" val="3483369119"/>
       </p:ext>
     </p:extLst>
   </p:cSld>
@@ -550,13 +593,7 @@
       </p:grpSpPr>
       <p:sp>
         <p:nvSpPr>
-          <p:cNvPr id="2" name="Vertical Title 1">
-            <a:extLst>
-              <a:ext uri="{FF2B5EF4-FFF2-40B4-BE49-F238E27FC236}">
-                <a16:creationId xmlns:a16="http://schemas.microsoft.com/office/drawing/2014/main" id="{B75538B4-3157-4B4F-9DB3-60561C6402BD}"/>
-              </a:ext>
-            </a:extLst>
-          </p:cNvPr>
+          <p:cNvPr id="2" name="Vertical Title 1"/>
           <p:cNvSpPr>
             <a:spLocks noGrp="1"/>
           </p:cNvSpPr>
@@ -566,8 +603,8 @@
         </p:nvSpPr>
         <p:spPr>
           <a:xfrm>
-            <a:off x="8724900" y="365125"/>
-            <a:ext cx="2628900" cy="5811838"/>
+            <a:off x="8648700" y="381000"/>
+            <a:ext cx="2476500" cy="5897562"/>
           </a:xfrm>
         </p:spPr>
         <p:txBody>
@@ -578,18 +615,13 @@
               <a:rPr lang="en-US"/>
               <a:t>Click to edit Master title style</a:t>
             </a:r>
-          </a:p>
-        </p:txBody>
-      </p:sp>
-      <p:sp>
-        <p:nvSpPr>
-          <p:cNvPr id="3" name="Vertical Text Placeholder 2">
-            <a:extLst>
-              <a:ext uri="{FF2B5EF4-FFF2-40B4-BE49-F238E27FC236}">
-                <a16:creationId xmlns:a16="http://schemas.microsoft.com/office/drawing/2014/main" id="{B615553D-EA38-4BE9-A99C-F55C76B093F9}"/>
-              </a:ext>
-            </a:extLst>
-          </p:cNvPr>
+            <a:endParaRPr lang="en-US" dirty="0"/>
+          </a:p>
+        </p:txBody>
+      </p:sp>
+      <p:sp>
+        <p:nvSpPr>
+          <p:cNvPr id="3" name="Vertical Text Placeholder 2"/>
           <p:cNvSpPr>
             <a:spLocks noGrp="1"/>
           </p:cNvSpPr>
@@ -599,8 +631,8 @@
         </p:nvSpPr>
         <p:spPr>
           <a:xfrm>
-            <a:off x="838200" y="365125"/>
-            <a:ext cx="7734300" cy="5811838"/>
+            <a:off x="762000" y="381000"/>
+            <a:ext cx="7734300" cy="5897562"/>
           </a:xfrm>
         </p:spPr>
         <p:txBody>
@@ -640,18 +672,13 @@
               <a:rPr lang="en-US"/>
               <a:t>Fifth level</a:t>
             </a:r>
-          </a:p>
-        </p:txBody>
-      </p:sp>
-      <p:sp>
-        <p:nvSpPr>
-          <p:cNvPr id="4" name="Date Placeholder 3">
-            <a:extLst>
-              <a:ext uri="{FF2B5EF4-FFF2-40B4-BE49-F238E27FC236}">
-                <a16:creationId xmlns:a16="http://schemas.microsoft.com/office/drawing/2014/main" id="{7D7D27AD-64E6-4917-A573-6F1012F5F40F}"/>
-              </a:ext>
-            </a:extLst>
-          </p:cNvPr>
+            <a:endParaRPr lang="en-US" dirty="0"/>
+          </a:p>
+        </p:txBody>
+      </p:sp>
+      <p:sp>
+        <p:nvSpPr>
+          <p:cNvPr id="4" name="Date Placeholder 3"/>
           <p:cNvSpPr>
             <a:spLocks noGrp="1"/>
           </p:cNvSpPr>
@@ -666,7 +693,7 @@
           <a:p>
             <a:fld id="{34DFA977-3B96-43F7-83A3-823D9151661D}" type="datetimeFigureOut">
               <a:rPr lang="en-US" smtClean="0"/>
-              <a:t>2/27/2022</a:t>
+              <a:t>28-Feb-22</a:t>
             </a:fld>
             <a:endParaRPr lang="en-US"/>
           </a:p>
@@ -674,13 +701,7 @@
       </p:sp>
       <p:sp>
         <p:nvSpPr>
-          <p:cNvPr id="5" name="Footer Placeholder 4">
-            <a:extLst>
-              <a:ext uri="{FF2B5EF4-FFF2-40B4-BE49-F238E27FC236}">
-                <a16:creationId xmlns:a16="http://schemas.microsoft.com/office/drawing/2014/main" id="{D7FF4773-5510-4189-94AD-943876B56FB3}"/>
-              </a:ext>
-            </a:extLst>
-          </p:cNvPr>
+          <p:cNvPr id="5" name="Footer Placeholder 4"/>
           <p:cNvSpPr>
             <a:spLocks noGrp="1"/>
           </p:cNvSpPr>
@@ -699,13 +720,7 @@
       </p:sp>
       <p:sp>
         <p:nvSpPr>
-          <p:cNvPr id="6" name="Slide Number Placeholder 5">
-            <a:extLst>
-              <a:ext uri="{FF2B5EF4-FFF2-40B4-BE49-F238E27FC236}">
-                <a16:creationId xmlns:a16="http://schemas.microsoft.com/office/drawing/2014/main" id="{9B258BAF-2AF9-4BDA-819E-3497210C0EE2}"/>
-              </a:ext>
-            </a:extLst>
-          </p:cNvPr>
+          <p:cNvPr id="6" name="Slide Number Placeholder 5"/>
           <p:cNvSpPr>
             <a:spLocks noGrp="1"/>
           </p:cNvSpPr>
@@ -729,7 +744,7 @@
     </p:spTree>
     <p:extLst>
       <p:ext uri="{BB962C8B-B14F-4D97-AF65-F5344CB8AC3E}">
-        <p14:creationId xmlns:p14="http://schemas.microsoft.com/office/powerpoint/2010/main" val="3930018953"/>
+        <p14:creationId xmlns:p14="http://schemas.microsoft.com/office/powerpoint/2010/main" val="3856230246"/>
       </p:ext>
     </p:extLst>
   </p:cSld>
@@ -758,13 +773,7 @@
       </p:grpSpPr>
       <p:sp>
         <p:nvSpPr>
-          <p:cNvPr id="2" name="Title 1">
-            <a:extLst>
-              <a:ext uri="{FF2B5EF4-FFF2-40B4-BE49-F238E27FC236}">
-                <a16:creationId xmlns:a16="http://schemas.microsoft.com/office/drawing/2014/main" id="{7C83112F-70F7-4AC7-AEA1-046D3ABDB82F}"/>
-              </a:ext>
-            </a:extLst>
-          </p:cNvPr>
+          <p:cNvPr id="2" name="Title 1"/>
           <p:cNvSpPr>
             <a:spLocks noGrp="1"/>
           </p:cNvSpPr>
@@ -781,18 +790,13 @@
               <a:rPr lang="en-US"/>
               <a:t>Click to edit Master title style</a:t>
             </a:r>
-          </a:p>
-        </p:txBody>
-      </p:sp>
-      <p:sp>
-        <p:nvSpPr>
-          <p:cNvPr id="3" name="Content Placeholder 2">
-            <a:extLst>
-              <a:ext uri="{FF2B5EF4-FFF2-40B4-BE49-F238E27FC236}">
-                <a16:creationId xmlns:a16="http://schemas.microsoft.com/office/drawing/2014/main" id="{2A9DFD6E-2A4D-41B2-BC97-59AA9F40D65A}"/>
-              </a:ext>
-            </a:extLst>
-          </p:cNvPr>
+            <a:endParaRPr lang="en-US" dirty="0"/>
+          </a:p>
+        </p:txBody>
+      </p:sp>
+      <p:sp>
+        <p:nvSpPr>
+          <p:cNvPr id="3" name="Content Placeholder 2"/>
           <p:cNvSpPr>
             <a:spLocks noGrp="1"/>
           </p:cNvSpPr>
@@ -838,18 +842,13 @@
               <a:rPr lang="en-US"/>
               <a:t>Fifth level</a:t>
             </a:r>
-          </a:p>
-        </p:txBody>
-      </p:sp>
-      <p:sp>
-        <p:nvSpPr>
-          <p:cNvPr id="4" name="Date Placeholder 3">
-            <a:extLst>
-              <a:ext uri="{FF2B5EF4-FFF2-40B4-BE49-F238E27FC236}">
-                <a16:creationId xmlns:a16="http://schemas.microsoft.com/office/drawing/2014/main" id="{8EF12D3E-9333-499A-8E3C-343CB07169A9}"/>
-              </a:ext>
-            </a:extLst>
-          </p:cNvPr>
+            <a:endParaRPr lang="en-US" dirty="0"/>
+          </a:p>
+        </p:txBody>
+      </p:sp>
+      <p:sp>
+        <p:nvSpPr>
+          <p:cNvPr id="4" name="Date Placeholder 3"/>
           <p:cNvSpPr>
             <a:spLocks noGrp="1"/>
           </p:cNvSpPr>
@@ -864,7 +863,7 @@
           <a:p>
             <a:fld id="{34DFA977-3B96-43F7-83A3-823D9151661D}" type="datetimeFigureOut">
               <a:rPr lang="en-US" smtClean="0"/>
-              <a:t>2/27/2022</a:t>
+              <a:t>28-Feb-22</a:t>
             </a:fld>
             <a:endParaRPr lang="en-US"/>
           </a:p>
@@ -872,13 +871,7 @@
       </p:sp>
       <p:sp>
         <p:nvSpPr>
-          <p:cNvPr id="5" name="Footer Placeholder 4">
-            <a:extLst>
-              <a:ext uri="{FF2B5EF4-FFF2-40B4-BE49-F238E27FC236}">
-                <a16:creationId xmlns:a16="http://schemas.microsoft.com/office/drawing/2014/main" id="{95628DC4-A112-40FB-9A79-A690B7EFA505}"/>
-              </a:ext>
-            </a:extLst>
-          </p:cNvPr>
+          <p:cNvPr id="5" name="Footer Placeholder 4"/>
           <p:cNvSpPr>
             <a:spLocks noGrp="1"/>
           </p:cNvSpPr>
@@ -897,13 +890,7 @@
       </p:sp>
       <p:sp>
         <p:nvSpPr>
-          <p:cNvPr id="6" name="Slide Number Placeholder 5">
-            <a:extLst>
-              <a:ext uri="{FF2B5EF4-FFF2-40B4-BE49-F238E27FC236}">
-                <a16:creationId xmlns:a16="http://schemas.microsoft.com/office/drawing/2014/main" id="{C3BADD94-A7E7-4D55-9A52-B152234EC28F}"/>
-              </a:ext>
-            </a:extLst>
-          </p:cNvPr>
+          <p:cNvPr id="6" name="Slide Number Placeholder 5"/>
           <p:cNvSpPr>
             <a:spLocks noGrp="1"/>
           </p:cNvSpPr>
@@ -927,7 +914,7 @@
     </p:spTree>
     <p:extLst>
       <p:ext uri="{BB962C8B-B14F-4D97-AF65-F5344CB8AC3E}">
-        <p14:creationId xmlns:p14="http://schemas.microsoft.com/office/powerpoint/2010/main" val="2645212646"/>
+        <p14:creationId xmlns:p14="http://schemas.microsoft.com/office/powerpoint/2010/main" val="3222442361"/>
       </p:ext>
     </p:extLst>
   </p:cSld>
@@ -956,13 +943,7 @@
       </p:grpSpPr>
       <p:sp>
         <p:nvSpPr>
-          <p:cNvPr id="2" name="Title 1">
-            <a:extLst>
-              <a:ext uri="{FF2B5EF4-FFF2-40B4-BE49-F238E27FC236}">
-                <a16:creationId xmlns:a16="http://schemas.microsoft.com/office/drawing/2014/main" id="{E50D06D5-A6E1-4D5E-ABD6-728A0026B6CF}"/>
-              </a:ext>
-            </a:extLst>
-          </p:cNvPr>
+          <p:cNvPr id="2" name="Title 1"/>
           <p:cNvSpPr>
             <a:spLocks noGrp="1"/>
           </p:cNvSpPr>
@@ -972,15 +953,20 @@
         </p:nvSpPr>
         <p:spPr>
           <a:xfrm>
-            <a:off x="831850" y="1709738"/>
-            <a:ext cx="10515600" cy="2852737"/>
+            <a:off x="1261872" y="758952"/>
+            <a:ext cx="9418320" cy="4041648"/>
           </a:xfrm>
         </p:spPr>
         <p:txBody>
-          <a:bodyPr anchor="b"/>
+          <a:bodyPr anchor="b">
+            <a:normAutofit/>
+          </a:bodyPr>
           <a:lstStyle>
             <a:lvl1pPr>
-              <a:defRPr sz="6000"/>
+              <a:lnSpc>
+                <a:spcPct val="85000"/>
+              </a:lnSpc>
+              <a:defRPr sz="7200" b="0"/>
             </a:lvl1pPr>
           </a:lstStyle>
           <a:p>
@@ -988,18 +974,13 @@
               <a:rPr lang="en-US"/>
               <a:t>Click to edit Master title style</a:t>
             </a:r>
-          </a:p>
-        </p:txBody>
-      </p:sp>
-      <p:sp>
-        <p:nvSpPr>
-          <p:cNvPr id="3" name="Text Placeholder 2">
-            <a:extLst>
-              <a:ext uri="{FF2B5EF4-FFF2-40B4-BE49-F238E27FC236}">
-                <a16:creationId xmlns:a16="http://schemas.microsoft.com/office/drawing/2014/main" id="{3B1A395D-B005-4B56-96DB-7002145AFDEB}"/>
-              </a:ext>
-            </a:extLst>
-          </p:cNvPr>
+            <a:endParaRPr lang="en-US" dirty="0"/>
+          </a:p>
+        </p:txBody>
+      </p:sp>
+      <p:sp>
+        <p:nvSpPr>
+          <p:cNvPr id="3" name="Text Placeholder 2"/>
           <p:cNvSpPr>
             <a:spLocks noGrp="1"/>
           </p:cNvSpPr>
@@ -1009,26 +990,29 @@
         </p:nvSpPr>
         <p:spPr>
           <a:xfrm>
-            <a:off x="831850" y="4589463"/>
-            <a:ext cx="10515600" cy="1500187"/>
+            <a:off x="1261872" y="4800600"/>
+            <a:ext cx="9418320" cy="1691640"/>
           </a:xfrm>
         </p:spPr>
         <p:txBody>
-          <a:bodyPr/>
+          <a:bodyPr anchor="t">
+            <a:normAutofit/>
+          </a:bodyPr>
           <a:lstStyle>
             <a:lvl1pPr marL="0" indent="0">
               <a:buNone/>
-              <a:defRPr sz="2400">
+              <a:defRPr sz="2200">
                 <a:solidFill>
                   <a:schemeClr val="tx1">
-                    <a:tint val="75000"/>
+                    <a:lumMod val="65000"/>
+                    <a:lumOff val="35000"/>
                   </a:schemeClr>
                 </a:solidFill>
               </a:defRPr>
             </a:lvl1pPr>
             <a:lvl2pPr marL="457200" indent="0">
               <a:buNone/>
-              <a:defRPr sz="2000">
+              <a:defRPr sz="1800">
                 <a:solidFill>
                   <a:schemeClr val="tx1">
                     <a:tint val="75000"/>
@@ -1038,7 +1022,7 @@
             </a:lvl2pPr>
             <a:lvl3pPr marL="914400" indent="0">
               <a:buNone/>
-              <a:defRPr sz="1800">
+              <a:defRPr sz="1600">
                 <a:solidFill>
                   <a:schemeClr val="tx1">
                     <a:tint val="75000"/>
@@ -1048,7 +1032,7 @@
             </a:lvl3pPr>
             <a:lvl4pPr marL="1371600" indent="0">
               <a:buNone/>
-              <a:defRPr sz="1600">
+              <a:defRPr sz="1400">
                 <a:solidFill>
                   <a:schemeClr val="tx1">
                     <a:tint val="75000"/>
@@ -1058,7 +1042,7 @@
             </a:lvl4pPr>
             <a:lvl5pPr marL="1828800" indent="0">
               <a:buNone/>
-              <a:defRPr sz="1600">
+              <a:defRPr sz="1400">
                 <a:solidFill>
                   <a:schemeClr val="tx1">
                     <a:tint val="75000"/>
@@ -1068,7 +1052,7 @@
             </a:lvl5pPr>
             <a:lvl6pPr marL="2286000" indent="0">
               <a:buNone/>
-              <a:defRPr sz="1600">
+              <a:defRPr sz="1400">
                 <a:solidFill>
                   <a:schemeClr val="tx1">
                     <a:tint val="75000"/>
@@ -1078,7 +1062,7 @@
             </a:lvl6pPr>
             <a:lvl7pPr marL="2743200" indent="0">
               <a:buNone/>
-              <a:defRPr sz="1600">
+              <a:defRPr sz="1400">
                 <a:solidFill>
                   <a:schemeClr val="tx1">
                     <a:tint val="75000"/>
@@ -1088,7 +1072,7 @@
             </a:lvl7pPr>
             <a:lvl8pPr marL="3200400" indent="0">
               <a:buNone/>
-              <a:defRPr sz="1600">
+              <a:defRPr sz="1400">
                 <a:solidFill>
                   <a:schemeClr val="tx1">
                     <a:tint val="75000"/>
@@ -1098,7 +1082,7 @@
             </a:lvl8pPr>
             <a:lvl9pPr marL="3657600" indent="0">
               <a:buNone/>
-              <a:defRPr sz="1600">
+              <a:defRPr sz="1400">
                 <a:solidFill>
                   <a:schemeClr val="tx1">
                     <a:tint val="75000"/>
@@ -1118,13 +1102,7 @@
       </p:sp>
       <p:sp>
         <p:nvSpPr>
-          <p:cNvPr id="4" name="Date Placeholder 3">
-            <a:extLst>
-              <a:ext uri="{FF2B5EF4-FFF2-40B4-BE49-F238E27FC236}">
-                <a16:creationId xmlns:a16="http://schemas.microsoft.com/office/drawing/2014/main" id="{35B28410-08B6-4629-AE8E-38D975CA474A}"/>
-              </a:ext>
-            </a:extLst>
-          </p:cNvPr>
+          <p:cNvPr id="4" name="Date Placeholder 3"/>
           <p:cNvSpPr>
             <a:spLocks noGrp="1"/>
           </p:cNvSpPr>
@@ -1139,7 +1117,7 @@
           <a:p>
             <a:fld id="{34DFA977-3B96-43F7-83A3-823D9151661D}" type="datetimeFigureOut">
               <a:rPr lang="en-US" smtClean="0"/>
-              <a:t>2/27/2022</a:t>
+              <a:t>28-Feb-22</a:t>
             </a:fld>
             <a:endParaRPr lang="en-US"/>
           </a:p>
@@ -1147,13 +1125,7 @@
       </p:sp>
       <p:sp>
         <p:nvSpPr>
-          <p:cNvPr id="5" name="Footer Placeholder 4">
-            <a:extLst>
-              <a:ext uri="{FF2B5EF4-FFF2-40B4-BE49-F238E27FC236}">
-                <a16:creationId xmlns:a16="http://schemas.microsoft.com/office/drawing/2014/main" id="{3D362599-370A-4F85-B2FC-51597617DB38}"/>
-              </a:ext>
-            </a:extLst>
-          </p:cNvPr>
+          <p:cNvPr id="5" name="Footer Placeholder 4"/>
           <p:cNvSpPr>
             <a:spLocks noGrp="1"/>
           </p:cNvSpPr>
@@ -1172,13 +1144,7 @@
       </p:sp>
       <p:sp>
         <p:nvSpPr>
-          <p:cNvPr id="6" name="Slide Number Placeholder 5">
-            <a:extLst>
-              <a:ext uri="{FF2B5EF4-FFF2-40B4-BE49-F238E27FC236}">
-                <a16:creationId xmlns:a16="http://schemas.microsoft.com/office/drawing/2014/main" id="{FE6E90D8-0EC6-4EEF-92BB-B382DFFB0C19}"/>
-              </a:ext>
-            </a:extLst>
-          </p:cNvPr>
+          <p:cNvPr id="6" name="Slide Number Placeholder 5"/>
           <p:cNvSpPr>
             <a:spLocks noGrp="1"/>
           </p:cNvSpPr>
@@ -1199,10 +1165,48 @@
           </a:p>
         </p:txBody>
       </p:sp>
+      <p:sp>
+        <p:nvSpPr>
+          <p:cNvPr id="7" name="Rectangle 6"/>
+          <p:cNvSpPr/>
+          <p:nvPr/>
+        </p:nvSpPr>
+        <p:spPr>
+          <a:xfrm>
+            <a:off x="0" y="0"/>
+            <a:ext cx="457200" cy="6858000"/>
+          </a:xfrm>
+          <a:prstGeom prst="rect">
+            <a:avLst/>
+          </a:prstGeom>
+          <a:solidFill>
+            <a:schemeClr val="accent1"/>
+          </a:solidFill>
+          <a:ln>
+            <a:noFill/>
+          </a:ln>
+        </p:spPr>
+        <p:style>
+          <a:lnRef idx="2">
+            <a:schemeClr val="accent1">
+              <a:shade val="50000"/>
+            </a:schemeClr>
+          </a:lnRef>
+          <a:fillRef idx="1">
+            <a:schemeClr val="accent1"/>
+          </a:fillRef>
+          <a:effectRef idx="0">
+            <a:schemeClr val="accent1"/>
+          </a:effectRef>
+          <a:fontRef idx="minor">
+            <a:schemeClr val="lt1"/>
+          </a:fontRef>
+        </p:style>
+      </p:sp>
     </p:spTree>
     <p:extLst>
       <p:ext uri="{BB962C8B-B14F-4D97-AF65-F5344CB8AC3E}">
-        <p14:creationId xmlns:p14="http://schemas.microsoft.com/office/powerpoint/2010/main" val="3752459085"/>
+        <p14:creationId xmlns:p14="http://schemas.microsoft.com/office/powerpoint/2010/main" val="3920945161"/>
       </p:ext>
     </p:extLst>
   </p:cSld>
@@ -1231,13 +1235,7 @@
       </p:grpSpPr>
       <p:sp>
         <p:nvSpPr>
-          <p:cNvPr id="2" name="Title 1">
-            <a:extLst>
-              <a:ext uri="{FF2B5EF4-FFF2-40B4-BE49-F238E27FC236}">
-                <a16:creationId xmlns:a16="http://schemas.microsoft.com/office/drawing/2014/main" id="{9C2BA494-B59F-4FB7-A0E5-4071AAE74F1B}"/>
-              </a:ext>
-            </a:extLst>
-          </p:cNvPr>
+          <p:cNvPr id="2" name="Title 1"/>
           <p:cNvSpPr>
             <a:spLocks noGrp="1"/>
           </p:cNvSpPr>
@@ -1254,18 +1252,13 @@
               <a:rPr lang="en-US"/>
               <a:t>Click to edit Master title style</a:t>
             </a:r>
-          </a:p>
-        </p:txBody>
-      </p:sp>
-      <p:sp>
-        <p:nvSpPr>
-          <p:cNvPr id="3" name="Content Placeholder 2">
-            <a:extLst>
-              <a:ext uri="{FF2B5EF4-FFF2-40B4-BE49-F238E27FC236}">
-                <a16:creationId xmlns:a16="http://schemas.microsoft.com/office/drawing/2014/main" id="{D151B99D-2F76-4B45-87B5-55ABC3D7E039}"/>
-              </a:ext>
-            </a:extLst>
-          </p:cNvPr>
+            <a:endParaRPr lang="en-US" dirty="0"/>
+          </a:p>
+        </p:txBody>
+      </p:sp>
+      <p:sp>
+        <p:nvSpPr>
+          <p:cNvPr id="3" name="Content Placeholder 2"/>
           <p:cNvSpPr>
             <a:spLocks noGrp="1"/>
           </p:cNvSpPr>
@@ -1275,13 +1268,41 @@
         </p:nvSpPr>
         <p:spPr>
           <a:xfrm>
-            <a:off x="838200" y="1825625"/>
-            <a:ext cx="5181600" cy="4351338"/>
+            <a:off x="1261872" y="1828800"/>
+            <a:ext cx="4480560" cy="4351337"/>
           </a:xfrm>
         </p:spPr>
         <p:txBody>
           <a:bodyPr/>
-          <a:lstStyle/>
+          <a:lstStyle>
+            <a:lvl1pPr>
+              <a:defRPr sz="1800"/>
+            </a:lvl1pPr>
+            <a:lvl2pPr>
+              <a:defRPr sz="1600"/>
+            </a:lvl2pPr>
+            <a:lvl3pPr>
+              <a:defRPr sz="1400"/>
+            </a:lvl3pPr>
+            <a:lvl4pPr>
+              <a:defRPr sz="1400"/>
+            </a:lvl4pPr>
+            <a:lvl5pPr>
+              <a:defRPr sz="1400"/>
+            </a:lvl5pPr>
+            <a:lvl6pPr>
+              <a:defRPr sz="1400"/>
+            </a:lvl6pPr>
+            <a:lvl7pPr>
+              <a:defRPr sz="1400"/>
+            </a:lvl7pPr>
+            <a:lvl8pPr>
+              <a:defRPr sz="1400"/>
+            </a:lvl8pPr>
+            <a:lvl9pPr>
+              <a:defRPr sz="1400"/>
+            </a:lvl9pPr>
+          </a:lstStyle>
           <a:p>
             <a:pPr lvl="0"/>
             <a:r>
@@ -1316,18 +1337,13 @@
               <a:rPr lang="en-US"/>
               <a:t>Fifth level</a:t>
             </a:r>
-          </a:p>
-        </p:txBody>
-      </p:sp>
-      <p:sp>
-        <p:nvSpPr>
-          <p:cNvPr id="4" name="Content Placeholder 3">
-            <a:extLst>
-              <a:ext uri="{FF2B5EF4-FFF2-40B4-BE49-F238E27FC236}">
-                <a16:creationId xmlns:a16="http://schemas.microsoft.com/office/drawing/2014/main" id="{F649117A-D52E-40E6-9F09-54B1D4CA5F45}"/>
-              </a:ext>
-            </a:extLst>
-          </p:cNvPr>
+            <a:endParaRPr lang="en-US" dirty="0"/>
+          </a:p>
+        </p:txBody>
+      </p:sp>
+      <p:sp>
+        <p:nvSpPr>
+          <p:cNvPr id="4" name="Content Placeholder 3"/>
           <p:cNvSpPr>
             <a:spLocks noGrp="1"/>
           </p:cNvSpPr>
@@ -1337,13 +1353,41 @@
         </p:nvSpPr>
         <p:spPr>
           <a:xfrm>
-            <a:off x="6172200" y="1825625"/>
-            <a:ext cx="5181600" cy="4351338"/>
+            <a:off x="6126480" y="1828800"/>
+            <a:ext cx="4480560" cy="4351337"/>
           </a:xfrm>
         </p:spPr>
         <p:txBody>
           <a:bodyPr/>
-          <a:lstStyle/>
+          <a:lstStyle>
+            <a:lvl1pPr>
+              <a:defRPr sz="1800"/>
+            </a:lvl1pPr>
+            <a:lvl2pPr>
+              <a:defRPr sz="1600"/>
+            </a:lvl2pPr>
+            <a:lvl3pPr>
+              <a:defRPr sz="1400"/>
+            </a:lvl3pPr>
+            <a:lvl4pPr>
+              <a:defRPr sz="1400"/>
+            </a:lvl4pPr>
+            <a:lvl5pPr>
+              <a:defRPr sz="1400"/>
+            </a:lvl5pPr>
+            <a:lvl6pPr>
+              <a:defRPr sz="1400"/>
+            </a:lvl6pPr>
+            <a:lvl7pPr>
+              <a:defRPr sz="1400"/>
+            </a:lvl7pPr>
+            <a:lvl8pPr>
+              <a:defRPr sz="1400"/>
+            </a:lvl8pPr>
+            <a:lvl9pPr>
+              <a:defRPr sz="1400"/>
+            </a:lvl9pPr>
+          </a:lstStyle>
           <a:p>
             <a:pPr lvl="0"/>
             <a:r>
@@ -1378,18 +1422,13 @@
               <a:rPr lang="en-US"/>
               <a:t>Fifth level</a:t>
             </a:r>
-          </a:p>
-        </p:txBody>
-      </p:sp>
-      <p:sp>
-        <p:nvSpPr>
-          <p:cNvPr id="5" name="Date Placeholder 4">
-            <a:extLst>
-              <a:ext uri="{FF2B5EF4-FFF2-40B4-BE49-F238E27FC236}">
-                <a16:creationId xmlns:a16="http://schemas.microsoft.com/office/drawing/2014/main" id="{D78519AF-01AA-4471-888D-88378983E0DE}"/>
-              </a:ext>
-            </a:extLst>
-          </p:cNvPr>
+            <a:endParaRPr lang="en-US" dirty="0"/>
+          </a:p>
+        </p:txBody>
+      </p:sp>
+      <p:sp>
+        <p:nvSpPr>
+          <p:cNvPr id="5" name="Date Placeholder 4"/>
           <p:cNvSpPr>
             <a:spLocks noGrp="1"/>
           </p:cNvSpPr>
@@ -1404,7 +1443,7 @@
           <a:p>
             <a:fld id="{34DFA977-3B96-43F7-83A3-823D9151661D}" type="datetimeFigureOut">
               <a:rPr lang="en-US" smtClean="0"/>
-              <a:t>2/27/2022</a:t>
+              <a:t>28-Feb-22</a:t>
             </a:fld>
             <a:endParaRPr lang="en-US"/>
           </a:p>
@@ -1412,13 +1451,7 @@
       </p:sp>
       <p:sp>
         <p:nvSpPr>
-          <p:cNvPr id="6" name="Footer Placeholder 5">
-            <a:extLst>
-              <a:ext uri="{FF2B5EF4-FFF2-40B4-BE49-F238E27FC236}">
-                <a16:creationId xmlns:a16="http://schemas.microsoft.com/office/drawing/2014/main" id="{795F63B4-04B9-4C4C-8A2D-BAF9544D5F0E}"/>
-              </a:ext>
-            </a:extLst>
-          </p:cNvPr>
+          <p:cNvPr id="6" name="Footer Placeholder 5"/>
           <p:cNvSpPr>
             <a:spLocks noGrp="1"/>
           </p:cNvSpPr>
@@ -1437,13 +1470,7 @@
       </p:sp>
       <p:sp>
         <p:nvSpPr>
-          <p:cNvPr id="7" name="Slide Number Placeholder 6">
-            <a:extLst>
-              <a:ext uri="{FF2B5EF4-FFF2-40B4-BE49-F238E27FC236}">
-                <a16:creationId xmlns:a16="http://schemas.microsoft.com/office/drawing/2014/main" id="{4491B2C7-BB9F-4356-B18B-0330A0D84DDF}"/>
-              </a:ext>
-            </a:extLst>
-          </p:cNvPr>
+          <p:cNvPr id="7" name="Slide Number Placeholder 6"/>
           <p:cNvSpPr>
             <a:spLocks noGrp="1"/>
           </p:cNvSpPr>
@@ -1467,7 +1494,7 @@
     </p:spTree>
     <p:extLst>
       <p:ext uri="{BB962C8B-B14F-4D97-AF65-F5344CB8AC3E}">
-        <p14:creationId xmlns:p14="http://schemas.microsoft.com/office/powerpoint/2010/main" val="2141198771"/>
+        <p14:creationId xmlns:p14="http://schemas.microsoft.com/office/powerpoint/2010/main" val="886332337"/>
       </p:ext>
     </p:extLst>
   </p:cSld>
@@ -1496,13 +1523,7 @@
       </p:grpSpPr>
       <p:sp>
         <p:nvSpPr>
-          <p:cNvPr id="2" name="Title 1">
-            <a:extLst>
-              <a:ext uri="{FF2B5EF4-FFF2-40B4-BE49-F238E27FC236}">
-                <a16:creationId xmlns:a16="http://schemas.microsoft.com/office/drawing/2014/main" id="{72E52C5C-350D-4D5A-9E77-F51097CE6E98}"/>
-              </a:ext>
-            </a:extLst>
-          </p:cNvPr>
+          <p:cNvPr id="10" name="Title 9"/>
           <p:cNvSpPr>
             <a:spLocks noGrp="1"/>
           </p:cNvSpPr>
@@ -1510,12 +1531,7 @@
             <p:ph type="title"/>
           </p:nvPr>
         </p:nvSpPr>
-        <p:spPr>
-          <a:xfrm>
-            <a:off x="839788" y="365125"/>
-            <a:ext cx="10515600" cy="1325563"/>
-          </a:xfrm>
-        </p:spPr>
+        <p:spPr/>
         <p:txBody>
           <a:bodyPr/>
           <a:lstStyle/>
@@ -1524,18 +1540,13 @@
               <a:rPr lang="en-US"/>
               <a:t>Click to edit Master title style</a:t>
             </a:r>
-          </a:p>
-        </p:txBody>
-      </p:sp>
-      <p:sp>
-        <p:nvSpPr>
-          <p:cNvPr id="3" name="Text Placeholder 2">
-            <a:extLst>
-              <a:ext uri="{FF2B5EF4-FFF2-40B4-BE49-F238E27FC236}">
-                <a16:creationId xmlns:a16="http://schemas.microsoft.com/office/drawing/2014/main" id="{BC43A800-FA34-4685-B885-B1B02205F853}"/>
-              </a:ext>
-            </a:extLst>
-          </p:cNvPr>
+            <a:endParaRPr lang="en-US" dirty="0"/>
+          </a:p>
+        </p:txBody>
+      </p:sp>
+      <p:sp>
+        <p:nvSpPr>
+          <p:cNvPr id="3" name="Text Placeholder 2"/>
           <p:cNvSpPr>
             <a:spLocks noGrp="1"/>
           </p:cNvSpPr>
@@ -1545,16 +1556,25 @@
         </p:nvSpPr>
         <p:spPr>
           <a:xfrm>
-            <a:off x="839788" y="1681163"/>
-            <a:ext cx="5157787" cy="823912"/>
+            <a:off x="1261872" y="1713655"/>
+            <a:ext cx="4480560" cy="731520"/>
           </a:xfrm>
         </p:spPr>
         <p:txBody>
-          <a:bodyPr anchor="b"/>
+          <a:bodyPr anchor="b">
+            <a:normAutofit/>
+          </a:bodyPr>
           <a:lstStyle>
             <a:lvl1pPr marL="0" indent="0">
+              <a:spcBef>
+                <a:spcPts val="0"/>
+              </a:spcBef>
               <a:buNone/>
-              <a:defRPr sz="2400" b="1"/>
+              <a:defRPr sz="2000" b="0">
+                <a:solidFill>
+                  <a:schemeClr val="tx2"/>
+                </a:solidFill>
+              </a:defRPr>
             </a:lvl1pPr>
             <a:lvl2pPr marL="457200" indent="0">
               <a:buNone/>
@@ -1600,13 +1620,7 @@
       </p:sp>
       <p:sp>
         <p:nvSpPr>
-          <p:cNvPr id="4" name="Content Placeholder 3">
-            <a:extLst>
-              <a:ext uri="{FF2B5EF4-FFF2-40B4-BE49-F238E27FC236}">
-                <a16:creationId xmlns:a16="http://schemas.microsoft.com/office/drawing/2014/main" id="{F4FB7F30-7BE0-4E7D-A7FD-45BB0B3DAA71}"/>
-              </a:ext>
-            </a:extLst>
-          </p:cNvPr>
+          <p:cNvPr id="4" name="Content Placeholder 3"/>
           <p:cNvSpPr>
             <a:spLocks noGrp="1"/>
           </p:cNvSpPr>
@@ -1616,13 +1630,41 @@
         </p:nvSpPr>
         <p:spPr>
           <a:xfrm>
-            <a:off x="839788" y="2505075"/>
-            <a:ext cx="5157787" cy="3684588"/>
+            <a:off x="1261872" y="2507550"/>
+            <a:ext cx="4480560" cy="3664650"/>
           </a:xfrm>
         </p:spPr>
         <p:txBody>
           <a:bodyPr/>
-          <a:lstStyle/>
+          <a:lstStyle>
+            <a:lvl1pPr>
+              <a:defRPr sz="1800"/>
+            </a:lvl1pPr>
+            <a:lvl2pPr>
+              <a:defRPr sz="1600"/>
+            </a:lvl2pPr>
+            <a:lvl3pPr>
+              <a:defRPr sz="1400"/>
+            </a:lvl3pPr>
+            <a:lvl4pPr>
+              <a:defRPr sz="1400"/>
+            </a:lvl4pPr>
+            <a:lvl5pPr>
+              <a:defRPr sz="1400"/>
+            </a:lvl5pPr>
+            <a:lvl6pPr>
+              <a:defRPr sz="1400"/>
+            </a:lvl6pPr>
+            <a:lvl7pPr>
+              <a:defRPr sz="1400"/>
+            </a:lvl7pPr>
+            <a:lvl8pPr>
+              <a:defRPr sz="1400"/>
+            </a:lvl8pPr>
+            <a:lvl9pPr>
+              <a:defRPr sz="1400"/>
+            </a:lvl9pPr>
+          </a:lstStyle>
           <a:p>
             <a:pPr lvl="0"/>
             <a:r>
@@ -1657,18 +1699,13 @@
               <a:rPr lang="en-US"/>
               <a:t>Fifth level</a:t>
             </a:r>
-          </a:p>
-        </p:txBody>
-      </p:sp>
-      <p:sp>
-        <p:nvSpPr>
-          <p:cNvPr id="5" name="Text Placeholder 4">
-            <a:extLst>
-              <a:ext uri="{FF2B5EF4-FFF2-40B4-BE49-F238E27FC236}">
-                <a16:creationId xmlns:a16="http://schemas.microsoft.com/office/drawing/2014/main" id="{91088028-B250-475A-B7BF-EE08DA6DF5F4}"/>
-              </a:ext>
-            </a:extLst>
-          </p:cNvPr>
+            <a:endParaRPr lang="en-US" dirty="0"/>
+          </a:p>
+        </p:txBody>
+      </p:sp>
+      <p:sp>
+        <p:nvSpPr>
+          <p:cNvPr id="5" name="Text Placeholder 4"/>
           <p:cNvSpPr>
             <a:spLocks noGrp="1"/>
           </p:cNvSpPr>
@@ -1678,16 +1715,31 @@
         </p:nvSpPr>
         <p:spPr>
           <a:xfrm>
-            <a:off x="6172200" y="1681163"/>
-            <a:ext cx="5183188" cy="823912"/>
+            <a:off x="6126480" y="1713655"/>
+            <a:ext cx="4480560" cy="731520"/>
           </a:xfrm>
         </p:spPr>
         <p:txBody>
-          <a:bodyPr anchor="b"/>
+          <a:bodyPr anchor="b">
+            <a:normAutofit/>
+          </a:bodyPr>
           <a:lstStyle>
             <a:lvl1pPr marL="0" indent="0">
+              <a:lnSpc>
+                <a:spcPct val="95000"/>
+              </a:lnSpc>
+              <a:spcBef>
+                <a:spcPts val="0"/>
+              </a:spcBef>
               <a:buNone/>
-              <a:defRPr sz="2400" b="1"/>
+              <a:defRPr lang="en-US" sz="2000" b="0" kern="1200" dirty="0">
+                <a:solidFill>
+                  <a:schemeClr val="tx2"/>
+                </a:solidFill>
+                <a:latin typeface="+mn-lt"/>
+                <a:ea typeface="+mn-ea"/>
+                <a:cs typeface="+mn-cs"/>
+              </a:defRPr>
             </a:lvl1pPr>
             <a:lvl2pPr marL="457200" indent="0">
               <a:buNone/>
@@ -1723,7 +1775,16 @@
             </a:lvl9pPr>
           </a:lstStyle>
           <a:p>
-            <a:pPr lvl="0"/>
+            <a:pPr marL="0" lvl="0" indent="0" algn="l" defTabSz="914400" rtl="0" eaLnBrk="1" latinLnBrk="0" hangingPunct="1">
+              <a:lnSpc>
+                <a:spcPct val="90000"/>
+              </a:lnSpc>
+              <a:spcBef>
+                <a:spcPts val="2000"/>
+              </a:spcBef>
+              <a:buFontTx/>
+              <a:buNone/>
+            </a:pPr>
             <a:r>
               <a:rPr lang="en-US"/>
               <a:t>Click to edit Master text styles</a:t>
@@ -1733,13 +1794,7 @@
       </p:sp>
       <p:sp>
         <p:nvSpPr>
-          <p:cNvPr id="6" name="Content Placeholder 5">
-            <a:extLst>
-              <a:ext uri="{FF2B5EF4-FFF2-40B4-BE49-F238E27FC236}">
-                <a16:creationId xmlns:a16="http://schemas.microsoft.com/office/drawing/2014/main" id="{DF079CB9-1A80-4355-B093-4F8DC0F1E42C}"/>
-              </a:ext>
-            </a:extLst>
-          </p:cNvPr>
+          <p:cNvPr id="6" name="Content Placeholder 5"/>
           <p:cNvSpPr>
             <a:spLocks noGrp="1"/>
           </p:cNvSpPr>
@@ -1749,13 +1804,41 @@
         </p:nvSpPr>
         <p:spPr>
           <a:xfrm>
-            <a:off x="6172200" y="2505075"/>
-            <a:ext cx="5183188" cy="3684588"/>
+            <a:off x="6126480" y="2507550"/>
+            <a:ext cx="4480560" cy="3664650"/>
           </a:xfrm>
         </p:spPr>
         <p:txBody>
           <a:bodyPr/>
-          <a:lstStyle/>
+          <a:lstStyle>
+            <a:lvl1pPr>
+              <a:defRPr sz="1800"/>
+            </a:lvl1pPr>
+            <a:lvl2pPr>
+              <a:defRPr sz="1600"/>
+            </a:lvl2pPr>
+            <a:lvl3pPr>
+              <a:defRPr sz="1400"/>
+            </a:lvl3pPr>
+            <a:lvl4pPr>
+              <a:defRPr sz="1400"/>
+            </a:lvl4pPr>
+            <a:lvl5pPr>
+              <a:defRPr sz="1400"/>
+            </a:lvl5pPr>
+            <a:lvl6pPr>
+              <a:defRPr sz="1400"/>
+            </a:lvl6pPr>
+            <a:lvl7pPr>
+              <a:defRPr sz="1400"/>
+            </a:lvl7pPr>
+            <a:lvl8pPr>
+              <a:defRPr sz="1400"/>
+            </a:lvl8pPr>
+            <a:lvl9pPr>
+              <a:defRPr sz="1400"/>
+            </a:lvl9pPr>
+          </a:lstStyle>
           <a:p>
             <a:pPr lvl="0"/>
             <a:r>
@@ -1790,18 +1873,13 @@
               <a:rPr lang="en-US"/>
               <a:t>Fifth level</a:t>
             </a:r>
-          </a:p>
-        </p:txBody>
-      </p:sp>
-      <p:sp>
-        <p:nvSpPr>
-          <p:cNvPr id="7" name="Date Placeholder 6">
-            <a:extLst>
-              <a:ext uri="{FF2B5EF4-FFF2-40B4-BE49-F238E27FC236}">
-                <a16:creationId xmlns:a16="http://schemas.microsoft.com/office/drawing/2014/main" id="{EDBE7FAB-8E0F-498A-BEF3-949B5CFC03CC}"/>
-              </a:ext>
-            </a:extLst>
-          </p:cNvPr>
+            <a:endParaRPr lang="en-US" dirty="0"/>
+          </a:p>
+        </p:txBody>
+      </p:sp>
+      <p:sp>
+        <p:nvSpPr>
+          <p:cNvPr id="7" name="Date Placeholder 6"/>
           <p:cNvSpPr>
             <a:spLocks noGrp="1"/>
           </p:cNvSpPr>
@@ -1816,7 +1894,7 @@
           <a:p>
             <a:fld id="{34DFA977-3B96-43F7-83A3-823D9151661D}" type="datetimeFigureOut">
               <a:rPr lang="en-US" smtClean="0"/>
-              <a:t>2/27/2022</a:t>
+              <a:t>28-Feb-22</a:t>
             </a:fld>
             <a:endParaRPr lang="en-US"/>
           </a:p>
@@ -1824,13 +1902,7 @@
       </p:sp>
       <p:sp>
         <p:nvSpPr>
-          <p:cNvPr id="8" name="Footer Placeholder 7">
-            <a:extLst>
-              <a:ext uri="{FF2B5EF4-FFF2-40B4-BE49-F238E27FC236}">
-                <a16:creationId xmlns:a16="http://schemas.microsoft.com/office/drawing/2014/main" id="{CAA4E54D-5F92-4F35-897E-E5DCA9DB8FED}"/>
-              </a:ext>
-            </a:extLst>
-          </p:cNvPr>
+          <p:cNvPr id="8" name="Footer Placeholder 7"/>
           <p:cNvSpPr>
             <a:spLocks noGrp="1"/>
           </p:cNvSpPr>
@@ -1849,13 +1921,7 @@
       </p:sp>
       <p:sp>
         <p:nvSpPr>
-          <p:cNvPr id="9" name="Slide Number Placeholder 8">
-            <a:extLst>
-              <a:ext uri="{FF2B5EF4-FFF2-40B4-BE49-F238E27FC236}">
-                <a16:creationId xmlns:a16="http://schemas.microsoft.com/office/drawing/2014/main" id="{21DB83A3-2D32-4DFC-859E-D255A33C11B2}"/>
-              </a:ext>
-            </a:extLst>
-          </p:cNvPr>
+          <p:cNvPr id="9" name="Slide Number Placeholder 8"/>
           <p:cNvSpPr>
             <a:spLocks noGrp="1"/>
           </p:cNvSpPr>
@@ -1879,7 +1945,7 @@
     </p:spTree>
     <p:extLst>
       <p:ext uri="{BB962C8B-B14F-4D97-AF65-F5344CB8AC3E}">
-        <p14:creationId xmlns:p14="http://schemas.microsoft.com/office/powerpoint/2010/main" val="2783936028"/>
+        <p14:creationId xmlns:p14="http://schemas.microsoft.com/office/powerpoint/2010/main" val="1332219831"/>
       </p:ext>
     </p:extLst>
   </p:cSld>
@@ -1908,13 +1974,7 @@
       </p:grpSpPr>
       <p:sp>
         <p:nvSpPr>
-          <p:cNvPr id="2" name="Title 1">
-            <a:extLst>
-              <a:ext uri="{FF2B5EF4-FFF2-40B4-BE49-F238E27FC236}">
-                <a16:creationId xmlns:a16="http://schemas.microsoft.com/office/drawing/2014/main" id="{82FAB980-A620-411D-9F55-5BF1F3E34C28}"/>
-              </a:ext>
-            </a:extLst>
-          </p:cNvPr>
+          <p:cNvPr id="6" name="Title 5"/>
           <p:cNvSpPr>
             <a:spLocks noGrp="1"/>
           </p:cNvSpPr>
@@ -1931,18 +1991,13 @@
               <a:rPr lang="en-US"/>
               <a:t>Click to edit Master title style</a:t>
             </a:r>
-          </a:p>
-        </p:txBody>
-      </p:sp>
-      <p:sp>
-        <p:nvSpPr>
-          <p:cNvPr id="3" name="Date Placeholder 2">
-            <a:extLst>
-              <a:ext uri="{FF2B5EF4-FFF2-40B4-BE49-F238E27FC236}">
-                <a16:creationId xmlns:a16="http://schemas.microsoft.com/office/drawing/2014/main" id="{F6209E2A-1C9C-4C72-BFDA-A0F7BDAD6DED}"/>
-              </a:ext>
-            </a:extLst>
-          </p:cNvPr>
+            <a:endParaRPr lang="en-US" dirty="0"/>
+          </a:p>
+        </p:txBody>
+      </p:sp>
+      <p:sp>
+        <p:nvSpPr>
+          <p:cNvPr id="3" name="Date Placeholder 2"/>
           <p:cNvSpPr>
             <a:spLocks noGrp="1"/>
           </p:cNvSpPr>
@@ -1957,7 +2012,7 @@
           <a:p>
             <a:fld id="{34DFA977-3B96-43F7-83A3-823D9151661D}" type="datetimeFigureOut">
               <a:rPr lang="en-US" smtClean="0"/>
-              <a:t>2/27/2022</a:t>
+              <a:t>28-Feb-22</a:t>
             </a:fld>
             <a:endParaRPr lang="en-US"/>
           </a:p>
@@ -1965,13 +2020,7 @@
       </p:sp>
       <p:sp>
         <p:nvSpPr>
-          <p:cNvPr id="4" name="Footer Placeholder 3">
-            <a:extLst>
-              <a:ext uri="{FF2B5EF4-FFF2-40B4-BE49-F238E27FC236}">
-                <a16:creationId xmlns:a16="http://schemas.microsoft.com/office/drawing/2014/main" id="{68D7C195-8BA6-415C-B77A-99BD82A19BD4}"/>
-              </a:ext>
-            </a:extLst>
-          </p:cNvPr>
+          <p:cNvPr id="4" name="Footer Placeholder 3"/>
           <p:cNvSpPr>
             <a:spLocks noGrp="1"/>
           </p:cNvSpPr>
@@ -1990,13 +2039,7 @@
       </p:sp>
       <p:sp>
         <p:nvSpPr>
-          <p:cNvPr id="5" name="Slide Number Placeholder 4">
-            <a:extLst>
-              <a:ext uri="{FF2B5EF4-FFF2-40B4-BE49-F238E27FC236}">
-                <a16:creationId xmlns:a16="http://schemas.microsoft.com/office/drawing/2014/main" id="{553239E5-676D-4377-A528-2DED6F4D560B}"/>
-              </a:ext>
-            </a:extLst>
-          </p:cNvPr>
+          <p:cNvPr id="5" name="Slide Number Placeholder 4"/>
           <p:cNvSpPr>
             <a:spLocks noGrp="1"/>
           </p:cNvSpPr>
@@ -2020,7 +2063,7 @@
     </p:spTree>
     <p:extLst>
       <p:ext uri="{BB962C8B-B14F-4D97-AF65-F5344CB8AC3E}">
-        <p14:creationId xmlns:p14="http://schemas.microsoft.com/office/powerpoint/2010/main" val="4240006634"/>
+        <p14:creationId xmlns:p14="http://schemas.microsoft.com/office/powerpoint/2010/main" val="1711631463"/>
       </p:ext>
     </p:extLst>
   </p:cSld>
@@ -2049,13 +2092,7 @@
       </p:grpSpPr>
       <p:sp>
         <p:nvSpPr>
-          <p:cNvPr id="2" name="Date Placeholder 1">
-            <a:extLst>
-              <a:ext uri="{FF2B5EF4-FFF2-40B4-BE49-F238E27FC236}">
-                <a16:creationId xmlns:a16="http://schemas.microsoft.com/office/drawing/2014/main" id="{04EBC673-43DB-4F25-BCC1-397784CFB010}"/>
-              </a:ext>
-            </a:extLst>
-          </p:cNvPr>
+          <p:cNvPr id="2" name="Date Placeholder 1"/>
           <p:cNvSpPr>
             <a:spLocks noGrp="1"/>
           </p:cNvSpPr>
@@ -2070,7 +2107,7 @@
           <a:p>
             <a:fld id="{34DFA977-3B96-43F7-83A3-823D9151661D}" type="datetimeFigureOut">
               <a:rPr lang="en-US" smtClean="0"/>
-              <a:t>2/27/2022</a:t>
+              <a:t>28-Feb-22</a:t>
             </a:fld>
             <a:endParaRPr lang="en-US"/>
           </a:p>
@@ -2078,13 +2115,7 @@
       </p:sp>
       <p:sp>
         <p:nvSpPr>
-          <p:cNvPr id="3" name="Footer Placeholder 2">
-            <a:extLst>
-              <a:ext uri="{FF2B5EF4-FFF2-40B4-BE49-F238E27FC236}">
-                <a16:creationId xmlns:a16="http://schemas.microsoft.com/office/drawing/2014/main" id="{805772C2-EB9D-4AF7-8F16-98300DBAD37F}"/>
-              </a:ext>
-            </a:extLst>
-          </p:cNvPr>
+          <p:cNvPr id="3" name="Footer Placeholder 2"/>
           <p:cNvSpPr>
             <a:spLocks noGrp="1"/>
           </p:cNvSpPr>
@@ -2103,13 +2134,7 @@
       </p:sp>
       <p:sp>
         <p:nvSpPr>
-          <p:cNvPr id="4" name="Slide Number Placeholder 3">
-            <a:extLst>
-              <a:ext uri="{FF2B5EF4-FFF2-40B4-BE49-F238E27FC236}">
-                <a16:creationId xmlns:a16="http://schemas.microsoft.com/office/drawing/2014/main" id="{03B37C9A-4CBE-4F67-BB02-A847FEC5BC05}"/>
-              </a:ext>
-            </a:extLst>
-          </p:cNvPr>
+          <p:cNvPr id="4" name="Slide Number Placeholder 3"/>
           <p:cNvSpPr>
             <a:spLocks noGrp="1"/>
           </p:cNvSpPr>
@@ -2133,7 +2158,7 @@
     </p:spTree>
     <p:extLst>
       <p:ext uri="{BB962C8B-B14F-4D97-AF65-F5344CB8AC3E}">
-        <p14:creationId xmlns:p14="http://schemas.microsoft.com/office/powerpoint/2010/main" val="3199173623"/>
+        <p14:creationId xmlns:p14="http://schemas.microsoft.com/office/powerpoint/2010/main" val="4129536070"/>
       </p:ext>
     </p:extLst>
   </p:cSld>
@@ -2162,13 +2187,7 @@
       </p:grpSpPr>
       <p:sp>
         <p:nvSpPr>
-          <p:cNvPr id="2" name="Title 1">
-            <a:extLst>
-              <a:ext uri="{FF2B5EF4-FFF2-40B4-BE49-F238E27FC236}">
-                <a16:creationId xmlns:a16="http://schemas.microsoft.com/office/drawing/2014/main" id="{7B70F353-A0D2-4C40-BD1F-AF8319DC28ED}"/>
-              </a:ext>
-            </a:extLst>
-          </p:cNvPr>
+          <p:cNvPr id="2" name="Title 1"/>
           <p:cNvSpPr>
             <a:spLocks noGrp="1"/>
           </p:cNvSpPr>
@@ -2178,15 +2197,17 @@
         </p:nvSpPr>
         <p:spPr>
           <a:xfrm>
-            <a:off x="839788" y="457200"/>
-            <a:ext cx="3932237" cy="1600200"/>
+            <a:off x="841248" y="457200"/>
+            <a:ext cx="3200400" cy="1600197"/>
           </a:xfrm>
         </p:spPr>
         <p:txBody>
-          <a:bodyPr anchor="b"/>
+          <a:bodyPr anchor="b">
+            <a:normAutofit/>
+          </a:bodyPr>
           <a:lstStyle>
             <a:lvl1pPr>
-              <a:defRPr sz="3200"/>
+              <a:defRPr sz="3200" b="0" baseline="0"/>
             </a:lvl1pPr>
           </a:lstStyle>
           <a:p>
@@ -2194,18 +2215,13 @@
               <a:rPr lang="en-US"/>
               <a:t>Click to edit Master title style</a:t>
             </a:r>
-          </a:p>
-        </p:txBody>
-      </p:sp>
-      <p:sp>
-        <p:nvSpPr>
-          <p:cNvPr id="3" name="Content Placeholder 2">
-            <a:extLst>
-              <a:ext uri="{FF2B5EF4-FFF2-40B4-BE49-F238E27FC236}">
-                <a16:creationId xmlns:a16="http://schemas.microsoft.com/office/drawing/2014/main" id="{681FEE06-4039-4153-AA90-354D54FA8C04}"/>
-              </a:ext>
-            </a:extLst>
-          </p:cNvPr>
+            <a:endParaRPr lang="en-US" dirty="0"/>
+          </a:p>
+        </p:txBody>
+      </p:sp>
+      <p:sp>
+        <p:nvSpPr>
+          <p:cNvPr id="3" name="Content Placeholder 2"/>
           <p:cNvSpPr>
             <a:spLocks noGrp="1"/>
           </p:cNvSpPr>
@@ -2215,39 +2231,39 @@
         </p:nvSpPr>
         <p:spPr>
           <a:xfrm>
-            <a:off x="5183188" y="987425"/>
-            <a:ext cx="6172200" cy="4873625"/>
+            <a:off x="4504267" y="685800"/>
+            <a:ext cx="6079066" cy="5486400"/>
           </a:xfrm>
         </p:spPr>
         <p:txBody>
           <a:bodyPr/>
           <a:lstStyle>
             <a:lvl1pPr>
-              <a:defRPr sz="3200"/>
+              <a:defRPr sz="2000"/>
             </a:lvl1pPr>
             <a:lvl2pPr>
-              <a:defRPr sz="2800"/>
+              <a:defRPr sz="1800"/>
             </a:lvl2pPr>
             <a:lvl3pPr>
-              <a:defRPr sz="2400"/>
+              <a:defRPr sz="1600"/>
             </a:lvl3pPr>
             <a:lvl4pPr>
-              <a:defRPr sz="2000"/>
+              <a:defRPr sz="1400"/>
             </a:lvl4pPr>
             <a:lvl5pPr>
-              <a:defRPr sz="2000"/>
+              <a:defRPr sz="1400"/>
             </a:lvl5pPr>
             <a:lvl6pPr>
-              <a:defRPr sz="2000"/>
+              <a:defRPr sz="1400"/>
             </a:lvl6pPr>
             <a:lvl7pPr>
-              <a:defRPr sz="2000"/>
+              <a:defRPr sz="1400"/>
             </a:lvl7pPr>
             <a:lvl8pPr>
-              <a:defRPr sz="2000"/>
+              <a:defRPr sz="1400"/>
             </a:lvl8pPr>
             <a:lvl9pPr>
-              <a:defRPr sz="2000"/>
+              <a:defRPr sz="1400"/>
             </a:lvl9pPr>
           </a:lstStyle>
           <a:p>
@@ -2284,18 +2300,13 @@
               <a:rPr lang="en-US"/>
               <a:t>Fifth level</a:t>
             </a:r>
-          </a:p>
-        </p:txBody>
-      </p:sp>
-      <p:sp>
-        <p:nvSpPr>
-          <p:cNvPr id="4" name="Text Placeholder 3">
-            <a:extLst>
-              <a:ext uri="{FF2B5EF4-FFF2-40B4-BE49-F238E27FC236}">
-                <a16:creationId xmlns:a16="http://schemas.microsoft.com/office/drawing/2014/main" id="{862C2D0C-5B8D-4EEF-8132-F3E5093D8ABF}"/>
-              </a:ext>
-            </a:extLst>
-          </p:cNvPr>
+            <a:endParaRPr lang="en-US" dirty="0"/>
+          </a:p>
+        </p:txBody>
+      </p:sp>
+      <p:sp>
+        <p:nvSpPr>
+          <p:cNvPr id="4" name="Text Placeholder 3"/>
           <p:cNvSpPr>
             <a:spLocks noGrp="1"/>
           </p:cNvSpPr>
@@ -2305,48 +2316,56 @@
         </p:nvSpPr>
         <p:spPr>
           <a:xfrm>
-            <a:off x="839788" y="2057400"/>
-            <a:ext cx="3932237" cy="3811588"/>
+            <a:off x="841248" y="2099734"/>
+            <a:ext cx="3200400" cy="3810001"/>
           </a:xfrm>
         </p:spPr>
         <p:txBody>
-          <a:bodyPr/>
+          <a:bodyPr>
+            <a:normAutofit/>
+          </a:bodyPr>
           <a:lstStyle>
             <a:lvl1pPr marL="0" indent="0">
+              <a:lnSpc>
+                <a:spcPct val="114000"/>
+              </a:lnSpc>
+              <a:spcBef>
+                <a:spcPts val="800"/>
+              </a:spcBef>
               <a:buNone/>
-              <a:defRPr sz="1600"/>
+              <a:defRPr sz="1300"/>
             </a:lvl1pPr>
             <a:lvl2pPr marL="457200" indent="0">
               <a:buNone/>
-              <a:defRPr sz="1400"/>
+              <a:defRPr sz="1200"/>
             </a:lvl2pPr>
             <a:lvl3pPr marL="914400" indent="0">
               <a:buNone/>
-              <a:defRPr sz="1200"/>
+              <a:defRPr sz="1000"/>
             </a:lvl3pPr>
             <a:lvl4pPr marL="1371600" indent="0">
               <a:buNone/>
-              <a:defRPr sz="1000"/>
+              <a:defRPr sz="900"/>
             </a:lvl4pPr>
             <a:lvl5pPr marL="1828800" indent="0">
               <a:buNone/>
-              <a:defRPr sz="1000"/>
+              <a:defRPr sz="900"/>
             </a:lvl5pPr>
             <a:lvl6pPr marL="2286000" indent="0">
               <a:buNone/>
-              <a:defRPr sz="1000"/>
+              <a:defRPr sz="900"/>
             </a:lvl6pPr>
             <a:lvl7pPr marL="2743200" indent="0">
               <a:buNone/>
-              <a:defRPr sz="1000"/>
+              <a:defRPr sz="900"/>
             </a:lvl7pPr>
             <a:lvl8pPr marL="3200400" indent="0">
               <a:buNone/>
-              <a:defRPr sz="1000"/>
+              <a:defRPr sz="900"/>
             </a:lvl8pPr>
             <a:lvl9pPr marL="3657600" indent="0">
               <a:buNone/>
-              <a:defRPr sz="1000"/>
+              <a:defRPr sz="900"/>
             </a:lvl9pPr>
           </a:lstStyle>
           <a:p>
@@ -2360,13 +2379,7 @@
       </p:sp>
       <p:sp>
         <p:nvSpPr>
-          <p:cNvPr id="5" name="Date Placeholder 4">
-            <a:extLst>
-              <a:ext uri="{FF2B5EF4-FFF2-40B4-BE49-F238E27FC236}">
-                <a16:creationId xmlns:a16="http://schemas.microsoft.com/office/drawing/2014/main" id="{089BD12B-A4FA-4DD7-987E-FF2701071920}"/>
-              </a:ext>
-            </a:extLst>
-          </p:cNvPr>
+          <p:cNvPr id="5" name="Date Placeholder 4"/>
           <p:cNvSpPr>
             <a:spLocks noGrp="1"/>
           </p:cNvSpPr>
@@ -2381,7 +2394,7 @@
           <a:p>
             <a:fld id="{34DFA977-3B96-43F7-83A3-823D9151661D}" type="datetimeFigureOut">
               <a:rPr lang="en-US" smtClean="0"/>
-              <a:t>2/27/2022</a:t>
+              <a:t>28-Feb-22</a:t>
             </a:fld>
             <a:endParaRPr lang="en-US"/>
           </a:p>
@@ -2389,13 +2402,7 @@
       </p:sp>
       <p:sp>
         <p:nvSpPr>
-          <p:cNvPr id="6" name="Footer Placeholder 5">
-            <a:extLst>
-              <a:ext uri="{FF2B5EF4-FFF2-40B4-BE49-F238E27FC236}">
-                <a16:creationId xmlns:a16="http://schemas.microsoft.com/office/drawing/2014/main" id="{7CA0092C-548A-461F-B175-6F613667A4EE}"/>
-              </a:ext>
-            </a:extLst>
-          </p:cNvPr>
+          <p:cNvPr id="6" name="Footer Placeholder 5"/>
           <p:cNvSpPr>
             <a:spLocks noGrp="1"/>
           </p:cNvSpPr>
@@ -2414,13 +2421,7 @@
       </p:sp>
       <p:sp>
         <p:nvSpPr>
-          <p:cNvPr id="7" name="Slide Number Placeholder 6">
-            <a:extLst>
-              <a:ext uri="{FF2B5EF4-FFF2-40B4-BE49-F238E27FC236}">
-                <a16:creationId xmlns:a16="http://schemas.microsoft.com/office/drawing/2014/main" id="{B2A9877A-8D86-4661-9F9E-0994F191436F}"/>
-              </a:ext>
-            </a:extLst>
-          </p:cNvPr>
+          <p:cNvPr id="7" name="Slide Number Placeholder 6"/>
           <p:cNvSpPr>
             <a:spLocks noGrp="1"/>
           </p:cNvSpPr>
@@ -2444,7 +2445,7 @@
     </p:spTree>
     <p:extLst>
       <p:ext uri="{BB962C8B-B14F-4D97-AF65-F5344CB8AC3E}">
-        <p14:creationId xmlns:p14="http://schemas.microsoft.com/office/powerpoint/2010/main" val="2929774728"/>
+        <p14:creationId xmlns:p14="http://schemas.microsoft.com/office/powerpoint/2010/main" val="2096942806"/>
       </p:ext>
     </p:extLst>
   </p:cSld>
@@ -2473,13 +2474,45 @@
       </p:grpSpPr>
       <p:sp>
         <p:nvSpPr>
-          <p:cNvPr id="2" name="Title 1">
-            <a:extLst>
-              <a:ext uri="{FF2B5EF4-FFF2-40B4-BE49-F238E27FC236}">
-                <a16:creationId xmlns:a16="http://schemas.microsoft.com/office/drawing/2014/main" id="{90CC17AD-9FDB-4237-AB73-CE5FC4F4058D}"/>
-              </a:ext>
-            </a:extLst>
-          </p:cNvPr>
+          <p:cNvPr id="8" name="Rectangle 7"/>
+          <p:cNvSpPr/>
+          <p:nvPr/>
+        </p:nvSpPr>
+        <p:spPr>
+          <a:xfrm>
+            <a:off x="0" y="5105400"/>
+            <a:ext cx="11292840" cy="1752600"/>
+          </a:xfrm>
+          <a:prstGeom prst="rect">
+            <a:avLst/>
+          </a:prstGeom>
+          <a:solidFill>
+            <a:srgbClr val="000000"/>
+          </a:solidFill>
+          <a:ln>
+            <a:noFill/>
+          </a:ln>
+        </p:spPr>
+        <p:style>
+          <a:lnRef idx="2">
+            <a:schemeClr val="accent1">
+              <a:shade val="50000"/>
+            </a:schemeClr>
+          </a:lnRef>
+          <a:fillRef idx="1">
+            <a:schemeClr val="accent1"/>
+          </a:fillRef>
+          <a:effectRef idx="0">
+            <a:schemeClr val="accent1"/>
+          </a:effectRef>
+          <a:fontRef idx="minor">
+            <a:schemeClr val="lt1"/>
+          </a:fontRef>
+        </p:style>
+      </p:sp>
+      <p:sp>
+        <p:nvSpPr>
+          <p:cNvPr id="2" name="Title 1"/>
           <p:cNvSpPr>
             <a:spLocks noGrp="1"/>
           </p:cNvSpPr>
@@ -2489,15 +2522,21 @@
         </p:nvSpPr>
         <p:spPr>
           <a:xfrm>
-            <a:off x="839788" y="457200"/>
-            <a:ext cx="3932237" cy="1600200"/>
+            <a:off x="914400" y="5257800"/>
+            <a:ext cx="9982200" cy="914400"/>
           </a:xfrm>
         </p:spPr>
         <p:txBody>
-          <a:bodyPr anchor="b"/>
+          <a:bodyPr anchor="b">
+            <a:normAutofit/>
+          </a:bodyPr>
           <a:lstStyle>
             <a:lvl1pPr>
-              <a:defRPr sz="3200"/>
+              <a:defRPr sz="2800" b="0">
+                <a:solidFill>
+                  <a:schemeClr val="bg1"/>
+                </a:solidFill>
+              </a:defRPr>
             </a:lvl1pPr>
           </a:lstStyle>
           <a:p>
@@ -2505,20 +2544,15 @@
               <a:rPr lang="en-US"/>
               <a:t>Click to edit Master title style</a:t>
             </a:r>
-          </a:p>
-        </p:txBody>
-      </p:sp>
-      <p:sp>
-        <p:nvSpPr>
-          <p:cNvPr id="3" name="Picture Placeholder 2">
-            <a:extLst>
-              <a:ext uri="{FF2B5EF4-FFF2-40B4-BE49-F238E27FC236}">
-                <a16:creationId xmlns:a16="http://schemas.microsoft.com/office/drawing/2014/main" id="{E4BEC191-D825-40AF-B8C0-C5AAC59317F5}"/>
-              </a:ext>
-            </a:extLst>
-          </p:cNvPr>
+            <a:endParaRPr lang="en-US" dirty="0"/>
+          </a:p>
+        </p:txBody>
+      </p:sp>
+      <p:sp>
+        <p:nvSpPr>
+          <p:cNvPr id="3" name="Picture Placeholder 2"/>
           <p:cNvSpPr>
-            <a:spLocks noGrp="1"/>
+            <a:spLocks noGrp="1" noChangeAspect="1"/>
           </p:cNvSpPr>
           <p:nvPr>
             <p:ph type="pic" idx="1"/>
@@ -2526,16 +2560,23 @@
         </p:nvSpPr>
         <p:spPr>
           <a:xfrm>
-            <a:off x="5183188" y="987425"/>
-            <a:ext cx="6172200" cy="4873625"/>
+            <a:off x="0" y="0"/>
+            <a:ext cx="11292840" cy="5128923"/>
           </a:xfrm>
+          <a:solidFill>
+            <a:schemeClr val="accent1"/>
+          </a:solidFill>
         </p:spPr>
         <p:txBody>
-          <a:bodyPr/>
+          <a:bodyPr anchor="t"/>
           <a:lstStyle>
             <a:lvl1pPr marL="0" indent="0">
               <a:buNone/>
-              <a:defRPr sz="3200"/>
+              <a:defRPr sz="3200">
+                <a:solidFill>
+                  <a:schemeClr val="bg1"/>
+                </a:solidFill>
+              </a:defRPr>
             </a:lvl1pPr>
             <a:lvl2pPr marL="457200" indent="0">
               <a:buNone/>
@@ -2571,19 +2612,17 @@
             </a:lvl9pPr>
           </a:lstStyle>
           <a:p>
-            <a:endParaRPr lang="en-US"/>
-          </a:p>
-        </p:txBody>
-      </p:sp>
-      <p:sp>
-        <p:nvSpPr>
-          <p:cNvPr id="4" name="Text Placeholder 3">
-            <a:extLst>
-              <a:ext uri="{FF2B5EF4-FFF2-40B4-BE49-F238E27FC236}">
-                <a16:creationId xmlns:a16="http://schemas.microsoft.com/office/drawing/2014/main" id="{5CCA1201-F4FB-42AC-A435-AC6003762066}"/>
-              </a:ext>
-            </a:extLst>
-          </p:cNvPr>
+            <a:r>
+              <a:rPr lang="en-US"/>
+              <a:t>Click icon to add picture</a:t>
+            </a:r>
+            <a:endParaRPr lang="en-US" dirty="0"/>
+          </a:p>
+        </p:txBody>
+      </p:sp>
+      <p:sp>
+        <p:nvSpPr>
+          <p:cNvPr id="4" name="Text Placeholder 3"/>
           <p:cNvSpPr>
             <a:spLocks noGrp="1"/>
           </p:cNvSpPr>
@@ -2593,48 +2632,62 @@
         </p:nvSpPr>
         <p:spPr>
           <a:xfrm>
-            <a:off x="839788" y="2057400"/>
-            <a:ext cx="3932237" cy="3811588"/>
+            <a:off x="914400" y="6108589"/>
+            <a:ext cx="9982200" cy="597011"/>
           </a:xfrm>
         </p:spPr>
         <p:txBody>
-          <a:bodyPr/>
+          <a:bodyPr>
+            <a:normAutofit/>
+          </a:bodyPr>
           <a:lstStyle>
             <a:lvl1pPr marL="0" indent="0">
+              <a:lnSpc>
+                <a:spcPct val="100000"/>
+              </a:lnSpc>
+              <a:spcBef>
+                <a:spcPts val="800"/>
+              </a:spcBef>
               <a:buNone/>
-              <a:defRPr sz="1600"/>
+              <a:defRPr sz="1300">
+                <a:solidFill>
+                  <a:schemeClr val="bg1">
+                    <a:lumMod val="85000"/>
+                  </a:schemeClr>
+                </a:solidFill>
+              </a:defRPr>
             </a:lvl1pPr>
             <a:lvl2pPr marL="457200" indent="0">
               <a:buNone/>
-              <a:defRPr sz="1400"/>
+              <a:defRPr sz="1200"/>
             </a:lvl2pPr>
             <a:lvl3pPr marL="914400" indent="0">
               <a:buNone/>
-              <a:defRPr sz="1200"/>
+              <a:defRPr sz="1000"/>
             </a:lvl3pPr>
             <a:lvl4pPr marL="1371600" indent="0">
               <a:buNone/>
-              <a:defRPr sz="1000"/>
+              <a:defRPr sz="900"/>
             </a:lvl4pPr>
             <a:lvl5pPr marL="1828800" indent="0">
               <a:buNone/>
-              <a:defRPr sz="1000"/>
+              <a:defRPr sz="900"/>
             </a:lvl5pPr>
             <a:lvl6pPr marL="2286000" indent="0">
               <a:buNone/>
-              <a:defRPr sz="1000"/>
+              <a:defRPr sz="900"/>
             </a:lvl6pPr>
             <a:lvl7pPr marL="2743200" indent="0">
               <a:buNone/>
-              <a:defRPr sz="1000"/>
+              <a:defRPr sz="900"/>
             </a:lvl7pPr>
             <a:lvl8pPr marL="3200400" indent="0">
               <a:buNone/>
-              <a:defRPr sz="1000"/>
+              <a:defRPr sz="900"/>
             </a:lvl8pPr>
             <a:lvl9pPr marL="3657600" indent="0">
               <a:buNone/>
-              <a:defRPr sz="1000"/>
+              <a:defRPr sz="900"/>
             </a:lvl9pPr>
           </a:lstStyle>
           <a:p>
@@ -2648,13 +2701,7 @@
       </p:sp>
       <p:sp>
         <p:nvSpPr>
-          <p:cNvPr id="5" name="Date Placeholder 4">
-            <a:extLst>
-              <a:ext uri="{FF2B5EF4-FFF2-40B4-BE49-F238E27FC236}">
-                <a16:creationId xmlns:a16="http://schemas.microsoft.com/office/drawing/2014/main" id="{5E167007-4DCA-4D7D-B068-56743CB34ACE}"/>
-              </a:ext>
-            </a:extLst>
-          </p:cNvPr>
+          <p:cNvPr id="5" name="Date Placeholder 4"/>
           <p:cNvSpPr>
             <a:spLocks noGrp="1"/>
           </p:cNvSpPr>
@@ -2669,7 +2716,7 @@
           <a:p>
             <a:fld id="{34DFA977-3B96-43F7-83A3-823D9151661D}" type="datetimeFigureOut">
               <a:rPr lang="en-US" smtClean="0"/>
-              <a:t>2/27/2022</a:t>
+              <a:t>28-Feb-22</a:t>
             </a:fld>
             <a:endParaRPr lang="en-US"/>
           </a:p>
@@ -2677,13 +2724,7 @@
       </p:sp>
       <p:sp>
         <p:nvSpPr>
-          <p:cNvPr id="6" name="Footer Placeholder 5">
-            <a:extLst>
-              <a:ext uri="{FF2B5EF4-FFF2-40B4-BE49-F238E27FC236}">
-                <a16:creationId xmlns:a16="http://schemas.microsoft.com/office/drawing/2014/main" id="{56EBE91D-0AAB-4011-B145-D4253BD6D746}"/>
-              </a:ext>
-            </a:extLst>
-          </p:cNvPr>
+          <p:cNvPr id="6" name="Footer Placeholder 5"/>
           <p:cNvSpPr>
             <a:spLocks noGrp="1"/>
           </p:cNvSpPr>
@@ -2702,13 +2743,7 @@
       </p:sp>
       <p:sp>
         <p:nvSpPr>
-          <p:cNvPr id="7" name="Slide Number Placeholder 6">
-            <a:extLst>
-              <a:ext uri="{FF2B5EF4-FFF2-40B4-BE49-F238E27FC236}">
-                <a16:creationId xmlns:a16="http://schemas.microsoft.com/office/drawing/2014/main" id="{0E88115C-CB0B-4CF6-8FD7-734AFD40BA09}"/>
-              </a:ext>
-            </a:extLst>
-          </p:cNvPr>
+          <p:cNvPr id="7" name="Slide Number Placeholder 6"/>
           <p:cNvSpPr>
             <a:spLocks noGrp="1"/>
           </p:cNvSpPr>
@@ -2732,7 +2767,7 @@
     </p:spTree>
     <p:extLst>
       <p:ext uri="{BB962C8B-B14F-4D97-AF65-F5344CB8AC3E}">
-        <p14:creationId xmlns:p14="http://schemas.microsoft.com/office/powerpoint/2010/main" val="772813237"/>
+        <p14:creationId xmlns:p14="http://schemas.microsoft.com/office/powerpoint/2010/main" val="1479088063"/>
       </p:ext>
     </p:extLst>
   </p:cSld>
@@ -2766,13 +2801,47 @@
       </p:grpSpPr>
       <p:sp>
         <p:nvSpPr>
-          <p:cNvPr id="2" name="Title Placeholder 1">
-            <a:extLst>
-              <a:ext uri="{FF2B5EF4-FFF2-40B4-BE49-F238E27FC236}">
-                <a16:creationId xmlns:a16="http://schemas.microsoft.com/office/drawing/2014/main" id="{76078169-D04C-436E-AFB2-074ED30C7091}"/>
-              </a:ext>
-            </a:extLst>
-          </p:cNvPr>
+          <p:cNvPr id="7" name="Rectangle 6"/>
+          <p:cNvSpPr/>
+          <p:nvPr/>
+        </p:nvSpPr>
+        <p:spPr>
+          <a:xfrm>
+            <a:off x="11292840" y="0"/>
+            <a:ext cx="914400" cy="6858000"/>
+          </a:xfrm>
+          <a:prstGeom prst="rect">
+            <a:avLst/>
+          </a:prstGeom>
+          <a:solidFill>
+            <a:schemeClr val="tx2">
+              <a:lumMod val="75000"/>
+            </a:schemeClr>
+          </a:solidFill>
+          <a:ln>
+            <a:noFill/>
+          </a:ln>
+        </p:spPr>
+        <p:style>
+          <a:lnRef idx="2">
+            <a:schemeClr val="accent1">
+              <a:shade val="50000"/>
+            </a:schemeClr>
+          </a:lnRef>
+          <a:fillRef idx="1">
+            <a:schemeClr val="accent1"/>
+          </a:fillRef>
+          <a:effectRef idx="0">
+            <a:schemeClr val="accent1"/>
+          </a:effectRef>
+          <a:fontRef idx="minor">
+            <a:schemeClr val="lt1"/>
+          </a:fontRef>
+        </p:style>
+      </p:sp>
+      <p:sp>
+        <p:nvSpPr>
+          <p:cNvPr id="2" name="Title Placeholder 1"/>
           <p:cNvSpPr>
             <a:spLocks noGrp="1"/>
           </p:cNvSpPr>
@@ -2782,15 +2851,15 @@
         </p:nvSpPr>
         <p:spPr>
           <a:xfrm>
-            <a:off x="838200" y="365125"/>
-            <a:ext cx="10515600" cy="1325563"/>
+            <a:off x="1261872" y="365760"/>
+            <a:ext cx="9692640" cy="1325562"/>
           </a:xfrm>
           <a:prstGeom prst="rect">
             <a:avLst/>
           </a:prstGeom>
         </p:spPr>
         <p:txBody>
-          <a:bodyPr vert="horz" lIns="91440" tIns="45720" rIns="91440" bIns="45720" rtlCol="0" anchor="ctr">
+          <a:bodyPr vert="horz" lIns="91440" tIns="45720" rIns="91440" bIns="45720" rtlCol="0" anchor="b">
             <a:normAutofit/>
           </a:bodyPr>
           <a:lstStyle/>
@@ -2799,18 +2868,13 @@
               <a:rPr lang="en-US"/>
               <a:t>Click to edit Master title style</a:t>
             </a:r>
-          </a:p>
-        </p:txBody>
-      </p:sp>
-      <p:sp>
-        <p:nvSpPr>
-          <p:cNvPr id="3" name="Text Placeholder 2">
-            <a:extLst>
-              <a:ext uri="{FF2B5EF4-FFF2-40B4-BE49-F238E27FC236}">
-                <a16:creationId xmlns:a16="http://schemas.microsoft.com/office/drawing/2014/main" id="{06325621-5CF8-4923-89A8-A0A370D41340}"/>
-              </a:ext>
-            </a:extLst>
-          </p:cNvPr>
+            <a:endParaRPr lang="en-US" dirty="0"/>
+          </a:p>
+        </p:txBody>
+      </p:sp>
+      <p:sp>
+        <p:nvSpPr>
+          <p:cNvPr id="3" name="Text Placeholder 2"/>
           <p:cNvSpPr>
             <a:spLocks noGrp="1"/>
           </p:cNvSpPr>
@@ -2820,8 +2884,8 @@
         </p:nvSpPr>
         <p:spPr>
           <a:xfrm>
-            <a:off x="838200" y="1825625"/>
-            <a:ext cx="10515600" cy="4351338"/>
+            <a:off x="1261872" y="1828800"/>
+            <a:ext cx="8595360" cy="4351337"/>
           </a:xfrm>
           <a:prstGeom prst="rect">
             <a:avLst/>
@@ -2866,18 +2930,13 @@
               <a:rPr lang="en-US"/>
               <a:t>Fifth level</a:t>
             </a:r>
-          </a:p>
-        </p:txBody>
-      </p:sp>
-      <p:sp>
-        <p:nvSpPr>
-          <p:cNvPr id="4" name="Date Placeholder 3">
-            <a:extLst>
-              <a:ext uri="{FF2B5EF4-FFF2-40B4-BE49-F238E27FC236}">
-                <a16:creationId xmlns:a16="http://schemas.microsoft.com/office/drawing/2014/main" id="{5714E26F-92F8-44C1-8BCE-6BCF15CFE233}"/>
-              </a:ext>
-            </a:extLst>
-          </p:cNvPr>
+            <a:endParaRPr lang="en-US" dirty="0"/>
+          </a:p>
+        </p:txBody>
+      </p:sp>
+      <p:sp>
+        <p:nvSpPr>
+          <p:cNvPr id="4" name="Date Placeholder 3"/>
           <p:cNvSpPr>
             <a:spLocks noGrp="1"/>
           </p:cNvSpPr>
@@ -2886,9 +2945,9 @@
           </p:nvPr>
         </p:nvSpPr>
         <p:spPr>
-          <a:xfrm>
-            <a:off x="838200" y="6356350"/>
-            <a:ext cx="2743200" cy="365125"/>
+          <a:xfrm rot="16200000">
+            <a:off x="10797542" y="998537"/>
+            <a:ext cx="1904999" cy="365125"/>
           </a:xfrm>
           <a:prstGeom prst="rect">
             <a:avLst/>
@@ -2897,11 +2956,12 @@
         <p:txBody>
           <a:bodyPr vert="horz" lIns="91440" tIns="45720" rIns="91440" bIns="45720" rtlCol="0" anchor="ctr"/>
           <a:lstStyle>
-            <a:lvl1pPr algn="l">
-              <a:defRPr sz="1200">
+            <a:lvl1pPr algn="r">
+              <a:defRPr sz="1050" b="0">
                 <a:solidFill>
-                  <a:schemeClr val="tx1">
-                    <a:tint val="75000"/>
+                  <a:schemeClr val="tx2">
+                    <a:lumMod val="20000"/>
+                    <a:lumOff val="80000"/>
                   </a:schemeClr>
                 </a:solidFill>
               </a:defRPr>
@@ -2910,7 +2970,7 @@
           <a:p>
             <a:fld id="{34DFA977-3B96-43F7-83A3-823D9151661D}" type="datetimeFigureOut">
               <a:rPr lang="en-US" smtClean="0"/>
-              <a:t>2/27/2022</a:t>
+              <a:t>28-Feb-22</a:t>
             </a:fld>
             <a:endParaRPr lang="en-US"/>
           </a:p>
@@ -2918,13 +2978,7 @@
       </p:sp>
       <p:sp>
         <p:nvSpPr>
-          <p:cNvPr id="5" name="Footer Placeholder 4">
-            <a:extLst>
-              <a:ext uri="{FF2B5EF4-FFF2-40B4-BE49-F238E27FC236}">
-                <a16:creationId xmlns:a16="http://schemas.microsoft.com/office/drawing/2014/main" id="{31FC0D55-7C94-460F-AA56-FF9D3DEFC97E}"/>
-              </a:ext>
-            </a:extLst>
-          </p:cNvPr>
+          <p:cNvPr id="5" name="Footer Placeholder 4"/>
           <p:cNvSpPr>
             <a:spLocks noGrp="1"/>
           </p:cNvSpPr>
@@ -2933,9 +2987,9 @@
           </p:nvPr>
         </p:nvSpPr>
         <p:spPr>
-          <a:xfrm>
-            <a:off x="4038600" y="6356350"/>
-            <a:ext cx="4114800" cy="365125"/>
+          <a:xfrm rot="16200000">
+            <a:off x="9959341" y="4046537"/>
+            <a:ext cx="3581400" cy="365125"/>
           </a:xfrm>
           <a:prstGeom prst="rect">
             <a:avLst/>
@@ -2944,11 +2998,12 @@
         <p:txBody>
           <a:bodyPr vert="horz" lIns="91440" tIns="45720" rIns="91440" bIns="45720" rtlCol="0" anchor="ctr"/>
           <a:lstStyle>
-            <a:lvl1pPr algn="ctr">
-              <a:defRPr sz="1200">
+            <a:lvl1pPr algn="l">
+              <a:defRPr sz="1050">
                 <a:solidFill>
-                  <a:schemeClr val="tx1">
-                    <a:tint val="75000"/>
+                  <a:schemeClr val="tx2">
+                    <a:lumMod val="20000"/>
+                    <a:lumOff val="80000"/>
                   </a:schemeClr>
                 </a:solidFill>
               </a:defRPr>
@@ -2961,13 +3016,7 @@
       </p:sp>
       <p:sp>
         <p:nvSpPr>
-          <p:cNvPr id="6" name="Slide Number Placeholder 5">
-            <a:extLst>
-              <a:ext uri="{FF2B5EF4-FFF2-40B4-BE49-F238E27FC236}">
-                <a16:creationId xmlns:a16="http://schemas.microsoft.com/office/drawing/2014/main" id="{5BB6B4AB-F9ED-4A64-871A-54152FA89B61}"/>
-              </a:ext>
-            </a:extLst>
-          </p:cNvPr>
+          <p:cNvPr id="6" name="Slide Number Placeholder 5"/>
           <p:cNvSpPr>
             <a:spLocks noGrp="1"/>
           </p:cNvSpPr>
@@ -2977,21 +3026,24 @@
         </p:nvSpPr>
         <p:spPr>
           <a:xfrm>
-            <a:off x="8610600" y="6356350"/>
-            <a:ext cx="2743200" cy="365125"/>
+            <a:off x="11292840" y="6172200"/>
+            <a:ext cx="914400" cy="593725"/>
           </a:xfrm>
           <a:prstGeom prst="rect">
             <a:avLst/>
           </a:prstGeom>
         </p:spPr>
         <p:txBody>
-          <a:bodyPr vert="horz" lIns="91440" tIns="45720" rIns="91440" bIns="45720" rtlCol="0" anchor="ctr"/>
+          <a:bodyPr vert="horz" lIns="45720" tIns="45720" rIns="45720" bIns="45720" rtlCol="0" anchor="ctr">
+            <a:normAutofit/>
+          </a:bodyPr>
           <a:lstStyle>
-            <a:lvl1pPr algn="r">
-              <a:defRPr sz="1200">
+            <a:lvl1pPr algn="ctr">
+              <a:defRPr sz="3600">
                 <a:solidFill>
-                  <a:schemeClr val="tx1">
-                    <a:tint val="75000"/>
+                  <a:schemeClr val="tx2">
+                    <a:lumMod val="60000"/>
+                    <a:lumOff val="40000"/>
                   </a:schemeClr>
                 </a:solidFill>
               </a:defRPr>
@@ -3009,23 +3061,23 @@
     </p:spTree>
     <p:extLst>
       <p:ext uri="{BB962C8B-B14F-4D97-AF65-F5344CB8AC3E}">
-        <p14:creationId xmlns:p14="http://schemas.microsoft.com/office/powerpoint/2010/main" val="3971085347"/>
+        <p14:creationId xmlns:p14="http://schemas.microsoft.com/office/powerpoint/2010/main" val="9753724"/>
       </p:ext>
     </p:extLst>
   </p:cSld>
   <p:clrMap bg1="lt1" tx1="dk1" bg2="lt2" tx2="dk2" accent1="accent1" accent2="accent2" accent3="accent3" accent4="accent4" accent5="accent5" accent6="accent6" hlink="hlink" folHlink="folHlink"/>
   <p:sldLayoutIdLst>
-    <p:sldLayoutId id="2147483649" r:id="rId1"/>
-    <p:sldLayoutId id="2147483650" r:id="rId2"/>
-    <p:sldLayoutId id="2147483651" r:id="rId3"/>
-    <p:sldLayoutId id="2147483652" r:id="rId4"/>
-    <p:sldLayoutId id="2147483653" r:id="rId5"/>
-    <p:sldLayoutId id="2147483654" r:id="rId6"/>
-    <p:sldLayoutId id="2147483655" r:id="rId7"/>
-    <p:sldLayoutId id="2147483656" r:id="rId8"/>
-    <p:sldLayoutId id="2147483657" r:id="rId9"/>
-    <p:sldLayoutId id="2147483658" r:id="rId10"/>
-    <p:sldLayoutId id="2147483659" r:id="rId11"/>
+    <p:sldLayoutId id="2147483661" r:id="rId1"/>
+    <p:sldLayoutId id="2147483662" r:id="rId2"/>
+    <p:sldLayoutId id="2147483663" r:id="rId3"/>
+    <p:sldLayoutId id="2147483664" r:id="rId4"/>
+    <p:sldLayoutId id="2147483665" r:id="rId5"/>
+    <p:sldLayoutId id="2147483666" r:id="rId6"/>
+    <p:sldLayoutId id="2147483667" r:id="rId7"/>
+    <p:sldLayoutId id="2147483668" r:id="rId8"/>
+    <p:sldLayoutId id="2147483669" r:id="rId9"/>
+    <p:sldLayoutId id="2147483670" r:id="rId10"/>
+    <p:sldLayoutId id="2147483671" r:id="rId11"/>
   </p:sldLayoutIdLst>
   <p:txStyles>
     <p:titleStyle>
@@ -3037,7 +3089,7 @@
           <a:spcPct val="0"/>
         </a:spcBef>
         <a:buNone/>
-        <a:defRPr sz="4400" kern="1200">
+        <a:defRPr sz="4400" kern="1200" spc="-50" baseline="0">
           <a:solidFill>
             <a:schemeClr val="tx1"/>
           </a:solidFill>
@@ -3048,16 +3100,23 @@
       </a:lvl1pPr>
     </p:titleStyle>
     <p:bodyStyle>
-      <a:lvl1pPr marL="228600" indent="-228600" algn="l" defTabSz="914400" rtl="0" eaLnBrk="1" latinLnBrk="0" hangingPunct="1">
+      <a:lvl1pPr marL="182880" indent="-182880" algn="l" defTabSz="914400" rtl="0" eaLnBrk="1" latinLnBrk="0" hangingPunct="1">
         <a:lnSpc>
-          <a:spcPct val="90000"/>
+          <a:spcPct val="95000"/>
         </a:lnSpc>
         <a:spcBef>
-          <a:spcPts val="1000"/>
+          <a:spcPts val="1400"/>
         </a:spcBef>
-        <a:buFont typeface="Arial" panose="020B0604020202020204" pitchFamily="34" charset="0"/>
+        <a:spcAft>
+          <a:spcPts val="200"/>
+        </a:spcAft>
+        <a:buClr>
+          <a:schemeClr val="accent1"/>
+        </a:buClr>
+        <a:buSzPct val="80000"/>
+        <a:buFont typeface="Arial" pitchFamily="34" charset="0"/>
         <a:buChar char="•"/>
-        <a:defRPr sz="2800" kern="1200">
+        <a:defRPr sz="1800" kern="1200" spc="10" baseline="0">
           <a:solidFill>
             <a:schemeClr val="tx1"/>
           </a:solidFill>
@@ -3066,144 +3125,216 @@
           <a:cs typeface="+mn-cs"/>
         </a:defRPr>
       </a:lvl1pPr>
-      <a:lvl2pPr marL="685800" indent="-228600" algn="l" defTabSz="914400" rtl="0" eaLnBrk="1" latinLnBrk="0" hangingPunct="1">
+      <a:lvl2pPr marL="457200" indent="-182880" algn="l" defTabSz="914400" rtl="0" eaLnBrk="1" latinLnBrk="0" hangingPunct="1">
         <a:lnSpc>
           <a:spcPct val="90000"/>
         </a:lnSpc>
         <a:spcBef>
-          <a:spcPts val="500"/>
+          <a:spcPts val="300"/>
         </a:spcBef>
-        <a:buFont typeface="Arial" panose="020B0604020202020204" pitchFamily="34" charset="0"/>
-        <a:buChar char="•"/>
-        <a:defRPr sz="2400" kern="1200">
+        <a:spcAft>
+          <a:spcPts val="300"/>
+        </a:spcAft>
+        <a:buClr>
+          <a:schemeClr val="accent1"/>
+        </a:buClr>
+        <a:buFont typeface="Wingdings 2" pitchFamily="18" charset="2"/>
+        <a:buChar char=""/>
+        <a:defRPr sz="1600" kern="1200">
           <a:solidFill>
-            <a:schemeClr val="tx1"/>
+            <a:schemeClr val="tx1">
+              <a:lumMod val="85000"/>
+              <a:lumOff val="15000"/>
+            </a:schemeClr>
           </a:solidFill>
           <a:latin typeface="+mn-lt"/>
           <a:ea typeface="+mn-ea"/>
           <a:cs typeface="+mn-cs"/>
         </a:defRPr>
       </a:lvl2pPr>
-      <a:lvl3pPr marL="1143000" indent="-228600" algn="l" defTabSz="914400" rtl="0" eaLnBrk="1" latinLnBrk="0" hangingPunct="1">
+      <a:lvl3pPr marL="731520" indent="-182880" algn="l" defTabSz="914400" rtl="0" eaLnBrk="1" latinLnBrk="0" hangingPunct="1">
         <a:lnSpc>
           <a:spcPct val="90000"/>
         </a:lnSpc>
         <a:spcBef>
-          <a:spcPts val="500"/>
+          <a:spcPts val="300"/>
         </a:spcBef>
-        <a:buFont typeface="Arial" panose="020B0604020202020204" pitchFamily="34" charset="0"/>
-        <a:buChar char="•"/>
-        <a:defRPr sz="2000" kern="1200">
+        <a:spcAft>
+          <a:spcPts val="300"/>
+        </a:spcAft>
+        <a:buClr>
+          <a:schemeClr val="accent1"/>
+        </a:buClr>
+        <a:buFont typeface="Wingdings 2" pitchFamily="18" charset="2"/>
+        <a:buChar char=""/>
+        <a:defRPr sz="1400" kern="1200">
           <a:solidFill>
-            <a:schemeClr val="tx1"/>
+            <a:schemeClr val="tx1">
+              <a:lumMod val="85000"/>
+              <a:lumOff val="15000"/>
+            </a:schemeClr>
           </a:solidFill>
           <a:latin typeface="+mn-lt"/>
           <a:ea typeface="+mn-ea"/>
           <a:cs typeface="+mn-cs"/>
         </a:defRPr>
       </a:lvl3pPr>
-      <a:lvl4pPr marL="1600200" indent="-228600" algn="l" defTabSz="914400" rtl="0" eaLnBrk="1" latinLnBrk="0" hangingPunct="1">
+      <a:lvl4pPr marL="1005840" indent="-182880" algn="l" defTabSz="914400" rtl="0" eaLnBrk="1" latinLnBrk="0" hangingPunct="1">
         <a:lnSpc>
           <a:spcPct val="90000"/>
         </a:lnSpc>
         <a:spcBef>
-          <a:spcPts val="500"/>
+          <a:spcPts val="300"/>
         </a:spcBef>
-        <a:buFont typeface="Arial" panose="020B0604020202020204" pitchFamily="34" charset="0"/>
-        <a:buChar char="•"/>
-        <a:defRPr sz="1800" kern="1200">
+        <a:spcAft>
+          <a:spcPts val="300"/>
+        </a:spcAft>
+        <a:buClr>
+          <a:schemeClr val="accent1"/>
+        </a:buClr>
+        <a:buFont typeface="Wingdings 2" pitchFamily="18" charset="2"/>
+        <a:buChar char=""/>
+        <a:defRPr sz="1400" kern="1200">
           <a:solidFill>
-            <a:schemeClr val="tx1"/>
+            <a:schemeClr val="tx1">
+              <a:lumMod val="85000"/>
+              <a:lumOff val="15000"/>
+            </a:schemeClr>
           </a:solidFill>
           <a:latin typeface="+mn-lt"/>
           <a:ea typeface="+mn-ea"/>
           <a:cs typeface="+mn-cs"/>
         </a:defRPr>
       </a:lvl4pPr>
-      <a:lvl5pPr marL="2057400" indent="-228600" algn="l" defTabSz="914400" rtl="0" eaLnBrk="1" latinLnBrk="0" hangingPunct="1">
+      <a:lvl5pPr marL="1280160" indent="-182880" algn="l" defTabSz="914400" rtl="0" eaLnBrk="1" latinLnBrk="0" hangingPunct="1">
         <a:lnSpc>
           <a:spcPct val="90000"/>
         </a:lnSpc>
         <a:spcBef>
-          <a:spcPts val="500"/>
+          <a:spcPts val="300"/>
         </a:spcBef>
-        <a:buFont typeface="Arial" panose="020B0604020202020204" pitchFamily="34" charset="0"/>
-        <a:buChar char="•"/>
-        <a:defRPr sz="1800" kern="1200">
+        <a:spcAft>
+          <a:spcPts val="300"/>
+        </a:spcAft>
+        <a:buClr>
+          <a:schemeClr val="accent1"/>
+        </a:buClr>
+        <a:buFont typeface="Wingdings 2" pitchFamily="18" charset="2"/>
+        <a:buChar char=""/>
+        <a:defRPr sz="1400" kern="1200">
           <a:solidFill>
-            <a:schemeClr val="tx1"/>
+            <a:schemeClr val="tx1">
+              <a:lumMod val="85000"/>
+              <a:lumOff val="15000"/>
+            </a:schemeClr>
           </a:solidFill>
           <a:latin typeface="+mn-lt"/>
           <a:ea typeface="+mn-ea"/>
           <a:cs typeface="+mn-cs"/>
         </a:defRPr>
       </a:lvl5pPr>
-      <a:lvl6pPr marL="2514600" indent="-228600" algn="l" defTabSz="914400" rtl="0" eaLnBrk="1" latinLnBrk="0" hangingPunct="1">
+      <a:lvl6pPr marL="1600000" indent="-228600" algn="l" defTabSz="914400" rtl="0" eaLnBrk="1" latinLnBrk="0" hangingPunct="1">
         <a:lnSpc>
           <a:spcPct val="90000"/>
         </a:lnSpc>
         <a:spcBef>
-          <a:spcPts val="500"/>
+          <a:spcPts val="300"/>
         </a:spcBef>
-        <a:buFont typeface="Arial" panose="020B0604020202020204" pitchFamily="34" charset="0"/>
-        <a:buChar char="•"/>
-        <a:defRPr sz="1800" kern="1200">
+        <a:spcAft>
+          <a:spcPts val="300"/>
+        </a:spcAft>
+        <a:buClr>
+          <a:schemeClr val="accent1"/>
+        </a:buClr>
+        <a:buFont typeface="Wingdings 2" pitchFamily="18" charset="2"/>
+        <a:buChar char=""/>
+        <a:defRPr sz="1400" kern="1200">
           <a:solidFill>
-            <a:schemeClr val="tx1"/>
+            <a:schemeClr val="tx1">
+              <a:lumMod val="85000"/>
+              <a:lumOff val="15000"/>
+            </a:schemeClr>
           </a:solidFill>
           <a:latin typeface="+mn-lt"/>
           <a:ea typeface="+mn-ea"/>
           <a:cs typeface="+mn-cs"/>
         </a:defRPr>
       </a:lvl6pPr>
-      <a:lvl7pPr marL="2971800" indent="-228600" algn="l" defTabSz="914400" rtl="0" eaLnBrk="1" latinLnBrk="0" hangingPunct="1">
+      <a:lvl7pPr marL="1900000" indent="-228600" algn="l" defTabSz="914400" rtl="0" eaLnBrk="1" latinLnBrk="0" hangingPunct="1">
         <a:lnSpc>
           <a:spcPct val="90000"/>
         </a:lnSpc>
         <a:spcBef>
-          <a:spcPts val="500"/>
+          <a:spcPts val="300"/>
         </a:spcBef>
-        <a:buFont typeface="Arial" panose="020B0604020202020204" pitchFamily="34" charset="0"/>
-        <a:buChar char="•"/>
-        <a:defRPr sz="1800" kern="1200">
+        <a:spcAft>
+          <a:spcPts val="300"/>
+        </a:spcAft>
+        <a:buClr>
+          <a:schemeClr val="accent1"/>
+        </a:buClr>
+        <a:buFont typeface="Wingdings 2" pitchFamily="18" charset="2"/>
+        <a:buChar char=""/>
+        <a:defRPr sz="1400" kern="1200">
           <a:solidFill>
-            <a:schemeClr val="tx1"/>
+            <a:schemeClr val="tx1">
+              <a:lumMod val="85000"/>
+              <a:lumOff val="15000"/>
+            </a:schemeClr>
           </a:solidFill>
           <a:latin typeface="+mn-lt"/>
           <a:ea typeface="+mn-ea"/>
           <a:cs typeface="+mn-cs"/>
         </a:defRPr>
       </a:lvl7pPr>
-      <a:lvl8pPr marL="3429000" indent="-228600" algn="l" defTabSz="914400" rtl="0" eaLnBrk="1" latinLnBrk="0" hangingPunct="1">
+      <a:lvl8pPr marL="2200000" indent="-228600" algn="l" defTabSz="914400" rtl="0" eaLnBrk="1" latinLnBrk="0" hangingPunct="1">
         <a:lnSpc>
           <a:spcPct val="90000"/>
         </a:lnSpc>
         <a:spcBef>
-          <a:spcPts val="500"/>
+          <a:spcPts val="300"/>
         </a:spcBef>
-        <a:buFont typeface="Arial" panose="020B0604020202020204" pitchFamily="34" charset="0"/>
-        <a:buChar char="•"/>
-        <a:defRPr sz="1800" kern="1200">
+        <a:spcAft>
+          <a:spcPts val="300"/>
+        </a:spcAft>
+        <a:buClr>
+          <a:schemeClr val="accent1"/>
+        </a:buClr>
+        <a:buFont typeface="Wingdings 2" pitchFamily="18" charset="2"/>
+        <a:buChar char=""/>
+        <a:defRPr sz="1400" kern="1200">
           <a:solidFill>
-            <a:schemeClr val="tx1"/>
+            <a:schemeClr val="tx1">
+              <a:lumMod val="85000"/>
+              <a:lumOff val="15000"/>
+            </a:schemeClr>
           </a:solidFill>
           <a:latin typeface="+mn-lt"/>
           <a:ea typeface="+mn-ea"/>
           <a:cs typeface="+mn-cs"/>
         </a:defRPr>
       </a:lvl8pPr>
-      <a:lvl9pPr marL="3886200" indent="-228600" algn="l" defTabSz="914400" rtl="0" eaLnBrk="1" latinLnBrk="0" hangingPunct="1">
+      <a:lvl9pPr marL="2500000" indent="-228600" algn="l" defTabSz="914400" rtl="0" eaLnBrk="1" latinLnBrk="0" hangingPunct="1">
         <a:lnSpc>
           <a:spcPct val="90000"/>
         </a:lnSpc>
         <a:spcBef>
-          <a:spcPts val="500"/>
+          <a:spcPts val="300"/>
         </a:spcBef>
-        <a:buFont typeface="Arial" panose="020B0604020202020204" pitchFamily="34" charset="0"/>
-        <a:buChar char="•"/>
-        <a:defRPr sz="1800" kern="1200">
+        <a:spcAft>
+          <a:spcPts val="300"/>
+        </a:spcAft>
+        <a:buClr>
+          <a:schemeClr val="accent1"/>
+        </a:buClr>
+        <a:buFont typeface="Wingdings 2" pitchFamily="18" charset="2"/>
+        <a:buChar char=""/>
+        <a:defRPr sz="1400" kern="1200">
           <a:solidFill>
-            <a:schemeClr val="tx1"/>
+            <a:schemeClr val="tx1">
+              <a:lumMod val="85000"/>
+              <a:lumOff val="15000"/>
+            </a:schemeClr>
           </a:solidFill>
           <a:latin typeface="+mn-lt"/>
           <a:ea typeface="+mn-ea"/>
@@ -3332,7 +3463,7 @@
           <p:cNvPr id="2" name="Title 1">
             <a:extLst>
               <a:ext uri="{FF2B5EF4-FFF2-40B4-BE49-F238E27FC236}">
-                <a16:creationId xmlns:a16="http://schemas.microsoft.com/office/drawing/2014/main" id="{9BC3CD2F-D327-4F3B-B0C6-F7F5A044092D}"/>
+                <a16:creationId xmlns:a16="http://schemas.microsoft.com/office/drawing/2014/main" id="{FA509A0D-5602-418D-838F-E68E0CFA954A}"/>
               </a:ext>
             </a:extLst>
           </p:cNvPr>
@@ -3340,32 +3471,54 @@
             <a:spLocks noGrp="1"/>
           </p:cNvSpPr>
           <p:nvPr>
-            <p:ph type="ctrTitle"/>
+            <p:ph type="title"/>
           </p:nvPr>
         </p:nvSpPr>
         <p:spPr>
           <a:xfrm>
-            <a:off x="1465277" y="0"/>
-            <a:ext cx="9144000" cy="2387600"/>
+            <a:off x="838200" y="2031218"/>
+            <a:ext cx="10515600" cy="591730"/>
           </a:xfrm>
         </p:spPr>
         <p:txBody>
-          <a:bodyPr/>
+          <a:bodyPr>
+            <a:normAutofit/>
+          </a:bodyPr>
           <a:lstStyle/>
           <a:p>
             <a:r>
-              <a:rPr lang="en-US" dirty="0"/>
-              <a:t>Strafer II</a:t>
-            </a:r>
-          </a:p>
-        </p:txBody>
-      </p:sp>
-      <p:sp>
-        <p:nvSpPr>
-          <p:cNvPr id="3" name="Subtitle 2">
+              <a:rPr lang="en-US" sz="3200" dirty="0" err="1"/>
+              <a:t>Despre</a:t>
+            </a:r>
+            <a:r>
+              <a:rPr lang="en-US" sz="3200" dirty="0"/>
+              <a:t> </a:t>
+            </a:r>
+            <a:r>
+              <a:rPr lang="en-US" sz="3200" dirty="0" err="1"/>
+              <a:t>ce</a:t>
+            </a:r>
+            <a:r>
+              <a:rPr lang="en-US" sz="3200" dirty="0"/>
+              <a:t> e </a:t>
+            </a:r>
+            <a:r>
+              <a:rPr lang="en-US" sz="3200" dirty="0" err="1"/>
+              <a:t>vorba</a:t>
+            </a:r>
+            <a:r>
+              <a:rPr lang="en-US" sz="3200" dirty="0"/>
+              <a:t>?</a:t>
+            </a:r>
+          </a:p>
+        </p:txBody>
+      </p:sp>
+      <p:sp>
+        <p:nvSpPr>
+          <p:cNvPr id="3" name="Content Placeholder 2">
             <a:extLst>
               <a:ext uri="{FF2B5EF4-FFF2-40B4-BE49-F238E27FC236}">
-                <a16:creationId xmlns:a16="http://schemas.microsoft.com/office/drawing/2014/main" id="{AE7ADBC3-882A-4977-9CD4-DF5CAA5DFF87}"/>
+                <a16:creationId xmlns:a16="http://schemas.microsoft.com/office/drawing/2014/main" id="{A0F13554-611E-4B25-A2A4-739CAE2474DF}"/>
               </a:ext>
             </a:extLst>
           </p:cNvPr>
@@ -3373,21 +3526,379 @@
             <a:spLocks noGrp="1"/>
           </p:cNvSpPr>
           <p:nvPr>
-            <p:ph type="subTitle" idx="1"/>
+            <p:ph idx="1"/>
           </p:nvPr>
         </p:nvSpPr>
         <p:spPr>
           <a:xfrm>
-            <a:off x="2975296" y="5028167"/>
-            <a:ext cx="9144000" cy="1655762"/>
+            <a:off x="433431" y="2628531"/>
+            <a:ext cx="10515600" cy="4351338"/>
           </a:xfrm>
         </p:spPr>
         <p:txBody>
           <a:bodyPr>
-            <a:normAutofit lnSpcReduction="10000"/>
+            <a:normAutofit/>
           </a:bodyPr>
           <a:lstStyle/>
           <a:p>
+            <a:r>
+              <a:rPr lang="en-US" sz="2000" dirty="0"/>
+              <a:t>Strafer II </a:t>
+            </a:r>
+            <a:r>
+              <a:rPr lang="en-US" sz="2000" dirty="0" err="1"/>
+              <a:t>este</a:t>
+            </a:r>
+            <a:r>
+              <a:rPr lang="en-US" sz="2000" dirty="0"/>
+              <a:t> un </a:t>
+            </a:r>
+            <a:r>
+              <a:rPr lang="en-US" sz="2000" dirty="0" err="1"/>
+              <a:t>joc</a:t>
+            </a:r>
+            <a:r>
+              <a:rPr lang="en-US" sz="2000" dirty="0"/>
+              <a:t> Open-World action-RPG, in care </a:t>
+            </a:r>
+            <a:r>
+              <a:rPr lang="en-US" sz="2000" dirty="0" err="1"/>
+              <a:t>jucatorul</a:t>
+            </a:r>
+            <a:r>
+              <a:rPr lang="en-US" sz="2000" dirty="0"/>
+              <a:t> </a:t>
+            </a:r>
+            <a:r>
+              <a:rPr lang="en-US" sz="2000" dirty="0" err="1"/>
+              <a:t>ia</a:t>
+            </a:r>
+            <a:r>
+              <a:rPr lang="en-US" sz="2000" dirty="0"/>
+              <a:t> </a:t>
+            </a:r>
+            <a:r>
+              <a:rPr lang="en-US" sz="2000" dirty="0" err="1"/>
+              <a:t>rolul</a:t>
+            </a:r>
+            <a:r>
+              <a:rPr lang="en-US" sz="2000" dirty="0"/>
+              <a:t> </a:t>
+            </a:r>
+            <a:r>
+              <a:rPr lang="en-US" sz="2000" dirty="0" err="1"/>
+              <a:t>unui</a:t>
+            </a:r>
+            <a:r>
+              <a:rPr lang="en-US" sz="2000" dirty="0"/>
+              <a:t> astronaut care s-a </a:t>
+            </a:r>
+            <a:r>
+              <a:rPr lang="en-US" sz="2000" dirty="0" err="1"/>
+              <a:t>prabusit</a:t>
+            </a:r>
+            <a:r>
+              <a:rPr lang="en-US" sz="2000" dirty="0"/>
+              <a:t> pe o </a:t>
+            </a:r>
+            <a:r>
+              <a:rPr lang="en-US" sz="2000" dirty="0" err="1"/>
+              <a:t>planeta</a:t>
+            </a:r>
+            <a:r>
+              <a:rPr lang="en-US" sz="2000" dirty="0"/>
+              <a:t> </a:t>
+            </a:r>
+            <a:r>
+              <a:rPr lang="en-US" sz="2000" dirty="0" err="1"/>
+              <a:t>straina</a:t>
+            </a:r>
+            <a:r>
+              <a:rPr lang="en-US" sz="2000" dirty="0"/>
+              <a:t>. Pe </a:t>
+            </a:r>
+            <a:r>
+              <a:rPr lang="en-US" sz="2000" dirty="0" err="1"/>
+              <a:t>parcursul</a:t>
+            </a:r>
+            <a:r>
+              <a:rPr lang="en-US" sz="2000" dirty="0"/>
+              <a:t> </a:t>
+            </a:r>
+            <a:r>
+              <a:rPr lang="en-US" sz="2000" dirty="0" err="1"/>
+              <a:t>jocului</a:t>
+            </a:r>
+            <a:r>
+              <a:rPr lang="en-US" sz="2000" dirty="0"/>
+              <a:t>, </a:t>
+            </a:r>
+            <a:r>
+              <a:rPr lang="en-US" sz="2000" dirty="0" err="1"/>
+              <a:t>el</a:t>
+            </a:r>
+            <a:r>
+              <a:rPr lang="en-US" sz="2000" dirty="0"/>
+              <a:t> </a:t>
+            </a:r>
+            <a:r>
+              <a:rPr lang="en-US" sz="2000" dirty="0" err="1"/>
+              <a:t>afla</a:t>
+            </a:r>
+            <a:r>
+              <a:rPr lang="en-US" sz="2000" dirty="0"/>
+              <a:t> </a:t>
+            </a:r>
+            <a:r>
+              <a:rPr lang="en-US" sz="2000" dirty="0" err="1"/>
+              <a:t>secretele</a:t>
+            </a:r>
+            <a:r>
+              <a:rPr lang="en-US" sz="2000" dirty="0"/>
+              <a:t> </a:t>
+            </a:r>
+            <a:r>
+              <a:rPr lang="en-US" sz="2000" dirty="0" err="1"/>
+              <a:t>planetei</a:t>
+            </a:r>
+            <a:r>
+              <a:rPr lang="en-US" sz="2000" dirty="0"/>
+              <a:t> pe care se </a:t>
+            </a:r>
+            <a:r>
+              <a:rPr lang="en-US" sz="2000" dirty="0" err="1"/>
+              <a:t>afla</a:t>
+            </a:r>
+            <a:r>
+              <a:rPr lang="en-US" sz="2000" dirty="0"/>
+              <a:t> </a:t>
+            </a:r>
+            <a:r>
+              <a:rPr lang="en-US" sz="2000" dirty="0" err="1"/>
+              <a:t>si</a:t>
+            </a:r>
+            <a:r>
+              <a:rPr lang="en-US" sz="2000" dirty="0"/>
+              <a:t> </a:t>
+            </a:r>
+            <a:r>
+              <a:rPr lang="en-US" sz="2000" dirty="0" err="1"/>
+              <a:t>incearca</a:t>
+            </a:r>
+            <a:r>
+              <a:rPr lang="en-US" sz="2000" dirty="0"/>
+              <a:t> </a:t>
+            </a:r>
+            <a:r>
+              <a:rPr lang="en-US" sz="2000" dirty="0" err="1"/>
+              <a:t>sa</a:t>
+            </a:r>
+            <a:r>
+              <a:rPr lang="en-US" sz="2000" dirty="0"/>
+              <a:t> scape din </a:t>
+            </a:r>
+            <a:r>
+              <a:rPr lang="en-US" sz="2000" dirty="0" err="1"/>
+              <a:t>acest</a:t>
+            </a:r>
+            <a:r>
+              <a:rPr lang="en-US" sz="2000" dirty="0"/>
+              <a:t> loc </a:t>
+            </a:r>
+            <a:r>
+              <a:rPr lang="en-US" sz="2000" dirty="0" err="1"/>
+              <a:t>uitat</a:t>
+            </a:r>
+            <a:r>
+              <a:rPr lang="en-US" sz="2000" dirty="0"/>
+              <a:t> de </a:t>
+            </a:r>
+            <a:r>
+              <a:rPr lang="en-US" sz="2000" dirty="0" err="1"/>
+              <a:t>lume</a:t>
+            </a:r>
+            <a:r>
+              <a:rPr lang="en-US" sz="2000" dirty="0"/>
+              <a:t>. Cu </a:t>
+            </a:r>
+            <a:r>
+              <a:rPr lang="en-US" sz="2000" dirty="0" err="1"/>
+              <a:t>ajutorul</a:t>
+            </a:r>
+            <a:r>
+              <a:rPr lang="en-US" sz="2000" dirty="0"/>
+              <a:t> </a:t>
+            </a:r>
+            <a:r>
+              <a:rPr lang="en-US" sz="2000" dirty="0" err="1"/>
+              <a:t>instrumentelor</a:t>
+            </a:r>
+            <a:r>
+              <a:rPr lang="en-US" sz="2000" dirty="0"/>
+              <a:t> pe care </a:t>
+            </a:r>
+            <a:r>
+              <a:rPr lang="en-US" sz="2000" dirty="0" err="1"/>
+              <a:t>trebuie</a:t>
+            </a:r>
+            <a:r>
+              <a:rPr lang="en-US" sz="2000" dirty="0"/>
+              <a:t> </a:t>
+            </a:r>
+            <a:r>
+              <a:rPr lang="en-US" sz="2000" dirty="0" err="1"/>
+              <a:t>sa</a:t>
+            </a:r>
+            <a:r>
+              <a:rPr lang="en-US" sz="2000" dirty="0"/>
+              <a:t> le </a:t>
+            </a:r>
+            <a:r>
+              <a:rPr lang="en-US" sz="2000" dirty="0" err="1"/>
+              <a:t>obtina</a:t>
+            </a:r>
+            <a:r>
+              <a:rPr lang="en-US" sz="2000" dirty="0"/>
+              <a:t>, </a:t>
+            </a:r>
+            <a:r>
+              <a:rPr lang="en-US" sz="2000" dirty="0" err="1"/>
+              <a:t>el</a:t>
+            </a:r>
+            <a:r>
+              <a:rPr lang="en-US" sz="2000" dirty="0"/>
+              <a:t> </a:t>
+            </a:r>
+            <a:r>
+              <a:rPr lang="en-US" sz="2000" dirty="0" err="1"/>
+              <a:t>este</a:t>
+            </a:r>
+            <a:r>
+              <a:rPr lang="en-US" sz="2000" dirty="0"/>
+              <a:t> </a:t>
+            </a:r>
+            <a:r>
+              <a:rPr lang="en-US" sz="2000" dirty="0" err="1"/>
+              <a:t>fortat</a:t>
+            </a:r>
+            <a:r>
+              <a:rPr lang="en-US" sz="2000" dirty="0"/>
+              <a:t> </a:t>
+            </a:r>
+            <a:r>
+              <a:rPr lang="en-US" sz="2000" dirty="0" err="1"/>
+              <a:t>sa</a:t>
+            </a:r>
+            <a:r>
+              <a:rPr lang="en-US" sz="2000" dirty="0"/>
+              <a:t> </a:t>
+            </a:r>
+            <a:r>
+              <a:rPr lang="en-US" sz="2000" dirty="0" err="1"/>
+              <a:t>supravietuiasca</a:t>
+            </a:r>
+            <a:r>
+              <a:rPr lang="en-US" sz="2000" dirty="0"/>
+              <a:t> </a:t>
+            </a:r>
+            <a:r>
+              <a:rPr lang="en-US" sz="2000" dirty="0" err="1"/>
+              <a:t>atacurilor</a:t>
+            </a:r>
+            <a:r>
+              <a:rPr lang="en-US" sz="2000" dirty="0"/>
+              <a:t> </a:t>
+            </a:r>
+            <a:r>
+              <a:rPr lang="en-US" sz="2000" dirty="0" err="1"/>
+              <a:t>creaturilor</a:t>
+            </a:r>
+            <a:r>
+              <a:rPr lang="en-US" sz="2000" dirty="0"/>
+              <a:t> </a:t>
+            </a:r>
+            <a:r>
+              <a:rPr lang="en-US" sz="2000" dirty="0" err="1"/>
+              <a:t>si</a:t>
+            </a:r>
+            <a:r>
+              <a:rPr lang="en-US" sz="2000" dirty="0"/>
+              <a:t> </a:t>
+            </a:r>
+            <a:r>
+              <a:rPr lang="en-US" sz="2000" dirty="0" err="1"/>
+              <a:t>robotilor</a:t>
+            </a:r>
+            <a:r>
+              <a:rPr lang="en-US" sz="2000" dirty="0"/>
+              <a:t>. </a:t>
+            </a:r>
+          </a:p>
+        </p:txBody>
+      </p:sp>
+      <p:sp>
+        <p:nvSpPr>
+          <p:cNvPr id="4" name="TextBox 3">
+            <a:extLst>
+              <a:ext uri="{FF2B5EF4-FFF2-40B4-BE49-F238E27FC236}">
+                <a16:creationId xmlns:a16="http://schemas.microsoft.com/office/drawing/2014/main" id="{64B5A906-C260-4EA8-A564-8B1C8C55E1AF}"/>
+              </a:ext>
+            </a:extLst>
+          </p:cNvPr>
+          <p:cNvSpPr txBox="1"/>
+          <p:nvPr/>
+        </p:nvSpPr>
+        <p:spPr>
+          <a:xfrm>
+            <a:off x="4118994" y="184558"/>
+            <a:ext cx="3456265" cy="461665"/>
+          </a:xfrm>
+          <a:prstGeom prst="rect">
+            <a:avLst/>
+          </a:prstGeom>
+          <a:noFill/>
+        </p:spPr>
+        <p:txBody>
+          <a:bodyPr wrap="square" rtlCol="0">
+            <a:spAutoFit/>
+          </a:bodyPr>
+          <a:lstStyle/>
+          <a:p>
+            <a:r>
+              <a:rPr lang="en-US" sz="2400" dirty="0"/>
+              <a:t>STRAFER II</a:t>
+            </a:r>
+          </a:p>
+        </p:txBody>
+      </p:sp>
+      <p:sp>
+        <p:nvSpPr>
+          <p:cNvPr id="5" name="TextBox 4">
+            <a:extLst>
+              <a:ext uri="{FF2B5EF4-FFF2-40B4-BE49-F238E27FC236}">
+                <a16:creationId xmlns:a16="http://schemas.microsoft.com/office/drawing/2014/main" id="{13F6CBB5-9A53-4CFC-B6C3-41751B3928A9}"/>
+              </a:ext>
+            </a:extLst>
+          </p:cNvPr>
+          <p:cNvSpPr txBox="1"/>
+          <p:nvPr/>
+        </p:nvSpPr>
+        <p:spPr>
+          <a:xfrm>
+            <a:off x="5931017" y="646223"/>
+            <a:ext cx="5422783" cy="1200329"/>
+          </a:xfrm>
+          <a:prstGeom prst="rect">
+            <a:avLst/>
+          </a:prstGeom>
+          <a:noFill/>
+        </p:spPr>
+        <p:txBody>
+          <a:bodyPr wrap="square" rtlCol="0">
+            <a:spAutoFit/>
+          </a:bodyPr>
+          <a:lstStyle/>
+          <a:p>
             <a:pPr algn="r"/>
             <a:r>
               <a:rPr lang="en-US" dirty="0" err="1"/>
@@ -3403,58 +3914,534 @@
             </a:r>
             <a:r>
               <a:rPr lang="en-US" dirty="0"/>
-              <a:t> de: Tudosie Marius-Razvan</a:t>
+              <a:t> de </a:t>
+            </a:r>
+            <a:r>
+              <a:rPr lang="en-US" dirty="0" err="1"/>
+              <a:t>echipa</a:t>
+            </a:r>
+            <a:r>
+              <a:rPr lang="en-US" dirty="0"/>
+              <a:t> “CV9 project blue”: </a:t>
+            </a:r>
+            <a:r>
+              <a:rPr lang="en-US" dirty="0" err="1"/>
+              <a:t>Tudosie</a:t>
+            </a:r>
+            <a:r>
+              <a:rPr lang="en-US" dirty="0"/>
+              <a:t> Marius-Razvan</a:t>
             </a:r>
           </a:p>
           <a:p>
             <a:pPr algn="r"/>
             <a:r>
               <a:rPr lang="en-US" dirty="0"/>
-              <a:t>                          	     </a:t>
-            </a:r>
-            <a:r>
-              <a:rPr lang="en-US" dirty="0" err="1"/>
-              <a:t>Stoica</a:t>
-            </a:r>
-            <a:r>
-              <a:rPr lang="en-US" dirty="0"/>
-              <a:t> Mihai-</a:t>
-            </a:r>
-            <a:r>
-              <a:rPr lang="en-US" dirty="0" err="1"/>
-              <a:t>Nicusor</a:t>
+              <a:t>                          	     Stoica Mihai-Nicusor</a:t>
+            </a:r>
+          </a:p>
+          <a:p>
+            <a:pPr algn="r"/>
+            <a:r>
+              <a:rPr lang="en-US" dirty="0" err="1"/>
+              <a:t>Profesor</a:t>
+            </a:r>
+            <a:r>
+              <a:rPr lang="en-US" dirty="0"/>
+              <a:t> </a:t>
+            </a:r>
+            <a:r>
+              <a:rPr lang="en-US" dirty="0" err="1"/>
+              <a:t>coordonator</a:t>
+            </a:r>
+            <a:r>
+              <a:rPr lang="en-US" dirty="0"/>
+              <a:t>: Laura </a:t>
+            </a:r>
+            <a:r>
+              <a:rPr lang="en-US" dirty="0" err="1"/>
+              <a:t>Coravu</a:t>
             </a:r>
             <a:endParaRPr lang="en-US" dirty="0"/>
           </a:p>
-          <a:p>
-            <a:pPr algn="r"/>
-            <a:r>
-              <a:rPr lang="en-US" dirty="0" err="1"/>
-              <a:t>Profesor</a:t>
-            </a:r>
-            <a:r>
-              <a:rPr lang="en-US" dirty="0"/>
-              <a:t> </a:t>
-            </a:r>
-            <a:r>
-              <a:rPr lang="en-US" dirty="0" err="1"/>
-              <a:t>coordonator</a:t>
-            </a:r>
-            <a:r>
-              <a:rPr lang="en-US" dirty="0"/>
-              <a:t>: Laura </a:t>
-            </a:r>
-            <a:r>
-              <a:rPr lang="en-US" dirty="0" err="1"/>
-              <a:t>Coravu</a:t>
+        </p:txBody>
+      </p:sp>
+      <p:sp>
+        <p:nvSpPr>
+          <p:cNvPr id="6" name="TextBox 5">
+            <a:extLst>
+              <a:ext uri="{FF2B5EF4-FFF2-40B4-BE49-F238E27FC236}">
+                <a16:creationId xmlns:a16="http://schemas.microsoft.com/office/drawing/2014/main" id="{B1BBB155-E164-4990-BC17-199282FAAE0F}"/>
+              </a:ext>
+            </a:extLst>
+          </p:cNvPr>
+          <p:cNvSpPr txBox="1"/>
+          <p:nvPr/>
+        </p:nvSpPr>
+        <p:spPr>
+          <a:xfrm>
+            <a:off x="838200" y="4197554"/>
+            <a:ext cx="3414319" cy="523220"/>
+          </a:xfrm>
+          <a:prstGeom prst="rect">
+            <a:avLst/>
+          </a:prstGeom>
+          <a:noFill/>
+        </p:spPr>
+        <p:txBody>
+          <a:bodyPr wrap="square" rtlCol="0">
+            <a:spAutoFit/>
+          </a:bodyPr>
+          <a:lstStyle/>
+          <a:p>
+            <a:r>
+              <a:rPr lang="en-US" sz="2800" dirty="0"/>
+              <a:t>Date </a:t>
+            </a:r>
+            <a:r>
+              <a:rPr lang="en-US" sz="2800" dirty="0" err="1"/>
+              <a:t>tehnice</a:t>
+            </a:r>
+            <a:endParaRPr lang="en-US" sz="2800" dirty="0"/>
+          </a:p>
+        </p:txBody>
+      </p:sp>
+      <p:sp>
+        <p:nvSpPr>
+          <p:cNvPr id="8" name="TextBox 7">
+            <a:extLst>
+              <a:ext uri="{FF2B5EF4-FFF2-40B4-BE49-F238E27FC236}">
+                <a16:creationId xmlns:a16="http://schemas.microsoft.com/office/drawing/2014/main" id="{CE1537B0-DDE1-4CC8-A909-7FE8C1C0F2F9}"/>
+              </a:ext>
+            </a:extLst>
+          </p:cNvPr>
+          <p:cNvSpPr txBox="1"/>
+          <p:nvPr/>
+        </p:nvSpPr>
+        <p:spPr>
+          <a:xfrm>
+            <a:off x="433431" y="4720774"/>
+            <a:ext cx="11325138" cy="1754326"/>
+          </a:xfrm>
+          <a:prstGeom prst="rect">
+            <a:avLst/>
+          </a:prstGeom>
+          <a:noFill/>
+        </p:spPr>
+        <p:txBody>
+          <a:bodyPr wrap="square" rtlCol="0">
+            <a:spAutoFit/>
+          </a:bodyPr>
+          <a:lstStyle/>
+          <a:p>
+            <a:pPr marL="285750" indent="-285750">
+              <a:buFont typeface="Arial" panose="020B0604020202020204" pitchFamily="34" charset="0"/>
+              <a:buChar char="•"/>
+            </a:pPr>
+            <a:r>
+              <a:rPr lang="en-US" dirty="0"/>
+              <a:t>Din </a:t>
+            </a:r>
+            <a:r>
+              <a:rPr lang="en-US" dirty="0" err="1"/>
+              <a:t>punct</a:t>
+            </a:r>
+            <a:r>
+              <a:rPr lang="en-US" dirty="0"/>
+              <a:t> de </a:t>
+            </a:r>
+            <a:r>
+              <a:rPr lang="en-US" dirty="0" err="1"/>
+              <a:t>vedere</a:t>
+            </a:r>
+            <a:r>
+              <a:rPr lang="en-US" dirty="0"/>
+              <a:t> </a:t>
+            </a:r>
+            <a:r>
+              <a:rPr lang="en-US" dirty="0" err="1"/>
+              <a:t>tehnic</a:t>
+            </a:r>
+            <a:r>
+              <a:rPr lang="en-US" dirty="0"/>
+              <a:t>, </a:t>
+            </a:r>
+            <a:r>
+              <a:rPr lang="en-US" dirty="0" err="1"/>
+              <a:t>proiectul</a:t>
+            </a:r>
+            <a:r>
+              <a:rPr lang="en-US" dirty="0"/>
+              <a:t> are </a:t>
+            </a:r>
+            <a:r>
+              <a:rPr lang="en-US" dirty="0" err="1"/>
+              <a:t>cateva</a:t>
+            </a:r>
+            <a:r>
+              <a:rPr lang="en-US" dirty="0"/>
+              <a:t> </a:t>
+            </a:r>
+            <a:r>
+              <a:rPr lang="en-US" dirty="0" err="1"/>
+              <a:t>componente</a:t>
+            </a:r>
+            <a:r>
+              <a:rPr lang="en-US" dirty="0"/>
+              <a:t> </a:t>
+            </a:r>
+            <a:r>
+              <a:rPr lang="en-US" dirty="0" err="1"/>
+              <a:t>ce</a:t>
+            </a:r>
+            <a:r>
+              <a:rPr lang="en-US" dirty="0"/>
+              <a:t> </a:t>
+            </a:r>
+            <a:r>
+              <a:rPr lang="en-US" dirty="0" err="1"/>
+              <a:t>comunica</a:t>
+            </a:r>
+            <a:r>
+              <a:rPr lang="en-US" dirty="0"/>
+              <a:t> </a:t>
+            </a:r>
+            <a:r>
+              <a:rPr lang="en-US" dirty="0" err="1"/>
+              <a:t>unul</a:t>
+            </a:r>
+            <a:r>
+              <a:rPr lang="en-US" dirty="0"/>
+              <a:t> cu </a:t>
+            </a:r>
+            <a:r>
+              <a:rPr lang="en-US" dirty="0" err="1"/>
+              <a:t>celalalt</a:t>
+            </a:r>
+            <a:r>
+              <a:rPr lang="en-US" dirty="0"/>
+              <a:t> </a:t>
+            </a:r>
+            <a:r>
+              <a:rPr lang="en-US" dirty="0" err="1"/>
+              <a:t>pentru</a:t>
+            </a:r>
+            <a:r>
+              <a:rPr lang="en-US" dirty="0"/>
+              <a:t> a </a:t>
+            </a:r>
+            <a:r>
+              <a:rPr lang="en-US" dirty="0" err="1"/>
+              <a:t>realiza</a:t>
+            </a:r>
+            <a:r>
+              <a:rPr lang="en-US" dirty="0"/>
+              <a:t> o </a:t>
+            </a:r>
+            <a:r>
+              <a:rPr lang="en-US" dirty="0" err="1"/>
+              <a:t>experienta</a:t>
+            </a:r>
+            <a:r>
+              <a:rPr lang="en-US" dirty="0"/>
+              <a:t> de </a:t>
+            </a:r>
+            <a:r>
+              <a:rPr lang="en-US" dirty="0" err="1"/>
+              <a:t>joc</a:t>
+            </a:r>
+            <a:r>
+              <a:rPr lang="en-US" dirty="0"/>
+              <a:t> cat </a:t>
+            </a:r>
+            <a:r>
+              <a:rPr lang="en-US" dirty="0" err="1"/>
+              <a:t>mai</a:t>
+            </a:r>
+            <a:r>
+              <a:rPr lang="en-US" dirty="0"/>
+              <a:t> </a:t>
+            </a:r>
+            <a:r>
+              <a:rPr lang="en-US" dirty="0" err="1"/>
+              <a:t>complexa</a:t>
+            </a:r>
+            <a:r>
+              <a:rPr lang="en-US" dirty="0"/>
+              <a:t>, fara </a:t>
+            </a:r>
+            <a:r>
+              <a:rPr lang="en-US" dirty="0" err="1"/>
+              <a:t>sa</a:t>
+            </a:r>
+            <a:r>
+              <a:rPr lang="en-US" dirty="0"/>
+              <a:t> sacrifice </a:t>
+            </a:r>
+            <a:r>
+              <a:rPr lang="en-US" dirty="0" err="1"/>
+              <a:t>durata</a:t>
+            </a:r>
+            <a:r>
+              <a:rPr lang="en-US" dirty="0"/>
+              <a:t> </a:t>
+            </a:r>
+            <a:r>
+              <a:rPr lang="en-US" dirty="0" err="1"/>
+              <a:t>jocului</a:t>
+            </a:r>
+            <a:r>
+              <a:rPr lang="en-US" dirty="0"/>
+              <a:t> </a:t>
+            </a:r>
+            <a:r>
+              <a:rPr lang="en-US" dirty="0" err="1"/>
+              <a:t>sau</a:t>
+            </a:r>
+            <a:r>
+              <a:rPr lang="en-US" dirty="0"/>
+              <a:t> </a:t>
+            </a:r>
+            <a:r>
+              <a:rPr lang="en-US" dirty="0" err="1"/>
+              <a:t>detaliile</a:t>
+            </a:r>
+            <a:r>
+              <a:rPr lang="en-US" dirty="0"/>
+              <a:t> </a:t>
+            </a:r>
+            <a:r>
+              <a:rPr lang="en-US" dirty="0" err="1"/>
+              <a:t>grafice</a:t>
             </a:r>
             <a:endParaRPr lang="en-US" dirty="0"/>
           </a:p>
           <a:p>
-            <a:pPr algn="r"/>
-            <a:r>
-              <a:rPr lang="en-US" dirty="0"/>
-              <a:t>     </a:t>
+            <a:pPr marL="285750" indent="-285750">
+              <a:buFont typeface="Arial" panose="020B0604020202020204" pitchFamily="34" charset="0"/>
+              <a:buChar char="•"/>
+            </a:pPr>
+            <a:r>
+              <a:rPr lang="en-US" dirty="0" err="1"/>
+              <a:t>Componente</a:t>
+            </a:r>
+            <a:r>
+              <a:rPr lang="en-US" dirty="0"/>
+              <a:t> </a:t>
+            </a:r>
+            <a:r>
+              <a:rPr lang="en-US" dirty="0" err="1"/>
+              <a:t>notabile</a:t>
+            </a:r>
+            <a:r>
+              <a:rPr lang="en-US" dirty="0"/>
+              <a:t> sunt: </a:t>
+            </a:r>
+            <a:r>
+              <a:rPr lang="en-US" dirty="0" err="1"/>
+              <a:t>sistemul</a:t>
+            </a:r>
+            <a:r>
+              <a:rPr lang="en-US" dirty="0"/>
+              <a:t> de </a:t>
+            </a:r>
+            <a:r>
+              <a:rPr lang="en-US" dirty="0" err="1"/>
+              <a:t>salvare</a:t>
+            </a:r>
+            <a:r>
+              <a:rPr lang="en-US" dirty="0"/>
+              <a:t>, </a:t>
+            </a:r>
+            <a:r>
+              <a:rPr lang="en-US" dirty="0" err="1"/>
+              <a:t>sistemul</a:t>
+            </a:r>
+            <a:r>
+              <a:rPr lang="en-US" dirty="0"/>
+              <a:t> de </a:t>
+            </a:r>
+            <a:r>
+              <a:rPr lang="en-US" dirty="0" err="1"/>
+              <a:t>eventuri</a:t>
+            </a:r>
+            <a:r>
+              <a:rPr lang="en-US" dirty="0"/>
+              <a:t>, world </a:t>
+            </a:r>
+            <a:r>
+              <a:rPr lang="en-US" dirty="0" err="1"/>
+              <a:t>listenerul</a:t>
+            </a:r>
+            <a:r>
+              <a:rPr lang="en-US" dirty="0"/>
+              <a:t>, </a:t>
+            </a:r>
+            <a:r>
+              <a:rPr lang="en-US" dirty="0" err="1"/>
+              <a:t>scrollerul</a:t>
+            </a:r>
+            <a:r>
+              <a:rPr lang="en-US" dirty="0"/>
+              <a:t>, </a:t>
+            </a:r>
+            <a:r>
+              <a:rPr lang="en-US" dirty="0" err="1"/>
+              <a:t>sistemul</a:t>
+            </a:r>
+            <a:r>
+              <a:rPr lang="en-US" dirty="0"/>
+              <a:t> de </a:t>
+            </a:r>
+            <a:r>
+              <a:rPr lang="en-US" dirty="0" err="1"/>
+              <a:t>muzica</a:t>
+            </a:r>
+            <a:r>
+              <a:rPr lang="en-US" dirty="0"/>
+              <a:t>, </a:t>
+            </a:r>
+            <a:r>
+              <a:rPr lang="en-US" dirty="0" err="1"/>
+              <a:t>sistemul</a:t>
+            </a:r>
+            <a:r>
+              <a:rPr lang="en-US" dirty="0"/>
+              <a:t> de combat </a:t>
+            </a:r>
+            <a:r>
+              <a:rPr lang="en-US" dirty="0" err="1"/>
+              <a:t>si</a:t>
+            </a:r>
+            <a:r>
+              <a:rPr lang="en-US" dirty="0"/>
+              <a:t> </a:t>
+            </a:r>
+            <a:r>
+              <a:rPr lang="en-US" dirty="0" err="1"/>
+              <a:t>interfata</a:t>
+            </a:r>
+            <a:r>
+              <a:rPr lang="en-US" dirty="0"/>
+              <a:t> </a:t>
+            </a:r>
+            <a:r>
+              <a:rPr lang="en-US" dirty="0" err="1"/>
+              <a:t>grafica</a:t>
+            </a:r>
+            <a:r>
+              <a:rPr lang="en-US" dirty="0"/>
+              <a:t>.</a:t>
+            </a:r>
+          </a:p>
+          <a:p>
+            <a:pPr marL="285750" indent="-285750">
+              <a:buFont typeface="Arial" panose="020B0604020202020204" pitchFamily="34" charset="0"/>
+              <a:buChar char="•"/>
+            </a:pPr>
+            <a:r>
+              <a:rPr lang="en-US" dirty="0" err="1"/>
+              <a:t>Fiecare</a:t>
+            </a:r>
+            <a:r>
+              <a:rPr lang="en-US" dirty="0"/>
+              <a:t> </a:t>
+            </a:r>
+            <a:r>
+              <a:rPr lang="en-US" dirty="0" err="1"/>
+              <a:t>dintre</a:t>
+            </a:r>
+            <a:r>
+              <a:rPr lang="en-US" dirty="0"/>
+              <a:t> </a:t>
+            </a:r>
+            <a:r>
+              <a:rPr lang="en-US" dirty="0" err="1"/>
+              <a:t>acestea</a:t>
+            </a:r>
+            <a:r>
+              <a:rPr lang="en-US" dirty="0"/>
+              <a:t> </a:t>
+            </a:r>
+            <a:r>
+              <a:rPr lang="en-US" dirty="0" err="1"/>
+              <a:t>comunica</a:t>
+            </a:r>
+            <a:r>
+              <a:rPr lang="en-US" dirty="0"/>
+              <a:t> </a:t>
+            </a:r>
+            <a:r>
+              <a:rPr lang="en-US" dirty="0" err="1"/>
+              <a:t>intre</a:t>
+            </a:r>
+            <a:r>
+              <a:rPr lang="en-US" dirty="0"/>
+              <a:t> </a:t>
+            </a:r>
+            <a:r>
+              <a:rPr lang="en-US" dirty="0" err="1"/>
+              <a:t>ele</a:t>
+            </a:r>
+            <a:r>
+              <a:rPr lang="en-US" dirty="0"/>
+              <a:t> </a:t>
+            </a:r>
+            <a:r>
+              <a:rPr lang="en-US" dirty="0" err="1"/>
+              <a:t>si</a:t>
+            </a:r>
+            <a:r>
+              <a:rPr lang="en-US" dirty="0"/>
+              <a:t> sunt </a:t>
+            </a:r>
+            <a:r>
+              <a:rPr lang="en-US" dirty="0" err="1"/>
+              <a:t>conectate</a:t>
+            </a:r>
+            <a:r>
+              <a:rPr lang="en-US" dirty="0"/>
+              <a:t> la </a:t>
+            </a:r>
+            <a:r>
+              <a:rPr lang="en-US" dirty="0" err="1"/>
+              <a:t>clasa</a:t>
+            </a:r>
+            <a:r>
+              <a:rPr lang="en-US" dirty="0"/>
+              <a:t> de Player </a:t>
+            </a:r>
+            <a:r>
+              <a:rPr lang="en-US" dirty="0" err="1"/>
+              <a:t>si</a:t>
+            </a:r>
+            <a:r>
+              <a:rPr lang="en-US" dirty="0"/>
+              <a:t> </a:t>
+            </a:r>
+            <a:r>
+              <a:rPr lang="en-US" dirty="0" err="1"/>
+              <a:t>PlayWorld</a:t>
+            </a:r>
+            <a:r>
+              <a:rPr lang="en-US" dirty="0"/>
+              <a:t>(</a:t>
+            </a:r>
+            <a:r>
+              <a:rPr lang="en-US" dirty="0" err="1"/>
+              <a:t>lumea</a:t>
+            </a:r>
+            <a:r>
+              <a:rPr lang="en-US" dirty="0"/>
+              <a:t> </a:t>
+            </a:r>
+            <a:r>
+              <a:rPr lang="en-US" dirty="0" err="1"/>
+              <a:t>simularii</a:t>
+            </a:r>
+            <a:r>
+              <a:rPr lang="en-US" dirty="0"/>
+              <a:t>)</a:t>
             </a:r>
           </a:p>
         </p:txBody>
@@ -3462,7 +4449,7 @@
     </p:spTree>
     <p:extLst>
       <p:ext uri="{BB962C8B-B14F-4D97-AF65-F5344CB8AC3E}">
-        <p14:creationId xmlns:p14="http://schemas.microsoft.com/office/powerpoint/2010/main" val="864109269"/>
+        <p14:creationId xmlns:p14="http://schemas.microsoft.com/office/powerpoint/2010/main" val="3764727124"/>
       </p:ext>
     </p:extLst>
   </p:cSld>
@@ -3494,7 +4481,7 @@
           <p:cNvPr id="2" name="Title 1">
             <a:extLst>
               <a:ext uri="{FF2B5EF4-FFF2-40B4-BE49-F238E27FC236}">
-                <a16:creationId xmlns:a16="http://schemas.microsoft.com/office/drawing/2014/main" id="{FA509A0D-5602-418D-838F-E68E0CFA954A}"/>
+                <a16:creationId xmlns:a16="http://schemas.microsoft.com/office/drawing/2014/main" id="{097CE331-0D1D-43D2-8DA2-415E71CD2951}"/>
               </a:ext>
             </a:extLst>
           </p:cNvPr>
@@ -3510,30 +4497,7 @@
           <a:bodyPr/>
           <a:lstStyle/>
           <a:p>
-            <a:r>
-              <a:rPr lang="en-US" dirty="0" err="1"/>
-              <a:t>Despre</a:t>
-            </a:r>
-            <a:r>
-              <a:rPr lang="en-US" dirty="0"/>
-              <a:t> </a:t>
-            </a:r>
-            <a:r>
-              <a:rPr lang="en-US" dirty="0" err="1"/>
-              <a:t>ce</a:t>
-            </a:r>
-            <a:r>
-              <a:rPr lang="en-US" dirty="0"/>
-              <a:t> e </a:t>
-            </a:r>
-            <a:r>
-              <a:rPr lang="en-US" dirty="0" err="1"/>
-              <a:t>vorba</a:t>
-            </a:r>
-            <a:r>
-              <a:rPr lang="en-US" dirty="0"/>
-              <a:t>?</a:t>
-            </a:r>
+            <a:endParaRPr lang="en-US" dirty="0"/>
           </a:p>
         </p:txBody>
       </p:sp>
@@ -3542,7 +4506,7 @@
           <p:cNvPr id="3" name="Content Placeholder 2">
             <a:extLst>
               <a:ext uri="{FF2B5EF4-FFF2-40B4-BE49-F238E27FC236}">
-                <a16:creationId xmlns:a16="http://schemas.microsoft.com/office/drawing/2014/main" id="{A0F13554-611E-4B25-A2A4-739CAE2474DF}"/>
+                <a16:creationId xmlns:a16="http://schemas.microsoft.com/office/drawing/2014/main" id="{C5972F2F-6332-492F-8844-20941F96182E}"/>
               </a:ext>
             </a:extLst>
           </p:cNvPr>
@@ -3558,383 +4522,14 @@
           <a:bodyPr/>
           <a:lstStyle/>
           <a:p>
-            <a:r>
-              <a:rPr lang="en-US" dirty="0"/>
-              <a:t>Strafer II </a:t>
-            </a:r>
-            <a:r>
-              <a:rPr lang="en-US" dirty="0" err="1"/>
-              <a:t>este</a:t>
-            </a:r>
-            <a:r>
-              <a:rPr lang="en-US" dirty="0"/>
-              <a:t> un </a:t>
-            </a:r>
-            <a:r>
-              <a:rPr lang="en-US" dirty="0" err="1"/>
-              <a:t>joc</a:t>
-            </a:r>
-            <a:r>
-              <a:rPr lang="en-US" dirty="0"/>
-              <a:t> Open-World, in care </a:t>
-            </a:r>
-            <a:r>
-              <a:rPr lang="en-US" dirty="0" err="1"/>
-              <a:t>jucatorul</a:t>
-            </a:r>
-            <a:r>
-              <a:rPr lang="en-US" dirty="0"/>
-              <a:t> </a:t>
-            </a:r>
-            <a:r>
-              <a:rPr lang="en-US" dirty="0" err="1"/>
-              <a:t>ia</a:t>
-            </a:r>
-            <a:r>
-              <a:rPr lang="en-US" dirty="0"/>
-              <a:t> </a:t>
-            </a:r>
-            <a:r>
-              <a:rPr lang="en-US" dirty="0" err="1"/>
-              <a:t>rolul</a:t>
-            </a:r>
-            <a:r>
-              <a:rPr lang="en-US" dirty="0"/>
-              <a:t> </a:t>
-            </a:r>
-            <a:r>
-              <a:rPr lang="en-US" dirty="0" err="1"/>
-              <a:t>unui</a:t>
-            </a:r>
-            <a:r>
-              <a:rPr lang="en-US" dirty="0"/>
-              <a:t> astronaut care s-a </a:t>
-            </a:r>
-            <a:r>
-              <a:rPr lang="en-US" dirty="0" err="1"/>
-              <a:t>prabusit</a:t>
-            </a:r>
-            <a:r>
-              <a:rPr lang="en-US" dirty="0"/>
-              <a:t> pe o </a:t>
-            </a:r>
-            <a:r>
-              <a:rPr lang="en-US" dirty="0" err="1"/>
-              <a:t>planeta</a:t>
-            </a:r>
-            <a:r>
-              <a:rPr lang="en-US" dirty="0"/>
-              <a:t> </a:t>
-            </a:r>
-            <a:r>
-              <a:rPr lang="en-US" dirty="0" err="1"/>
-              <a:t>straina</a:t>
-            </a:r>
-            <a:r>
-              <a:rPr lang="en-US" dirty="0"/>
-              <a:t>. Pe </a:t>
-            </a:r>
-            <a:r>
-              <a:rPr lang="en-US" dirty="0" err="1"/>
-              <a:t>parcursul</a:t>
-            </a:r>
-            <a:r>
-              <a:rPr lang="en-US" dirty="0"/>
-              <a:t> </a:t>
-            </a:r>
-            <a:r>
-              <a:rPr lang="en-US" dirty="0" err="1"/>
-              <a:t>jocului</a:t>
-            </a:r>
-            <a:r>
-              <a:rPr lang="en-US" dirty="0"/>
-              <a:t>, </a:t>
-            </a:r>
-            <a:r>
-              <a:rPr lang="en-US" dirty="0" err="1"/>
-              <a:t>el</a:t>
-            </a:r>
-            <a:r>
-              <a:rPr lang="en-US" dirty="0"/>
-              <a:t> </a:t>
-            </a:r>
-            <a:r>
-              <a:rPr lang="en-US" dirty="0" err="1"/>
-              <a:t>afla</a:t>
-            </a:r>
-            <a:r>
-              <a:rPr lang="en-US" dirty="0"/>
-              <a:t> </a:t>
-            </a:r>
-            <a:r>
-              <a:rPr lang="en-US" dirty="0" err="1"/>
-              <a:t>secretele</a:t>
-            </a:r>
-            <a:r>
-              <a:rPr lang="en-US" dirty="0"/>
-              <a:t> </a:t>
-            </a:r>
-            <a:r>
-              <a:rPr lang="en-US" dirty="0" err="1"/>
-              <a:t>planetei</a:t>
-            </a:r>
-            <a:r>
-              <a:rPr lang="en-US" dirty="0"/>
-              <a:t> pe care se </a:t>
-            </a:r>
-            <a:r>
-              <a:rPr lang="en-US" dirty="0" err="1"/>
-              <a:t>afla</a:t>
-            </a:r>
-            <a:r>
-              <a:rPr lang="en-US" dirty="0"/>
-              <a:t> </a:t>
-            </a:r>
-            <a:r>
-              <a:rPr lang="en-US" dirty="0" err="1"/>
-              <a:t>si</a:t>
-            </a:r>
-            <a:r>
-              <a:rPr lang="en-US" dirty="0"/>
-              <a:t> </a:t>
-            </a:r>
-            <a:r>
-              <a:rPr lang="en-US" dirty="0" err="1"/>
-              <a:t>incearca</a:t>
-            </a:r>
-            <a:r>
-              <a:rPr lang="en-US" dirty="0"/>
-              <a:t> </a:t>
-            </a:r>
-            <a:r>
-              <a:rPr lang="en-US" dirty="0" err="1"/>
-              <a:t>sa</a:t>
-            </a:r>
-            <a:r>
-              <a:rPr lang="en-US" dirty="0"/>
-              <a:t> scape din </a:t>
-            </a:r>
-            <a:r>
-              <a:rPr lang="en-US" dirty="0" err="1"/>
-              <a:t>acest</a:t>
-            </a:r>
-            <a:r>
-              <a:rPr lang="en-US" dirty="0"/>
-              <a:t> loc </a:t>
-            </a:r>
-            <a:r>
-              <a:rPr lang="en-US" dirty="0" err="1"/>
-              <a:t>uitat</a:t>
-            </a:r>
-            <a:r>
-              <a:rPr lang="en-US" dirty="0"/>
-              <a:t> de </a:t>
-            </a:r>
-            <a:r>
-              <a:rPr lang="en-US" dirty="0" err="1"/>
-              <a:t>lume</a:t>
-            </a:r>
-            <a:r>
-              <a:rPr lang="en-US" dirty="0"/>
-              <a:t>.</a:t>
-            </a:r>
-          </a:p>
-          <a:p>
-            <a:r>
-              <a:rPr lang="en-US" dirty="0"/>
-              <a:t>Cu </a:t>
-            </a:r>
-            <a:r>
-              <a:rPr lang="en-US" dirty="0" err="1"/>
-              <a:t>ajutorul</a:t>
-            </a:r>
-            <a:r>
-              <a:rPr lang="en-US" dirty="0"/>
-              <a:t> </a:t>
-            </a:r>
-            <a:r>
-              <a:rPr lang="en-US" dirty="0" err="1"/>
-              <a:t>instrumentelor</a:t>
-            </a:r>
-            <a:r>
-              <a:rPr lang="en-US" dirty="0"/>
-              <a:t> pe care le are la </a:t>
-            </a:r>
-            <a:r>
-              <a:rPr lang="en-US" dirty="0" err="1"/>
-              <a:t>indemana</a:t>
-            </a:r>
-            <a:r>
-              <a:rPr lang="en-US" dirty="0"/>
-              <a:t>, </a:t>
-            </a:r>
-            <a:r>
-              <a:rPr lang="en-US" dirty="0" err="1"/>
-              <a:t>el</a:t>
-            </a:r>
-            <a:r>
-              <a:rPr lang="en-US" dirty="0"/>
-              <a:t> </a:t>
-            </a:r>
-            <a:r>
-              <a:rPr lang="en-US" dirty="0" err="1"/>
-              <a:t>este</a:t>
-            </a:r>
-            <a:r>
-              <a:rPr lang="en-US" dirty="0"/>
-              <a:t> </a:t>
-            </a:r>
-            <a:r>
-              <a:rPr lang="en-US" dirty="0" err="1"/>
-              <a:t>fortat</a:t>
-            </a:r>
-            <a:r>
-              <a:rPr lang="en-US" dirty="0"/>
-              <a:t> </a:t>
-            </a:r>
-            <a:r>
-              <a:rPr lang="en-US" dirty="0" err="1"/>
-              <a:t>sa</a:t>
-            </a:r>
-            <a:r>
-              <a:rPr lang="en-US" dirty="0"/>
-              <a:t> </a:t>
-            </a:r>
-            <a:r>
-              <a:rPr lang="en-US" dirty="0" err="1"/>
-              <a:t>supravietuiasca</a:t>
-            </a:r>
-            <a:r>
-              <a:rPr lang="en-US" dirty="0"/>
-              <a:t> </a:t>
-            </a:r>
-            <a:r>
-              <a:rPr lang="en-US" dirty="0" err="1"/>
-              <a:t>atacurilor</a:t>
-            </a:r>
-            <a:r>
-              <a:rPr lang="en-US" dirty="0"/>
-              <a:t> </a:t>
-            </a:r>
-            <a:r>
-              <a:rPr lang="en-US" dirty="0" err="1"/>
-              <a:t>creaturilor</a:t>
-            </a:r>
-            <a:r>
-              <a:rPr lang="en-US" dirty="0"/>
-              <a:t> </a:t>
-            </a:r>
-            <a:r>
-              <a:rPr lang="en-US" dirty="0" err="1"/>
-              <a:t>si</a:t>
-            </a:r>
-            <a:r>
-              <a:rPr lang="en-US" dirty="0"/>
-              <a:t> </a:t>
-            </a:r>
-            <a:r>
-              <a:rPr lang="en-US" dirty="0" err="1"/>
-              <a:t>robotilor</a:t>
-            </a:r>
-            <a:r>
-              <a:rPr lang="en-US" dirty="0"/>
-              <a:t> lor. </a:t>
-            </a:r>
-            <a:r>
-              <a:rPr lang="en-US" dirty="0" err="1"/>
-              <a:t>Printre</a:t>
-            </a:r>
-            <a:r>
-              <a:rPr lang="en-US" dirty="0"/>
-              <a:t> </a:t>
-            </a:r>
-            <a:r>
-              <a:rPr lang="en-US" dirty="0" err="1"/>
-              <a:t>aceste</a:t>
-            </a:r>
-            <a:r>
-              <a:rPr lang="en-US" dirty="0"/>
-              <a:t> </a:t>
-            </a:r>
-            <a:r>
-              <a:rPr lang="en-US" dirty="0" err="1"/>
-              <a:t>instrumente</a:t>
-            </a:r>
-            <a:r>
-              <a:rPr lang="en-US" dirty="0"/>
-              <a:t> se </a:t>
-            </a:r>
-            <a:r>
-              <a:rPr lang="en-US" dirty="0" err="1"/>
-              <a:t>numara</a:t>
-            </a:r>
-            <a:r>
-              <a:rPr lang="en-US" dirty="0"/>
-              <a:t> o </a:t>
-            </a:r>
-            <a:r>
-              <a:rPr lang="en-US" dirty="0" err="1"/>
-              <a:t>gaura</a:t>
-            </a:r>
-            <a:r>
-              <a:rPr lang="en-US" dirty="0"/>
-              <a:t> </a:t>
-            </a:r>
-            <a:r>
-              <a:rPr lang="en-US" dirty="0" err="1"/>
-              <a:t>neagra</a:t>
-            </a:r>
-            <a:r>
-              <a:rPr lang="en-US" dirty="0"/>
-              <a:t> de </a:t>
-            </a:r>
-            <a:r>
-              <a:rPr lang="en-US" dirty="0" err="1"/>
-              <a:t>buzunar</a:t>
-            </a:r>
-            <a:r>
-              <a:rPr lang="en-US" dirty="0"/>
-              <a:t>, un portal-gun, un </a:t>
-            </a:r>
-            <a:r>
-              <a:rPr lang="en-US" dirty="0" err="1"/>
-              <a:t>statick</a:t>
-            </a:r>
-            <a:r>
-              <a:rPr lang="en-US" dirty="0"/>
-              <a:t>-lock, o </a:t>
-            </a:r>
-            <a:r>
-              <a:rPr lang="en-US" dirty="0" err="1"/>
-              <a:t>sabie</a:t>
-            </a:r>
-            <a:r>
-              <a:rPr lang="en-US" dirty="0"/>
-              <a:t> </a:t>
-            </a:r>
-            <a:r>
-              <a:rPr lang="en-US" dirty="0" err="1"/>
-              <a:t>si</a:t>
-            </a:r>
-            <a:r>
-              <a:rPr lang="en-US" dirty="0"/>
-              <a:t> </a:t>
-            </a:r>
-            <a:r>
-              <a:rPr lang="en-US" dirty="0" err="1"/>
-              <a:t>desigur</a:t>
-            </a:r>
-            <a:r>
-              <a:rPr lang="en-US" dirty="0"/>
-              <a:t> un pistol laser.   </a:t>
-            </a:r>
+            <a:endParaRPr lang="en-US" dirty="0"/>
           </a:p>
         </p:txBody>
       </p:sp>
     </p:spTree>
     <p:extLst>
       <p:ext uri="{BB962C8B-B14F-4D97-AF65-F5344CB8AC3E}">
-        <p14:creationId xmlns:p14="http://schemas.microsoft.com/office/powerpoint/2010/main" val="3764727124"/>
+        <p14:creationId xmlns:p14="http://schemas.microsoft.com/office/powerpoint/2010/main" val="3323476344"/>
       </p:ext>
     </p:extLst>
   </p:cSld>
@@ -3966,7 +4561,7 @@
           <p:cNvPr id="2" name="Title 1">
             <a:extLst>
               <a:ext uri="{FF2B5EF4-FFF2-40B4-BE49-F238E27FC236}">
-                <a16:creationId xmlns:a16="http://schemas.microsoft.com/office/drawing/2014/main" id="{097CE331-0D1D-43D2-8DA2-415E71CD2951}"/>
+                <a16:creationId xmlns:a16="http://schemas.microsoft.com/office/drawing/2014/main" id="{6C050FFB-266A-4323-8B7E-99FF86B48D42}"/>
               </a:ext>
             </a:extLst>
           </p:cNvPr>
@@ -3977,20 +4572,31 @@
             <p:ph type="title"/>
           </p:nvPr>
         </p:nvSpPr>
-        <p:spPr/>
-        <p:txBody>
-          <a:bodyPr/>
+        <p:spPr>
+          <a:xfrm>
+            <a:off x="838200" y="89817"/>
+            <a:ext cx="10515600" cy="591220"/>
+          </a:xfrm>
+        </p:spPr>
+        <p:txBody>
+          <a:bodyPr>
+            <a:normAutofit/>
+          </a:bodyPr>
           <a:lstStyle/>
           <a:p>
             <a:r>
-              <a:rPr lang="en-US" dirty="0"/>
-              <a:t>Date </a:t>
-            </a:r>
-            <a:r>
-              <a:rPr lang="en-US" dirty="0" err="1"/>
-              <a:t>tehnice</a:t>
-            </a:r>
-            <a:endParaRPr lang="en-US" dirty="0"/>
+              <a:rPr lang="en-US" sz="3200" dirty="0" err="1"/>
+              <a:t>Sistemul</a:t>
+            </a:r>
+            <a:r>
+              <a:rPr lang="en-US" sz="3200" dirty="0"/>
+              <a:t> de </a:t>
+            </a:r>
+            <a:r>
+              <a:rPr lang="en-US" sz="3200" dirty="0" err="1"/>
+              <a:t>salvare</a:t>
+            </a:r>
+            <a:endParaRPr lang="en-US" sz="3200" dirty="0"/>
           </a:p>
         </p:txBody>
       </p:sp>
@@ -3999,7 +4605,7 @@
           <p:cNvPr id="3" name="Content Placeholder 2">
             <a:extLst>
               <a:ext uri="{FF2B5EF4-FFF2-40B4-BE49-F238E27FC236}">
-                <a16:creationId xmlns:a16="http://schemas.microsoft.com/office/drawing/2014/main" id="{C5972F2F-6332-492F-8844-20941F96182E}"/>
+                <a16:creationId xmlns:a16="http://schemas.microsoft.com/office/drawing/2014/main" id="{D0CA60B4-E9A9-4A66-BA74-0370BB471A75}"/>
               </a:ext>
             </a:extLst>
           </p:cNvPr>
@@ -4010,82 +4616,596 @@
             <p:ph idx="1"/>
           </p:nvPr>
         </p:nvSpPr>
-        <p:spPr/>
-        <p:txBody>
-          <a:bodyPr/>
+        <p:spPr>
+          <a:xfrm>
+            <a:off x="67112" y="681037"/>
+            <a:ext cx="11174136" cy="1407822"/>
+          </a:xfrm>
+        </p:spPr>
+        <p:txBody>
+          <a:bodyPr>
+            <a:normAutofit fontScale="92500" lnSpcReduction="20000"/>
+          </a:bodyPr>
           <a:lstStyle/>
           <a:p>
             <a:r>
-              <a:rPr lang="en-US" dirty="0"/>
-              <a:t>Din </a:t>
-            </a:r>
-            <a:r>
-              <a:rPr lang="en-US" dirty="0" err="1"/>
-              <a:t>punct</a:t>
-            </a:r>
-            <a:r>
-              <a:rPr lang="en-US" dirty="0"/>
+              <a:rPr lang="en-US" sz="2000" dirty="0" err="1"/>
+              <a:t>Orice</a:t>
+            </a:r>
+            <a:r>
+              <a:rPr lang="en-US" sz="2000" dirty="0"/>
+              <a:t> </a:t>
+            </a:r>
+            <a:r>
+              <a:rPr lang="en-US" sz="2000" dirty="0" err="1"/>
+              <a:t>joc</a:t>
+            </a:r>
+            <a:r>
+              <a:rPr lang="en-US" sz="2000" dirty="0"/>
+              <a:t> </a:t>
+            </a:r>
+            <a:r>
+              <a:rPr lang="en-US" sz="2000" dirty="0" err="1"/>
+              <a:t>consideram</a:t>
+            </a:r>
+            <a:r>
+              <a:rPr lang="en-US" sz="2000" dirty="0"/>
+              <a:t> ca </a:t>
+            </a:r>
+            <a:r>
+              <a:rPr lang="en-US" sz="2000" dirty="0" err="1"/>
+              <a:t>trebuie</a:t>
+            </a:r>
+            <a:r>
+              <a:rPr lang="en-US" sz="2000" dirty="0"/>
+              <a:t> </a:t>
+            </a:r>
+            <a:r>
+              <a:rPr lang="en-US" sz="2000" dirty="0" err="1"/>
+              <a:t>sa</a:t>
+            </a:r>
+            <a:r>
+              <a:rPr lang="en-US" sz="2000" dirty="0"/>
+              <a:t> </a:t>
+            </a:r>
+            <a:r>
+              <a:rPr lang="en-US" sz="2000" dirty="0" err="1"/>
+              <a:t>contina</a:t>
+            </a:r>
+            <a:r>
+              <a:rPr lang="en-US" sz="2000" dirty="0"/>
+              <a:t> un save system care </a:t>
+            </a:r>
+            <a:r>
+              <a:rPr lang="en-US" sz="2000" dirty="0" err="1"/>
+              <a:t>sa</a:t>
+            </a:r>
+            <a:r>
+              <a:rPr lang="en-US" sz="2000" dirty="0"/>
+              <a:t> </a:t>
+            </a:r>
+            <a:r>
+              <a:rPr lang="en-US" sz="2000" dirty="0" err="1"/>
+              <a:t>permita</a:t>
+            </a:r>
+            <a:r>
+              <a:rPr lang="en-US" sz="2000" dirty="0"/>
+              <a:t> </a:t>
+            </a:r>
+            <a:r>
+              <a:rPr lang="en-US" sz="2000" dirty="0" err="1"/>
+              <a:t>oprirea</a:t>
+            </a:r>
+            <a:r>
+              <a:rPr lang="en-US" sz="2000" dirty="0"/>
+              <a:t> </a:t>
+            </a:r>
+            <a:r>
+              <a:rPr lang="en-US" sz="2000" dirty="0" err="1"/>
+              <a:t>aplicatiei</a:t>
+            </a:r>
+            <a:r>
+              <a:rPr lang="en-US" sz="2000" dirty="0"/>
+              <a:t> </a:t>
+            </a:r>
+            <a:r>
+              <a:rPr lang="en-US" sz="2000" dirty="0" err="1"/>
+              <a:t>si</a:t>
+            </a:r>
+            <a:r>
+              <a:rPr lang="en-US" sz="2000" dirty="0"/>
+              <a:t> </a:t>
+            </a:r>
+            <a:r>
+              <a:rPr lang="en-US" sz="2000" dirty="0" err="1"/>
+              <a:t>reluarea</a:t>
+            </a:r>
+            <a:r>
+              <a:rPr lang="en-US" sz="2000" dirty="0"/>
+              <a:t> la un alt moment de </a:t>
+            </a:r>
+            <a:r>
+              <a:rPr lang="en-US" sz="2000" dirty="0" err="1"/>
+              <a:t>timp</a:t>
+            </a:r>
+            <a:r>
+              <a:rPr lang="en-US" sz="2000" dirty="0"/>
+              <a:t> a </a:t>
+            </a:r>
+            <a:r>
+              <a:rPr lang="en-US" sz="2000" dirty="0" err="1"/>
+              <a:t>activitatilor</a:t>
+            </a:r>
+            <a:r>
+              <a:rPr lang="en-US" sz="2000" dirty="0"/>
+              <a:t>. </a:t>
+            </a:r>
+            <a:r>
+              <a:rPr lang="en-US" sz="2000" dirty="0" err="1"/>
+              <a:t>Acesta</a:t>
+            </a:r>
+            <a:r>
+              <a:rPr lang="en-US" sz="2000" dirty="0"/>
+              <a:t> </a:t>
+            </a:r>
+            <a:r>
+              <a:rPr lang="en-US" sz="2000" dirty="0" err="1"/>
+              <a:t>este</a:t>
+            </a:r>
+            <a:r>
+              <a:rPr lang="en-US" sz="2000" dirty="0"/>
+              <a:t> </a:t>
+            </a:r>
+            <a:r>
+              <a:rPr lang="en-US" sz="2000" dirty="0" err="1"/>
+              <a:t>cazul</a:t>
+            </a:r>
+            <a:r>
+              <a:rPr lang="en-US" sz="2000" dirty="0"/>
+              <a:t> </a:t>
+            </a:r>
+            <a:r>
+              <a:rPr lang="en-US" sz="2000" dirty="0" err="1"/>
+              <a:t>si</a:t>
+            </a:r>
+            <a:r>
+              <a:rPr lang="en-US" sz="2000" dirty="0"/>
+              <a:t> in </a:t>
+            </a:r>
+            <a:r>
+              <a:rPr lang="en-US" sz="2000" dirty="0" err="1"/>
+              <a:t>jocul</a:t>
+            </a:r>
+            <a:r>
+              <a:rPr lang="en-US" sz="2000" dirty="0"/>
+              <a:t> </a:t>
+            </a:r>
+            <a:r>
+              <a:rPr lang="en-US" sz="2000" dirty="0" err="1"/>
+              <a:t>nostru</a:t>
+            </a:r>
+            <a:r>
+              <a:rPr lang="en-US" sz="2000" dirty="0"/>
+              <a:t>, Strafer II. Am </a:t>
+            </a:r>
+            <a:r>
+              <a:rPr lang="en-US" sz="2000" dirty="0" err="1"/>
+              <a:t>impelmentat</a:t>
+            </a:r>
+            <a:r>
+              <a:rPr lang="en-US" sz="2000" dirty="0"/>
+              <a:t> un </a:t>
+            </a:r>
+            <a:r>
+              <a:rPr lang="en-US" sz="2000" dirty="0" err="1"/>
+              <a:t>sistem</a:t>
+            </a:r>
+            <a:r>
+              <a:rPr lang="en-US" sz="2000" dirty="0"/>
+              <a:t> care </a:t>
+            </a:r>
+            <a:r>
+              <a:rPr lang="en-US" sz="2000" dirty="0" err="1"/>
+              <a:t>salveaza</a:t>
+            </a:r>
+            <a:r>
+              <a:rPr lang="en-US" sz="2000" dirty="0"/>
+              <a:t> automat in </a:t>
+            </a:r>
+            <a:r>
+              <a:rPr lang="en-US" sz="2000" dirty="0" err="1"/>
+              <a:t>fisiere</a:t>
+            </a:r>
+            <a:r>
+              <a:rPr lang="en-US" sz="2000" dirty="0"/>
+              <a:t> text </a:t>
+            </a:r>
+            <a:r>
+              <a:rPr lang="en-US" sz="2000" dirty="0" err="1"/>
+              <a:t>diferite</a:t>
+            </a:r>
+            <a:r>
+              <a:rPr lang="en-US" sz="2000" dirty="0"/>
+              <a:t> </a:t>
+            </a:r>
+            <a:r>
+              <a:rPr lang="en-US" sz="2000" dirty="0" err="1"/>
+              <a:t>lucruri</a:t>
+            </a:r>
+            <a:r>
+              <a:rPr lang="en-US" sz="2000" dirty="0"/>
+              <a:t> </a:t>
+            </a:r>
+            <a:r>
+              <a:rPr lang="en-US" sz="2000" dirty="0" err="1"/>
+              <a:t>necesare</a:t>
+            </a:r>
+            <a:r>
+              <a:rPr lang="en-US" sz="2000"/>
+              <a:t> pentru</a:t>
+            </a:r>
+            <a:r>
+              <a:rPr lang="en-US" sz="2000" dirty="0"/>
+              <a:t> </a:t>
+            </a:r>
+            <a:r>
+              <a:rPr lang="en-US" sz="2000" dirty="0" err="1"/>
+              <a:t>joc</a:t>
+            </a:r>
+            <a:r>
+              <a:rPr lang="en-US" sz="2000" dirty="0"/>
+              <a:t> ( </a:t>
+            </a:r>
+            <a:r>
+              <a:rPr lang="en-US" sz="2000" dirty="0" err="1"/>
+              <a:t>pozitia</a:t>
+            </a:r>
+            <a:r>
+              <a:rPr lang="en-US" sz="2000" dirty="0"/>
+              <a:t> pe </a:t>
+            </a:r>
+            <a:r>
+              <a:rPr lang="en-US" sz="2000" dirty="0" err="1"/>
+              <a:t>harta</a:t>
+            </a:r>
+            <a:r>
+              <a:rPr lang="en-US" sz="2000" dirty="0"/>
+              <a:t> la </a:t>
+            </a:r>
+            <a:r>
+              <a:rPr lang="en-US" sz="2000" dirty="0" err="1"/>
+              <a:t>momentul</a:t>
+            </a:r>
+            <a:r>
+              <a:rPr lang="en-US" sz="2000" dirty="0"/>
+              <a:t> </a:t>
+            </a:r>
+            <a:r>
+              <a:rPr lang="en-US" sz="2000" dirty="0" err="1"/>
+              <a:t>respectiv</a:t>
+            </a:r>
+            <a:r>
+              <a:rPr lang="en-US" sz="2000" dirty="0"/>
+              <a:t>, </a:t>
+            </a:r>
+            <a:r>
+              <a:rPr lang="en-US" sz="2000" dirty="0" err="1"/>
+              <a:t>progresia</a:t>
+            </a:r>
+            <a:r>
+              <a:rPr lang="en-US" sz="2000" dirty="0"/>
+              <a:t> </a:t>
+            </a:r>
+            <a:r>
+              <a:rPr lang="en-US" sz="2000" dirty="0" err="1"/>
+              <a:t>povestii</a:t>
+            </a:r>
+            <a:r>
+              <a:rPr lang="en-US" sz="2000" dirty="0"/>
+              <a:t>, </a:t>
+            </a:r>
+            <a:r>
+              <a:rPr lang="en-US" sz="2000" dirty="0" err="1"/>
+              <a:t>itemele</a:t>
+            </a:r>
+            <a:r>
+              <a:rPr lang="en-US" sz="2000" dirty="0"/>
+              <a:t> </a:t>
+            </a:r>
+            <a:r>
+              <a:rPr lang="en-US" sz="2000" dirty="0" err="1"/>
+              <a:t>jucatorului</a:t>
+            </a:r>
+            <a:r>
+              <a:rPr lang="en-US" sz="2000" dirty="0"/>
+              <a:t> </a:t>
+            </a:r>
+            <a:r>
+              <a:rPr lang="en-US" sz="2000" dirty="0" err="1"/>
+              <a:t>si</a:t>
+            </a:r>
+            <a:r>
+              <a:rPr lang="en-US" sz="2000" dirty="0"/>
+              <a:t> </a:t>
+            </a:r>
+            <a:r>
+              <a:rPr lang="en-US" sz="2000" dirty="0" err="1"/>
+              <a:t>portiunile</a:t>
+            </a:r>
+            <a:r>
+              <a:rPr lang="en-US" sz="2000" dirty="0"/>
               <a:t> de </a:t>
             </a:r>
             <a:r>
-              <a:rPr lang="en-US" dirty="0" err="1"/>
-              <a:t>vedere</a:t>
-            </a:r>
-            <a:r>
-              <a:rPr lang="en-US" dirty="0"/>
-              <a:t> </a:t>
-            </a:r>
-            <a:r>
-              <a:rPr lang="en-US" dirty="0" err="1"/>
-              <a:t>tehnic</a:t>
-            </a:r>
-            <a:r>
-              <a:rPr lang="en-US" dirty="0"/>
+              <a:rPr lang="en-US" sz="2000" dirty="0" err="1"/>
+              <a:t>harta</a:t>
+            </a:r>
+            <a:r>
+              <a:rPr lang="en-US" sz="2000" dirty="0"/>
+              <a:t> </a:t>
+            </a:r>
+            <a:r>
+              <a:rPr lang="en-US" sz="2000" dirty="0" err="1"/>
+              <a:t>vizitate</a:t>
+            </a:r>
+            <a:r>
+              <a:rPr lang="en-US" sz="2000" dirty="0"/>
+              <a:t>. </a:t>
+            </a:r>
+            <a:r>
+              <a:rPr lang="en-US" sz="2000" dirty="0" err="1"/>
+              <a:t>Toate</a:t>
+            </a:r>
+            <a:r>
+              <a:rPr lang="en-US" sz="2000" dirty="0"/>
+              <a:t> </a:t>
+            </a:r>
+            <a:r>
+              <a:rPr lang="en-US" sz="2000" dirty="0" err="1"/>
+              <a:t>acestea</a:t>
+            </a:r>
+            <a:r>
+              <a:rPr lang="en-US" sz="2000" dirty="0"/>
+              <a:t> sunt </a:t>
+            </a:r>
+            <a:r>
+              <a:rPr lang="en-US" sz="2000" dirty="0" err="1"/>
+              <a:t>transmise</a:t>
+            </a:r>
+            <a:r>
+              <a:rPr lang="en-US" sz="2000" dirty="0"/>
+              <a:t> in </a:t>
+            </a:r>
+            <a:r>
+              <a:rPr lang="en-US" sz="2000" dirty="0" err="1"/>
+              <a:t>clasa</a:t>
+            </a:r>
+            <a:r>
+              <a:rPr lang="en-US" sz="2000" dirty="0"/>
+              <a:t> </a:t>
+            </a:r>
+            <a:r>
+              <a:rPr lang="en-US" sz="2000" dirty="0" err="1"/>
+              <a:t>WorldData</a:t>
+            </a:r>
+            <a:r>
+              <a:rPr lang="en-US" sz="2000" dirty="0"/>
               <a:t>, </a:t>
             </a:r>
             <a:r>
-              <a:rPr lang="en-US" dirty="0" err="1"/>
-              <a:t>consideram</a:t>
-            </a:r>
-            <a:r>
-              <a:rPr lang="en-US" dirty="0"/>
-              <a:t> important </a:t>
-            </a:r>
-            <a:r>
-              <a:rPr lang="en-US" dirty="0" err="1"/>
-              <a:t>cateva</a:t>
-            </a:r>
-            <a:r>
-              <a:rPr lang="en-US" dirty="0"/>
-              <a:t> </a:t>
-            </a:r>
-            <a:r>
-              <a:rPr lang="en-US" dirty="0" err="1"/>
-              <a:t>componente</a:t>
-            </a:r>
-            <a:r>
-              <a:rPr lang="en-US" dirty="0"/>
-              <a:t>: </a:t>
-            </a:r>
-            <a:r>
-              <a:rPr lang="en-US" dirty="0" err="1"/>
+              <a:rPr lang="en-US" sz="2000" dirty="0" err="1"/>
+              <a:t>ce</a:t>
+            </a:r>
+            <a:r>
+              <a:rPr lang="en-US" sz="2000" dirty="0"/>
+              <a:t> are </a:t>
+            </a:r>
+            <a:r>
+              <a:rPr lang="en-US" sz="2000" dirty="0" err="1"/>
+              <a:t>rolul</a:t>
+            </a:r>
+            <a:r>
+              <a:rPr lang="en-US" sz="2000" dirty="0"/>
+              <a:t> de a </a:t>
+            </a:r>
+            <a:r>
+              <a:rPr lang="en-US" sz="2000" dirty="0" err="1"/>
+              <a:t>memora</a:t>
+            </a:r>
+            <a:r>
+              <a:rPr lang="en-US" sz="2000" dirty="0"/>
+              <a:t> </a:t>
+            </a:r>
+            <a:r>
+              <a:rPr lang="en-US" sz="2000" dirty="0" err="1"/>
+              <a:t>datele</a:t>
+            </a:r>
+            <a:r>
+              <a:rPr lang="en-US" sz="2000" dirty="0"/>
+              <a:t> pe care le </a:t>
+            </a:r>
+            <a:r>
+              <a:rPr lang="en-US" sz="2000" dirty="0" err="1"/>
+              <a:t>prelucreaza</a:t>
+            </a:r>
+            <a:r>
+              <a:rPr lang="en-US" sz="2000" dirty="0"/>
+              <a:t> </a:t>
+            </a:r>
+            <a:r>
+              <a:rPr lang="en-US" sz="2000" dirty="0" err="1"/>
               <a:t>sistemul</a:t>
             </a:r>
             <a:r>
-              <a:rPr lang="en-US" dirty="0"/>
+              <a:rPr lang="en-US" sz="2000" dirty="0"/>
               <a:t> de </a:t>
             </a:r>
             <a:r>
-              <a:rPr lang="en-US" dirty="0" err="1"/>
-              <a:t>salvare</a:t>
-            </a:r>
-            <a:r>
-              <a:rPr lang="en-US" dirty="0"/>
-              <a:t>, side-</a:t>
-            </a:r>
-            <a:r>
-              <a:rPr lang="en-US" dirty="0" err="1"/>
-              <a:t>scrollerul</a:t>
+              <a:rPr lang="en-US" sz="2000" dirty="0" err="1"/>
+              <a:t>eventuri</a:t>
+            </a:r>
+            <a:r>
+              <a:rPr lang="en-US" sz="2000" dirty="0"/>
+              <a:t> </a:t>
+            </a:r>
+            <a:r>
+              <a:rPr lang="en-US" sz="2000" dirty="0" err="1"/>
+              <a:t>si</a:t>
+            </a:r>
+            <a:r>
+              <a:rPr lang="en-US" sz="2000" dirty="0"/>
+              <a:t> </a:t>
+            </a:r>
+            <a:r>
+              <a:rPr lang="en-US" sz="2000" dirty="0" err="1"/>
+              <a:t>clasa</a:t>
+            </a:r>
+            <a:r>
+              <a:rPr lang="en-US" sz="2000" dirty="0"/>
+              <a:t> Player.</a:t>
+            </a:r>
+          </a:p>
+        </p:txBody>
+      </p:sp>
+      <p:sp>
+        <p:nvSpPr>
+          <p:cNvPr id="4" name="TextBox 3">
+            <a:extLst>
+              <a:ext uri="{FF2B5EF4-FFF2-40B4-BE49-F238E27FC236}">
+                <a16:creationId xmlns:a16="http://schemas.microsoft.com/office/drawing/2014/main" id="{E8764259-D9A3-433C-8074-27F1344524B5}"/>
+              </a:ext>
+            </a:extLst>
+          </p:cNvPr>
+          <p:cNvSpPr txBox="1"/>
+          <p:nvPr/>
+        </p:nvSpPr>
+        <p:spPr>
+          <a:xfrm>
+            <a:off x="838200" y="2088859"/>
+            <a:ext cx="5872993" cy="584775"/>
+          </a:xfrm>
+          <a:prstGeom prst="rect">
+            <a:avLst/>
+          </a:prstGeom>
+          <a:noFill/>
+        </p:spPr>
+        <p:txBody>
+          <a:bodyPr wrap="square" rtlCol="0">
+            <a:spAutoFit/>
+          </a:bodyPr>
+          <a:lstStyle/>
+          <a:p>
+            <a:r>
+              <a:rPr lang="en-US" sz="3200" dirty="0" err="1"/>
+              <a:t>Sistemul</a:t>
+            </a:r>
+            <a:r>
+              <a:rPr lang="en-US" sz="3200" dirty="0"/>
+              <a:t> de </a:t>
+            </a:r>
+            <a:r>
+              <a:rPr lang="en-US" sz="3200" dirty="0" err="1"/>
+              <a:t>eventuri</a:t>
+            </a:r>
+            <a:endParaRPr lang="en-US" sz="3200" dirty="0"/>
+          </a:p>
+        </p:txBody>
+      </p:sp>
+      <p:sp>
+        <p:nvSpPr>
+          <p:cNvPr id="6" name="TextBox 5">
+            <a:extLst>
+              <a:ext uri="{FF2B5EF4-FFF2-40B4-BE49-F238E27FC236}">
+                <a16:creationId xmlns:a16="http://schemas.microsoft.com/office/drawing/2014/main" id="{5001366A-7293-47C3-A541-8D3874E45AA6}"/>
+              </a:ext>
+            </a:extLst>
+          </p:cNvPr>
+          <p:cNvSpPr txBox="1"/>
+          <p:nvPr/>
+        </p:nvSpPr>
+        <p:spPr>
+          <a:xfrm>
+            <a:off x="64665" y="2690336"/>
+            <a:ext cx="11174136" cy="1477328"/>
+          </a:xfrm>
+          <a:prstGeom prst="rect">
+            <a:avLst/>
+          </a:prstGeom>
+          <a:noFill/>
+        </p:spPr>
+        <p:txBody>
+          <a:bodyPr wrap="square" rtlCol="0">
+            <a:spAutoFit/>
+          </a:bodyPr>
+          <a:lstStyle/>
+          <a:p>
+            <a:pPr marL="285750" indent="-285750">
+              <a:buFont typeface="Arial" panose="020B0604020202020204" pitchFamily="34" charset="0"/>
+              <a:buChar char="•"/>
+            </a:pPr>
+            <a:r>
+              <a:rPr lang="en-US" dirty="0"/>
+              <a:t>Desi </a:t>
+            </a:r>
+            <a:r>
+              <a:rPr lang="en-US" dirty="0" err="1"/>
+              <a:t>jocul</a:t>
+            </a:r>
+            <a:r>
+              <a:rPr lang="en-US" dirty="0"/>
+              <a:t> </a:t>
+            </a:r>
+            <a:r>
+              <a:rPr lang="en-US" dirty="0" err="1"/>
+              <a:t>este</a:t>
+            </a:r>
+            <a:r>
+              <a:rPr lang="en-US" dirty="0"/>
+              <a:t> open world, </a:t>
+            </a:r>
+            <a:r>
+              <a:rPr lang="en-US" dirty="0" err="1"/>
+              <a:t>adica</a:t>
+            </a:r>
+            <a:r>
+              <a:rPr lang="en-US" dirty="0"/>
+              <a:t> </a:t>
+            </a:r>
+            <a:r>
+              <a:rPr lang="en-US" dirty="0" err="1"/>
+              <a:t>jucatorul</a:t>
+            </a:r>
+            <a:r>
+              <a:rPr lang="en-US" dirty="0"/>
+              <a:t> </a:t>
+            </a:r>
+            <a:r>
+              <a:rPr lang="en-US" dirty="0" err="1"/>
+              <a:t>este</a:t>
+            </a:r>
+            <a:r>
+              <a:rPr lang="en-US" dirty="0"/>
+              <a:t> liber </a:t>
+            </a:r>
+            <a:r>
+              <a:rPr lang="en-US" dirty="0" err="1"/>
+              <a:t>sa</a:t>
+            </a:r>
+            <a:r>
+              <a:rPr lang="en-US" dirty="0"/>
+              <a:t> </a:t>
+            </a:r>
+            <a:r>
+              <a:rPr lang="en-US" dirty="0" err="1"/>
+              <a:t>exploreze</a:t>
+            </a:r>
+            <a:r>
+              <a:rPr lang="en-US" dirty="0"/>
+              <a:t> </a:t>
+            </a:r>
+            <a:r>
+              <a:rPr lang="en-US" dirty="0" err="1"/>
+              <a:t>lumea</a:t>
             </a:r>
             <a:r>
               <a:rPr lang="en-US" dirty="0"/>
@@ -4093,15 +5213,413 @@
             </a:r>
             <a:r>
               <a:rPr lang="en-US" dirty="0" err="1"/>
-              <a:t>interfata</a:t>
-            </a:r>
-            <a:r>
-              <a:rPr lang="en-US" dirty="0"/>
-              <a:t> </a:t>
-            </a:r>
-            <a:r>
-              <a:rPr lang="en-US" dirty="0" err="1"/>
-              <a:t>grafica</a:t>
+              <a:t>povestea</a:t>
+            </a:r>
+            <a:r>
+              <a:rPr lang="en-US" dirty="0"/>
+              <a:t> </a:t>
+            </a:r>
+            <a:r>
+              <a:rPr lang="en-US" dirty="0" err="1"/>
+              <a:t>acestuia</a:t>
+            </a:r>
+            <a:r>
+              <a:rPr lang="en-US" dirty="0"/>
+              <a:t> are o </a:t>
+            </a:r>
+            <a:r>
+              <a:rPr lang="en-US" dirty="0" err="1"/>
+              <a:t>structura</a:t>
+            </a:r>
+            <a:r>
+              <a:rPr lang="en-US" dirty="0"/>
+              <a:t> </a:t>
+            </a:r>
+            <a:r>
+              <a:rPr lang="en-US" dirty="0" err="1"/>
+              <a:t>liniara</a:t>
+            </a:r>
+            <a:r>
+              <a:rPr lang="en-US" dirty="0"/>
+              <a:t>. </a:t>
+            </a:r>
+            <a:r>
+              <a:rPr lang="en-US" dirty="0" err="1"/>
+              <a:t>Sistemul</a:t>
+            </a:r>
+            <a:r>
+              <a:rPr lang="en-US" dirty="0"/>
+              <a:t> de </a:t>
+            </a:r>
+            <a:r>
+              <a:rPr lang="en-US" dirty="0" err="1"/>
+              <a:t>eventuri</a:t>
+            </a:r>
+            <a:r>
+              <a:rPr lang="en-US" dirty="0"/>
+              <a:t> tine </a:t>
+            </a:r>
+            <a:r>
+              <a:rPr lang="en-US" dirty="0" err="1"/>
+              <a:t>cont</a:t>
+            </a:r>
+            <a:r>
+              <a:rPr lang="en-US" dirty="0"/>
+              <a:t> in </a:t>
+            </a:r>
+            <a:r>
+              <a:rPr lang="en-US" dirty="0" err="1"/>
+              <a:t>fiecare</a:t>
+            </a:r>
+            <a:r>
+              <a:rPr lang="en-US" dirty="0"/>
+              <a:t> frame al </a:t>
+            </a:r>
+            <a:r>
+              <a:rPr lang="en-US" dirty="0" err="1"/>
+              <a:t>jocului</a:t>
+            </a:r>
+            <a:r>
+              <a:rPr lang="en-US" dirty="0"/>
+              <a:t> de </a:t>
+            </a:r>
+            <a:r>
+              <a:rPr lang="en-US" dirty="0" err="1"/>
+              <a:t>progresul</a:t>
+            </a:r>
+            <a:r>
+              <a:rPr lang="en-US" dirty="0"/>
+              <a:t> </a:t>
+            </a:r>
+            <a:r>
+              <a:rPr lang="en-US" dirty="0" err="1"/>
+              <a:t>playerului</a:t>
+            </a:r>
+            <a:r>
+              <a:rPr lang="en-US" dirty="0"/>
+              <a:t>. </a:t>
+            </a:r>
+            <a:r>
+              <a:rPr lang="en-US" dirty="0" err="1"/>
+              <a:t>Fiecare</a:t>
+            </a:r>
+            <a:r>
+              <a:rPr lang="en-US" dirty="0"/>
+              <a:t> event </a:t>
+            </a:r>
+            <a:r>
+              <a:rPr lang="en-US" dirty="0" err="1"/>
+              <a:t>reprezinta</a:t>
+            </a:r>
+            <a:r>
+              <a:rPr lang="en-US" dirty="0"/>
+              <a:t> o </a:t>
+            </a:r>
+            <a:r>
+              <a:rPr lang="en-US" dirty="0" err="1"/>
+              <a:t>actiune</a:t>
+            </a:r>
+            <a:r>
+              <a:rPr lang="en-US" dirty="0"/>
+              <a:t> pe care </a:t>
+            </a:r>
+            <a:r>
+              <a:rPr lang="en-US" dirty="0" err="1"/>
+              <a:t>acesta</a:t>
+            </a:r>
+            <a:r>
+              <a:rPr lang="en-US" dirty="0"/>
+              <a:t> </a:t>
+            </a:r>
+            <a:r>
+              <a:rPr lang="en-US" dirty="0" err="1"/>
+              <a:t>trebuie</a:t>
+            </a:r>
+            <a:r>
+              <a:rPr lang="en-US" dirty="0"/>
+              <a:t> </a:t>
+            </a:r>
+            <a:r>
+              <a:rPr lang="en-US" dirty="0" err="1"/>
+              <a:t>sa</a:t>
+            </a:r>
+            <a:r>
+              <a:rPr lang="en-US" dirty="0"/>
+              <a:t> o </a:t>
+            </a:r>
+            <a:r>
+              <a:rPr lang="en-US" dirty="0" err="1"/>
+              <a:t>indeplineasca</a:t>
+            </a:r>
+            <a:r>
+              <a:rPr lang="en-US" dirty="0"/>
+              <a:t> </a:t>
+            </a:r>
+            <a:r>
+              <a:rPr lang="en-US" dirty="0" err="1"/>
+              <a:t>pentru</a:t>
+            </a:r>
+            <a:r>
+              <a:rPr lang="en-US" dirty="0"/>
+              <a:t> a </a:t>
+            </a:r>
+            <a:r>
+              <a:rPr lang="en-US" dirty="0" err="1"/>
+              <a:t>avansa</a:t>
+            </a:r>
+            <a:r>
+              <a:rPr lang="en-US" dirty="0"/>
+              <a:t>. </a:t>
+            </a:r>
+            <a:r>
+              <a:rPr lang="en-US" dirty="0" err="1"/>
+              <a:t>Fiecare</a:t>
+            </a:r>
+            <a:r>
+              <a:rPr lang="en-US" dirty="0"/>
+              <a:t> event are </a:t>
+            </a:r>
+            <a:r>
+              <a:rPr lang="en-US" dirty="0" err="1"/>
+              <a:t>asociata</a:t>
+            </a:r>
+            <a:r>
+              <a:rPr lang="en-US" dirty="0"/>
+              <a:t> un </a:t>
+            </a:r>
+            <a:r>
+              <a:rPr lang="en-US" dirty="0" err="1"/>
+              <a:t>obiectiv</a:t>
+            </a:r>
+            <a:r>
+              <a:rPr lang="en-US" dirty="0"/>
+              <a:t> pe </a:t>
+            </a:r>
+            <a:r>
+              <a:rPr lang="en-US" dirty="0" err="1"/>
+              <a:t>harta</a:t>
+            </a:r>
+            <a:r>
+              <a:rPr lang="en-US" dirty="0"/>
+              <a:t> care </a:t>
+            </a:r>
+            <a:r>
+              <a:rPr lang="en-US" dirty="0" err="1"/>
+              <a:t>poate</a:t>
+            </a:r>
+            <a:r>
+              <a:rPr lang="en-US" dirty="0"/>
+              <a:t> fi </a:t>
+            </a:r>
+            <a:r>
+              <a:rPr lang="en-US" dirty="0" err="1"/>
+              <a:t>verificata</a:t>
+            </a:r>
+            <a:r>
+              <a:rPr lang="en-US" dirty="0"/>
+              <a:t> din </a:t>
+            </a:r>
+            <a:r>
+              <a:rPr lang="en-US" dirty="0" err="1"/>
+              <a:t>meniul</a:t>
+            </a:r>
+            <a:r>
+              <a:rPr lang="en-US" dirty="0"/>
+              <a:t> “Map”.</a:t>
+            </a:r>
+          </a:p>
+          <a:p>
+            <a:endParaRPr lang="en-US" dirty="0"/>
+          </a:p>
+        </p:txBody>
+      </p:sp>
+      <p:sp>
+        <p:nvSpPr>
+          <p:cNvPr id="8" name="TextBox 7">
+            <a:extLst>
+              <a:ext uri="{FF2B5EF4-FFF2-40B4-BE49-F238E27FC236}">
+                <a16:creationId xmlns:a16="http://schemas.microsoft.com/office/drawing/2014/main" id="{169269BD-B936-42CB-85E7-C231F9A5A781}"/>
+              </a:ext>
+            </a:extLst>
+          </p:cNvPr>
+          <p:cNvSpPr txBox="1"/>
+          <p:nvPr/>
+        </p:nvSpPr>
+        <p:spPr>
+          <a:xfrm>
+            <a:off x="838200" y="3884968"/>
+            <a:ext cx="3540853" cy="584775"/>
+          </a:xfrm>
+          <a:prstGeom prst="rect">
+            <a:avLst/>
+          </a:prstGeom>
+          <a:noFill/>
+        </p:spPr>
+        <p:txBody>
+          <a:bodyPr wrap="square" rtlCol="0">
+            <a:spAutoFit/>
+          </a:bodyPr>
+          <a:lstStyle/>
+          <a:p>
+            <a:r>
+              <a:rPr lang="en-US" sz="3200" dirty="0"/>
+              <a:t>World </a:t>
+            </a:r>
+            <a:r>
+              <a:rPr lang="en-US" sz="3200" dirty="0" err="1"/>
+              <a:t>Listenerul</a:t>
+            </a:r>
+            <a:endParaRPr lang="en-US" sz="3200" dirty="0"/>
+          </a:p>
+        </p:txBody>
+      </p:sp>
+      <p:sp>
+        <p:nvSpPr>
+          <p:cNvPr id="9" name="TextBox 8">
+            <a:extLst>
+              <a:ext uri="{FF2B5EF4-FFF2-40B4-BE49-F238E27FC236}">
+                <a16:creationId xmlns:a16="http://schemas.microsoft.com/office/drawing/2014/main" id="{369F2D7F-EBC9-48D0-9F01-0D0DE3B21E94}"/>
+              </a:ext>
+            </a:extLst>
+          </p:cNvPr>
+          <p:cNvSpPr txBox="1"/>
+          <p:nvPr/>
+        </p:nvSpPr>
+        <p:spPr>
+          <a:xfrm>
+            <a:off x="67112" y="4470899"/>
+            <a:ext cx="11286688" cy="1754326"/>
+          </a:xfrm>
+          <a:prstGeom prst="rect">
+            <a:avLst/>
+          </a:prstGeom>
+          <a:noFill/>
+        </p:spPr>
+        <p:txBody>
+          <a:bodyPr wrap="square" rtlCol="0">
+            <a:spAutoFit/>
+          </a:bodyPr>
+          <a:lstStyle/>
+          <a:p>
+            <a:pPr marL="285750" indent="-285750">
+              <a:buFont typeface="Arial" panose="020B0604020202020204" pitchFamily="34" charset="0"/>
+              <a:buChar char="•"/>
+            </a:pPr>
+            <a:r>
+              <a:rPr lang="en-US" dirty="0" err="1"/>
+              <a:t>Deoarece</a:t>
+            </a:r>
+            <a:r>
+              <a:rPr lang="en-US" dirty="0"/>
+              <a:t> </a:t>
+            </a:r>
+            <a:r>
+              <a:rPr lang="en-US" dirty="0" err="1"/>
+              <a:t>memoria</a:t>
+            </a:r>
+            <a:r>
+              <a:rPr lang="en-US" dirty="0"/>
+              <a:t> </a:t>
+            </a:r>
+            <a:r>
+              <a:rPr lang="en-US" dirty="0" err="1"/>
+              <a:t>alocata</a:t>
+            </a:r>
+            <a:r>
+              <a:rPr lang="en-US" dirty="0"/>
+              <a:t> JVM-</a:t>
+            </a:r>
+            <a:r>
+              <a:rPr lang="en-US" dirty="0" err="1"/>
+              <a:t>ului</a:t>
+            </a:r>
+            <a:r>
+              <a:rPr lang="en-US" dirty="0"/>
+              <a:t> </a:t>
+            </a:r>
+            <a:r>
+              <a:rPr lang="en-US" dirty="0" err="1"/>
+              <a:t>pentru</a:t>
+            </a:r>
+            <a:r>
+              <a:rPr lang="en-US" dirty="0"/>
+              <a:t> un </a:t>
+            </a:r>
+            <a:r>
+              <a:rPr lang="en-US" dirty="0" err="1"/>
+              <a:t>scenariu</a:t>
+            </a:r>
+            <a:r>
+              <a:rPr lang="en-US" dirty="0"/>
+              <a:t> </a:t>
+            </a:r>
+            <a:r>
+              <a:rPr lang="en-US" dirty="0" err="1"/>
+              <a:t>greenfoot</a:t>
+            </a:r>
+            <a:r>
+              <a:rPr lang="en-US" dirty="0"/>
+              <a:t> </a:t>
+            </a:r>
+            <a:r>
+              <a:rPr lang="en-US" dirty="0" err="1"/>
+              <a:t>este</a:t>
+            </a:r>
+            <a:r>
+              <a:rPr lang="en-US" dirty="0"/>
+              <a:t> </a:t>
+            </a:r>
+            <a:r>
+              <a:rPr lang="en-US" dirty="0" err="1"/>
+              <a:t>limitata</a:t>
+            </a:r>
+            <a:r>
+              <a:rPr lang="en-US" dirty="0"/>
+              <a:t>, am </a:t>
+            </a:r>
+            <a:r>
+              <a:rPr lang="en-US" dirty="0" err="1"/>
+              <a:t>creat</a:t>
+            </a:r>
+            <a:r>
+              <a:rPr lang="en-US" dirty="0"/>
+              <a:t> </a:t>
+            </a:r>
+            <a:r>
+              <a:rPr lang="en-US" dirty="0" err="1"/>
+              <a:t>aceasta</a:t>
+            </a:r>
+            <a:r>
+              <a:rPr lang="en-US" dirty="0"/>
+              <a:t> </a:t>
+            </a:r>
+            <a:r>
+              <a:rPr lang="en-US" dirty="0" err="1"/>
+              <a:t>clasa</a:t>
+            </a:r>
+            <a:r>
+              <a:rPr lang="en-US" dirty="0"/>
+              <a:t> care </a:t>
+            </a:r>
+            <a:r>
+              <a:rPr lang="en-US" dirty="0" err="1"/>
+              <a:t>imparte</a:t>
+            </a:r>
+            <a:r>
+              <a:rPr lang="en-US" dirty="0"/>
+              <a:t> </a:t>
+            </a:r>
+            <a:r>
+              <a:rPr lang="en-US" dirty="0" err="1"/>
+              <a:t>lumea</a:t>
+            </a:r>
+            <a:r>
+              <a:rPr lang="en-US" dirty="0"/>
+              <a:t> in </a:t>
+            </a:r>
+            <a:r>
+              <a:rPr lang="en-US" dirty="0" err="1"/>
+              <a:t>sectiuni</a:t>
             </a:r>
             <a:r>
               <a:rPr lang="en-US" dirty="0"/>
@@ -4109,23 +5627,159 @@
             </a:r>
             <a:r>
               <a:rPr lang="en-US" dirty="0" err="1"/>
-              <a:t>logica</a:t>
-            </a:r>
-            <a:r>
-              <a:rPr lang="en-US" dirty="0"/>
-              <a:t> </a:t>
-            </a:r>
-            <a:r>
-              <a:rPr lang="en-US" dirty="0" err="1"/>
-              <a:t>fiecarui</a:t>
-            </a:r>
-            <a:r>
-              <a:rPr lang="en-US" dirty="0"/>
-              <a:t> </a:t>
-            </a:r>
-            <a:r>
-              <a:rPr lang="en-US" dirty="0" err="1"/>
-              <a:t>npc</a:t>
+              <a:t>fiecare</a:t>
+            </a:r>
+            <a:r>
+              <a:rPr lang="en-US" dirty="0"/>
+              <a:t> </a:t>
+            </a:r>
+            <a:r>
+              <a:rPr lang="en-US" dirty="0" err="1"/>
+              <a:t>dintre</a:t>
+            </a:r>
+            <a:r>
+              <a:rPr lang="en-US" dirty="0"/>
+              <a:t> </a:t>
+            </a:r>
+            <a:r>
+              <a:rPr lang="en-US" dirty="0" err="1"/>
+              <a:t>aceste</a:t>
+            </a:r>
+            <a:r>
+              <a:rPr lang="en-US" dirty="0"/>
+              <a:t> </a:t>
+            </a:r>
+            <a:r>
+              <a:rPr lang="en-US" dirty="0" err="1"/>
+              <a:t>sectiuni</a:t>
+            </a:r>
+            <a:r>
+              <a:rPr lang="en-US" dirty="0"/>
+              <a:t> </a:t>
+            </a:r>
+            <a:r>
+              <a:rPr lang="en-US" dirty="0" err="1"/>
+              <a:t>comunicand</a:t>
+            </a:r>
+            <a:r>
+              <a:rPr lang="en-US" dirty="0"/>
+              <a:t> cu </a:t>
+            </a:r>
+            <a:r>
+              <a:rPr lang="en-US" dirty="0" err="1"/>
+              <a:t>cele</a:t>
+            </a:r>
+            <a:r>
+              <a:rPr lang="en-US" dirty="0"/>
+              <a:t> </a:t>
+            </a:r>
+            <a:r>
+              <a:rPr lang="en-US" dirty="0" err="1"/>
+              <a:t>invecinate</a:t>
+            </a:r>
+            <a:r>
+              <a:rPr lang="en-US" dirty="0"/>
+              <a:t>. </a:t>
+            </a:r>
+            <a:r>
+              <a:rPr lang="en-US" dirty="0" err="1"/>
+              <a:t>Astfel</a:t>
+            </a:r>
+            <a:r>
+              <a:rPr lang="en-US" dirty="0"/>
+              <a:t> am </a:t>
+            </a:r>
+            <a:r>
+              <a:rPr lang="en-US" dirty="0" err="1"/>
+              <a:t>eliminat</a:t>
+            </a:r>
+            <a:r>
+              <a:rPr lang="en-US" dirty="0"/>
+              <a:t> </a:t>
+            </a:r>
+            <a:r>
+              <a:rPr lang="en-US" dirty="0" err="1"/>
+              <a:t>complet</a:t>
+            </a:r>
+            <a:r>
+              <a:rPr lang="en-US" dirty="0"/>
+              <a:t> </a:t>
+            </a:r>
+            <a:r>
+              <a:rPr lang="en-US" dirty="0" err="1"/>
+              <a:t>necesitatea</a:t>
+            </a:r>
+            <a:r>
+              <a:rPr lang="en-US" dirty="0"/>
+              <a:t> de a </a:t>
+            </a:r>
+            <a:r>
+              <a:rPr lang="en-US" dirty="0" err="1"/>
+              <a:t>schimba</a:t>
+            </a:r>
+            <a:r>
+              <a:rPr lang="en-US" dirty="0"/>
+              <a:t> </a:t>
+            </a:r>
+            <a:r>
+              <a:rPr lang="en-US" dirty="0" err="1"/>
+              <a:t>intre</a:t>
+            </a:r>
+            <a:r>
+              <a:rPr lang="en-US" dirty="0"/>
+              <a:t> </a:t>
+            </a:r>
+            <a:r>
+              <a:rPr lang="en-US" dirty="0" err="1"/>
+              <a:t>clase</a:t>
+            </a:r>
+            <a:r>
+              <a:rPr lang="en-US" dirty="0"/>
+              <a:t> </a:t>
+            </a:r>
+            <a:r>
+              <a:rPr lang="en-US" dirty="0" err="1"/>
+              <a:t>greenfoot</a:t>
+            </a:r>
+            <a:r>
+              <a:rPr lang="en-US" dirty="0"/>
+              <a:t> de tip </a:t>
+            </a:r>
+            <a:r>
+              <a:rPr lang="en-US" dirty="0" err="1"/>
+              <a:t>World,procesul</a:t>
+            </a:r>
+            <a:r>
+              <a:rPr lang="en-US" dirty="0"/>
+              <a:t> </a:t>
+            </a:r>
+            <a:r>
+              <a:rPr lang="en-US" dirty="0" err="1"/>
+              <a:t>fiind</a:t>
+            </a:r>
+            <a:r>
+              <a:rPr lang="en-US" dirty="0"/>
+              <a:t> redundant. </a:t>
+            </a:r>
+            <a:r>
+              <a:rPr lang="en-US" dirty="0" err="1"/>
+              <a:t>WorldListenerul</a:t>
+            </a:r>
+            <a:r>
+              <a:rPr lang="en-US" dirty="0"/>
+              <a:t> </a:t>
+            </a:r>
+            <a:r>
+              <a:rPr lang="en-US" dirty="0" err="1"/>
+              <a:t>exista</a:t>
+            </a:r>
+            <a:r>
+              <a:rPr lang="en-US" dirty="0"/>
+              <a:t> permanent in </a:t>
+            </a:r>
+            <a:r>
+              <a:rPr lang="en-US" dirty="0" err="1"/>
+              <a:t>simulare</a:t>
             </a:r>
             <a:r>
               <a:rPr lang="en-US" dirty="0"/>
@@ -4137,82 +5791,67 @@
             </a:r>
             <a:r>
               <a:rPr lang="en-US" dirty="0"/>
-              <a:t> </a:t>
-            </a:r>
-            <a:r>
-              <a:rPr lang="en-US" dirty="0" err="1"/>
-              <a:t>sistemul</a:t>
-            </a:r>
-            <a:r>
-              <a:rPr lang="en-US" dirty="0"/>
-              <a:t> de </a:t>
-            </a:r>
-            <a:r>
-              <a:rPr lang="en-US" dirty="0" err="1"/>
-              <a:t>eventuri</a:t>
-            </a:r>
-            <a:endParaRPr lang="en-US" dirty="0"/>
-          </a:p>
-          <a:p>
-            <a:r>
-              <a:rPr lang="en-US" dirty="0" err="1"/>
-              <a:t>Fiecare</a:t>
-            </a:r>
-            <a:r>
-              <a:rPr lang="en-US" dirty="0"/>
-              <a:t> </a:t>
-            </a:r>
-            <a:r>
-              <a:rPr lang="en-US" dirty="0" err="1"/>
-              <a:t>dintre</a:t>
-            </a:r>
-            <a:r>
-              <a:rPr lang="en-US" dirty="0"/>
-              <a:t> </a:t>
-            </a:r>
-            <a:r>
-              <a:rPr lang="en-US" dirty="0" err="1"/>
-              <a:t>aceste</a:t>
-            </a:r>
-            <a:r>
-              <a:rPr lang="en-US" dirty="0"/>
-              <a:t> </a:t>
-            </a:r>
-            <a:r>
-              <a:rPr lang="en-US" dirty="0" err="1"/>
-              <a:t>componente</a:t>
-            </a:r>
-            <a:r>
-              <a:rPr lang="en-US" dirty="0"/>
-              <a:t> au un </a:t>
-            </a:r>
-            <a:r>
-              <a:rPr lang="en-US" dirty="0" err="1"/>
-              <a:t>rol</a:t>
-            </a:r>
-            <a:r>
-              <a:rPr lang="en-US" dirty="0"/>
-              <a:t> important in </a:t>
-            </a:r>
-            <a:r>
-              <a:rPr lang="en-US" dirty="0" err="1"/>
-              <a:t>experienta</a:t>
-            </a:r>
-            <a:r>
-              <a:rPr lang="en-US" dirty="0"/>
-              <a:t> </a:t>
-            </a:r>
-            <a:r>
-              <a:rPr lang="en-US" dirty="0" err="1"/>
-              <a:t>totala</a:t>
-            </a:r>
-            <a:r>
-              <a:rPr lang="en-US" dirty="0"/>
-              <a:t> a </a:t>
-            </a:r>
-            <a:r>
-              <a:rPr lang="en-US" dirty="0" err="1"/>
-              <a:t>utilizatorului</a:t>
+              <a:t> se </a:t>
+            </a:r>
+            <a:r>
+              <a:rPr lang="en-US" dirty="0" err="1"/>
+              <a:t>ocupa</a:t>
+            </a:r>
+            <a:r>
+              <a:rPr lang="en-US" dirty="0"/>
+              <a:t> de tot </a:t>
+            </a:r>
+            <a:r>
+              <a:rPr lang="en-US" dirty="0" err="1"/>
+              <a:t>ceea</a:t>
+            </a:r>
+            <a:r>
+              <a:rPr lang="en-US" dirty="0"/>
+              <a:t> </a:t>
+            </a:r>
+            <a:r>
+              <a:rPr lang="en-US" dirty="0" err="1"/>
+              <a:t>ce</a:t>
+            </a:r>
+            <a:r>
+              <a:rPr lang="en-US" dirty="0"/>
+              <a:t> tine de </a:t>
+            </a:r>
+            <a:r>
+              <a:rPr lang="en-US" dirty="0" err="1"/>
+              <a:t>pozitia</a:t>
+            </a:r>
+            <a:r>
+              <a:rPr lang="en-US" dirty="0"/>
+              <a:t> </a:t>
+            </a:r>
+            <a:r>
+              <a:rPr lang="en-US" dirty="0" err="1"/>
+              <a:t>playerului</a:t>
+            </a:r>
+            <a:r>
+              <a:rPr lang="en-US" dirty="0"/>
+              <a:t> </a:t>
+            </a:r>
+            <a:r>
+              <a:rPr lang="en-US" dirty="0" err="1"/>
+              <a:t>si</a:t>
+            </a:r>
+            <a:r>
+              <a:rPr lang="en-US" dirty="0"/>
+              <a:t> </a:t>
+            </a:r>
+            <a:r>
+              <a:rPr lang="en-US" dirty="0" err="1"/>
+              <a:t>statutul</a:t>
+            </a:r>
+            <a:r>
+              <a:rPr lang="en-US" dirty="0"/>
+              <a:t> </a:t>
+            </a:r>
+            <a:r>
+              <a:rPr lang="en-US" dirty="0" err="1"/>
+              <a:t>Scrollerului</a:t>
             </a:r>
             <a:r>
               <a:rPr lang="en-US" dirty="0"/>
@@ -4220,59 +5859,59 @@
             </a:r>
             <a:r>
               <a:rPr lang="en-US" dirty="0" err="1"/>
-              <a:t>ele</a:t>
-            </a:r>
-            <a:r>
-              <a:rPr lang="en-US" dirty="0"/>
-              <a:t> </a:t>
-            </a:r>
-            <a:r>
-              <a:rPr lang="en-US" dirty="0" err="1"/>
-              <a:t>facand</a:t>
-            </a:r>
-            <a:r>
-              <a:rPr lang="en-US" dirty="0"/>
-              <a:t> </a:t>
-            </a:r>
-            <a:r>
-              <a:rPr lang="en-US" dirty="0" err="1"/>
-              <a:t>parte</a:t>
-            </a:r>
-            <a:r>
-              <a:rPr lang="en-US" dirty="0"/>
-              <a:t> </a:t>
-            </a:r>
-            <a:r>
-              <a:rPr lang="en-US" dirty="0" err="1"/>
-              <a:t>dintr</a:t>
-            </a:r>
-            <a:r>
-              <a:rPr lang="en-US" dirty="0"/>
-              <a:t>-un </a:t>
-            </a:r>
-            <a:r>
-              <a:rPr lang="en-US" dirty="0" err="1"/>
-              <a:t>unitar</a:t>
-            </a:r>
-            <a:r>
-              <a:rPr lang="en-US" dirty="0"/>
-              <a:t> </a:t>
-            </a:r>
-            <a:r>
-              <a:rPr lang="en-US" dirty="0" err="1"/>
-              <a:t>mult</a:t>
-            </a:r>
-            <a:r>
-              <a:rPr lang="en-US" dirty="0"/>
-              <a:t> </a:t>
-            </a:r>
-            <a:r>
-              <a:rPr lang="en-US" dirty="0" err="1"/>
-              <a:t>mai</a:t>
-            </a:r>
-            <a:r>
-              <a:rPr lang="en-US" dirty="0"/>
-              <a:t> complex.</a:t>
+              <a:t>apoi</a:t>
+            </a:r>
+            <a:r>
+              <a:rPr lang="en-US" dirty="0"/>
+              <a:t> </a:t>
+            </a:r>
+            <a:r>
+              <a:rPr lang="en-US" dirty="0" err="1"/>
+              <a:t>realizand</a:t>
+            </a:r>
+            <a:r>
+              <a:rPr lang="en-US" dirty="0"/>
+              <a:t> </a:t>
+            </a:r>
+            <a:r>
+              <a:rPr lang="en-US" dirty="0" err="1"/>
+              <a:t>modificarile</a:t>
+            </a:r>
+            <a:r>
+              <a:rPr lang="en-US" dirty="0"/>
+              <a:t> </a:t>
+            </a:r>
+            <a:r>
+              <a:rPr lang="en-US" dirty="0" err="1"/>
+              <a:t>necesare</a:t>
+            </a:r>
+            <a:r>
+              <a:rPr lang="en-US" dirty="0"/>
+              <a:t> in </a:t>
+            </a:r>
+            <a:r>
+              <a:rPr lang="en-US" dirty="0" err="1"/>
+              <a:t>lumea</a:t>
+            </a:r>
+            <a:r>
+              <a:rPr lang="en-US" dirty="0"/>
+              <a:t> </a:t>
+            </a:r>
+            <a:r>
+              <a:rPr lang="en-US" dirty="0" err="1"/>
+              <a:t>simularii</a:t>
+            </a:r>
+            <a:r>
+              <a:rPr lang="en-US" dirty="0"/>
+              <a:t>(“</a:t>
+            </a:r>
+            <a:r>
+              <a:rPr lang="en-US" dirty="0" err="1"/>
+              <a:t>PlayWorld</a:t>
+            </a:r>
+            <a:r>
+              <a:rPr lang="en-US" dirty="0"/>
+              <a:t>”).</a:t>
             </a:r>
           </a:p>
         </p:txBody>
@@ -4280,7 +5919,7 @@
     </p:spTree>
     <p:extLst>
       <p:ext uri="{BB962C8B-B14F-4D97-AF65-F5344CB8AC3E}">
-        <p14:creationId xmlns:p14="http://schemas.microsoft.com/office/powerpoint/2010/main" val="3323476344"/>
+        <p14:creationId xmlns:p14="http://schemas.microsoft.com/office/powerpoint/2010/main" val="988348916"/>
       </p:ext>
     </p:extLst>
   </p:cSld>
@@ -4312,7 +5951,7 @@
           <p:cNvPr id="2" name="Title 1">
             <a:extLst>
               <a:ext uri="{FF2B5EF4-FFF2-40B4-BE49-F238E27FC236}">
-                <a16:creationId xmlns:a16="http://schemas.microsoft.com/office/drawing/2014/main" id="{6C050FFB-266A-4323-8B7E-99FF86B48D42}"/>
+                <a16:creationId xmlns:a16="http://schemas.microsoft.com/office/drawing/2014/main" id="{04EF9451-91DC-4416-BC33-3558B9D900A4}"/>
               </a:ext>
             </a:extLst>
           </p:cNvPr>
@@ -4323,24 +5962,23 @@
             <p:ph type="title"/>
           </p:nvPr>
         </p:nvSpPr>
-        <p:spPr/>
-        <p:txBody>
-          <a:bodyPr/>
+        <p:spPr>
+          <a:xfrm>
+            <a:off x="838200" y="365126"/>
+            <a:ext cx="10515600" cy="423440"/>
+          </a:xfrm>
+        </p:spPr>
+        <p:txBody>
+          <a:bodyPr>
+            <a:noAutofit/>
+          </a:bodyPr>
           <a:lstStyle/>
           <a:p>
             <a:r>
-              <a:rPr lang="en-US" dirty="0" err="1"/>
-              <a:t>Sistemul</a:t>
-            </a:r>
-            <a:r>
-              <a:rPr lang="en-US" dirty="0"/>
-              <a:t> de </a:t>
-            </a:r>
-            <a:r>
-              <a:rPr lang="en-US" dirty="0" err="1"/>
-              <a:t>salvare</a:t>
-            </a:r>
-            <a:endParaRPr lang="en-US" dirty="0"/>
+              <a:rPr lang="en-US" sz="3200" dirty="0" err="1"/>
+              <a:t>Scrollerul</a:t>
+            </a:r>
+            <a:endParaRPr lang="en-US" sz="3200" dirty="0"/>
           </a:p>
         </p:txBody>
       </p:sp>
@@ -4349,7 +5987,7 @@
           <p:cNvPr id="3" name="Content Placeholder 2">
             <a:extLst>
               <a:ext uri="{FF2B5EF4-FFF2-40B4-BE49-F238E27FC236}">
-                <a16:creationId xmlns:a16="http://schemas.microsoft.com/office/drawing/2014/main" id="{D0CA60B4-E9A9-4A66-BA74-0370BB471A75}"/>
+                <a16:creationId xmlns:a16="http://schemas.microsoft.com/office/drawing/2014/main" id="{178FDBDD-5516-4E4D-A6C9-F50641ADCF41}"/>
               </a:ext>
             </a:extLst>
           </p:cNvPr>
@@ -4360,118 +5998,714 @@
             <p:ph idx="1"/>
           </p:nvPr>
         </p:nvSpPr>
-        <p:spPr/>
-        <p:txBody>
-          <a:bodyPr/>
+        <p:spPr>
+          <a:xfrm>
+            <a:off x="111853" y="894447"/>
+            <a:ext cx="11241947" cy="4351338"/>
+          </a:xfrm>
+        </p:spPr>
+        <p:txBody>
+          <a:bodyPr>
+            <a:normAutofit/>
+          </a:bodyPr>
           <a:lstStyle/>
           <a:p>
             <a:r>
-              <a:rPr lang="en-US" dirty="0" err="1"/>
-              <a:t>Orice</a:t>
-            </a:r>
-            <a:r>
-              <a:rPr lang="en-US" dirty="0"/>
-              <a:t> </a:t>
-            </a:r>
-            <a:r>
-              <a:rPr lang="en-US" dirty="0" err="1"/>
+              <a:rPr lang="en-US" sz="1800" dirty="0" err="1"/>
+              <a:t>Scrollerul</a:t>
+            </a:r>
+            <a:r>
+              <a:rPr lang="en-US" sz="1800" dirty="0"/>
+              <a:t> </a:t>
+            </a:r>
+            <a:r>
+              <a:rPr lang="en-US" sz="1800" dirty="0" err="1"/>
+              <a:t>faciliteaza</a:t>
+            </a:r>
+            <a:r>
+              <a:rPr lang="en-US" sz="1800" dirty="0"/>
+              <a:t> </a:t>
+            </a:r>
+            <a:r>
+              <a:rPr lang="en-US" sz="1800" dirty="0" err="1"/>
+              <a:t>dezvoltarea</a:t>
+            </a:r>
+            <a:r>
+              <a:rPr lang="en-US" sz="1800" dirty="0"/>
+              <a:t> </a:t>
+            </a:r>
+            <a:r>
+              <a:rPr lang="en-US" sz="1800" dirty="0" err="1"/>
+              <a:t>unui</a:t>
+            </a:r>
+            <a:r>
+              <a:rPr lang="en-US" sz="1800" dirty="0"/>
+              <a:t> </a:t>
+            </a:r>
+            <a:r>
+              <a:rPr lang="en-US" sz="1800" dirty="0" err="1"/>
               <a:t>joc</a:t>
             </a:r>
             <a:r>
-              <a:rPr lang="en-US" dirty="0"/>
-              <a:t> </a:t>
-            </a:r>
-            <a:r>
-              <a:rPr lang="en-US" dirty="0" err="1"/>
-              <a:t>consideram</a:t>
-            </a:r>
-            <a:r>
-              <a:rPr lang="en-US" dirty="0"/>
-              <a:t> ca </a:t>
-            </a:r>
-            <a:r>
-              <a:rPr lang="en-US" dirty="0" err="1"/>
-              <a:t>trebuie</a:t>
-            </a:r>
-            <a:r>
-              <a:rPr lang="en-US" dirty="0"/>
-              <a:t> </a:t>
-            </a:r>
-            <a:r>
-              <a:rPr lang="en-US" dirty="0" err="1"/>
-              <a:t>sa</a:t>
-            </a:r>
-            <a:r>
-              <a:rPr lang="en-US" dirty="0"/>
-              <a:t> </a:t>
-            </a:r>
-            <a:r>
-              <a:rPr lang="en-US" dirty="0" err="1"/>
-              <a:t>contina</a:t>
-            </a:r>
-            <a:r>
-              <a:rPr lang="en-US" dirty="0"/>
-              <a:t> un system care </a:t>
-            </a:r>
-            <a:r>
-              <a:rPr lang="en-US" dirty="0" err="1"/>
-              <a:t>sa</a:t>
-            </a:r>
-            <a:r>
-              <a:rPr lang="en-US" dirty="0"/>
-              <a:t> </a:t>
-            </a:r>
-            <a:r>
-              <a:rPr lang="en-US" dirty="0" err="1"/>
-              <a:t>permita</a:t>
-            </a:r>
-            <a:r>
-              <a:rPr lang="en-US" dirty="0"/>
-              <a:t> </a:t>
-            </a:r>
-            <a:r>
-              <a:rPr lang="en-US" dirty="0" err="1"/>
-              <a:t>oprirea</a:t>
-            </a:r>
-            <a:r>
-              <a:rPr lang="en-US" dirty="0"/>
-              <a:t> </a:t>
-            </a:r>
-            <a:r>
-              <a:rPr lang="en-US" dirty="0" err="1"/>
-              <a:t>aplicatiei</a:t>
-            </a:r>
-            <a:r>
-              <a:rPr lang="en-US" dirty="0"/>
-              <a:t> </a:t>
-            </a:r>
-            <a:r>
-              <a:rPr lang="en-US" dirty="0" err="1"/>
+              <a:rPr lang="en-US" sz="1800" dirty="0"/>
+              <a:t> Open-Word, </a:t>
+            </a:r>
+            <a:r>
+              <a:rPr lang="en-US" sz="1800" dirty="0" err="1"/>
+              <a:t>nerestrictionand</a:t>
+            </a:r>
+            <a:r>
+              <a:rPr lang="en-US" sz="1800" dirty="0"/>
+              <a:t> </a:t>
+            </a:r>
+            <a:r>
+              <a:rPr lang="en-US" sz="1800" dirty="0" err="1"/>
+              <a:t>dimensiunea</a:t>
+            </a:r>
+            <a:r>
+              <a:rPr lang="en-US" sz="1800" dirty="0"/>
+              <a:t> </a:t>
+            </a:r>
+            <a:r>
+              <a:rPr lang="en-US" sz="1800" dirty="0" err="1"/>
+              <a:t>lumii</a:t>
+            </a:r>
+            <a:r>
+              <a:rPr lang="en-US" sz="1800" dirty="0"/>
+              <a:t> la </a:t>
+            </a:r>
+            <a:r>
+              <a:rPr lang="en-US" sz="1800" dirty="0" err="1"/>
+              <a:t>rezolutia</a:t>
+            </a:r>
+            <a:r>
+              <a:rPr lang="en-US" sz="1800" dirty="0"/>
+              <a:t> </a:t>
+            </a:r>
+            <a:r>
+              <a:rPr lang="en-US" sz="1800" dirty="0" err="1"/>
+              <a:t>ferestrei</a:t>
+            </a:r>
+            <a:r>
+              <a:rPr lang="en-US" sz="1800" dirty="0"/>
+              <a:t>. El </a:t>
+            </a:r>
+            <a:r>
+              <a:rPr lang="en-US" sz="1800" dirty="0" err="1"/>
+              <a:t>ia</a:t>
+            </a:r>
+            <a:r>
+              <a:rPr lang="en-US" sz="1800" dirty="0"/>
+              <a:t> </a:t>
+            </a:r>
+            <a:r>
+              <a:rPr lang="en-US" sz="1800" dirty="0" err="1"/>
+              <a:t>pozitia</a:t>
+            </a:r>
+            <a:r>
+              <a:rPr lang="en-US" sz="1800" dirty="0"/>
+              <a:t> </a:t>
+            </a:r>
+            <a:r>
+              <a:rPr lang="en-US" sz="1800" dirty="0" err="1"/>
+              <a:t>jucatorului</a:t>
+            </a:r>
+            <a:r>
+              <a:rPr lang="en-US" sz="1800" dirty="0"/>
+              <a:t> in </a:t>
+            </a:r>
+            <a:r>
+              <a:rPr lang="en-US" sz="1800" dirty="0" err="1"/>
+              <a:t>lume</a:t>
+            </a:r>
+            <a:r>
+              <a:rPr lang="en-US" sz="1800" dirty="0"/>
+              <a:t> </a:t>
+            </a:r>
+            <a:r>
+              <a:rPr lang="en-US" sz="1800" dirty="0" err="1"/>
               <a:t>si</a:t>
             </a:r>
             <a:r>
-              <a:rPr lang="en-US" dirty="0"/>
-              <a:t> </a:t>
-            </a:r>
-            <a:r>
-              <a:rPr lang="en-US" dirty="0" err="1"/>
-              <a:t>reluarea</a:t>
-            </a:r>
-            <a:r>
-              <a:rPr lang="en-US" dirty="0"/>
-              <a:t> la un alt moment de </a:t>
-            </a:r>
-            <a:r>
-              <a:rPr lang="en-US" dirty="0" err="1"/>
-              <a:t>timp</a:t>
-            </a:r>
-            <a:r>
-              <a:rPr lang="en-US" dirty="0"/>
+              <a:rPr lang="en-US" sz="1800" dirty="0"/>
+              <a:t> </a:t>
+            </a:r>
+            <a:r>
+              <a:rPr lang="en-US" sz="1800" dirty="0" err="1"/>
+              <a:t>actualizeaza</a:t>
+            </a:r>
+            <a:r>
+              <a:rPr lang="en-US" sz="1800" dirty="0"/>
+              <a:t> </a:t>
+            </a:r>
+            <a:r>
+              <a:rPr lang="en-US" sz="1800" dirty="0" err="1"/>
+              <a:t>pozitia</a:t>
+            </a:r>
+            <a:r>
+              <a:rPr lang="en-US" sz="1800" dirty="0"/>
+              <a:t> pe </a:t>
+            </a:r>
+            <a:r>
+              <a:rPr lang="en-US" sz="1800" dirty="0" err="1"/>
+              <a:t>ecran</a:t>
+            </a:r>
+            <a:r>
+              <a:rPr lang="en-US" sz="1800" dirty="0"/>
               <a:t> a </a:t>
             </a:r>
             <a:r>
-              <a:rPr lang="en-US" dirty="0" err="1"/>
-              <a:t>activitatilor</a:t>
+              <a:rPr lang="en-US" sz="1800" dirty="0" err="1"/>
+              <a:t>obiectelor</a:t>
+            </a:r>
+            <a:r>
+              <a:rPr lang="en-US" sz="1800" dirty="0"/>
+              <a:t> </a:t>
+            </a:r>
+            <a:r>
+              <a:rPr lang="en-US" sz="1800" dirty="0" err="1"/>
+              <a:t>si</a:t>
+            </a:r>
+            <a:r>
+              <a:rPr lang="en-US" sz="1800" dirty="0"/>
+              <a:t> </a:t>
+            </a:r>
+            <a:r>
+              <a:rPr lang="en-US" sz="1800" dirty="0" err="1"/>
+              <a:t>fundalului</a:t>
+            </a:r>
+            <a:r>
+              <a:rPr lang="en-US" sz="1800" dirty="0"/>
+              <a:t> relative cu </a:t>
+            </a:r>
+            <a:r>
+              <a:rPr lang="en-US" sz="1800" dirty="0" err="1"/>
+              <a:t>Playerul</a:t>
+            </a:r>
+            <a:r>
+              <a:rPr lang="en-US" sz="1800" dirty="0"/>
+              <a:t>.</a:t>
+            </a:r>
+          </a:p>
+        </p:txBody>
+      </p:sp>
+      <p:sp>
+        <p:nvSpPr>
+          <p:cNvPr id="5" name="TextBox 4">
+            <a:extLst>
+              <a:ext uri="{FF2B5EF4-FFF2-40B4-BE49-F238E27FC236}">
+                <a16:creationId xmlns:a16="http://schemas.microsoft.com/office/drawing/2014/main" id="{D843AE41-0B79-45C3-BB4B-FF9FFD8496EB}"/>
+              </a:ext>
+            </a:extLst>
+          </p:cNvPr>
+          <p:cNvSpPr txBox="1"/>
+          <p:nvPr/>
+        </p:nvSpPr>
+        <p:spPr>
+          <a:xfrm>
+            <a:off x="838200" y="1682418"/>
+            <a:ext cx="5394121" cy="584775"/>
+          </a:xfrm>
+          <a:prstGeom prst="rect">
+            <a:avLst/>
+          </a:prstGeom>
+          <a:noFill/>
+        </p:spPr>
+        <p:txBody>
+          <a:bodyPr wrap="square" rtlCol="0">
+            <a:spAutoFit/>
+          </a:bodyPr>
+          <a:lstStyle/>
+          <a:p>
+            <a:r>
+              <a:rPr lang="en-US" sz="3200" dirty="0" err="1"/>
+              <a:t>Sistemul</a:t>
+            </a:r>
+            <a:r>
+              <a:rPr lang="en-US" sz="3200" dirty="0"/>
+              <a:t> de </a:t>
+            </a:r>
+            <a:r>
+              <a:rPr lang="en-US" sz="3200" dirty="0" err="1"/>
+              <a:t>muzica</a:t>
+            </a:r>
+            <a:endParaRPr lang="en-US" sz="3200" dirty="0"/>
+          </a:p>
+        </p:txBody>
+      </p:sp>
+      <p:sp>
+        <p:nvSpPr>
+          <p:cNvPr id="7" name="TextBox 6">
+            <a:extLst>
+              <a:ext uri="{FF2B5EF4-FFF2-40B4-BE49-F238E27FC236}">
+                <a16:creationId xmlns:a16="http://schemas.microsoft.com/office/drawing/2014/main" id="{0466E3B7-AB62-4B91-B2F4-520A3FE6AA92}"/>
+              </a:ext>
+            </a:extLst>
+          </p:cNvPr>
+          <p:cNvSpPr txBox="1"/>
+          <p:nvPr/>
+        </p:nvSpPr>
+        <p:spPr>
+          <a:xfrm>
+            <a:off x="0" y="2200005"/>
+            <a:ext cx="11548845" cy="923330"/>
+          </a:xfrm>
+          <a:prstGeom prst="rect">
+            <a:avLst/>
+          </a:prstGeom>
+          <a:noFill/>
+        </p:spPr>
+        <p:txBody>
+          <a:bodyPr wrap="square" rtlCol="0">
+            <a:spAutoFit/>
+          </a:bodyPr>
+          <a:lstStyle/>
+          <a:p>
+            <a:pPr marL="285750" indent="-285750">
+              <a:buFont typeface="Arial" panose="020B0604020202020204" pitchFamily="34" charset="0"/>
+              <a:buChar char="•"/>
+            </a:pPr>
+            <a:r>
+              <a:rPr lang="en-US" dirty="0" err="1"/>
+              <a:t>Muzica</a:t>
+            </a:r>
+            <a:r>
+              <a:rPr lang="en-US" dirty="0"/>
+              <a:t> </a:t>
+            </a:r>
+            <a:r>
+              <a:rPr lang="en-US" dirty="0" err="1"/>
+              <a:t>este</a:t>
+            </a:r>
+            <a:r>
+              <a:rPr lang="en-US" dirty="0"/>
+              <a:t> un element </a:t>
+            </a:r>
+            <a:r>
+              <a:rPr lang="en-US" dirty="0" err="1"/>
+              <a:t>prezent</a:t>
+            </a:r>
+            <a:r>
+              <a:rPr lang="en-US" dirty="0"/>
+              <a:t> pe tot </a:t>
+            </a:r>
+            <a:r>
+              <a:rPr lang="en-US" dirty="0" err="1"/>
+              <a:t>parcursul</a:t>
+            </a:r>
+            <a:r>
+              <a:rPr lang="en-US" dirty="0"/>
+              <a:t> </a:t>
+            </a:r>
+            <a:r>
+              <a:rPr lang="en-US" dirty="0" err="1"/>
+              <a:t>jocului</a:t>
+            </a:r>
+            <a:r>
+              <a:rPr lang="en-US" dirty="0"/>
+              <a:t>, </a:t>
+            </a:r>
+            <a:r>
+              <a:rPr lang="en-US" dirty="0" err="1"/>
+              <a:t>atat</a:t>
+            </a:r>
+            <a:r>
+              <a:rPr lang="en-US" dirty="0"/>
+              <a:t> in </a:t>
+            </a:r>
+            <a:r>
+              <a:rPr lang="en-US" dirty="0" err="1"/>
+              <a:t>meniuri</a:t>
+            </a:r>
+            <a:r>
+              <a:rPr lang="en-US" dirty="0"/>
+              <a:t> cat </a:t>
+            </a:r>
+            <a:r>
+              <a:rPr lang="en-US" dirty="0" err="1"/>
+              <a:t>si</a:t>
+            </a:r>
+            <a:r>
+              <a:rPr lang="en-US" dirty="0"/>
+              <a:t> in gameplay. </a:t>
+            </a:r>
+            <a:r>
+              <a:rPr lang="en-US" dirty="0" err="1"/>
+              <a:t>Exista</a:t>
+            </a:r>
+            <a:r>
+              <a:rPr lang="en-US" dirty="0"/>
+              <a:t> </a:t>
+            </a:r>
+            <a:r>
+              <a:rPr lang="en-US" dirty="0" err="1"/>
+              <a:t>trei</a:t>
+            </a:r>
+            <a:r>
+              <a:rPr lang="en-US" dirty="0"/>
+              <a:t> </a:t>
+            </a:r>
+            <a:r>
+              <a:rPr lang="en-US" dirty="0" err="1"/>
+              <a:t>compozitii</a:t>
+            </a:r>
+            <a:r>
+              <a:rPr lang="en-US" dirty="0"/>
+              <a:t> </a:t>
+            </a:r>
+            <a:r>
+              <a:rPr lang="en-US" dirty="0" err="1"/>
+              <a:t>proprii</a:t>
+            </a:r>
+            <a:r>
+              <a:rPr lang="en-US" dirty="0"/>
+              <a:t> </a:t>
+            </a:r>
+            <a:r>
+              <a:rPr lang="en-US" dirty="0" err="1"/>
+              <a:t>ce</a:t>
+            </a:r>
+            <a:r>
+              <a:rPr lang="en-US" dirty="0"/>
+              <a:t> sunt </a:t>
+            </a:r>
+            <a:r>
+              <a:rPr lang="en-US" dirty="0" err="1"/>
+              <a:t>schimbate</a:t>
+            </a:r>
+            <a:r>
+              <a:rPr lang="en-US" dirty="0"/>
+              <a:t> in </a:t>
+            </a:r>
+            <a:r>
+              <a:rPr lang="en-US" dirty="0" err="1"/>
+              <a:t>functie</a:t>
+            </a:r>
+            <a:r>
+              <a:rPr lang="en-US" dirty="0"/>
+              <a:t> de </a:t>
+            </a:r>
+            <a:r>
+              <a:rPr lang="en-US" dirty="0" err="1"/>
+              <a:t>ceea</a:t>
+            </a:r>
+            <a:r>
+              <a:rPr lang="en-US" dirty="0"/>
+              <a:t> </a:t>
+            </a:r>
+            <a:r>
+              <a:rPr lang="en-US" dirty="0" err="1"/>
+              <a:t>ce</a:t>
+            </a:r>
+            <a:r>
+              <a:rPr lang="en-US" dirty="0"/>
+              <a:t> se </a:t>
+            </a:r>
+            <a:r>
+              <a:rPr lang="en-US" dirty="0" err="1"/>
+              <a:t>intampla</a:t>
+            </a:r>
+            <a:r>
+              <a:rPr lang="en-US" dirty="0"/>
+              <a:t> cu </a:t>
+            </a:r>
+            <a:r>
+              <a:rPr lang="en-US" dirty="0" err="1"/>
+              <a:t>playerul</a:t>
+            </a:r>
+            <a:r>
+              <a:rPr lang="en-US" dirty="0"/>
+              <a:t> (ex </a:t>
+            </a:r>
+            <a:r>
+              <a:rPr lang="en-US" dirty="0" err="1"/>
+              <a:t>este</a:t>
+            </a:r>
+            <a:r>
+              <a:rPr lang="en-US" dirty="0"/>
+              <a:t> in </a:t>
+            </a:r>
+            <a:r>
+              <a:rPr lang="en-US" dirty="0" err="1"/>
+              <a:t>pauza</a:t>
+            </a:r>
+            <a:r>
+              <a:rPr lang="en-US" dirty="0"/>
+              <a:t>/se </a:t>
+            </a:r>
+            <a:r>
+              <a:rPr lang="en-US" dirty="0" err="1"/>
+              <a:t>plimba</a:t>
+            </a:r>
+            <a:r>
+              <a:rPr lang="en-US" dirty="0"/>
+              <a:t>/</a:t>
+            </a:r>
+            <a:r>
+              <a:rPr lang="en-US" dirty="0" err="1"/>
+              <a:t>este</a:t>
+            </a:r>
+            <a:r>
+              <a:rPr lang="en-US" dirty="0"/>
+              <a:t> in combat).</a:t>
+            </a:r>
+          </a:p>
+        </p:txBody>
+      </p:sp>
+      <p:sp>
+        <p:nvSpPr>
+          <p:cNvPr id="9" name="TextBox 8">
+            <a:extLst>
+              <a:ext uri="{FF2B5EF4-FFF2-40B4-BE49-F238E27FC236}">
+                <a16:creationId xmlns:a16="http://schemas.microsoft.com/office/drawing/2014/main" id="{6FE5721C-1AEA-418A-B8EC-72C1EC29ADD5}"/>
+              </a:ext>
+            </a:extLst>
+          </p:cNvPr>
+          <p:cNvSpPr txBox="1"/>
+          <p:nvPr/>
+        </p:nvSpPr>
+        <p:spPr>
+          <a:xfrm>
+            <a:off x="721452" y="3068563"/>
+            <a:ext cx="4479721" cy="584775"/>
+          </a:xfrm>
+          <a:prstGeom prst="rect">
+            <a:avLst/>
+          </a:prstGeom>
+          <a:noFill/>
+        </p:spPr>
+        <p:txBody>
+          <a:bodyPr wrap="square" rtlCol="0">
+            <a:spAutoFit/>
+          </a:bodyPr>
+          <a:lstStyle/>
+          <a:p>
+            <a:r>
+              <a:rPr lang="en-US" sz="3200" dirty="0" err="1"/>
+              <a:t>Sistemul</a:t>
+            </a:r>
+            <a:r>
+              <a:rPr lang="en-US" sz="3200" dirty="0"/>
+              <a:t> de combat</a:t>
+            </a:r>
+          </a:p>
+        </p:txBody>
+      </p:sp>
+      <p:sp>
+        <p:nvSpPr>
+          <p:cNvPr id="10" name="TextBox 9">
+            <a:extLst>
+              <a:ext uri="{FF2B5EF4-FFF2-40B4-BE49-F238E27FC236}">
+                <a16:creationId xmlns:a16="http://schemas.microsoft.com/office/drawing/2014/main" id="{4FFD8FF5-C9AC-43FC-B355-4D9BD81ACB64}"/>
+              </a:ext>
+            </a:extLst>
+          </p:cNvPr>
+          <p:cNvSpPr txBox="1"/>
+          <p:nvPr/>
+        </p:nvSpPr>
+        <p:spPr>
+          <a:xfrm>
+            <a:off x="53478" y="3551486"/>
+            <a:ext cx="11358696" cy="1200329"/>
+          </a:xfrm>
+          <a:prstGeom prst="rect">
+            <a:avLst/>
+          </a:prstGeom>
+          <a:noFill/>
+        </p:spPr>
+        <p:txBody>
+          <a:bodyPr wrap="square" rtlCol="0">
+            <a:spAutoFit/>
+          </a:bodyPr>
+          <a:lstStyle/>
+          <a:p>
+            <a:pPr marL="285750" indent="-285750">
+              <a:buFont typeface="Arial" panose="020B0604020202020204" pitchFamily="34" charset="0"/>
+              <a:buChar char="•"/>
+            </a:pPr>
+            <a:r>
+              <a:rPr lang="en-US" dirty="0"/>
+              <a:t>O mare </a:t>
+            </a:r>
+            <a:r>
+              <a:rPr lang="en-US" dirty="0" err="1"/>
+              <a:t>parte</a:t>
+            </a:r>
+            <a:r>
+              <a:rPr lang="en-US" dirty="0"/>
+              <a:t> din </a:t>
+            </a:r>
+            <a:r>
+              <a:rPr lang="en-US" dirty="0" err="1"/>
+              <a:t>actiunea</a:t>
+            </a:r>
+            <a:r>
+              <a:rPr lang="en-US" dirty="0"/>
+              <a:t> din Strafer II </a:t>
+            </a:r>
+            <a:r>
+              <a:rPr lang="en-US" dirty="0" err="1"/>
+              <a:t>este</a:t>
+            </a:r>
+            <a:r>
+              <a:rPr lang="en-US" dirty="0"/>
+              <a:t> </a:t>
+            </a:r>
+            <a:r>
+              <a:rPr lang="en-US" dirty="0" err="1"/>
+              <a:t>datorata</a:t>
+            </a:r>
+            <a:r>
+              <a:rPr lang="en-US" dirty="0"/>
+              <a:t> </a:t>
+            </a:r>
+            <a:r>
+              <a:rPr lang="en-US" dirty="0" err="1"/>
+              <a:t>sistemului</a:t>
+            </a:r>
+            <a:r>
+              <a:rPr lang="en-US" dirty="0"/>
+              <a:t> de combat. </a:t>
+            </a:r>
+            <a:r>
+              <a:rPr lang="en-US" dirty="0" err="1"/>
+              <a:t>Acesta</a:t>
+            </a:r>
+            <a:r>
+              <a:rPr lang="en-US" dirty="0"/>
+              <a:t> are la </a:t>
+            </a:r>
+            <a:r>
+              <a:rPr lang="en-US" dirty="0" err="1"/>
+              <a:t>baza</a:t>
+            </a:r>
+            <a:r>
+              <a:rPr lang="en-US" dirty="0"/>
+              <a:t> </a:t>
+            </a:r>
+            <a:r>
+              <a:rPr lang="en-US" dirty="0" err="1"/>
+              <a:t>interactiunile</a:t>
+            </a:r>
+            <a:r>
+              <a:rPr lang="en-US" dirty="0"/>
+              <a:t> </a:t>
+            </a:r>
+            <a:r>
+              <a:rPr lang="en-US" dirty="0" err="1"/>
+              <a:t>dintre</a:t>
+            </a:r>
+            <a:r>
+              <a:rPr lang="en-US" dirty="0"/>
+              <a:t> player, </a:t>
+            </a:r>
+            <a:r>
+              <a:rPr lang="en-US" dirty="0" err="1"/>
+              <a:t>iteme</a:t>
+            </a:r>
+            <a:r>
+              <a:rPr lang="en-US" dirty="0"/>
+              <a:t> </a:t>
+            </a:r>
+            <a:r>
+              <a:rPr lang="en-US" dirty="0" err="1"/>
+              <a:t>si</a:t>
+            </a:r>
+            <a:r>
+              <a:rPr lang="en-US" dirty="0"/>
+              <a:t> NPC-</a:t>
+            </a:r>
+            <a:r>
+              <a:rPr lang="en-US" dirty="0" err="1"/>
+              <a:t>uri</a:t>
+            </a:r>
+            <a:r>
+              <a:rPr lang="en-US" dirty="0"/>
+              <a:t>(non-playable characters). NPC-urile </a:t>
+            </a:r>
+            <a:r>
+              <a:rPr lang="en-US" dirty="0" err="1"/>
+              <a:t>ostile</a:t>
+            </a:r>
+            <a:r>
+              <a:rPr lang="en-US" dirty="0"/>
+              <a:t>(</a:t>
+            </a:r>
+            <a:r>
+              <a:rPr lang="en-US" dirty="0" err="1"/>
+              <a:t>clasa</a:t>
+            </a:r>
+            <a:r>
+              <a:rPr lang="en-US" dirty="0"/>
+              <a:t> </a:t>
+            </a:r>
+            <a:r>
+              <a:rPr lang="en-US" dirty="0" err="1"/>
+              <a:t>Inamic</a:t>
+            </a:r>
+            <a:r>
+              <a:rPr lang="en-US" dirty="0"/>
+              <a:t>) au </a:t>
+            </a:r>
+            <a:r>
+              <a:rPr lang="en-US" dirty="0" err="1"/>
+              <a:t>fiecare</a:t>
+            </a:r>
+            <a:r>
+              <a:rPr lang="en-US" dirty="0"/>
+              <a:t> un mod </a:t>
+            </a:r>
+            <a:r>
+              <a:rPr lang="en-US" dirty="0" err="1"/>
+              <a:t>diferit</a:t>
+            </a:r>
+            <a:r>
+              <a:rPr lang="en-US" dirty="0"/>
+              <a:t> de </a:t>
+            </a:r>
+            <a:r>
+              <a:rPr lang="en-US" dirty="0" err="1"/>
+              <a:t>atac</a:t>
+            </a:r>
+            <a:r>
+              <a:rPr lang="en-US" dirty="0"/>
+              <a:t> </a:t>
+            </a:r>
+            <a:r>
+              <a:rPr lang="en-US" dirty="0" err="1"/>
+              <a:t>si</a:t>
+            </a:r>
+            <a:r>
+              <a:rPr lang="en-US" dirty="0"/>
+              <a:t> </a:t>
+            </a:r>
+            <a:r>
+              <a:rPr lang="en-US" dirty="0" err="1"/>
+              <a:t>reactioneaza</a:t>
+            </a:r>
+            <a:r>
+              <a:rPr lang="en-US" dirty="0"/>
+              <a:t> </a:t>
+            </a:r>
+            <a:r>
+              <a:rPr lang="en-US" dirty="0" err="1"/>
+              <a:t>diferit</a:t>
+            </a:r>
+            <a:r>
+              <a:rPr lang="en-US" dirty="0"/>
+              <a:t> la </a:t>
+            </a:r>
+            <a:r>
+              <a:rPr lang="en-US" dirty="0" err="1"/>
+              <a:t>atacurile</a:t>
+            </a:r>
+            <a:r>
+              <a:rPr lang="en-US" dirty="0"/>
+              <a:t> </a:t>
+            </a:r>
+            <a:r>
+              <a:rPr lang="en-US" dirty="0" err="1"/>
+              <a:t>playerului</a:t>
             </a:r>
             <a:r>
               <a:rPr lang="en-US" dirty="0"/>
@@ -4479,23 +6713,23 @@
             </a:r>
             <a:r>
               <a:rPr lang="en-US" dirty="0" err="1"/>
-              <a:t>Acesta</a:t>
-            </a:r>
-            <a:r>
-              <a:rPr lang="en-US" dirty="0"/>
-              <a:t> </a:t>
-            </a:r>
-            <a:r>
-              <a:rPr lang="en-US" dirty="0" err="1"/>
-              <a:t>este</a:t>
-            </a:r>
-            <a:r>
-              <a:rPr lang="en-US" dirty="0"/>
-              <a:t> </a:t>
-            </a:r>
-            <a:r>
-              <a:rPr lang="en-US" dirty="0" err="1"/>
-              <a:t>cazul</a:t>
+              <a:t>Playerul</a:t>
+            </a:r>
+            <a:r>
+              <a:rPr lang="en-US" dirty="0"/>
+              <a:t> </a:t>
+            </a:r>
+            <a:r>
+              <a:rPr lang="en-US" dirty="0" err="1"/>
+              <a:t>poate</a:t>
+            </a:r>
+            <a:r>
+              <a:rPr lang="en-US" dirty="0"/>
+              <a:t> </a:t>
+            </a:r>
+            <a:r>
+              <a:rPr lang="en-US" dirty="0" err="1"/>
+              <a:t>pierde</a:t>
             </a:r>
             <a:r>
               <a:rPr lang="en-US" dirty="0"/>
@@ -4507,207 +6741,23 @@
             </a:r>
             <a:r>
               <a:rPr lang="en-US" dirty="0"/>
-              <a:t> in </a:t>
-            </a:r>
-            <a:r>
-              <a:rPr lang="en-US" dirty="0" err="1"/>
-              <a:t>jocul</a:t>
-            </a:r>
-            <a:r>
-              <a:rPr lang="en-US" dirty="0"/>
-              <a:t> nostrum, Strafer II. </a:t>
-            </a:r>
-            <a:r>
-              <a:rPr lang="en-US" dirty="0" err="1"/>
-              <a:t>Noi</a:t>
-            </a:r>
-            <a:r>
-              <a:rPr lang="en-US" dirty="0"/>
-              <a:t> am </a:t>
-            </a:r>
-            <a:r>
-              <a:rPr lang="en-US" dirty="0" err="1"/>
-              <a:t>impelmentat</a:t>
-            </a:r>
-            <a:r>
-              <a:rPr lang="en-US" dirty="0"/>
-              <a:t> un system care </a:t>
-            </a:r>
-            <a:r>
-              <a:rPr lang="en-US" dirty="0" err="1"/>
-              <a:t>salveaza</a:t>
-            </a:r>
-            <a:r>
-              <a:rPr lang="en-US" dirty="0"/>
-              <a:t> in </a:t>
-            </a:r>
-            <a:r>
-              <a:rPr lang="en-US" dirty="0" err="1"/>
-              <a:t>anumite</a:t>
-            </a:r>
-            <a:r>
-              <a:rPr lang="en-US" dirty="0"/>
-              <a:t> </a:t>
-            </a:r>
-            <a:r>
-              <a:rPr lang="en-US" dirty="0" err="1"/>
-              <a:t>fisiere</a:t>
-            </a:r>
-            <a:r>
-              <a:rPr lang="en-US" dirty="0"/>
-              <a:t> </a:t>
-            </a:r>
-            <a:r>
-              <a:rPr lang="en-US" dirty="0" err="1"/>
-              <a:t>diferite</a:t>
-            </a:r>
-            <a:r>
-              <a:rPr lang="en-US" dirty="0"/>
-              <a:t> </a:t>
-            </a:r>
-            <a:r>
-              <a:rPr lang="en-US" dirty="0" err="1"/>
-              <a:t>lucruri</a:t>
-            </a:r>
-            <a:r>
-              <a:rPr lang="en-US" dirty="0"/>
-              <a:t> </a:t>
-            </a:r>
-            <a:r>
-              <a:rPr lang="en-US" dirty="0" err="1"/>
-              <a:t>folositoare</a:t>
-            </a:r>
-            <a:r>
-              <a:rPr lang="en-US" dirty="0"/>
-              <a:t> </a:t>
-            </a:r>
-            <a:r>
-              <a:rPr lang="en-US" dirty="0" err="1"/>
-              <a:t>pentru</a:t>
-            </a:r>
-            <a:r>
-              <a:rPr lang="en-US" dirty="0"/>
-              <a:t> </a:t>
-            </a:r>
-            <a:r>
-              <a:rPr lang="en-US" dirty="0" err="1"/>
-              <a:t>joc</a:t>
-            </a:r>
-            <a:r>
-              <a:rPr lang="en-US" dirty="0"/>
-              <a:t>. De </a:t>
-            </a:r>
-            <a:r>
-              <a:rPr lang="en-US" dirty="0" err="1"/>
-              <a:t>exemplu</a:t>
-            </a:r>
-            <a:r>
-              <a:rPr lang="en-US" dirty="0"/>
-              <a:t> </a:t>
-            </a:r>
-            <a:r>
-              <a:rPr lang="en-US" dirty="0" err="1"/>
-              <a:t>pozitia</a:t>
-            </a:r>
-            <a:r>
-              <a:rPr lang="en-US" dirty="0"/>
-              <a:t> pe </a:t>
-            </a:r>
-            <a:r>
-              <a:rPr lang="en-US" dirty="0" err="1"/>
-              <a:t>harta</a:t>
-            </a:r>
-            <a:r>
-              <a:rPr lang="en-US" dirty="0"/>
-              <a:t> la </a:t>
-            </a:r>
-            <a:r>
-              <a:rPr lang="en-US" dirty="0" err="1"/>
-              <a:t>momentul</a:t>
-            </a:r>
-            <a:r>
-              <a:rPr lang="en-US" dirty="0"/>
-              <a:t> respective, </a:t>
-            </a:r>
-            <a:r>
-              <a:rPr lang="en-US" dirty="0" err="1"/>
-              <a:t>progresia</a:t>
-            </a:r>
-            <a:r>
-              <a:rPr lang="en-US" dirty="0"/>
-              <a:t> </a:t>
-            </a:r>
-            <a:r>
-              <a:rPr lang="en-US" dirty="0" err="1"/>
-              <a:t>povestii</a:t>
-            </a:r>
-            <a:r>
-              <a:rPr lang="en-US" dirty="0"/>
-              <a:t>, </a:t>
-            </a:r>
-            <a:r>
-              <a:rPr lang="en-US" dirty="0" err="1"/>
-              <a:t>numarul</a:t>
-            </a:r>
-            <a:r>
-              <a:rPr lang="en-US" dirty="0"/>
-              <a:t> de </a:t>
-            </a:r>
-            <a:r>
-              <a:rPr lang="en-US" dirty="0" err="1"/>
-              <a:t>iteme</a:t>
-            </a:r>
-            <a:r>
-              <a:rPr lang="en-US" dirty="0"/>
-              <a:t> in </a:t>
-            </a:r>
-            <a:r>
-              <a:rPr lang="en-US" dirty="0" err="1"/>
-              <a:t>posesia</a:t>
-            </a:r>
-            <a:r>
-              <a:rPr lang="en-US" dirty="0"/>
-              <a:t> </a:t>
-            </a:r>
-            <a:r>
-              <a:rPr lang="en-US" dirty="0" err="1"/>
-              <a:t>jucatorului</a:t>
-            </a:r>
-            <a:r>
-              <a:rPr lang="en-US" dirty="0"/>
-              <a:t> </a:t>
-            </a:r>
-            <a:r>
-              <a:rPr lang="en-US" dirty="0" err="1"/>
-              <a:t>si</a:t>
-            </a:r>
-            <a:r>
-              <a:rPr lang="en-US" dirty="0"/>
-              <a:t> </a:t>
-            </a:r>
-            <a:r>
-              <a:rPr lang="en-US" dirty="0" err="1"/>
-              <a:t>portiunile</a:t>
-            </a:r>
-            <a:r>
-              <a:rPr lang="en-US" dirty="0"/>
-              <a:t> de </a:t>
-            </a:r>
-            <a:r>
-              <a:rPr lang="en-US" dirty="0" err="1"/>
-              <a:t>harta</a:t>
-            </a:r>
-            <a:r>
-              <a:rPr lang="en-US" dirty="0"/>
-              <a:t> </a:t>
-            </a:r>
-            <a:r>
-              <a:rPr lang="en-US" dirty="0" err="1"/>
-              <a:t>vizitate</a:t>
-            </a:r>
-            <a:r>
-              <a:rPr lang="en-US" dirty="0"/>
-              <a:t> </a:t>
+              <a:t> </a:t>
+            </a:r>
+            <a:r>
+              <a:rPr lang="en-US" dirty="0" err="1"/>
+              <a:t>recupera</a:t>
+            </a:r>
+            <a:r>
+              <a:rPr lang="en-US" dirty="0"/>
+              <a:t> hp(</a:t>
+            </a:r>
+            <a:r>
+              <a:rPr lang="en-US" dirty="0" err="1"/>
+              <a:t>viata</a:t>
+            </a:r>
+            <a:r>
+              <a:rPr lang="en-US" dirty="0"/>
+              <a:t>).</a:t>
             </a:r>
           </a:p>
         </p:txBody>
@@ -4715,7 +6765,7 @@
     </p:spTree>
     <p:extLst>
       <p:ext uri="{BB962C8B-B14F-4D97-AF65-F5344CB8AC3E}">
-        <p14:creationId xmlns:p14="http://schemas.microsoft.com/office/powerpoint/2010/main" val="988348916"/>
+        <p14:creationId xmlns:p14="http://schemas.microsoft.com/office/powerpoint/2010/main" val="1377619275"/>
       </p:ext>
     </p:extLst>
   </p:cSld>
@@ -4747,7 +6797,7 @@
           <p:cNvPr id="2" name="Title 1">
             <a:extLst>
               <a:ext uri="{FF2B5EF4-FFF2-40B4-BE49-F238E27FC236}">
-                <a16:creationId xmlns:a16="http://schemas.microsoft.com/office/drawing/2014/main" id="{04EF9451-91DC-4416-BC33-3558B9D900A4}"/>
+                <a16:creationId xmlns:a16="http://schemas.microsoft.com/office/drawing/2014/main" id="{44F469A1-FEDC-4BDA-B7DC-8DC63517C639}"/>
               </a:ext>
             </a:extLst>
           </p:cNvPr>
@@ -4758,20 +6808,22 @@
             <p:ph type="title"/>
           </p:nvPr>
         </p:nvSpPr>
-        <p:spPr/>
-        <p:txBody>
-          <a:bodyPr/>
+        <p:spPr>
+          <a:xfrm>
+            <a:off x="503339" y="397537"/>
+            <a:ext cx="9692640" cy="516863"/>
+          </a:xfrm>
+        </p:spPr>
+        <p:txBody>
+          <a:bodyPr>
+            <a:normAutofit fontScale="90000"/>
+          </a:bodyPr>
           <a:lstStyle/>
           <a:p>
             <a:r>
-              <a:rPr lang="en-US" dirty="0"/>
-              <a:t>Side-</a:t>
-            </a:r>
-            <a:r>
-              <a:rPr lang="en-US" dirty="0" err="1"/>
-              <a:t>scrollerul</a:t>
-            </a:r>
-            <a:endParaRPr lang="en-US" dirty="0"/>
+              <a:rPr lang="en-US" sz="3200" dirty="0"/>
+              <a:t>NPC-urile</a:t>
+            </a:r>
           </a:p>
         </p:txBody>
       </p:sp>
@@ -4780,7 +6832,7 @@
           <p:cNvPr id="3" name="Content Placeholder 2">
             <a:extLst>
               <a:ext uri="{FF2B5EF4-FFF2-40B4-BE49-F238E27FC236}">
-                <a16:creationId xmlns:a16="http://schemas.microsoft.com/office/drawing/2014/main" id="{178FDBDD-5516-4E4D-A6C9-F50641ADCF41}"/>
+                <a16:creationId xmlns:a16="http://schemas.microsoft.com/office/drawing/2014/main" id="{5F063242-8994-444B-B037-AE2E48ADDF79}"/>
               </a:ext>
             </a:extLst>
           </p:cNvPr>
@@ -4791,78 +6843,486 @@
             <p:ph idx="1"/>
           </p:nvPr>
         </p:nvSpPr>
-        <p:spPr/>
+        <p:spPr>
+          <a:xfrm>
+            <a:off x="503339" y="914400"/>
+            <a:ext cx="10662408" cy="5265737"/>
+          </a:xfrm>
+        </p:spPr>
         <p:txBody>
           <a:bodyPr/>
           <a:lstStyle/>
           <a:p>
             <a:r>
-              <a:rPr lang="en-US" dirty="0"/>
-              <a:t>Side-</a:t>
-            </a:r>
-            <a:r>
-              <a:rPr lang="en-US" dirty="0" err="1"/>
-              <a:t>scrollerul</a:t>
-            </a:r>
-            <a:r>
-              <a:rPr lang="en-US" dirty="0"/>
-              <a:t> </a:t>
-            </a:r>
-            <a:r>
-              <a:rPr lang="en-US" dirty="0" err="1"/>
-              <a:t>faciliteaza</a:t>
-            </a:r>
-            <a:r>
-              <a:rPr lang="en-US" dirty="0"/>
-              <a:t> </a:t>
-            </a:r>
-            <a:r>
-              <a:rPr lang="en-US" dirty="0" err="1"/>
-              <a:t>dezvoltarea</a:t>
-            </a:r>
-            <a:r>
-              <a:rPr lang="en-US" dirty="0"/>
-              <a:t> </a:t>
-            </a:r>
-            <a:r>
-              <a:rPr lang="en-US" dirty="0" err="1"/>
-              <a:t>unui</a:t>
-            </a:r>
-            <a:r>
-              <a:rPr lang="en-US" dirty="0"/>
-              <a:t> </a:t>
-            </a:r>
-            <a:r>
-              <a:rPr lang="en-US" dirty="0" err="1"/>
-              <a:t>joc</a:t>
-            </a:r>
-            <a:r>
-              <a:rPr lang="en-US" dirty="0"/>
-              <a:t> Open-Word. El </a:t>
-            </a:r>
-            <a:r>
-              <a:rPr lang="en-US" dirty="0" err="1"/>
-              <a:t>ia</a:t>
-            </a:r>
-            <a:r>
-              <a:rPr lang="en-US" dirty="0"/>
-              <a:t> </a:t>
-            </a:r>
-            <a:r>
-              <a:rPr lang="en-US" dirty="0" err="1"/>
-              <a:t>pozitia</a:t>
-            </a:r>
-            <a:r>
-              <a:rPr lang="en-US" dirty="0"/>
-              <a:t> </a:t>
-            </a:r>
-            <a:r>
-              <a:rPr lang="en-US" dirty="0" err="1"/>
-              <a:t>jucatorului</a:t>
-            </a:r>
-            <a:r>
-              <a:rPr lang="en-US" dirty="0"/>
-              <a:t> in </a:t>
+              <a:rPr lang="en-US" dirty="0" err="1"/>
+              <a:t>Exista</a:t>
+            </a:r>
+            <a:r>
+              <a:rPr lang="en-US" dirty="0"/>
+              <a:t> </a:t>
+            </a:r>
+            <a:r>
+              <a:rPr lang="en-US" dirty="0" err="1"/>
+              <a:t>doua</a:t>
+            </a:r>
+            <a:r>
+              <a:rPr lang="en-US" dirty="0"/>
+              <a:t> </a:t>
+            </a:r>
+            <a:r>
+              <a:rPr lang="en-US" dirty="0" err="1"/>
+              <a:t>categorii</a:t>
+            </a:r>
+            <a:r>
+              <a:rPr lang="en-US" dirty="0"/>
+              <a:t> de NPC-</a:t>
+            </a:r>
+            <a:r>
+              <a:rPr lang="en-US" dirty="0" err="1"/>
+              <a:t>uri</a:t>
+            </a:r>
+            <a:r>
+              <a:rPr lang="en-US" dirty="0"/>
+              <a:t>:</a:t>
+            </a:r>
+          </a:p>
+          <a:p>
+            <a:pPr marL="0" indent="0">
+              <a:buNone/>
+            </a:pPr>
+            <a:r>
+              <a:rPr lang="en-US" dirty="0"/>
+              <a:t>-Friendly, </a:t>
+            </a:r>
+            <a:r>
+              <a:rPr lang="en-US" dirty="0" err="1"/>
+              <a:t>cele</a:t>
+            </a:r>
+            <a:r>
+              <a:rPr lang="en-US" dirty="0"/>
+              <a:t> care </a:t>
+            </a:r>
+            <a:r>
+              <a:rPr lang="en-US" dirty="0" err="1"/>
+              <a:t>poarta</a:t>
+            </a:r>
+            <a:r>
+              <a:rPr lang="en-US" dirty="0"/>
+              <a:t> </a:t>
+            </a:r>
+            <a:r>
+              <a:rPr lang="en-US" dirty="0" err="1"/>
+              <a:t>dialoguri</a:t>
+            </a:r>
+            <a:r>
+              <a:rPr lang="en-US" dirty="0"/>
+              <a:t> cu </a:t>
+            </a:r>
+            <a:r>
+              <a:rPr lang="en-US" dirty="0" err="1"/>
+              <a:t>playerul</a:t>
+            </a:r>
+            <a:r>
+              <a:rPr lang="en-US" dirty="0"/>
+              <a:t> </a:t>
+            </a:r>
+            <a:r>
+              <a:rPr lang="en-US" dirty="0" err="1"/>
+              <a:t>si</a:t>
+            </a:r>
+            <a:r>
+              <a:rPr lang="en-US" dirty="0"/>
+              <a:t> </a:t>
+            </a:r>
+            <a:r>
+              <a:rPr lang="en-US" dirty="0" err="1"/>
+              <a:t>ofera</a:t>
+            </a:r>
+            <a:r>
+              <a:rPr lang="en-US" dirty="0"/>
+              <a:t> </a:t>
+            </a:r>
+            <a:r>
+              <a:rPr lang="en-US" dirty="0" err="1"/>
+              <a:t>informatii</a:t>
+            </a:r>
+            <a:endParaRPr lang="en-US" dirty="0"/>
+          </a:p>
+          <a:p>
+            <a:pPr marL="0" indent="0">
+              <a:buNone/>
+            </a:pPr>
+            <a:r>
+              <a:rPr lang="en-US" dirty="0"/>
+              <a:t>-</a:t>
+            </a:r>
+            <a:r>
+              <a:rPr lang="en-US" dirty="0" err="1"/>
+              <a:t>Inamicii</a:t>
+            </a:r>
+            <a:r>
+              <a:rPr lang="en-US" dirty="0"/>
+              <a:t>, care </a:t>
+            </a:r>
+            <a:r>
+              <a:rPr lang="en-US" dirty="0" err="1"/>
+              <a:t>te</a:t>
+            </a:r>
+            <a:r>
+              <a:rPr lang="en-US" dirty="0"/>
+              <a:t> </a:t>
+            </a:r>
+            <a:r>
+              <a:rPr lang="en-US" dirty="0" err="1"/>
+              <a:t>vor</a:t>
+            </a:r>
+            <a:r>
+              <a:rPr lang="en-US" dirty="0"/>
+              <a:t> </a:t>
+            </a:r>
+            <a:r>
+              <a:rPr lang="en-US" dirty="0" err="1"/>
+              <a:t>ataca</a:t>
+            </a:r>
+            <a:r>
+              <a:rPr lang="en-US" dirty="0"/>
+              <a:t>. </a:t>
+            </a:r>
+            <a:r>
+              <a:rPr lang="en-US" dirty="0" err="1"/>
+              <a:t>Acestia</a:t>
+            </a:r>
+            <a:r>
+              <a:rPr lang="en-US" dirty="0"/>
+              <a:t> </a:t>
+            </a:r>
+            <a:r>
+              <a:rPr lang="en-US" dirty="0" err="1"/>
+              <a:t>copiaza</a:t>
+            </a:r>
+            <a:r>
+              <a:rPr lang="en-US" dirty="0"/>
+              <a:t> din </a:t>
+            </a:r>
+            <a:r>
+              <a:rPr lang="en-US" dirty="0" err="1"/>
+              <a:t>fisiere</a:t>
+            </a:r>
+            <a:r>
+              <a:rPr lang="en-US" dirty="0"/>
+              <a:t> text </a:t>
+            </a:r>
+            <a:r>
+              <a:rPr lang="en-US" dirty="0" err="1"/>
+              <a:t>matrice</a:t>
+            </a:r>
+            <a:r>
+              <a:rPr lang="en-US" dirty="0"/>
+              <a:t> associate </a:t>
+            </a:r>
+            <a:r>
+              <a:rPr lang="en-US" dirty="0" err="1"/>
+              <a:t>lumii</a:t>
+            </a:r>
+            <a:r>
+              <a:rPr lang="en-US" dirty="0"/>
+              <a:t> pe care le </a:t>
+            </a:r>
+            <a:r>
+              <a:rPr lang="en-US" dirty="0" err="1"/>
+              <a:t>folosesc</a:t>
+            </a:r>
+            <a:r>
+              <a:rPr lang="en-US" dirty="0"/>
+              <a:t> </a:t>
+            </a:r>
+            <a:r>
+              <a:rPr lang="en-US" dirty="0" err="1"/>
+              <a:t>pentru</a:t>
+            </a:r>
+            <a:r>
+              <a:rPr lang="en-US" dirty="0"/>
+              <a:t> a </a:t>
+            </a:r>
+            <a:r>
+              <a:rPr lang="en-US" dirty="0" err="1"/>
+              <a:t>cauta</a:t>
+            </a:r>
+            <a:r>
+              <a:rPr lang="en-US" dirty="0"/>
+              <a:t> </a:t>
+            </a:r>
+            <a:r>
+              <a:rPr lang="en-US" dirty="0" err="1"/>
+              <a:t>playerul</a:t>
+            </a:r>
+            <a:r>
+              <a:rPr lang="en-US" dirty="0"/>
+              <a:t>. </a:t>
+            </a:r>
+            <a:r>
+              <a:rPr lang="en-US" dirty="0" err="1"/>
+              <a:t>Acest</a:t>
+            </a:r>
+            <a:r>
+              <a:rPr lang="en-US" dirty="0"/>
+              <a:t> </a:t>
+            </a:r>
+            <a:r>
+              <a:rPr lang="en-US" dirty="0" err="1"/>
+              <a:t>proces</a:t>
+            </a:r>
+            <a:r>
+              <a:rPr lang="en-US" dirty="0"/>
+              <a:t> de pathfinding </a:t>
+            </a:r>
+            <a:r>
+              <a:rPr lang="en-US" dirty="0" err="1"/>
+              <a:t>foloseste</a:t>
+            </a:r>
+            <a:r>
+              <a:rPr lang="en-US" dirty="0"/>
+              <a:t> </a:t>
+            </a:r>
+            <a:r>
+              <a:rPr lang="en-US" dirty="0" err="1"/>
+              <a:t>algoritmul</a:t>
+            </a:r>
+            <a:r>
+              <a:rPr lang="en-US" dirty="0"/>
+              <a:t> </a:t>
+            </a:r>
+            <a:r>
+              <a:rPr lang="en-US" dirty="0" err="1"/>
+              <a:t>lui</a:t>
+            </a:r>
+            <a:r>
+              <a:rPr lang="en-US" dirty="0"/>
+              <a:t> Lee, </a:t>
+            </a:r>
+            <a:r>
+              <a:rPr lang="en-US" dirty="0" err="1"/>
+              <a:t>cunoscut</a:t>
+            </a:r>
+            <a:r>
+              <a:rPr lang="en-US" dirty="0"/>
+              <a:t> </a:t>
+            </a:r>
+            <a:r>
+              <a:rPr lang="en-US" dirty="0" err="1"/>
+              <a:t>si</a:t>
+            </a:r>
+            <a:r>
+              <a:rPr lang="en-US" dirty="0"/>
+              <a:t> ca BFS(Breadth First Search), </a:t>
+            </a:r>
+            <a:r>
+              <a:rPr lang="en-US" dirty="0" err="1"/>
+              <a:t>unde</a:t>
+            </a:r>
+            <a:r>
+              <a:rPr lang="en-US" dirty="0"/>
+              <a:t> </a:t>
+            </a:r>
+            <a:r>
+              <a:rPr lang="en-US" dirty="0" err="1"/>
+              <a:t>celulele</a:t>
+            </a:r>
+            <a:r>
+              <a:rPr lang="en-US" dirty="0"/>
+              <a:t> </a:t>
+            </a:r>
+            <a:r>
+              <a:rPr lang="en-US" dirty="0" err="1"/>
+              <a:t>matricei</a:t>
+            </a:r>
+            <a:r>
+              <a:rPr lang="en-US" dirty="0"/>
+              <a:t> </a:t>
+            </a:r>
+            <a:r>
+              <a:rPr lang="en-US" dirty="0" err="1"/>
+              <a:t>setate</a:t>
+            </a:r>
+            <a:r>
+              <a:rPr lang="en-US" dirty="0"/>
+              <a:t> cu </a:t>
+            </a:r>
+            <a:r>
+              <a:rPr lang="en-US" dirty="0" err="1"/>
+              <a:t>valorea</a:t>
+            </a:r>
+            <a:r>
+              <a:rPr lang="en-US" dirty="0"/>
+              <a:t> 0 </a:t>
+            </a:r>
+            <a:r>
+              <a:rPr lang="en-US" dirty="0" err="1"/>
+              <a:t>reprezinta</a:t>
+            </a:r>
+            <a:r>
+              <a:rPr lang="en-US" dirty="0"/>
+              <a:t> </a:t>
+            </a:r>
+            <a:r>
+              <a:rPr lang="en-US" dirty="0" err="1"/>
+              <a:t>spatii</a:t>
+            </a:r>
+            <a:r>
+              <a:rPr lang="en-US" dirty="0"/>
+              <a:t> pe care se pot </a:t>
+            </a:r>
+            <a:r>
+              <a:rPr lang="en-US" dirty="0" err="1"/>
+              <a:t>misca</a:t>
+            </a:r>
+            <a:r>
+              <a:rPr lang="en-US" dirty="0"/>
+              <a:t>, </a:t>
+            </a:r>
+            <a:r>
+              <a:rPr lang="en-US" dirty="0" err="1"/>
+              <a:t>iar</a:t>
+            </a:r>
+            <a:r>
+              <a:rPr lang="en-US" dirty="0"/>
+              <a:t> </a:t>
+            </a:r>
+            <a:r>
+              <a:rPr lang="en-US" dirty="0" err="1"/>
+              <a:t>obstacole</a:t>
+            </a:r>
+            <a:r>
+              <a:rPr lang="en-US" dirty="0"/>
+              <a:t> precum </a:t>
+            </a:r>
+            <a:r>
+              <a:rPr lang="en-US" dirty="0" err="1"/>
+              <a:t>peretii</a:t>
+            </a:r>
+            <a:r>
+              <a:rPr lang="en-US" dirty="0"/>
+              <a:t> </a:t>
+            </a:r>
+            <a:r>
+              <a:rPr lang="en-US" dirty="0" err="1"/>
+              <a:t>sau</a:t>
+            </a:r>
+            <a:r>
+              <a:rPr lang="en-US" dirty="0"/>
+              <a:t> </a:t>
+            </a:r>
+            <a:r>
+              <a:rPr lang="en-US" dirty="0" err="1"/>
+              <a:t>portiuni</a:t>
+            </a:r>
+            <a:r>
+              <a:rPr lang="en-US" dirty="0"/>
+              <a:t> in care nu pot </a:t>
+            </a:r>
+            <a:r>
+              <a:rPr lang="en-US" dirty="0" err="1"/>
+              <a:t>ajunge</a:t>
+            </a:r>
+            <a:r>
+              <a:rPr lang="en-US" dirty="0"/>
+              <a:t> sunt </a:t>
+            </a:r>
+            <a:r>
+              <a:rPr lang="en-US" dirty="0" err="1"/>
+              <a:t>setate</a:t>
+            </a:r>
+            <a:r>
+              <a:rPr lang="en-US" dirty="0"/>
+              <a:t> cu </a:t>
+            </a:r>
+            <a:r>
+              <a:rPr lang="en-US" dirty="0" err="1"/>
+              <a:t>valoarea</a:t>
+            </a:r>
+            <a:r>
+              <a:rPr lang="en-US" dirty="0"/>
+              <a:t> -1. </a:t>
+            </a:r>
+            <a:r>
+              <a:rPr lang="en-US" dirty="0" err="1"/>
+              <a:t>Matricele</a:t>
+            </a:r>
+            <a:r>
+              <a:rPr lang="en-US" dirty="0"/>
+              <a:t> au </a:t>
+            </a:r>
+            <a:r>
+              <a:rPr lang="en-US" dirty="0" err="1"/>
+              <a:t>fost</a:t>
+            </a:r>
+            <a:r>
+              <a:rPr lang="en-US" dirty="0"/>
+              <a:t> generate de un tool </a:t>
+            </a:r>
+            <a:r>
+              <a:rPr lang="en-US" dirty="0" err="1"/>
+              <a:t>realizat</a:t>
+            </a:r>
+            <a:r>
+              <a:rPr lang="en-US" dirty="0"/>
+              <a:t> de </a:t>
+            </a:r>
+            <a:r>
+              <a:rPr lang="en-US" dirty="0" err="1"/>
+              <a:t>noi</a:t>
+            </a:r>
+            <a:r>
+              <a:rPr lang="en-US" dirty="0"/>
+              <a:t>, </a:t>
+            </a:r>
+            <a:r>
+              <a:rPr lang="en-US" dirty="0" err="1"/>
+              <a:t>ce</a:t>
+            </a:r>
+            <a:r>
+              <a:rPr lang="en-US" dirty="0"/>
+              <a:t> </a:t>
+            </a:r>
+            <a:r>
+              <a:rPr lang="en-US" dirty="0" err="1"/>
+              <a:t>citeste</a:t>
+            </a:r>
+            <a:r>
+              <a:rPr lang="en-US" dirty="0"/>
+              <a:t> </a:t>
+            </a:r>
+            <a:r>
+              <a:rPr lang="en-US" dirty="0" err="1"/>
+              <a:t>loactia</a:t>
+            </a:r>
+            <a:r>
+              <a:rPr lang="en-US" dirty="0"/>
+              <a:t> </a:t>
+            </a:r>
+            <a:r>
+              <a:rPr lang="en-US" dirty="0" err="1"/>
+              <a:t>fiecarui</a:t>
+            </a:r>
+            <a:r>
+              <a:rPr lang="en-US" dirty="0"/>
+              <a:t> </a:t>
+            </a:r>
+            <a:r>
+              <a:rPr lang="en-US" dirty="0" err="1"/>
+              <a:t>perete</a:t>
+            </a:r>
+            <a:r>
+              <a:rPr lang="en-US" dirty="0"/>
+              <a:t> din </a:t>
+            </a:r>
+            <a:r>
+              <a:rPr lang="en-US" dirty="0" err="1"/>
+              <a:t>sectiunea</a:t>
+            </a:r>
+            <a:r>
+              <a:rPr lang="en-US" dirty="0"/>
+              <a:t> de </a:t>
             </a:r>
             <a:r>
               <a:rPr lang="en-US" dirty="0" err="1"/>
@@ -4874,51 +7334,102 @@
             </a:r>
             <a:r>
               <a:rPr lang="en-US" dirty="0" err="1"/>
-              <a:t>si</a:t>
-            </a:r>
-            <a:r>
-              <a:rPr lang="en-US" dirty="0"/>
-              <a:t> </a:t>
-            </a:r>
-            <a:r>
-              <a:rPr lang="en-US" dirty="0" err="1"/>
-              <a:t>schimba</a:t>
-            </a:r>
-            <a:r>
-              <a:rPr lang="en-US" dirty="0"/>
-              <a:t> </a:t>
-            </a:r>
-            <a:r>
-              <a:rPr lang="en-US" dirty="0" err="1"/>
-              <a:t>fundalul</a:t>
-            </a:r>
-            <a:r>
-              <a:rPr lang="en-US" dirty="0"/>
-              <a:t> </a:t>
-            </a:r>
-            <a:r>
-              <a:rPr lang="en-US" dirty="0" err="1"/>
-              <a:t>dupa</a:t>
-            </a:r>
-            <a:r>
-              <a:rPr lang="en-US" dirty="0"/>
-              <a:t> </a:t>
-            </a:r>
-            <a:r>
-              <a:rPr lang="en-US" dirty="0" err="1"/>
-              <a:t>aceasta</a:t>
-            </a:r>
-            <a:r>
-              <a:rPr lang="en-US" dirty="0"/>
-              <a:t> </a:t>
-            </a:r>
-            <a:r>
-              <a:rPr lang="en-US" dirty="0" err="1"/>
-              <a:t>pozitie</a:t>
-            </a:r>
-            <a:r>
-              <a:rPr lang="en-US" dirty="0"/>
-              <a:t>.</a:t>
+              <a:t>prin</a:t>
+            </a:r>
+            <a:r>
+              <a:rPr lang="en-US" dirty="0"/>
+              <a:t> </a:t>
+            </a:r>
+            <a:r>
+              <a:rPr lang="en-US" dirty="0" err="1"/>
+              <a:t>parsare</a:t>
+            </a:r>
+            <a:r>
+              <a:rPr lang="en-US" dirty="0"/>
+              <a:t> de json.</a:t>
+            </a:r>
+          </a:p>
+        </p:txBody>
+      </p:sp>
+      <p:pic>
+        <p:nvPicPr>
+          <p:cNvPr id="5" name="Picture 4">
+            <a:extLst>
+              <a:ext uri="{FF2B5EF4-FFF2-40B4-BE49-F238E27FC236}">
+                <a16:creationId xmlns:a16="http://schemas.microsoft.com/office/drawing/2014/main" id="{04019391-9633-4216-858A-C71BDA5744E5}"/>
+              </a:ext>
+            </a:extLst>
+          </p:cNvPr>
+          <p:cNvPicPr>
+            <a:picLocks noChangeAspect="1"/>
+          </p:cNvPicPr>
+          <p:nvPr/>
+        </p:nvPicPr>
+        <p:blipFill>
+          <a:blip r:embed="rId2"/>
+          <a:stretch>
+            <a:fillRect/>
+          </a:stretch>
+        </p:blipFill>
+        <p:spPr>
+          <a:xfrm>
+            <a:off x="7933992" y="3680670"/>
+            <a:ext cx="3231755" cy="2411093"/>
+          </a:xfrm>
+          <a:prstGeom prst="rect">
+            <a:avLst/>
+          </a:prstGeom>
+        </p:spPr>
+      </p:pic>
+      <p:sp>
+        <p:nvSpPr>
+          <p:cNvPr id="6" name="TextBox 5">
+            <a:extLst>
+              <a:ext uri="{FF2B5EF4-FFF2-40B4-BE49-F238E27FC236}">
+                <a16:creationId xmlns:a16="http://schemas.microsoft.com/office/drawing/2014/main" id="{1A0B7C8F-AD49-4D30-ACF2-EFA75AE012D6}"/>
+              </a:ext>
+            </a:extLst>
+          </p:cNvPr>
+          <p:cNvSpPr txBox="1"/>
+          <p:nvPr/>
+        </p:nvSpPr>
+        <p:spPr>
+          <a:xfrm>
+            <a:off x="7933992" y="3680670"/>
+            <a:ext cx="3231755" cy="2400657"/>
+          </a:xfrm>
+          <a:prstGeom prst="rect">
+            <a:avLst/>
+          </a:prstGeom>
+          <a:noFill/>
+        </p:spPr>
+        <p:txBody>
+          <a:bodyPr wrap="square" rtlCol="0">
+            <a:spAutoFit/>
+          </a:bodyPr>
+          <a:lstStyle/>
+          <a:p>
+            <a:r>
+              <a:rPr lang="en-US" sz="3000" dirty="0"/>
+              <a:t>0		-1		-1		0</a:t>
+            </a:r>
+          </a:p>
+          <a:p>
+            <a:endParaRPr lang="en-US" sz="3000" dirty="0"/>
+          </a:p>
+          <a:p>
+            <a:r>
+              <a:rPr lang="en-US" sz="3000" dirty="0"/>
+              <a:t>-1		-1		-1	  -1</a:t>
+            </a:r>
+          </a:p>
+          <a:p>
+            <a:endParaRPr lang="en-US" sz="3000" dirty="0"/>
+          </a:p>
+          <a:p>
+            <a:r>
+              <a:rPr lang="en-US" sz="3000" dirty="0"/>
+              <a:t>0      -1     -1     0</a:t>
             </a:r>
           </a:p>
         </p:txBody>
@@ -4926,7 +7437,7 @@
     </p:spTree>
     <p:extLst>
       <p:ext uri="{BB962C8B-B14F-4D97-AF65-F5344CB8AC3E}">
-        <p14:creationId xmlns:p14="http://schemas.microsoft.com/office/powerpoint/2010/main" val="1377619275"/>
+        <p14:creationId xmlns:p14="http://schemas.microsoft.com/office/powerpoint/2010/main" val="3900353065"/>
       </p:ext>
     </p:extLst>
   </p:cSld>
@@ -4969,24 +7480,31 @@
             <p:ph type="title"/>
           </p:nvPr>
         </p:nvSpPr>
-        <p:spPr/>
-        <p:txBody>
-          <a:bodyPr/>
+        <p:spPr>
+          <a:xfrm>
+            <a:off x="565585" y="335560"/>
+            <a:ext cx="9692640" cy="441362"/>
+          </a:xfrm>
+        </p:spPr>
+        <p:txBody>
+          <a:bodyPr>
+            <a:normAutofit fontScale="90000"/>
+          </a:bodyPr>
           <a:lstStyle/>
           <a:p>
             <a:r>
-              <a:rPr lang="en-US" dirty="0" err="1"/>
+              <a:rPr lang="en-US" sz="3200" dirty="0" err="1"/>
               <a:t>Interfata</a:t>
             </a:r>
             <a:r>
-              <a:rPr lang="en-US" dirty="0"/>
-              <a:t> </a:t>
-            </a:r>
-            <a:r>
-              <a:rPr lang="en-US" dirty="0" err="1"/>
+              <a:rPr lang="en-US" sz="3200" dirty="0"/>
+              <a:t> </a:t>
+            </a:r>
+            <a:r>
+              <a:rPr lang="en-US" sz="3200" dirty="0" err="1"/>
               <a:t>grafica</a:t>
             </a:r>
-            <a:endParaRPr lang="en-US" dirty="0"/>
+            <a:endParaRPr lang="en-US" sz="3200" dirty="0"/>
           </a:p>
         </p:txBody>
       </p:sp>
@@ -5006,14 +7524,21 @@
             <p:ph idx="1"/>
           </p:nvPr>
         </p:nvSpPr>
-        <p:spPr/>
-        <p:txBody>
-          <a:bodyPr/>
+        <p:spPr>
+          <a:xfrm>
+            <a:off x="565585" y="880845"/>
+            <a:ext cx="10717608" cy="2072080"/>
+          </a:xfrm>
+        </p:spPr>
+        <p:txBody>
+          <a:bodyPr>
+            <a:normAutofit fontScale="85000" lnSpcReduction="10000"/>
+          </a:bodyPr>
           <a:lstStyle/>
           <a:p>
             <a:r>
               <a:rPr lang="en-US" dirty="0" err="1"/>
-              <a:t>Avem</a:t>
+              <a:t>Exista</a:t>
             </a:r>
             <a:r>
               <a:rPr lang="en-US" dirty="0"/>
@@ -5027,6 +7552,250 @@
               <a:rPr lang="en-US" dirty="0"/>
               <a:t> </a:t>
             </a:r>
+            <a:r>
+              <a:rPr lang="en-US" dirty="0" err="1"/>
+              <a:t>elemente</a:t>
+            </a:r>
+            <a:r>
+              <a:rPr lang="en-US" dirty="0"/>
+              <a:t> </a:t>
+            </a:r>
+            <a:r>
+              <a:rPr lang="en-US" dirty="0" err="1"/>
+              <a:t>ce</a:t>
+            </a:r>
+            <a:r>
+              <a:rPr lang="en-US" dirty="0"/>
+              <a:t> transmit </a:t>
+            </a:r>
+            <a:r>
+              <a:rPr lang="en-US" dirty="0" err="1"/>
+              <a:t>informatie</a:t>
+            </a:r>
+            <a:r>
+              <a:rPr lang="en-US" dirty="0"/>
+              <a:t> </a:t>
+            </a:r>
+            <a:r>
+              <a:rPr lang="en-US" dirty="0" err="1"/>
+              <a:t>catre</a:t>
+            </a:r>
+            <a:r>
+              <a:rPr lang="en-US" dirty="0"/>
+              <a:t> </a:t>
+            </a:r>
+            <a:r>
+              <a:rPr lang="en-US" dirty="0" err="1"/>
+              <a:t>utilizator</a:t>
+            </a:r>
+            <a:r>
+              <a:rPr lang="en-US" dirty="0"/>
+              <a:t>, precum </a:t>
+            </a:r>
+            <a:r>
+              <a:rPr lang="en-US" dirty="0" err="1"/>
+              <a:t>tutoriale</a:t>
+            </a:r>
+            <a:r>
+              <a:rPr lang="en-US" dirty="0"/>
+              <a:t> </a:t>
+            </a:r>
+            <a:r>
+              <a:rPr lang="en-US" dirty="0" err="1"/>
+              <a:t>pentru</a:t>
+            </a:r>
+            <a:r>
+              <a:rPr lang="en-US" dirty="0"/>
+              <a:t> </a:t>
+            </a:r>
+            <a:r>
+              <a:rPr lang="en-US" dirty="0" err="1"/>
+              <a:t>fiecare</a:t>
+            </a:r>
+            <a:r>
+              <a:rPr lang="en-US" dirty="0"/>
+              <a:t> aspect important al </a:t>
+            </a:r>
+            <a:r>
+              <a:rPr lang="en-US" dirty="0" err="1"/>
+              <a:t>jocului</a:t>
+            </a:r>
+            <a:r>
+              <a:rPr lang="en-US" dirty="0"/>
+              <a:t>, cat </a:t>
+            </a:r>
+            <a:r>
+              <a:rPr lang="en-US" dirty="0" err="1"/>
+              <a:t>si</a:t>
+            </a:r>
+            <a:r>
+              <a:rPr lang="en-US" dirty="0"/>
+              <a:t> </a:t>
+            </a:r>
+            <a:r>
+              <a:rPr lang="en-US" dirty="0" err="1"/>
+              <a:t>meniuri</a:t>
+            </a:r>
+            <a:r>
+              <a:rPr lang="en-US" dirty="0"/>
+              <a:t> HUD(heads up display)(ex bara de </a:t>
+            </a:r>
+            <a:r>
+              <a:rPr lang="en-US" dirty="0" err="1"/>
+              <a:t>viata</a:t>
+            </a:r>
+            <a:r>
+              <a:rPr lang="en-US" dirty="0"/>
+              <a:t>, inventory), </a:t>
+            </a:r>
+            <a:r>
+              <a:rPr lang="en-US" dirty="0" err="1"/>
+              <a:t>dar</a:t>
+            </a:r>
+            <a:r>
+              <a:rPr lang="en-US" dirty="0"/>
+              <a:t> </a:t>
+            </a:r>
+            <a:r>
+              <a:rPr lang="en-US" dirty="0" err="1"/>
+              <a:t>si</a:t>
+            </a:r>
+            <a:r>
+              <a:rPr lang="en-US" dirty="0"/>
+              <a:t> </a:t>
+            </a:r>
+            <a:r>
+              <a:rPr lang="en-US" dirty="0" err="1"/>
+              <a:t>meniuri</a:t>
+            </a:r>
+            <a:r>
+              <a:rPr lang="en-US" dirty="0"/>
+              <a:t> :</a:t>
+            </a:r>
+          </a:p>
+          <a:p>
+            <a:r>
+              <a:rPr lang="en-US" dirty="0"/>
+              <a:t>principal, </a:t>
+            </a:r>
+            <a:r>
+              <a:rPr lang="en-US" dirty="0" err="1"/>
+              <a:t>unde</a:t>
+            </a:r>
+            <a:r>
+              <a:rPr lang="en-US" dirty="0"/>
+              <a:t> sunt </a:t>
+            </a:r>
+            <a:r>
+              <a:rPr lang="en-US" dirty="0" err="1"/>
+              <a:t>optiunile</a:t>
+            </a:r>
+            <a:r>
+              <a:rPr lang="en-US" dirty="0"/>
+              <a:t> de </a:t>
+            </a:r>
+            <a:r>
+              <a:rPr lang="en-US" dirty="0" err="1"/>
+              <a:t>joc</a:t>
+            </a:r>
+            <a:r>
+              <a:rPr lang="en-US" dirty="0"/>
+              <a:t> </a:t>
+            </a:r>
+            <a:r>
+              <a:rPr lang="en-US" dirty="0" err="1"/>
+              <a:t>nou</a:t>
+            </a:r>
+            <a:r>
+              <a:rPr lang="en-US" dirty="0"/>
+              <a:t> </a:t>
+            </a:r>
+            <a:r>
+              <a:rPr lang="en-US" dirty="0" err="1"/>
+              <a:t>si</a:t>
+            </a:r>
+            <a:r>
+              <a:rPr lang="en-US" dirty="0"/>
+              <a:t> </a:t>
+            </a:r>
+            <a:r>
+              <a:rPr lang="en-US" dirty="0" err="1"/>
+              <a:t>continuare</a:t>
+            </a:r>
+            <a:endParaRPr lang="en-US" dirty="0"/>
+          </a:p>
+          <a:p>
+            <a:r>
+              <a:rPr lang="en-US" dirty="0"/>
+              <a:t>de </a:t>
+            </a:r>
+            <a:r>
+              <a:rPr lang="en-US" dirty="0" err="1"/>
+              <a:t>pauza</a:t>
+            </a:r>
+            <a:endParaRPr lang="en-US" dirty="0"/>
+          </a:p>
+          <a:p>
+            <a:r>
+              <a:rPr lang="en-US" dirty="0"/>
+              <a:t>game over cand </a:t>
+            </a:r>
+            <a:r>
+              <a:rPr lang="en-US" dirty="0" err="1"/>
+              <a:t>pierzi</a:t>
+            </a:r>
+            <a:endParaRPr lang="en-US" dirty="0"/>
+          </a:p>
+          <a:p>
+            <a:r>
+              <a:rPr lang="en-US" dirty="0"/>
+              <a:t>map </a:t>
+            </a:r>
+            <a:r>
+              <a:rPr lang="en-US" dirty="0" err="1"/>
+              <a:t>pentru</a:t>
+            </a:r>
+            <a:r>
+              <a:rPr lang="en-US" dirty="0"/>
+              <a:t> a </a:t>
+            </a:r>
+            <a:r>
+              <a:rPr lang="en-US" dirty="0" err="1"/>
+              <a:t>vizualiza</a:t>
+            </a:r>
+            <a:r>
+              <a:rPr lang="en-US" dirty="0"/>
+              <a:t> </a:t>
+            </a:r>
+            <a:r>
+              <a:rPr lang="en-US" dirty="0" err="1"/>
+              <a:t>harta</a:t>
+            </a:r>
+            <a:r>
+              <a:rPr lang="en-US" dirty="0"/>
+              <a:t> </a:t>
+            </a:r>
+            <a:r>
+              <a:rPr lang="en-US" dirty="0" err="1"/>
+              <a:t>si</a:t>
+            </a:r>
+            <a:r>
+              <a:rPr lang="en-US" dirty="0"/>
+              <a:t> </a:t>
+            </a:r>
+            <a:r>
+              <a:rPr lang="en-US" dirty="0" err="1"/>
+              <a:t>obiectivul</a:t>
+            </a:r>
+            <a:r>
+              <a:rPr lang="en-US" dirty="0"/>
+              <a:t> </a:t>
+            </a:r>
+            <a:r>
+              <a:rPr lang="en-US" dirty="0" err="1"/>
+              <a:t>curent</a:t>
+            </a:r>
+            <a:endParaRPr lang="en-US" dirty="0"/>
           </a:p>
         </p:txBody>
       </p:sp>
@@ -5043,194 +7812,59 @@
 </p:sld>
 </file>
 
-<file path=ppt/slides/slide7.xml><?xml version="1.0" encoding="utf-8"?>
-<p:sld xmlns:a="http://schemas.openxmlformats.org/drawingml/2006/main" xmlns:r="http://schemas.openxmlformats.org/officeDocument/2006/relationships" xmlns:p="http://schemas.openxmlformats.org/presentationml/2006/main">
-  <p:cSld>
-    <p:spTree>
-      <p:nvGrpSpPr>
-        <p:cNvPr id="1" name=""/>
-        <p:cNvGrpSpPr/>
-        <p:nvPr/>
-      </p:nvGrpSpPr>
-      <p:grpSpPr>
-        <a:xfrm>
-          <a:off x="0" y="0"/>
-          <a:ext cx="0" cy="0"/>
-          <a:chOff x="0" y="0"/>
-          <a:chExt cx="0" cy="0"/>
-        </a:xfrm>
-      </p:grpSpPr>
-      <p:sp>
-        <p:nvSpPr>
-          <p:cNvPr id="2" name="Title 1">
-            <a:extLst>
-              <a:ext uri="{FF2B5EF4-FFF2-40B4-BE49-F238E27FC236}">
-                <a16:creationId xmlns:a16="http://schemas.microsoft.com/office/drawing/2014/main" id="{44F469A1-FEDC-4BDA-B7DC-8DC63517C639}"/>
-              </a:ext>
-            </a:extLst>
-          </p:cNvPr>
-          <p:cNvSpPr>
-            <a:spLocks noGrp="1"/>
-          </p:cNvSpPr>
-          <p:nvPr>
-            <p:ph type="title"/>
-          </p:nvPr>
-        </p:nvSpPr>
-        <p:spPr/>
-        <p:txBody>
-          <a:bodyPr/>
-          <a:lstStyle/>
-          <a:p>
-            <a:r>
-              <a:rPr lang="en-US" dirty="0"/>
-              <a:t>NPC-urile</a:t>
-            </a:r>
-          </a:p>
-        </p:txBody>
-      </p:sp>
-      <p:sp>
-        <p:nvSpPr>
-          <p:cNvPr id="3" name="Content Placeholder 2">
-            <a:extLst>
-              <a:ext uri="{FF2B5EF4-FFF2-40B4-BE49-F238E27FC236}">
-                <a16:creationId xmlns:a16="http://schemas.microsoft.com/office/drawing/2014/main" id="{5F063242-8994-444B-B037-AE2E48ADDF79}"/>
-              </a:ext>
-            </a:extLst>
-          </p:cNvPr>
-          <p:cNvSpPr>
-            <a:spLocks noGrp="1"/>
-          </p:cNvSpPr>
-          <p:nvPr>
-            <p:ph idx="1"/>
-          </p:nvPr>
-        </p:nvSpPr>
-        <p:spPr/>
-        <p:txBody>
-          <a:bodyPr/>
-          <a:lstStyle/>
-          <a:p>
-            <a:endParaRPr lang="en-US" dirty="0"/>
-          </a:p>
-        </p:txBody>
-      </p:sp>
-    </p:spTree>
-    <p:extLst>
-      <p:ext uri="{BB962C8B-B14F-4D97-AF65-F5344CB8AC3E}">
-        <p14:creationId xmlns:p14="http://schemas.microsoft.com/office/powerpoint/2010/main" val="3900353065"/>
-      </p:ext>
-    </p:extLst>
-  </p:cSld>
-  <p:clrMapOvr>
-    <a:masterClrMapping/>
-  </p:clrMapOvr>
-</p:sld>
-</file>
-
 <file path=ppt/theme/theme1.xml><?xml version="1.0" encoding="utf-8"?>
-<a:theme xmlns:a="http://schemas.openxmlformats.org/drawingml/2006/main" name="Office Theme">
+<a:theme xmlns:a="http://schemas.openxmlformats.org/drawingml/2006/main" name="View">
   <a:themeElements>
-    <a:clrScheme name="Office">
+    <a:clrScheme name="View">
       <a:dk1>
-        <a:sysClr val="windowText" lastClr="000000"/>
+        <a:srgbClr val="000000"/>
       </a:dk1>
       <a:lt1>
-        <a:sysClr val="window" lastClr="FFFFFF"/>
+        <a:srgbClr val="FFFFFF"/>
       </a:lt1>
       <a:dk2>
-        <a:srgbClr val="44546A"/>
+        <a:srgbClr val="46464A"/>
       </a:dk2>
       <a:lt2>
-        <a:srgbClr val="E7E6E6"/>
+        <a:srgbClr val="D6D3CC"/>
       </a:lt2>
       <a:accent1>
-        <a:srgbClr val="4472C4"/>
+        <a:srgbClr val="6F6F74"/>
       </a:accent1>
       <a:accent2>
-        <a:srgbClr val="ED7D31"/>
+        <a:srgbClr val="92A9B9"/>
       </a:accent2>
       <a:accent3>
-        <a:srgbClr val="A5A5A5"/>
+        <a:srgbClr val="A7B789"/>
       </a:accent3>
       <a:accent4>
-        <a:srgbClr val="FFC000"/>
+        <a:srgbClr val="B9A489"/>
       </a:accent4>
       <a:accent5>
-        <a:srgbClr val="5B9BD5"/>
+        <a:srgbClr val="8D6374"/>
       </a:accent5>
       <a:accent6>
-        <a:srgbClr val="70AD47"/>
+        <a:srgbClr val="9B7362"/>
       </a:accent6>
       <a:hlink>
-        <a:srgbClr val="0563C1"/>
+        <a:srgbClr val="67AABF"/>
       </a:hlink>
       <a:folHlink>
-        <a:srgbClr val="954F72"/>
+        <a:srgbClr val="ABAFA5"/>
       </a:folHlink>
     </a:clrScheme>
-    <a:fontScheme name="Office">
+    <a:fontScheme name="View">
       <a:majorFont>
-        <a:latin typeface="Calibri Light" panose="020F0302020204030204"/>
+        <a:latin typeface="Century Schoolbook" panose="02040604050505020304"/>
         <a:ea typeface=""/>
         <a:cs typeface=""/>
-        <a:font script="Jpan" typeface="游ゴシック Light"/>
+        <a:font script="Jpan" typeface="ＭＳ ゴシック"/>
         <a:font script="Hang" typeface="맑은 고딕"/>
-        <a:font script="Hans" typeface="等线 Light"/>
+        <a:font script="Hans" typeface="宋体"/>
         <a:font script="Hant" typeface="新細明體"/>
-        <a:font script="Arab" typeface="Times New Roman"/>
-        <a:font script="Hebr" typeface="Times New Roman"/>
-        <a:font script="Thai" typeface="Angsana New"/>
-        <a:font script="Ethi" typeface="Nyala"/>
-        <a:font script="Beng" typeface="Vrinda"/>
-        <a:font script="Gujr" typeface="Shruti"/>
-        <a:font script="Khmr" typeface="MoolBoran"/>
-        <a:font script="Knda" typeface="Tunga"/>
-        <a:font script="Guru" typeface="Raavi"/>
-        <a:font script="Cans" typeface="Euphemia"/>
-        <a:font script="Cher" typeface="Plantagenet Cherokee"/>
-        <a:font script="Yiii" typeface="Microsoft Yi Baiti"/>
-        <a:font script="Tibt" typeface="Microsoft Himalaya"/>
-        <a:font script="Thaa" typeface="MV Boli"/>
-        <a:font script="Deva" typeface="Mangal"/>
-        <a:font script="Telu" typeface="Gautami"/>
-        <a:font script="Taml" typeface="Latha"/>
-        <a:font script="Syrc" typeface="Estrangelo Edessa"/>
-        <a:font script="Orya" typeface="Kalinga"/>
-        <a:font script="Mlym" typeface="Kartika"/>
-        <a:font script="Laoo" typeface="DokChampa"/>
-        <a:font script="Sinh" typeface="Iskoola Pota"/>
-        <a:font script="Mong" typeface="Mongolian Baiti"/>
-        <a:font script="Viet" typeface="Times New Roman"/>
-        <a:font script="Uigh" typeface="Microsoft Uighur"/>
-        <a:font script="Geor" typeface="Sylfaen"/>
-        <a:font script="Armn" typeface="Arial"/>
-        <a:font script="Bugi" typeface="Leelawadee UI"/>
-        <a:font script="Bopo" typeface="Microsoft JhengHei"/>
-        <a:font script="Java" typeface="Javanese Text"/>
-        <a:font script="Lisu" typeface="Segoe UI"/>
-        <a:font script="Mymr" typeface="Myanmar Text"/>
-        <a:font script="Nkoo" typeface="Ebrima"/>
-        <a:font script="Olck" typeface="Nirmala UI"/>
-        <a:font script="Osma" typeface="Ebrima"/>
-        <a:font script="Phag" typeface="Phagspa"/>
-        <a:font script="Syrn" typeface="Estrangelo Edessa"/>
-        <a:font script="Syrj" typeface="Estrangelo Edessa"/>
-        <a:font script="Syre" typeface="Estrangelo Edessa"/>
-        <a:font script="Sora" typeface="Nirmala UI"/>
-        <a:font script="Tale" typeface="Microsoft Tai Le"/>
-        <a:font script="Talu" typeface="Microsoft New Tai Lue"/>
-        <a:font script="Tfng" typeface="Ebrima"/>
-      </a:majorFont>
-      <a:minorFont>
-        <a:latin typeface="Calibri" panose="020F0502020204030204"/>
-        <a:ea typeface=""/>
-        <a:cs typeface=""/>
-        <a:font script="Jpan" typeface="游ゴシック"/>
-        <a:font script="Hang" typeface="맑은 고딕"/>
-        <a:font script="Hans" typeface="等线"/>
-        <a:font script="Hant" typeface="新細明體"/>
-        <a:font script="Arab" typeface="Arial"/>
-        <a:font script="Hebr" typeface="Arial"/>
-        <a:font script="Thai" typeface="Cordia New"/>
+        <a:font script="Arab" typeface="Tahoma"/>
+        <a:font script="Hebr" typeface="Gisha"/>
+        <a:font script="Thai" typeface="DilleniaUPC"/>
         <a:font script="Ethi" typeface="Nyala"/>
         <a:font script="Beng" typeface="Vrinda"/>
         <a:font script="Gujr" typeface="Shruti"/>
@@ -5251,107 +7885,86 @@
         <a:font script="Laoo" typeface="DokChampa"/>
         <a:font script="Sinh" typeface="Iskoola Pota"/>
         <a:font script="Mong" typeface="Mongolian Baiti"/>
-        <a:font script="Viet" typeface="Arial"/>
+        <a:font script="Viet" typeface="Tahoma"/>
         <a:font script="Uigh" typeface="Microsoft Uighur"/>
         <a:font script="Geor" typeface="Sylfaen"/>
-        <a:font script="Armn" typeface="Arial"/>
-        <a:font script="Bugi" typeface="Leelawadee UI"/>
-        <a:font script="Bopo" typeface="Microsoft JhengHei"/>
-        <a:font script="Java" typeface="Javanese Text"/>
-        <a:font script="Lisu" typeface="Segoe UI"/>
-        <a:font script="Mymr" typeface="Myanmar Text"/>
-        <a:font script="Nkoo" typeface="Ebrima"/>
-        <a:font script="Olck" typeface="Nirmala UI"/>
-        <a:font script="Osma" typeface="Ebrima"/>
-        <a:font script="Phag" typeface="Phagspa"/>
-        <a:font script="Syrn" typeface="Estrangelo Edessa"/>
-        <a:font script="Syrj" typeface="Estrangelo Edessa"/>
-        <a:font script="Syre" typeface="Estrangelo Edessa"/>
-        <a:font script="Sora" typeface="Nirmala UI"/>
-        <a:font script="Tale" typeface="Microsoft Tai Le"/>
-        <a:font script="Talu" typeface="Microsoft New Tai Lue"/>
-        <a:font script="Tfng" typeface="Ebrima"/>
+      </a:majorFont>
+      <a:minorFont>
+        <a:latin typeface="Century Schoolbook" panose="02040604050505020304"/>
+        <a:ea typeface=""/>
+        <a:cs typeface=""/>
+        <a:font script="Jpan" typeface="ＭＳ ゴシック"/>
+        <a:font script="Hang" typeface="맑은 고딕"/>
+        <a:font script="Hans" typeface="宋体"/>
+        <a:font script="Hant" typeface="新細明體"/>
+        <a:font script="Arab" typeface="Tahoma"/>
+        <a:font script="Hebr" typeface="Gisha"/>
+        <a:font script="Thai" typeface="DilleniaUPC"/>
+        <a:font script="Ethi" typeface="Nyala"/>
+        <a:font script="Beng" typeface="Vrinda"/>
+        <a:font script="Gujr" typeface="Shruti"/>
+        <a:font script="Khmr" typeface="DaunPenh"/>
+        <a:font script="Knda" typeface="Tunga"/>
+        <a:font script="Guru" typeface="Raavi"/>
+        <a:font script="Cans" typeface="Euphemia"/>
+        <a:font script="Cher" typeface="Plantagenet Cherokee"/>
+        <a:font script="Yiii" typeface="Microsoft Yi Baiti"/>
+        <a:font script="Tibt" typeface="Microsoft Himalaya"/>
+        <a:font script="Thaa" typeface="MV Boli"/>
+        <a:font script="Deva" typeface="Mangal"/>
+        <a:font script="Telu" typeface="Gautami"/>
+        <a:font script="Taml" typeface="Latha"/>
+        <a:font script="Syrc" typeface="Estrangelo Edessa"/>
+        <a:font script="Orya" typeface="Kalinga"/>
+        <a:font script="Mlym" typeface="Kartika"/>
+        <a:font script="Laoo" typeface="DokChampa"/>
+        <a:font script="Sinh" typeface="Iskoola Pota"/>
+        <a:font script="Mong" typeface="Mongolian Baiti"/>
+        <a:font script="Viet" typeface="Verdana"/>
+        <a:font script="Uigh" typeface="Microsoft Uighur"/>
+        <a:font script="Geor" typeface="Sylfaen"/>
       </a:minorFont>
     </a:fontScheme>
-    <a:fmtScheme name="Office">
+    <a:fmtScheme name="View">
       <a:fillStyleLst>
         <a:solidFill>
           <a:schemeClr val="phClr"/>
         </a:solidFill>
-        <a:gradFill rotWithShape="1">
-          <a:gsLst>
-            <a:gs pos="0">
-              <a:schemeClr val="phClr">
-                <a:lumMod val="110000"/>
-                <a:satMod val="105000"/>
-                <a:tint val="67000"/>
-              </a:schemeClr>
-            </a:gs>
-            <a:gs pos="50000">
-              <a:schemeClr val="phClr">
-                <a:lumMod val="105000"/>
-                <a:satMod val="103000"/>
-                <a:tint val="73000"/>
-              </a:schemeClr>
-            </a:gs>
-            <a:gs pos="100000">
-              <a:schemeClr val="phClr">
-                <a:lumMod val="105000"/>
-                <a:satMod val="109000"/>
-                <a:tint val="81000"/>
-              </a:schemeClr>
-            </a:gs>
-          </a:gsLst>
-          <a:lin ang="5400000" scaled="0"/>
-        </a:gradFill>
-        <a:gradFill rotWithShape="1">
-          <a:gsLst>
-            <a:gs pos="0">
-              <a:schemeClr val="phClr">
-                <a:satMod val="103000"/>
-                <a:lumMod val="102000"/>
-                <a:tint val="94000"/>
-              </a:schemeClr>
-            </a:gs>
-            <a:gs pos="50000">
-              <a:schemeClr val="phClr">
-                <a:satMod val="110000"/>
-                <a:lumMod val="100000"/>
-                <a:shade val="100000"/>
-              </a:schemeClr>
-            </a:gs>
-            <a:gs pos="100000">
-              <a:schemeClr val="phClr">
-                <a:lumMod val="99000"/>
-                <a:satMod val="120000"/>
-                <a:shade val="78000"/>
-              </a:schemeClr>
-            </a:gs>
-          </a:gsLst>
-          <a:lin ang="5400000" scaled="0"/>
-        </a:gradFill>
+        <a:solidFill>
+          <a:schemeClr val="phClr">
+            <a:tint val="60000"/>
+            <a:satMod val="120000"/>
+          </a:schemeClr>
+        </a:solidFill>
+        <a:solidFill>
+          <a:schemeClr val="phClr">
+            <a:shade val="75000"/>
+            <a:satMod val="160000"/>
+          </a:schemeClr>
+        </a:solidFill>
       </a:fillStyleLst>
       <a:lnStyleLst>
-        <a:ln w="6350" cap="flat" cmpd="sng" algn="ctr">
+        <a:ln w="9525" cap="flat" cmpd="sng" algn="ctr">
           <a:solidFill>
             <a:schemeClr val="phClr"/>
           </a:solidFill>
           <a:prstDash val="solid"/>
-          <a:miter lim="800000"/>
         </a:ln>
-        <a:ln w="12700" cap="flat" cmpd="sng" algn="ctr">
+        <a:ln w="13970" cap="flat" cmpd="sng" algn="ctr">
           <a:solidFill>
             <a:schemeClr val="phClr"/>
           </a:solidFill>
           <a:prstDash val="solid"/>
-          <a:miter lim="800000"/>
         </a:ln>
-        <a:ln w="19050" cap="flat" cmpd="sng" algn="ctr">
+        <a:ln w="17145" cap="flat" cmpd="sng" algn="ctr">
           <a:solidFill>
-            <a:schemeClr val="phClr"/>
+            <a:schemeClr val="phClr">
+              <a:shade val="95000"/>
+              <a:alpha val="95000"/>
+              <a:satMod val="150000"/>
+            </a:schemeClr>
           </a:solidFill>
           <a:prstDash val="solid"/>
-          <a:miter lim="800000"/>
         </a:ln>
       </a:lnStyleLst>
       <a:effectStyleLst>
@@ -5359,16 +7972,52 @@
           <a:effectLst/>
         </a:effectStyle>
         <a:effectStyle>
-          <a:effectLst/>
+          <a:effectLst>
+            <a:outerShdw blurRad="50800" dist="15240" dir="5400000" algn="tl" rotWithShape="0">
+              <a:srgbClr val="000000">
+                <a:alpha val="75000"/>
+              </a:srgbClr>
+            </a:outerShdw>
+          </a:effectLst>
+          <a:scene3d>
+            <a:camera prst="orthographicFront">
+              <a:rot lat="0" lon="0" rev="0"/>
+            </a:camera>
+            <a:lightRig rig="brightRoom" dir="tl"/>
+          </a:scene3d>
+          <a:sp3d contourW="9525" prstMaterial="flat">
+            <a:bevelT w="0" h="0" prst="coolSlant"/>
+            <a:contourClr>
+              <a:schemeClr val="phClr">
+                <a:shade val="35000"/>
+                <a:satMod val="130000"/>
+              </a:schemeClr>
+            </a:contourClr>
+          </a:sp3d>
         </a:effectStyle>
         <a:effectStyle>
           <a:effectLst>
-            <a:outerShdw blurRad="57150" dist="19050" dir="5400000" algn="ctr" rotWithShape="0">
+            <a:outerShdw blurRad="76200" dist="25400" dir="5400000" algn="tl" rotWithShape="0">
               <a:srgbClr val="000000">
-                <a:alpha val="63000"/>
+                <a:alpha val="55000"/>
               </a:srgbClr>
             </a:outerShdw>
           </a:effectLst>
+          <a:scene3d>
+            <a:camera prst="orthographicFront">
+              <a:rot lat="0" lon="0" rev="0"/>
+            </a:camera>
+            <a:lightRig rig="brightRoom" dir="tl"/>
+          </a:scene3d>
+          <a:sp3d contourW="19050" prstMaterial="flat">
+            <a:bevelT w="0" h="0" prst="coolSlant"/>
+            <a:contourClr>
+              <a:schemeClr val="phClr">
+                <a:shade val="25000"/>
+                <a:satMod val="140000"/>
+              </a:schemeClr>
+            </a:contourClr>
+          </a:sp3d>
         </a:effectStyle>
       </a:effectStyleLst>
       <a:bgFillStyleLst>
@@ -5385,28 +8034,23 @@
           <a:gsLst>
             <a:gs pos="0">
               <a:schemeClr val="phClr">
-                <a:tint val="93000"/>
-                <a:satMod val="150000"/>
+                <a:tint val="94000"/>
                 <a:shade val="98000"/>
+                <a:satMod val="130000"/>
                 <a:lumMod val="102000"/>
-              </a:schemeClr>
-            </a:gs>
-            <a:gs pos="50000">
-              <a:schemeClr val="phClr">
-                <a:tint val="98000"/>
-                <a:satMod val="130000"/>
-                <a:shade val="90000"/>
-                <a:lumMod val="103000"/>
               </a:schemeClr>
             </a:gs>
             <a:gs pos="100000">
               <a:schemeClr val="phClr">
-                <a:shade val="63000"/>
-                <a:satMod val="120000"/>
+                <a:tint val="98000"/>
+                <a:shade val="78000"/>
+                <a:satMod val="140000"/>
               </a:schemeClr>
             </a:gs>
           </a:gsLst>
-          <a:lin ang="5400000" scaled="0"/>
+          <a:path path="circle">
+            <a:fillToRect l="100000" t="100000" r="100000" b="100000"/>
+          </a:path>
         </a:gradFill>
       </a:bgFillStyleLst>
     </a:fmtScheme>
@@ -5415,7 +8059,7 @@
   <a:extraClrSchemeLst/>
   <a:extLst>
     <a:ext uri="{05A4C25C-085E-4340-85A3-A5531E510DB2}">
-      <thm15:themeFamily xmlns:thm15="http://schemas.microsoft.com/office/thememl/2012/main" name="Office Theme" id="{62F939B6-93AF-4DB8-9C6B-D6C7DFDC589F}" vid="{4A3C46E8-61CC-4603-A589-7422A47A8E4A}"/>
+      <thm15:themeFamily xmlns:thm15="http://schemas.microsoft.com/office/thememl/2012/main" name="View" id="{BA0EB5A6-F2D4-4F82-977B-64ADEE4A2A69}" vid="{3969A8A2-35DB-4E3B-8885-16FD20568674}"/>
     </a:ext>
   </a:extLst>
 </a:theme>

--- a/Strafer II.pptx
+++ b/Strafer II.pptx
@@ -11,6 +11,7 @@
     <p:sldId id="260" r:id="rId5"/>
     <p:sldId id="262" r:id="rId6"/>
     <p:sldId id="261" r:id="rId7"/>
+    <p:sldId id="263" r:id="rId8"/>
   </p:sldIdLst>
   <p:sldSz cx="12192000" cy="6858000"/>
   <p:notesSz cx="6858000" cy="9144000"/>
@@ -3838,41 +3839,6 @@
       </p:sp>
       <p:sp>
         <p:nvSpPr>
-          <p:cNvPr id="4" name="TextBox 3">
-            <a:extLst>
-              <a:ext uri="{FF2B5EF4-FFF2-40B4-BE49-F238E27FC236}">
-                <a16:creationId xmlns:a16="http://schemas.microsoft.com/office/drawing/2014/main" id="{64B5A906-C260-4EA8-A564-8B1C8C55E1AF}"/>
-              </a:ext>
-            </a:extLst>
-          </p:cNvPr>
-          <p:cNvSpPr txBox="1"/>
-          <p:nvPr/>
-        </p:nvSpPr>
-        <p:spPr>
-          <a:xfrm>
-            <a:off x="4118994" y="184558"/>
-            <a:ext cx="3456265" cy="461665"/>
-          </a:xfrm>
-          <a:prstGeom prst="rect">
-            <a:avLst/>
-          </a:prstGeom>
-          <a:noFill/>
-        </p:spPr>
-        <p:txBody>
-          <a:bodyPr wrap="square" rtlCol="0">
-            <a:spAutoFit/>
-          </a:bodyPr>
-          <a:lstStyle/>
-          <a:p>
-            <a:r>
-              <a:rPr lang="en-US" sz="2400" dirty="0"/>
-              <a:t>STRAFER II</a:t>
-            </a:r>
-          </a:p>
-        </p:txBody>
-      </p:sp>
-      <p:sp>
-        <p:nvSpPr>
           <p:cNvPr id="5" name="TextBox 4">
             <a:extLst>
               <a:ext uri="{FF2B5EF4-FFF2-40B4-BE49-F238E27FC236}">
@@ -3966,12 +3932,78 @@
           </a:p>
         </p:txBody>
       </p:sp>
-      <p:sp>
-        <p:nvSpPr>
-          <p:cNvPr id="6" name="TextBox 5">
+      <p:pic>
+        <p:nvPicPr>
+          <p:cNvPr id="10" name="Picture 9">
             <a:extLst>
               <a:ext uri="{FF2B5EF4-FFF2-40B4-BE49-F238E27FC236}">
-                <a16:creationId xmlns:a16="http://schemas.microsoft.com/office/drawing/2014/main" id="{B1BBB155-E164-4990-BC17-199282FAAE0F}"/>
+                <a16:creationId xmlns:a16="http://schemas.microsoft.com/office/drawing/2014/main" id="{5230EB1B-0098-499A-AA0D-9CF15FED1295}"/>
+              </a:ext>
+            </a:extLst>
+          </p:cNvPr>
+          <p:cNvPicPr>
+            <a:picLocks noChangeAspect="1"/>
+          </p:cNvPicPr>
+          <p:nvPr/>
+        </p:nvPicPr>
+        <p:blipFill>
+          <a:blip r:embed="rId2">
+            <a:extLst>
+              <a:ext uri="{28A0092B-C50C-407E-A947-70E740481C1C}">
+                <a14:useLocalDpi xmlns:a14="http://schemas.microsoft.com/office/drawing/2010/main" val="0"/>
+              </a:ext>
+            </a:extLst>
+          </a:blip>
+          <a:stretch>
+            <a:fillRect/>
+          </a:stretch>
+        </p:blipFill>
+        <p:spPr>
+          <a:xfrm>
+            <a:off x="3195507" y="-535221"/>
+            <a:ext cx="4128083" cy="2322047"/>
+          </a:xfrm>
+          <a:prstGeom prst="rect">
+            <a:avLst/>
+          </a:prstGeom>
+        </p:spPr>
+      </p:pic>
+      <p:pic>
+        <p:nvPicPr>
+          <p:cNvPr id="12" name="Picture 11">
+            <a:extLst>
+              <a:ext uri="{FF2B5EF4-FFF2-40B4-BE49-F238E27FC236}">
+                <a16:creationId xmlns:a16="http://schemas.microsoft.com/office/drawing/2014/main" id="{C25997A8-5F6A-42E2-96C2-C743EF254FD2}"/>
+              </a:ext>
+            </a:extLst>
+          </p:cNvPr>
+          <p:cNvPicPr>
+            <a:picLocks noChangeAspect="1"/>
+          </p:cNvPicPr>
+          <p:nvPr/>
+        </p:nvPicPr>
+        <p:blipFill>
+          <a:blip r:embed="rId3"/>
+          <a:stretch>
+            <a:fillRect/>
+          </a:stretch>
+        </p:blipFill>
+        <p:spPr>
+          <a:xfrm>
+            <a:off x="8960884" y="3906780"/>
+            <a:ext cx="2190532" cy="1225962"/>
+          </a:xfrm>
+          <a:prstGeom prst="rect">
+            <a:avLst/>
+          </a:prstGeom>
+        </p:spPr>
+      </p:pic>
+      <p:sp>
+        <p:nvSpPr>
+          <p:cNvPr id="13" name="TextBox 12">
+            <a:extLst>
+              <a:ext uri="{FF2B5EF4-FFF2-40B4-BE49-F238E27FC236}">
+                <a16:creationId xmlns:a16="http://schemas.microsoft.com/office/drawing/2014/main" id="{67DFA2BC-F0A2-4FDC-8615-818674AB7390}"/>
               </a:ext>
             </a:extLst>
           </p:cNvPr>
@@ -3980,8 +4012,8 @@
         </p:nvSpPr>
         <p:spPr>
           <a:xfrm>
-            <a:off x="838200" y="4197554"/>
-            <a:ext cx="3414319" cy="523220"/>
+            <a:off x="838200" y="4345497"/>
+            <a:ext cx="6116273" cy="646331"/>
           </a:xfrm>
           <a:prstGeom prst="rect">
             <a:avLst/>
@@ -3995,235 +4027,16 @@
           <a:lstStyle/>
           <a:p>
             <a:r>
-              <a:rPr lang="en-US" sz="2800" dirty="0"/>
-              <a:t>Date </a:t>
-            </a:r>
-            <a:r>
-              <a:rPr lang="en-US" sz="2800" dirty="0" err="1"/>
-              <a:t>tehnice</a:t>
-            </a:r>
-            <a:endParaRPr lang="en-US" sz="2800" dirty="0"/>
-          </a:p>
-        </p:txBody>
-      </p:sp>
-      <p:sp>
-        <p:nvSpPr>
-          <p:cNvPr id="8" name="TextBox 7">
-            <a:extLst>
-              <a:ext uri="{FF2B5EF4-FFF2-40B4-BE49-F238E27FC236}">
-                <a16:creationId xmlns:a16="http://schemas.microsoft.com/office/drawing/2014/main" id="{CE1537B0-DDE1-4CC8-A909-7FE8C1C0F2F9}"/>
-              </a:ext>
-            </a:extLst>
-          </p:cNvPr>
-          <p:cNvSpPr txBox="1"/>
-          <p:nvPr/>
-        </p:nvSpPr>
-        <p:spPr>
-          <a:xfrm>
-            <a:off x="433431" y="4720774"/>
-            <a:ext cx="11325138" cy="1754326"/>
-          </a:xfrm>
-          <a:prstGeom prst="rect">
-            <a:avLst/>
-          </a:prstGeom>
-          <a:noFill/>
-        </p:spPr>
-        <p:txBody>
-          <a:bodyPr wrap="square" rtlCol="0">
-            <a:spAutoFit/>
-          </a:bodyPr>
-          <a:lstStyle/>
-          <a:p>
-            <a:pPr marL="285750" indent="-285750">
-              <a:buFont typeface="Arial" panose="020B0604020202020204" pitchFamily="34" charset="0"/>
-              <a:buChar char="•"/>
-            </a:pPr>
-            <a:r>
-              <a:rPr lang="en-US" dirty="0"/>
-              <a:t>Din </a:t>
-            </a:r>
-            <a:r>
-              <a:rPr lang="en-US" dirty="0" err="1"/>
-              <a:t>punct</a:t>
-            </a:r>
-            <a:r>
-              <a:rPr lang="en-US" dirty="0"/>
-              <a:t> de </a:t>
-            </a:r>
-            <a:r>
-              <a:rPr lang="en-US" dirty="0" err="1"/>
-              <a:t>vedere</a:t>
-            </a:r>
-            <a:r>
-              <a:rPr lang="en-US" dirty="0"/>
-              <a:t> </a:t>
-            </a:r>
-            <a:r>
-              <a:rPr lang="en-US" dirty="0" err="1"/>
-              <a:t>tehnic</a:t>
-            </a:r>
-            <a:r>
-              <a:rPr lang="en-US" dirty="0"/>
-              <a:t>, </a:t>
-            </a:r>
-            <a:r>
-              <a:rPr lang="en-US" dirty="0" err="1"/>
-              <a:t>proiectul</a:t>
-            </a:r>
-            <a:r>
-              <a:rPr lang="en-US" dirty="0"/>
-              <a:t> are </a:t>
-            </a:r>
-            <a:r>
-              <a:rPr lang="en-US" dirty="0" err="1"/>
-              <a:t>cateva</a:t>
-            </a:r>
-            <a:r>
-              <a:rPr lang="en-US" dirty="0"/>
-              <a:t> </a:t>
-            </a:r>
-            <a:r>
-              <a:rPr lang="en-US" dirty="0" err="1"/>
-              <a:t>componente</a:t>
-            </a:r>
-            <a:r>
-              <a:rPr lang="en-US" dirty="0"/>
-              <a:t> </a:t>
-            </a:r>
-            <a:r>
-              <a:rPr lang="en-US" dirty="0" err="1"/>
-              <a:t>ce</a:t>
-            </a:r>
-            <a:r>
-              <a:rPr lang="en-US" dirty="0"/>
-              <a:t> </a:t>
-            </a:r>
-            <a:r>
-              <a:rPr lang="en-US" dirty="0" err="1"/>
-              <a:t>comunica</a:t>
-            </a:r>
-            <a:r>
-              <a:rPr lang="en-US" dirty="0"/>
-              <a:t> </a:t>
-            </a:r>
-            <a:r>
-              <a:rPr lang="en-US" dirty="0" err="1"/>
-              <a:t>unul</a:t>
-            </a:r>
-            <a:r>
-              <a:rPr lang="en-US" dirty="0"/>
-              <a:t> cu </a:t>
-            </a:r>
-            <a:r>
-              <a:rPr lang="en-US" dirty="0" err="1"/>
-              <a:t>celalalt</a:t>
-            </a:r>
-            <a:r>
-              <a:rPr lang="en-US" dirty="0"/>
-              <a:t> </a:t>
-            </a:r>
-            <a:r>
-              <a:rPr lang="en-US" dirty="0" err="1"/>
-              <a:t>pentru</a:t>
-            </a:r>
-            <a:r>
-              <a:rPr lang="en-US" dirty="0"/>
-              <a:t> a </a:t>
-            </a:r>
-            <a:r>
-              <a:rPr lang="en-US" dirty="0" err="1"/>
-              <a:t>realiza</a:t>
-            </a:r>
-            <a:r>
-              <a:rPr lang="en-US" dirty="0"/>
-              <a:t> o </a:t>
-            </a:r>
-            <a:r>
-              <a:rPr lang="en-US" dirty="0" err="1"/>
-              <a:t>experienta</a:t>
-            </a:r>
-            <a:r>
-              <a:rPr lang="en-US" dirty="0"/>
-              <a:t> de </a:t>
-            </a:r>
-            <a:r>
-              <a:rPr lang="en-US" dirty="0" err="1"/>
-              <a:t>joc</a:t>
-            </a:r>
-            <a:r>
-              <a:rPr lang="en-US" dirty="0"/>
-              <a:t> cat </a:t>
-            </a:r>
-            <a:r>
-              <a:rPr lang="en-US" dirty="0" err="1"/>
-              <a:t>mai</a:t>
-            </a:r>
-            <a:r>
-              <a:rPr lang="en-US" dirty="0"/>
-              <a:t> </a:t>
-            </a:r>
-            <a:r>
-              <a:rPr lang="en-US" dirty="0" err="1"/>
-              <a:t>complexa</a:t>
-            </a:r>
-            <a:r>
-              <a:rPr lang="en-US" dirty="0"/>
-              <a:t>, fara </a:t>
-            </a:r>
-            <a:r>
-              <a:rPr lang="en-US" dirty="0" err="1"/>
-              <a:t>sa</a:t>
-            </a:r>
-            <a:r>
-              <a:rPr lang="en-US" dirty="0"/>
-              <a:t> sacrifice </a:t>
-            </a:r>
-            <a:r>
-              <a:rPr lang="en-US" dirty="0" err="1"/>
-              <a:t>durata</a:t>
-            </a:r>
-            <a:r>
-              <a:rPr lang="en-US" dirty="0"/>
-              <a:t> </a:t>
-            </a:r>
-            <a:r>
-              <a:rPr lang="en-US" dirty="0" err="1"/>
-              <a:t>jocului</a:t>
-            </a:r>
-            <a:r>
-              <a:rPr lang="en-US" dirty="0"/>
-              <a:t> </a:t>
-            </a:r>
-            <a:r>
-              <a:rPr lang="en-US" dirty="0" err="1"/>
-              <a:t>sau</a:t>
-            </a:r>
-            <a:r>
-              <a:rPr lang="en-US" dirty="0"/>
-              <a:t> </a:t>
-            </a:r>
-            <a:r>
-              <a:rPr lang="en-US" dirty="0" err="1"/>
-              <a:t>detaliile</a:t>
-            </a:r>
-            <a:r>
-              <a:rPr lang="en-US" dirty="0"/>
-              <a:t> </a:t>
-            </a:r>
-            <a:r>
-              <a:rPr lang="en-US" dirty="0" err="1"/>
-              <a:t>grafice</a:t>
-            </a:r>
-            <a:endParaRPr lang="en-US" dirty="0"/>
-          </a:p>
-          <a:p>
-            <a:pPr marL="285750" indent="-285750">
-              <a:buFont typeface="Arial" panose="020B0604020202020204" pitchFamily="34" charset="0"/>
-              <a:buChar char="•"/>
-            </a:pPr>
-            <a:r>
-              <a:rPr lang="en-US" dirty="0" err="1"/>
-              <a:t>Componente</a:t>
+              <a:rPr lang="en-US" dirty="0" err="1"/>
+              <a:t>Printre</a:t>
+            </a:r>
+            <a:r>
+              <a:rPr lang="en-US" dirty="0"/>
+              <a:t> </a:t>
+            </a:r>
+            <a:r>
+              <a:rPr lang="en-US" dirty="0" err="1"/>
+              <a:t>influentele</a:t>
             </a:r>
             <a:r>
               <a:rPr lang="en-US" dirty="0"/>
@@ -4235,79 +4048,15 @@
             </a:r>
             <a:r>
               <a:rPr lang="en-US" dirty="0"/>
-              <a:t> sunt: </a:t>
-            </a:r>
-            <a:r>
-              <a:rPr lang="en-US" dirty="0" err="1"/>
-              <a:t>sistemul</a:t>
-            </a:r>
-            <a:r>
-              <a:rPr lang="en-US" dirty="0"/>
-              <a:t> de </a:t>
-            </a:r>
-            <a:r>
-              <a:rPr lang="en-US" dirty="0" err="1"/>
-              <a:t>salvare</a:t>
-            </a:r>
-            <a:r>
-              <a:rPr lang="en-US" dirty="0"/>
-              <a:t>, </a:t>
-            </a:r>
-            <a:r>
-              <a:rPr lang="en-US" dirty="0" err="1"/>
-              <a:t>sistemul</a:t>
-            </a:r>
-            <a:r>
-              <a:rPr lang="en-US" dirty="0"/>
-              <a:t> de </a:t>
-            </a:r>
-            <a:r>
-              <a:rPr lang="en-US" dirty="0" err="1"/>
-              <a:t>eventuri</a:t>
-            </a:r>
-            <a:r>
-              <a:rPr lang="en-US" dirty="0"/>
-              <a:t>, world </a:t>
-            </a:r>
-            <a:r>
-              <a:rPr lang="en-US" dirty="0" err="1"/>
-              <a:t>listenerul</a:t>
-            </a:r>
-            <a:r>
-              <a:rPr lang="en-US" dirty="0"/>
-              <a:t>, </a:t>
-            </a:r>
-            <a:r>
-              <a:rPr lang="en-US" dirty="0" err="1"/>
-              <a:t>scrollerul</a:t>
-            </a:r>
-            <a:r>
-              <a:rPr lang="en-US" dirty="0"/>
-              <a:t>, </a:t>
-            </a:r>
-            <a:r>
-              <a:rPr lang="en-US" dirty="0" err="1"/>
-              <a:t>sistemul</a:t>
-            </a:r>
-            <a:r>
-              <a:rPr lang="en-US" dirty="0"/>
-              <a:t> de </a:t>
-            </a:r>
-            <a:r>
-              <a:rPr lang="en-US" dirty="0" err="1"/>
-              <a:t>muzica</a:t>
-            </a:r>
-            <a:r>
-              <a:rPr lang="en-US" dirty="0"/>
-              <a:t>, </a:t>
-            </a:r>
-            <a:r>
-              <a:rPr lang="en-US" dirty="0" err="1"/>
-              <a:t>sistemul</a:t>
-            </a:r>
-            <a:r>
-              <a:rPr lang="en-US" dirty="0"/>
-              <a:t> de combat </a:t>
+              <a:t> se </a:t>
+            </a:r>
+            <a:r>
+              <a:rPr lang="en-US" dirty="0" err="1"/>
+              <a:t>numara</a:t>
+            </a:r>
+            <a:r>
+              <a:rPr lang="en-US" dirty="0"/>
+              <a:t>:”The legend of Zelda: a Link to the past”, “DOOM” </a:t>
             </a:r>
             <a:r>
               <a:rPr lang="en-US" dirty="0" err="1"/>
@@ -4315,133 +4064,7 @@
             </a:r>
             <a:r>
               <a:rPr lang="en-US" dirty="0"/>
-              <a:t> </a:t>
-            </a:r>
-            <a:r>
-              <a:rPr lang="en-US" dirty="0" err="1"/>
-              <a:t>interfata</a:t>
-            </a:r>
-            <a:r>
-              <a:rPr lang="en-US" dirty="0"/>
-              <a:t> </a:t>
-            </a:r>
-            <a:r>
-              <a:rPr lang="en-US" dirty="0" err="1"/>
-              <a:t>grafica</a:t>
-            </a:r>
-            <a:r>
-              <a:rPr lang="en-US" dirty="0"/>
-              <a:t>.</a:t>
-            </a:r>
-          </a:p>
-          <a:p>
-            <a:pPr marL="285750" indent="-285750">
-              <a:buFont typeface="Arial" panose="020B0604020202020204" pitchFamily="34" charset="0"/>
-              <a:buChar char="•"/>
-            </a:pPr>
-            <a:r>
-              <a:rPr lang="en-US" dirty="0" err="1"/>
-              <a:t>Fiecare</a:t>
-            </a:r>
-            <a:r>
-              <a:rPr lang="en-US" dirty="0"/>
-              <a:t> </a:t>
-            </a:r>
-            <a:r>
-              <a:rPr lang="en-US" dirty="0" err="1"/>
-              <a:t>dintre</a:t>
-            </a:r>
-            <a:r>
-              <a:rPr lang="en-US" dirty="0"/>
-              <a:t> </a:t>
-            </a:r>
-            <a:r>
-              <a:rPr lang="en-US" dirty="0" err="1"/>
-              <a:t>acestea</a:t>
-            </a:r>
-            <a:r>
-              <a:rPr lang="en-US" dirty="0"/>
-              <a:t> </a:t>
-            </a:r>
-            <a:r>
-              <a:rPr lang="en-US" dirty="0" err="1"/>
-              <a:t>comunica</a:t>
-            </a:r>
-            <a:r>
-              <a:rPr lang="en-US" dirty="0"/>
-              <a:t> </a:t>
-            </a:r>
-            <a:r>
-              <a:rPr lang="en-US" dirty="0" err="1"/>
-              <a:t>intre</a:t>
-            </a:r>
-            <a:r>
-              <a:rPr lang="en-US" dirty="0"/>
-              <a:t> </a:t>
-            </a:r>
-            <a:r>
-              <a:rPr lang="en-US" dirty="0" err="1"/>
-              <a:t>ele</a:t>
-            </a:r>
-            <a:r>
-              <a:rPr lang="en-US" dirty="0"/>
-              <a:t> </a:t>
-            </a:r>
-            <a:r>
-              <a:rPr lang="en-US" dirty="0" err="1"/>
-              <a:t>si</a:t>
-            </a:r>
-            <a:r>
-              <a:rPr lang="en-US" dirty="0"/>
-              <a:t> sunt </a:t>
-            </a:r>
-            <a:r>
-              <a:rPr lang="en-US" dirty="0" err="1"/>
-              <a:t>conectate</a:t>
-            </a:r>
-            <a:r>
-              <a:rPr lang="en-US" dirty="0"/>
-              <a:t> la </a:t>
-            </a:r>
-            <a:r>
-              <a:rPr lang="en-US" dirty="0" err="1"/>
-              <a:t>clasa</a:t>
-            </a:r>
-            <a:r>
-              <a:rPr lang="en-US" dirty="0"/>
-              <a:t> de Player </a:t>
-            </a:r>
-            <a:r>
-              <a:rPr lang="en-US" dirty="0" err="1"/>
-              <a:t>si</a:t>
-            </a:r>
-            <a:r>
-              <a:rPr lang="en-US" dirty="0"/>
-              <a:t> </a:t>
-            </a:r>
-            <a:r>
-              <a:rPr lang="en-US" dirty="0" err="1"/>
-              <a:t>PlayWorld</a:t>
-            </a:r>
-            <a:r>
-              <a:rPr lang="en-US" dirty="0"/>
-              <a:t>(</a:t>
-            </a:r>
-            <a:r>
-              <a:rPr lang="en-US" dirty="0" err="1"/>
-              <a:t>lumea</a:t>
-            </a:r>
-            <a:r>
-              <a:rPr lang="en-US" dirty="0"/>
-              <a:t> </a:t>
-            </a:r>
-            <a:r>
-              <a:rPr lang="en-US" dirty="0" err="1"/>
-              <a:t>simularii</a:t>
-            </a:r>
-            <a:r>
-              <a:rPr lang="en-US" dirty="0"/>
-              <a:t>)</a:t>
+              <a:t> “God of War”</a:t>
             </a:r>
           </a:p>
         </p:txBody>
@@ -4497,6 +4120,17 @@
           <a:bodyPr/>
           <a:lstStyle/>
           <a:p>
+            <a:r>
+              <a:rPr lang="en-US" sz="4400" dirty="0"/>
+              <a:t>Date </a:t>
+            </a:r>
+            <a:r>
+              <a:rPr lang="en-US" sz="4400" dirty="0" err="1"/>
+              <a:t>tehnice</a:t>
+            </a:r>
+            <a:br>
+              <a:rPr lang="en-US" sz="4400" dirty="0"/>
+            </a:br>
             <a:endParaRPr lang="en-US" dirty="0"/>
           </a:p>
         </p:txBody>
@@ -4517,15 +4151,461 @@
             <p:ph idx="1"/>
           </p:nvPr>
         </p:nvSpPr>
-        <p:spPr/>
+        <p:spPr>
+          <a:xfrm>
+            <a:off x="696287" y="1253331"/>
+            <a:ext cx="9613951" cy="4351337"/>
+          </a:xfrm>
+        </p:spPr>
         <p:txBody>
           <a:bodyPr/>
           <a:lstStyle/>
           <a:p>
+            <a:pPr marL="285750" indent="-285750">
+              <a:buFont typeface="Arial" panose="020B0604020202020204" pitchFamily="34" charset="0"/>
+              <a:buChar char="•"/>
+            </a:pPr>
+            <a:r>
+              <a:rPr lang="en-US" dirty="0"/>
+              <a:t>Din </a:t>
+            </a:r>
+            <a:r>
+              <a:rPr lang="en-US" dirty="0" err="1"/>
+              <a:t>punct</a:t>
+            </a:r>
+            <a:r>
+              <a:rPr lang="en-US" dirty="0"/>
+              <a:t> de </a:t>
+            </a:r>
+            <a:r>
+              <a:rPr lang="en-US" dirty="0" err="1"/>
+              <a:t>vedere</a:t>
+            </a:r>
+            <a:r>
+              <a:rPr lang="en-US" dirty="0"/>
+              <a:t> </a:t>
+            </a:r>
+            <a:r>
+              <a:rPr lang="en-US" dirty="0" err="1"/>
+              <a:t>tehnic</a:t>
+            </a:r>
+            <a:r>
+              <a:rPr lang="en-US" dirty="0"/>
+              <a:t>, </a:t>
+            </a:r>
+            <a:r>
+              <a:rPr lang="en-US" dirty="0" err="1"/>
+              <a:t>proiectul</a:t>
+            </a:r>
+            <a:r>
+              <a:rPr lang="en-US" dirty="0"/>
+              <a:t> are </a:t>
+            </a:r>
+            <a:r>
+              <a:rPr lang="en-US" dirty="0" err="1"/>
+              <a:t>cateva</a:t>
+            </a:r>
+            <a:r>
+              <a:rPr lang="en-US" dirty="0"/>
+              <a:t> </a:t>
+            </a:r>
+            <a:r>
+              <a:rPr lang="en-US" dirty="0" err="1"/>
+              <a:t>componente</a:t>
+            </a:r>
+            <a:r>
+              <a:rPr lang="en-US" dirty="0"/>
+              <a:t> </a:t>
+            </a:r>
+            <a:r>
+              <a:rPr lang="en-US" dirty="0" err="1"/>
+              <a:t>ce</a:t>
+            </a:r>
+            <a:r>
+              <a:rPr lang="en-US" dirty="0"/>
+              <a:t> </a:t>
+            </a:r>
+            <a:r>
+              <a:rPr lang="en-US" dirty="0" err="1"/>
+              <a:t>comunica</a:t>
+            </a:r>
+            <a:r>
+              <a:rPr lang="en-US" dirty="0"/>
+              <a:t> </a:t>
+            </a:r>
+            <a:r>
+              <a:rPr lang="en-US" dirty="0" err="1"/>
+              <a:t>unul</a:t>
+            </a:r>
+            <a:r>
+              <a:rPr lang="en-US" dirty="0"/>
+              <a:t> cu </a:t>
+            </a:r>
+            <a:r>
+              <a:rPr lang="en-US" dirty="0" err="1"/>
+              <a:t>celalalt</a:t>
+            </a:r>
+            <a:r>
+              <a:rPr lang="en-US" dirty="0"/>
+              <a:t> </a:t>
+            </a:r>
+            <a:r>
+              <a:rPr lang="en-US" dirty="0" err="1"/>
+              <a:t>pentru</a:t>
+            </a:r>
+            <a:r>
+              <a:rPr lang="en-US" dirty="0"/>
+              <a:t> a </a:t>
+            </a:r>
+            <a:r>
+              <a:rPr lang="en-US" dirty="0" err="1"/>
+              <a:t>realiza</a:t>
+            </a:r>
+            <a:r>
+              <a:rPr lang="en-US" dirty="0"/>
+              <a:t> o </a:t>
+            </a:r>
+            <a:r>
+              <a:rPr lang="en-US" dirty="0" err="1"/>
+              <a:t>experienta</a:t>
+            </a:r>
+            <a:r>
+              <a:rPr lang="en-US" dirty="0"/>
+              <a:t> de </a:t>
+            </a:r>
+            <a:r>
+              <a:rPr lang="en-US" dirty="0" err="1"/>
+              <a:t>joc</a:t>
+            </a:r>
+            <a:r>
+              <a:rPr lang="en-US" dirty="0"/>
+              <a:t> cat </a:t>
+            </a:r>
+            <a:r>
+              <a:rPr lang="en-US" dirty="0" err="1"/>
+              <a:t>mai</a:t>
+            </a:r>
+            <a:r>
+              <a:rPr lang="en-US" dirty="0"/>
+              <a:t> </a:t>
+            </a:r>
+            <a:r>
+              <a:rPr lang="en-US" dirty="0" err="1"/>
+              <a:t>complexa</a:t>
+            </a:r>
+            <a:r>
+              <a:rPr lang="en-US" dirty="0"/>
+              <a:t>, fara </a:t>
+            </a:r>
+            <a:r>
+              <a:rPr lang="en-US" dirty="0" err="1"/>
+              <a:t>sa</a:t>
+            </a:r>
+            <a:r>
+              <a:rPr lang="en-US" dirty="0"/>
+              <a:t> sacrifice </a:t>
+            </a:r>
+            <a:r>
+              <a:rPr lang="en-US" dirty="0" err="1"/>
+              <a:t>durata</a:t>
+            </a:r>
+            <a:r>
+              <a:rPr lang="en-US" dirty="0"/>
+              <a:t> </a:t>
+            </a:r>
+            <a:r>
+              <a:rPr lang="en-US" dirty="0" err="1"/>
+              <a:t>jocului</a:t>
+            </a:r>
+            <a:r>
+              <a:rPr lang="en-US" dirty="0"/>
+              <a:t> </a:t>
+            </a:r>
+            <a:r>
+              <a:rPr lang="en-US" dirty="0" err="1"/>
+              <a:t>sau</a:t>
+            </a:r>
+            <a:r>
+              <a:rPr lang="en-US" dirty="0"/>
+              <a:t> </a:t>
+            </a:r>
+            <a:r>
+              <a:rPr lang="en-US" dirty="0" err="1"/>
+              <a:t>detaliile</a:t>
+            </a:r>
+            <a:r>
+              <a:rPr lang="en-US" dirty="0"/>
+              <a:t> </a:t>
+            </a:r>
+            <a:r>
+              <a:rPr lang="en-US" dirty="0" err="1"/>
+              <a:t>grafice</a:t>
+            </a:r>
             <a:endParaRPr lang="en-US" dirty="0"/>
           </a:p>
-        </p:txBody>
-      </p:sp>
+          <a:p>
+            <a:pPr marL="285750" indent="-285750">
+              <a:buFont typeface="Arial" panose="020B0604020202020204" pitchFamily="34" charset="0"/>
+              <a:buChar char="•"/>
+            </a:pPr>
+            <a:r>
+              <a:rPr lang="en-US" dirty="0" err="1"/>
+              <a:t>Componente</a:t>
+            </a:r>
+            <a:r>
+              <a:rPr lang="en-US" dirty="0"/>
+              <a:t> </a:t>
+            </a:r>
+            <a:r>
+              <a:rPr lang="en-US" dirty="0" err="1"/>
+              <a:t>notabile</a:t>
+            </a:r>
+            <a:r>
+              <a:rPr lang="en-US" dirty="0"/>
+              <a:t> sunt: </a:t>
+            </a:r>
+            <a:r>
+              <a:rPr lang="en-US" dirty="0" err="1"/>
+              <a:t>sistemul</a:t>
+            </a:r>
+            <a:r>
+              <a:rPr lang="en-US" dirty="0"/>
+              <a:t> de </a:t>
+            </a:r>
+            <a:r>
+              <a:rPr lang="en-US" dirty="0" err="1"/>
+              <a:t>salvare</a:t>
+            </a:r>
+            <a:r>
+              <a:rPr lang="en-US" dirty="0"/>
+              <a:t>, </a:t>
+            </a:r>
+            <a:r>
+              <a:rPr lang="en-US" dirty="0" err="1"/>
+              <a:t>sistemul</a:t>
+            </a:r>
+            <a:r>
+              <a:rPr lang="en-US" dirty="0"/>
+              <a:t> de </a:t>
+            </a:r>
+            <a:r>
+              <a:rPr lang="en-US" dirty="0" err="1"/>
+              <a:t>eventuri</a:t>
+            </a:r>
+            <a:r>
+              <a:rPr lang="en-US" dirty="0"/>
+              <a:t>, world </a:t>
+            </a:r>
+            <a:r>
+              <a:rPr lang="en-US" dirty="0" err="1"/>
+              <a:t>listenerul</a:t>
+            </a:r>
+            <a:r>
+              <a:rPr lang="en-US" dirty="0"/>
+              <a:t>, </a:t>
+            </a:r>
+            <a:r>
+              <a:rPr lang="en-US" dirty="0" err="1"/>
+              <a:t>scrollerul</a:t>
+            </a:r>
+            <a:r>
+              <a:rPr lang="en-US" dirty="0"/>
+              <a:t>, </a:t>
+            </a:r>
+            <a:r>
+              <a:rPr lang="en-US" dirty="0" err="1"/>
+              <a:t>sistemul</a:t>
+            </a:r>
+            <a:r>
+              <a:rPr lang="en-US" dirty="0"/>
+              <a:t> de </a:t>
+            </a:r>
+            <a:r>
+              <a:rPr lang="en-US" dirty="0" err="1"/>
+              <a:t>muzica</a:t>
+            </a:r>
+            <a:r>
+              <a:rPr lang="en-US" dirty="0"/>
+              <a:t>, </a:t>
+            </a:r>
+            <a:r>
+              <a:rPr lang="en-US" dirty="0" err="1"/>
+              <a:t>sistemul</a:t>
+            </a:r>
+            <a:r>
+              <a:rPr lang="en-US" dirty="0"/>
+              <a:t> de combat </a:t>
+            </a:r>
+            <a:r>
+              <a:rPr lang="en-US" dirty="0" err="1"/>
+              <a:t>si</a:t>
+            </a:r>
+            <a:r>
+              <a:rPr lang="en-US" dirty="0"/>
+              <a:t> </a:t>
+            </a:r>
+            <a:r>
+              <a:rPr lang="en-US" dirty="0" err="1"/>
+              <a:t>interfata</a:t>
+            </a:r>
+            <a:r>
+              <a:rPr lang="en-US" dirty="0"/>
+              <a:t> </a:t>
+            </a:r>
+            <a:r>
+              <a:rPr lang="en-US" dirty="0" err="1"/>
+              <a:t>grafica</a:t>
+            </a:r>
+            <a:r>
+              <a:rPr lang="en-US" dirty="0"/>
+              <a:t>.</a:t>
+            </a:r>
+          </a:p>
+          <a:p>
+            <a:pPr marL="285750" indent="-285750">
+              <a:buFont typeface="Arial" panose="020B0604020202020204" pitchFamily="34" charset="0"/>
+              <a:buChar char="•"/>
+            </a:pPr>
+            <a:r>
+              <a:rPr lang="en-US" dirty="0" err="1"/>
+              <a:t>Fiecare</a:t>
+            </a:r>
+            <a:r>
+              <a:rPr lang="en-US" dirty="0"/>
+              <a:t> </a:t>
+            </a:r>
+            <a:r>
+              <a:rPr lang="en-US" dirty="0" err="1"/>
+              <a:t>dintre</a:t>
+            </a:r>
+            <a:r>
+              <a:rPr lang="en-US" dirty="0"/>
+              <a:t> </a:t>
+            </a:r>
+            <a:r>
+              <a:rPr lang="en-US" dirty="0" err="1"/>
+              <a:t>acestea</a:t>
+            </a:r>
+            <a:r>
+              <a:rPr lang="en-US" dirty="0"/>
+              <a:t> </a:t>
+            </a:r>
+            <a:r>
+              <a:rPr lang="en-US" dirty="0" err="1"/>
+              <a:t>comunica</a:t>
+            </a:r>
+            <a:r>
+              <a:rPr lang="en-US" dirty="0"/>
+              <a:t> </a:t>
+            </a:r>
+            <a:r>
+              <a:rPr lang="en-US" dirty="0" err="1"/>
+              <a:t>intre</a:t>
+            </a:r>
+            <a:r>
+              <a:rPr lang="en-US" dirty="0"/>
+              <a:t> </a:t>
+            </a:r>
+            <a:r>
+              <a:rPr lang="en-US" dirty="0" err="1"/>
+              <a:t>ele</a:t>
+            </a:r>
+            <a:r>
+              <a:rPr lang="en-US" dirty="0"/>
+              <a:t> </a:t>
+            </a:r>
+            <a:r>
+              <a:rPr lang="en-US" dirty="0" err="1"/>
+              <a:t>si</a:t>
+            </a:r>
+            <a:r>
+              <a:rPr lang="en-US" dirty="0"/>
+              <a:t> sunt </a:t>
+            </a:r>
+            <a:r>
+              <a:rPr lang="en-US" dirty="0" err="1"/>
+              <a:t>conectate</a:t>
+            </a:r>
+            <a:r>
+              <a:rPr lang="en-US" dirty="0"/>
+              <a:t> la </a:t>
+            </a:r>
+            <a:r>
+              <a:rPr lang="en-US" dirty="0" err="1"/>
+              <a:t>clasa</a:t>
+            </a:r>
+            <a:r>
+              <a:rPr lang="en-US" dirty="0"/>
+              <a:t> de Player </a:t>
+            </a:r>
+            <a:r>
+              <a:rPr lang="en-US" dirty="0" err="1"/>
+              <a:t>si</a:t>
+            </a:r>
+            <a:r>
+              <a:rPr lang="en-US" dirty="0"/>
+              <a:t> </a:t>
+            </a:r>
+            <a:r>
+              <a:rPr lang="en-US" dirty="0" err="1"/>
+              <a:t>PlayWorld</a:t>
+            </a:r>
+            <a:r>
+              <a:rPr lang="en-US" dirty="0"/>
+              <a:t>(</a:t>
+            </a:r>
+            <a:r>
+              <a:rPr lang="en-US" dirty="0" err="1"/>
+              <a:t>lumea</a:t>
+            </a:r>
+            <a:r>
+              <a:rPr lang="en-US" dirty="0"/>
+              <a:t> </a:t>
+            </a:r>
+            <a:r>
+              <a:rPr lang="en-US" dirty="0" err="1"/>
+              <a:t>simularii</a:t>
+            </a:r>
+            <a:r>
+              <a:rPr lang="en-US" dirty="0"/>
+              <a:t>)</a:t>
+            </a:r>
+          </a:p>
+          <a:p>
+            <a:endParaRPr lang="en-US" dirty="0"/>
+          </a:p>
+        </p:txBody>
+      </p:sp>
+      <p:pic>
+        <p:nvPicPr>
+          <p:cNvPr id="5" name="Picture 4">
+            <a:extLst>
+              <a:ext uri="{FF2B5EF4-FFF2-40B4-BE49-F238E27FC236}">
+                <a16:creationId xmlns:a16="http://schemas.microsoft.com/office/drawing/2014/main" id="{894F81EB-8D30-440C-BEA3-62E7433D8ECE}"/>
+              </a:ext>
+            </a:extLst>
+          </p:cNvPr>
+          <p:cNvPicPr>
+            <a:picLocks noChangeAspect="1"/>
+          </p:cNvPicPr>
+          <p:nvPr/>
+        </p:nvPicPr>
+        <p:blipFill>
+          <a:blip r:embed="rId2"/>
+          <a:stretch>
+            <a:fillRect/>
+          </a:stretch>
+        </p:blipFill>
+        <p:spPr>
+          <a:xfrm>
+            <a:off x="4496500" y="3511779"/>
+            <a:ext cx="6302928" cy="3014627"/>
+          </a:xfrm>
+          <a:prstGeom prst="rect">
+            <a:avLst/>
+          </a:prstGeom>
+        </p:spPr>
+      </p:pic>
     </p:spTree>
     <p:extLst>
       <p:ext uri="{BB962C8B-B14F-4D97-AF65-F5344CB8AC3E}">
@@ -5126,7 +5206,7 @@
         <p:spPr>
           <a:xfrm>
             <a:off x="64665" y="2690336"/>
-            <a:ext cx="11174136" cy="1477328"/>
+            <a:ext cx="5500725" cy="2862322"/>
           </a:xfrm>
           <a:prstGeom prst="rect">
             <a:avLst/>
@@ -5433,12 +5513,72 @@
           </a:p>
         </p:txBody>
       </p:sp>
-      <p:sp>
-        <p:nvSpPr>
-          <p:cNvPr id="8" name="TextBox 7">
+      <p:pic>
+        <p:nvPicPr>
+          <p:cNvPr id="7" name="Picture 6">
             <a:extLst>
               <a:ext uri="{FF2B5EF4-FFF2-40B4-BE49-F238E27FC236}">
-                <a16:creationId xmlns:a16="http://schemas.microsoft.com/office/drawing/2014/main" id="{169269BD-B936-42CB-85E7-C231F9A5A781}"/>
+                <a16:creationId xmlns:a16="http://schemas.microsoft.com/office/drawing/2014/main" id="{7915E8F6-EF1F-43D9-BCB7-C46ACD87E897}"/>
+              </a:ext>
+            </a:extLst>
+          </p:cNvPr>
+          <p:cNvPicPr>
+            <a:picLocks noChangeAspect="1"/>
+          </p:cNvPicPr>
+          <p:nvPr/>
+        </p:nvPicPr>
+        <p:blipFill>
+          <a:blip r:embed="rId2"/>
+          <a:stretch>
+            <a:fillRect/>
+          </a:stretch>
+        </p:blipFill>
+        <p:spPr>
+          <a:xfrm>
+            <a:off x="4948631" y="15371"/>
+            <a:ext cx="616759" cy="740111"/>
+          </a:xfrm>
+          <a:prstGeom prst="rect">
+            <a:avLst/>
+          </a:prstGeom>
+        </p:spPr>
+      </p:pic>
+      <p:pic>
+        <p:nvPicPr>
+          <p:cNvPr id="11" name="Picture 10">
+            <a:extLst>
+              <a:ext uri="{FF2B5EF4-FFF2-40B4-BE49-F238E27FC236}">
+                <a16:creationId xmlns:a16="http://schemas.microsoft.com/office/drawing/2014/main" id="{5E67FB4A-A3A6-450A-9A57-BB2BDD45CC4F}"/>
+              </a:ext>
+            </a:extLst>
+          </p:cNvPr>
+          <p:cNvPicPr>
+            <a:picLocks noChangeAspect="1"/>
+          </p:cNvPicPr>
+          <p:nvPr/>
+        </p:nvPicPr>
+        <p:blipFill>
+          <a:blip r:embed="rId3"/>
+          <a:stretch>
+            <a:fillRect/>
+          </a:stretch>
+        </p:blipFill>
+        <p:spPr>
+          <a:xfrm>
+            <a:off x="5565390" y="2250171"/>
+            <a:ext cx="2787335" cy="2749668"/>
+          </a:xfrm>
+          <a:prstGeom prst="rect">
+            <a:avLst/>
+          </a:prstGeom>
+        </p:spPr>
+      </p:pic>
+      <p:sp>
+        <p:nvSpPr>
+          <p:cNvPr id="12" name="TextBox 11">
+            <a:extLst>
+              <a:ext uri="{FF2B5EF4-FFF2-40B4-BE49-F238E27FC236}">
+                <a16:creationId xmlns:a16="http://schemas.microsoft.com/office/drawing/2014/main" id="{E6EFE0A0-B2CD-4E75-9C92-B73B6AF001E3}"/>
               </a:ext>
             </a:extLst>
           </p:cNvPr>
@@ -5447,8 +5587,8 @@
         </p:nvSpPr>
         <p:spPr>
           <a:xfrm>
-            <a:off x="838200" y="3884968"/>
-            <a:ext cx="3540853" cy="584775"/>
+            <a:off x="6096000" y="5022651"/>
+            <a:ext cx="3850547" cy="276999"/>
           </a:xfrm>
           <a:prstGeom prst="rect">
             <a:avLst/>
@@ -5462,23 +5602,68 @@
           <a:lstStyle/>
           <a:p>
             <a:r>
-              <a:rPr lang="en-US" sz="3200" dirty="0"/>
-              <a:t>World </a:t>
-            </a:r>
-            <a:r>
-              <a:rPr lang="en-US" sz="3200" dirty="0" err="1"/>
-              <a:t>Listenerul</a:t>
-            </a:r>
-            <a:endParaRPr lang="en-US" sz="3200" dirty="0"/>
-          </a:p>
-        </p:txBody>
-      </p:sp>
-      <p:sp>
-        <p:nvSpPr>
-          <p:cNvPr id="9" name="TextBox 8">
+              <a:rPr lang="en-US" sz="1200" i="1" dirty="0" err="1">
+                <a:solidFill>
+                  <a:schemeClr val="bg2">
+                    <a:lumMod val="75000"/>
+                  </a:schemeClr>
+                </a:solidFill>
+                <a:latin typeface="Arial" panose="020B0604020202020204" pitchFamily="34" charset="0"/>
+                <a:cs typeface="Arial" panose="020B0604020202020204" pitchFamily="34" charset="0"/>
+              </a:rPr>
+              <a:t>Fisier</a:t>
+            </a:r>
+            <a:r>
+              <a:rPr lang="en-US" sz="1200" i="1" dirty="0">
+                <a:solidFill>
+                  <a:schemeClr val="bg2">
+                    <a:lumMod val="75000"/>
+                  </a:schemeClr>
+                </a:solidFill>
+                <a:latin typeface="Arial" panose="020B0604020202020204" pitchFamily="34" charset="0"/>
+                <a:cs typeface="Arial" panose="020B0604020202020204" pitchFamily="34" charset="0"/>
+              </a:rPr>
+              <a:t>: EventSystem.java</a:t>
+            </a:r>
+          </a:p>
+        </p:txBody>
+      </p:sp>
+      <p:pic>
+        <p:nvPicPr>
+          <p:cNvPr id="14" name="Picture 13">
             <a:extLst>
               <a:ext uri="{FF2B5EF4-FFF2-40B4-BE49-F238E27FC236}">
-                <a16:creationId xmlns:a16="http://schemas.microsoft.com/office/drawing/2014/main" id="{369F2D7F-EBC9-48D0-9F01-0D0DE3B21E94}"/>
+                <a16:creationId xmlns:a16="http://schemas.microsoft.com/office/drawing/2014/main" id="{EDBCFA16-A926-4763-B2B1-F692FC946EB0}"/>
+              </a:ext>
+            </a:extLst>
+          </p:cNvPr>
+          <p:cNvPicPr>
+            <a:picLocks noChangeAspect="1"/>
+          </p:cNvPicPr>
+          <p:nvPr/>
+        </p:nvPicPr>
+        <p:blipFill>
+          <a:blip r:embed="rId4"/>
+          <a:stretch>
+            <a:fillRect/>
+          </a:stretch>
+        </p:blipFill>
+        <p:spPr>
+          <a:xfrm>
+            <a:off x="8682606" y="2798065"/>
+            <a:ext cx="2204687" cy="1261870"/>
+          </a:xfrm>
+          <a:prstGeom prst="rect">
+            <a:avLst/>
+          </a:prstGeom>
+        </p:spPr>
+      </p:pic>
+      <p:sp>
+        <p:nvSpPr>
+          <p:cNvPr id="16" name="TextBox 15">
+            <a:extLst>
+              <a:ext uri="{FF2B5EF4-FFF2-40B4-BE49-F238E27FC236}">
+                <a16:creationId xmlns:a16="http://schemas.microsoft.com/office/drawing/2014/main" id="{0DC5C54B-8112-42A1-A344-41C1F1BE186E}"/>
               </a:ext>
             </a:extLst>
           </p:cNvPr>
@@ -5487,8 +5672,8 @@
         </p:nvSpPr>
         <p:spPr>
           <a:xfrm>
-            <a:off x="67112" y="4470899"/>
-            <a:ext cx="11286688" cy="1754326"/>
+            <a:off x="9140841" y="4082055"/>
+            <a:ext cx="3850547" cy="276999"/>
           </a:xfrm>
           <a:prstGeom prst="rect">
             <a:avLst/>
@@ -5501,417 +5686,17 @@
           </a:bodyPr>
           <a:lstStyle/>
           <a:p>
-            <a:pPr marL="285750" indent="-285750">
-              <a:buFont typeface="Arial" panose="020B0604020202020204" pitchFamily="34" charset="0"/>
-              <a:buChar char="•"/>
-            </a:pPr>
-            <a:r>
-              <a:rPr lang="en-US" dirty="0" err="1"/>
-              <a:t>Deoarece</a:t>
-            </a:r>
-            <a:r>
-              <a:rPr lang="en-US" dirty="0"/>
-              <a:t> </a:t>
-            </a:r>
-            <a:r>
-              <a:rPr lang="en-US" dirty="0" err="1"/>
-              <a:t>memoria</a:t>
-            </a:r>
-            <a:r>
-              <a:rPr lang="en-US" dirty="0"/>
-              <a:t> </a:t>
-            </a:r>
-            <a:r>
-              <a:rPr lang="en-US" dirty="0" err="1"/>
-              <a:t>alocata</a:t>
-            </a:r>
-            <a:r>
-              <a:rPr lang="en-US" dirty="0"/>
-              <a:t> JVM-</a:t>
-            </a:r>
-            <a:r>
-              <a:rPr lang="en-US" dirty="0" err="1"/>
-              <a:t>ului</a:t>
-            </a:r>
-            <a:r>
-              <a:rPr lang="en-US" dirty="0"/>
-              <a:t> </a:t>
-            </a:r>
-            <a:r>
-              <a:rPr lang="en-US" dirty="0" err="1"/>
-              <a:t>pentru</a:t>
-            </a:r>
-            <a:r>
-              <a:rPr lang="en-US" dirty="0"/>
-              <a:t> un </a:t>
-            </a:r>
-            <a:r>
-              <a:rPr lang="en-US" dirty="0" err="1"/>
-              <a:t>scenariu</a:t>
-            </a:r>
-            <a:r>
-              <a:rPr lang="en-US" dirty="0"/>
-              <a:t> </a:t>
-            </a:r>
-            <a:r>
-              <a:rPr lang="en-US" dirty="0" err="1"/>
-              <a:t>greenfoot</a:t>
-            </a:r>
-            <a:r>
-              <a:rPr lang="en-US" dirty="0"/>
-              <a:t> </a:t>
-            </a:r>
-            <a:r>
-              <a:rPr lang="en-US" dirty="0" err="1"/>
-              <a:t>este</a:t>
-            </a:r>
-            <a:r>
-              <a:rPr lang="en-US" dirty="0"/>
-              <a:t> </a:t>
-            </a:r>
-            <a:r>
-              <a:rPr lang="en-US" dirty="0" err="1"/>
-              <a:t>limitata</a:t>
-            </a:r>
-            <a:r>
-              <a:rPr lang="en-US" dirty="0"/>
-              <a:t>, am </a:t>
-            </a:r>
-            <a:r>
-              <a:rPr lang="en-US" dirty="0" err="1"/>
-              <a:t>creat</a:t>
-            </a:r>
-            <a:r>
-              <a:rPr lang="en-US" dirty="0"/>
-              <a:t> </a:t>
-            </a:r>
-            <a:r>
-              <a:rPr lang="en-US" dirty="0" err="1"/>
-              <a:t>aceasta</a:t>
-            </a:r>
-            <a:r>
-              <a:rPr lang="en-US" dirty="0"/>
-              <a:t> </a:t>
-            </a:r>
-            <a:r>
-              <a:rPr lang="en-US" dirty="0" err="1"/>
-              <a:t>clasa</a:t>
-            </a:r>
-            <a:r>
-              <a:rPr lang="en-US" dirty="0"/>
-              <a:t> care </a:t>
-            </a:r>
-            <a:r>
-              <a:rPr lang="en-US" dirty="0" err="1"/>
-              <a:t>imparte</a:t>
-            </a:r>
-            <a:r>
-              <a:rPr lang="en-US" dirty="0"/>
-              <a:t> </a:t>
-            </a:r>
-            <a:r>
-              <a:rPr lang="en-US" dirty="0" err="1"/>
-              <a:t>lumea</a:t>
-            </a:r>
-            <a:r>
-              <a:rPr lang="en-US" dirty="0"/>
-              <a:t> in </a:t>
-            </a:r>
-            <a:r>
-              <a:rPr lang="en-US" dirty="0" err="1"/>
-              <a:t>sectiuni</a:t>
-            </a:r>
-            <a:r>
-              <a:rPr lang="en-US" dirty="0"/>
-              <a:t>, </a:t>
-            </a:r>
-            <a:r>
-              <a:rPr lang="en-US" dirty="0" err="1"/>
-              <a:t>fiecare</a:t>
-            </a:r>
-            <a:r>
-              <a:rPr lang="en-US" dirty="0"/>
-              <a:t> </a:t>
-            </a:r>
-            <a:r>
-              <a:rPr lang="en-US" dirty="0" err="1"/>
-              <a:t>dintre</a:t>
-            </a:r>
-            <a:r>
-              <a:rPr lang="en-US" dirty="0"/>
-              <a:t> </a:t>
-            </a:r>
-            <a:r>
-              <a:rPr lang="en-US" dirty="0" err="1"/>
-              <a:t>aceste</a:t>
-            </a:r>
-            <a:r>
-              <a:rPr lang="en-US" dirty="0"/>
-              <a:t> </a:t>
-            </a:r>
-            <a:r>
-              <a:rPr lang="en-US" dirty="0" err="1"/>
-              <a:t>sectiuni</a:t>
-            </a:r>
-            <a:r>
-              <a:rPr lang="en-US" dirty="0"/>
-              <a:t> </a:t>
-            </a:r>
-            <a:r>
-              <a:rPr lang="en-US" dirty="0" err="1"/>
-              <a:t>comunicand</a:t>
-            </a:r>
-            <a:r>
-              <a:rPr lang="en-US" dirty="0"/>
-              <a:t> cu </a:t>
-            </a:r>
-            <a:r>
-              <a:rPr lang="en-US" dirty="0" err="1"/>
-              <a:t>cele</a:t>
-            </a:r>
-            <a:r>
-              <a:rPr lang="en-US" dirty="0"/>
-              <a:t> </a:t>
-            </a:r>
-            <a:r>
-              <a:rPr lang="en-US" dirty="0" err="1"/>
-              <a:t>invecinate</a:t>
-            </a:r>
-            <a:r>
-              <a:rPr lang="en-US" dirty="0"/>
-              <a:t>. </a:t>
-            </a:r>
-            <a:r>
-              <a:rPr lang="en-US" dirty="0" err="1"/>
-              <a:t>Astfel</a:t>
-            </a:r>
-            <a:r>
-              <a:rPr lang="en-US" dirty="0"/>
-              <a:t> am </a:t>
-            </a:r>
-            <a:r>
-              <a:rPr lang="en-US" dirty="0" err="1"/>
-              <a:t>eliminat</a:t>
-            </a:r>
-            <a:r>
-              <a:rPr lang="en-US" dirty="0"/>
-              <a:t> </a:t>
-            </a:r>
-            <a:r>
-              <a:rPr lang="en-US" dirty="0" err="1"/>
-              <a:t>complet</a:t>
-            </a:r>
-            <a:r>
-              <a:rPr lang="en-US" dirty="0"/>
-              <a:t> </a:t>
-            </a:r>
-            <a:r>
-              <a:rPr lang="en-US" dirty="0" err="1"/>
-              <a:t>necesitatea</a:t>
-            </a:r>
-            <a:r>
-              <a:rPr lang="en-US" dirty="0"/>
-              <a:t> de a </a:t>
-            </a:r>
-            <a:r>
-              <a:rPr lang="en-US" dirty="0" err="1"/>
-              <a:t>schimba</a:t>
-            </a:r>
-            <a:r>
-              <a:rPr lang="en-US" dirty="0"/>
-              <a:t> </a:t>
-            </a:r>
-            <a:r>
-              <a:rPr lang="en-US" dirty="0" err="1"/>
-              <a:t>intre</a:t>
-            </a:r>
-            <a:r>
-              <a:rPr lang="en-US" dirty="0"/>
-              <a:t> </a:t>
-            </a:r>
-            <a:r>
-              <a:rPr lang="en-US" dirty="0" err="1"/>
-              <a:t>clase</a:t>
-            </a:r>
-            <a:r>
-              <a:rPr lang="en-US" dirty="0"/>
-              <a:t> </a:t>
-            </a:r>
-            <a:r>
-              <a:rPr lang="en-US" dirty="0" err="1"/>
-              <a:t>greenfoot</a:t>
-            </a:r>
-            <a:r>
-              <a:rPr lang="en-US" dirty="0"/>
-              <a:t> de tip </a:t>
-            </a:r>
-            <a:r>
-              <a:rPr lang="en-US" dirty="0" err="1"/>
-              <a:t>World,procesul</a:t>
-            </a:r>
-            <a:r>
-              <a:rPr lang="en-US" dirty="0"/>
-              <a:t> </a:t>
-            </a:r>
-            <a:r>
-              <a:rPr lang="en-US" dirty="0" err="1"/>
-              <a:t>fiind</a:t>
-            </a:r>
-            <a:r>
-              <a:rPr lang="en-US" dirty="0"/>
-              <a:t> redundant. </a:t>
-            </a:r>
-            <a:r>
-              <a:rPr lang="en-US" dirty="0" err="1"/>
-              <a:t>WorldListenerul</a:t>
-            </a:r>
-            <a:r>
-              <a:rPr lang="en-US" dirty="0"/>
-              <a:t> </a:t>
-            </a:r>
-            <a:r>
-              <a:rPr lang="en-US" dirty="0" err="1"/>
-              <a:t>exista</a:t>
-            </a:r>
-            <a:r>
-              <a:rPr lang="en-US" dirty="0"/>
-              <a:t> permanent in </a:t>
-            </a:r>
-            <a:r>
-              <a:rPr lang="en-US" dirty="0" err="1"/>
-              <a:t>simulare</a:t>
-            </a:r>
-            <a:r>
-              <a:rPr lang="en-US" dirty="0"/>
-              <a:t> </a:t>
-            </a:r>
-            <a:r>
-              <a:rPr lang="en-US" dirty="0" err="1"/>
-              <a:t>si</a:t>
-            </a:r>
-            <a:r>
-              <a:rPr lang="en-US" dirty="0"/>
-              <a:t> se </a:t>
-            </a:r>
-            <a:r>
-              <a:rPr lang="en-US" dirty="0" err="1"/>
-              <a:t>ocupa</a:t>
-            </a:r>
-            <a:r>
-              <a:rPr lang="en-US" dirty="0"/>
-              <a:t> de tot </a:t>
-            </a:r>
-            <a:r>
-              <a:rPr lang="en-US" dirty="0" err="1"/>
-              <a:t>ceea</a:t>
-            </a:r>
-            <a:r>
-              <a:rPr lang="en-US" dirty="0"/>
-              <a:t> </a:t>
-            </a:r>
-            <a:r>
-              <a:rPr lang="en-US" dirty="0" err="1"/>
-              <a:t>ce</a:t>
-            </a:r>
-            <a:r>
-              <a:rPr lang="en-US" dirty="0"/>
-              <a:t> tine de </a:t>
-            </a:r>
-            <a:r>
-              <a:rPr lang="en-US" dirty="0" err="1"/>
-              <a:t>pozitia</a:t>
-            </a:r>
-            <a:r>
-              <a:rPr lang="en-US" dirty="0"/>
-              <a:t> </a:t>
-            </a:r>
-            <a:r>
-              <a:rPr lang="en-US" dirty="0" err="1"/>
-              <a:t>playerului</a:t>
-            </a:r>
-            <a:r>
-              <a:rPr lang="en-US" dirty="0"/>
-              <a:t> </a:t>
-            </a:r>
-            <a:r>
-              <a:rPr lang="en-US" dirty="0" err="1"/>
-              <a:t>si</a:t>
-            </a:r>
-            <a:r>
-              <a:rPr lang="en-US" dirty="0"/>
-              <a:t> </a:t>
-            </a:r>
-            <a:r>
-              <a:rPr lang="en-US" dirty="0" err="1"/>
-              <a:t>statutul</a:t>
-            </a:r>
-            <a:r>
-              <a:rPr lang="en-US" dirty="0"/>
-              <a:t> </a:t>
-            </a:r>
-            <a:r>
-              <a:rPr lang="en-US" dirty="0" err="1"/>
-              <a:t>Scrollerului</a:t>
-            </a:r>
-            <a:r>
-              <a:rPr lang="en-US" dirty="0"/>
-              <a:t>, </a:t>
-            </a:r>
-            <a:r>
-              <a:rPr lang="en-US" dirty="0" err="1"/>
-              <a:t>apoi</a:t>
-            </a:r>
-            <a:r>
-              <a:rPr lang="en-US" dirty="0"/>
-              <a:t> </a:t>
-            </a:r>
-            <a:r>
-              <a:rPr lang="en-US" dirty="0" err="1"/>
-              <a:t>realizand</a:t>
-            </a:r>
-            <a:r>
-              <a:rPr lang="en-US" dirty="0"/>
-              <a:t> </a:t>
-            </a:r>
-            <a:r>
-              <a:rPr lang="en-US" dirty="0" err="1"/>
-              <a:t>modificarile</a:t>
-            </a:r>
-            <a:r>
-              <a:rPr lang="en-US" dirty="0"/>
-              <a:t> </a:t>
-            </a:r>
-            <a:r>
-              <a:rPr lang="en-US" dirty="0" err="1"/>
-              <a:t>necesare</a:t>
-            </a:r>
-            <a:r>
-              <a:rPr lang="en-US" dirty="0"/>
-              <a:t> in </a:t>
-            </a:r>
-            <a:r>
-              <a:rPr lang="en-US" dirty="0" err="1"/>
-              <a:t>lumea</a:t>
-            </a:r>
-            <a:r>
-              <a:rPr lang="en-US" dirty="0"/>
-              <a:t> </a:t>
-            </a:r>
-            <a:r>
-              <a:rPr lang="en-US" dirty="0" err="1"/>
-              <a:t>simularii</a:t>
-            </a:r>
-            <a:r>
-              <a:rPr lang="en-US" dirty="0"/>
-              <a:t>(“</a:t>
-            </a:r>
-            <a:r>
-              <a:rPr lang="en-US" dirty="0" err="1"/>
-              <a:t>PlayWorld</a:t>
-            </a:r>
-            <a:r>
-              <a:rPr lang="en-US" dirty="0"/>
-              <a:t>”).</a:t>
+            <a:r>
+              <a:rPr lang="en-US" sz="1200" i="1" dirty="0">
+                <a:solidFill>
+                  <a:schemeClr val="bg2">
+                    <a:lumMod val="75000"/>
+                  </a:schemeClr>
+                </a:solidFill>
+                <a:latin typeface="Arial" panose="020B0604020202020204" pitchFamily="34" charset="0"/>
+                <a:cs typeface="Arial" panose="020B0604020202020204" pitchFamily="34" charset="0"/>
+              </a:rPr>
+              <a:t>Map menu</a:t>
             </a:r>
           </a:p>
         </p:txBody>
@@ -5964,7 +5749,7 @@
         </p:nvSpPr>
         <p:spPr>
           <a:xfrm>
-            <a:off x="838200" y="365126"/>
+            <a:off x="248174" y="3708063"/>
             <a:ext cx="10515600" cy="423440"/>
           </a:xfrm>
         </p:spPr>
@@ -6000,7 +5785,7 @@
         </p:nvSpPr>
         <p:spPr>
           <a:xfrm>
-            <a:off x="111853" y="894447"/>
+            <a:off x="111853" y="4216487"/>
             <a:ext cx="11241947" cy="4351338"/>
           </a:xfrm>
         </p:spPr>
@@ -6203,7 +5988,7 @@
         </p:nvSpPr>
         <p:spPr>
           <a:xfrm>
-            <a:off x="838200" y="1682418"/>
+            <a:off x="111853" y="5132449"/>
             <a:ext cx="5394121" cy="584775"/>
           </a:xfrm>
           <a:prstGeom prst="rect">
@@ -6247,7 +6032,7 @@
         </p:nvSpPr>
         <p:spPr>
           <a:xfrm>
-            <a:off x="0" y="2200005"/>
+            <a:off x="-41597" y="5782139"/>
             <a:ext cx="11548845" cy="923330"/>
           </a:xfrm>
           <a:prstGeom prst="rect">
@@ -6454,10 +6239,10 @@
       </p:sp>
       <p:sp>
         <p:nvSpPr>
-          <p:cNvPr id="9" name="TextBox 8">
+          <p:cNvPr id="8" name="TextBox 7">
             <a:extLst>
               <a:ext uri="{FF2B5EF4-FFF2-40B4-BE49-F238E27FC236}">
-                <a16:creationId xmlns:a16="http://schemas.microsoft.com/office/drawing/2014/main" id="{6FE5721C-1AEA-418A-B8EC-72C1EC29ADD5}"/>
+                <a16:creationId xmlns:a16="http://schemas.microsoft.com/office/drawing/2014/main" id="{BD43D5AD-101F-4709-9B16-A22B18605765}"/>
               </a:ext>
             </a:extLst>
           </p:cNvPr>
@@ -6466,8 +6251,8 @@
         </p:nvSpPr>
         <p:spPr>
           <a:xfrm>
-            <a:off x="721452" y="3068563"/>
-            <a:ext cx="4479721" cy="584775"/>
+            <a:off x="111853" y="294480"/>
+            <a:ext cx="3540853" cy="584775"/>
           </a:xfrm>
           <a:prstGeom prst="rect">
             <a:avLst/>
@@ -6481,22 +6266,23 @@
           <a:lstStyle/>
           <a:p>
             <a:r>
+              <a:rPr lang="en-US" sz="3200" dirty="0"/>
+              <a:t>World </a:t>
+            </a:r>
+            <a:r>
               <a:rPr lang="en-US" sz="3200" dirty="0" err="1"/>
-              <a:t>Sistemul</a:t>
-            </a:r>
-            <a:r>
-              <a:rPr lang="en-US" sz="3200" dirty="0"/>
-              <a:t> de combat</a:t>
-            </a:r>
-          </a:p>
-        </p:txBody>
-      </p:sp>
-      <p:sp>
-        <p:nvSpPr>
-          <p:cNvPr id="10" name="TextBox 9">
+              <a:t>Listenerul</a:t>
+            </a:r>
+            <a:endParaRPr lang="en-US" sz="3200" dirty="0"/>
+          </a:p>
+        </p:txBody>
+      </p:sp>
+      <p:sp>
+        <p:nvSpPr>
+          <p:cNvPr id="11" name="TextBox 10">
             <a:extLst>
               <a:ext uri="{FF2B5EF4-FFF2-40B4-BE49-F238E27FC236}">
-                <a16:creationId xmlns:a16="http://schemas.microsoft.com/office/drawing/2014/main" id="{4FFD8FF5-C9AC-43FC-B355-4D9BD81ACB64}"/>
+                <a16:creationId xmlns:a16="http://schemas.microsoft.com/office/drawing/2014/main" id="{4E6B88AA-6297-45FD-9C28-3CDE9581802B}"/>
               </a:ext>
             </a:extLst>
           </p:cNvPr>
@@ -6505,8 +6291,8 @@
         </p:nvSpPr>
         <p:spPr>
           <a:xfrm>
-            <a:off x="53478" y="3551486"/>
-            <a:ext cx="11358696" cy="1200329"/>
+            <a:off x="-41597" y="964239"/>
+            <a:ext cx="6744401" cy="2585323"/>
           </a:xfrm>
           <a:prstGeom prst="rect">
             <a:avLst/>
@@ -6524,24 +6310,60 @@
               <a:buChar char="•"/>
             </a:pPr>
             <a:r>
-              <a:rPr lang="en-US" dirty="0"/>
-              <a:t>O mare </a:t>
-            </a:r>
-            <a:r>
-              <a:rPr lang="en-US" dirty="0" err="1"/>
-              <a:t>parte</a:t>
-            </a:r>
-            <a:r>
-              <a:rPr lang="en-US" dirty="0"/>
-              <a:t> din </a:t>
-            </a:r>
-            <a:r>
-              <a:rPr lang="en-US" dirty="0" err="1"/>
-              <a:t>actiunea</a:t>
-            </a:r>
-            <a:r>
-              <a:rPr lang="en-US" dirty="0"/>
-              <a:t> din Strafer II </a:t>
+              <a:rPr lang="en-US" dirty="0" err="1"/>
+              <a:t>Deoarece</a:t>
+            </a:r>
+            <a:r>
+              <a:rPr lang="en-US" dirty="0"/>
+              <a:t> </a:t>
+            </a:r>
+            <a:r>
+              <a:rPr lang="en-US" dirty="0" err="1"/>
+              <a:t>memoria</a:t>
+            </a:r>
+            <a:r>
+              <a:rPr lang="en-US" dirty="0"/>
+              <a:t> </a:t>
+            </a:r>
+            <a:r>
+              <a:rPr lang="en-US" dirty="0" err="1"/>
+              <a:t>alocata</a:t>
+            </a:r>
+            <a:r>
+              <a:rPr lang="en-US" dirty="0"/>
+              <a:t> JVM-</a:t>
+            </a:r>
+            <a:r>
+              <a:rPr lang="en-US" dirty="0" err="1"/>
+              <a:t>ului</a:t>
+            </a:r>
+            <a:r>
+              <a:rPr lang="en-US" dirty="0"/>
+              <a:t> </a:t>
+            </a:r>
+            <a:r>
+              <a:rPr lang="en-US" dirty="0" err="1"/>
+              <a:t>pentru</a:t>
+            </a:r>
+            <a:r>
+              <a:rPr lang="en-US" dirty="0"/>
+              <a:t> un </a:t>
+            </a:r>
+            <a:r>
+              <a:rPr lang="en-US" dirty="0" err="1"/>
+              <a:t>scenariu</a:t>
+            </a:r>
+            <a:r>
+              <a:rPr lang="en-US" dirty="0"/>
+              <a:t> </a:t>
+            </a:r>
+            <a:r>
+              <a:rPr lang="en-US" dirty="0" err="1"/>
+              <a:t>greenfoot</a:t>
+            </a:r>
+            <a:r>
+              <a:rPr lang="en-US" dirty="0"/>
+              <a:t> </a:t>
             </a:r>
             <a:r>
               <a:rPr lang="en-US" dirty="0" err="1"/>
@@ -6553,39 +6375,63 @@
             </a:r>
             <a:r>
               <a:rPr lang="en-US" dirty="0" err="1"/>
-              <a:t>datorata</a:t>
-            </a:r>
-            <a:r>
-              <a:rPr lang="en-US" dirty="0"/>
-              <a:t> </a:t>
-            </a:r>
-            <a:r>
-              <a:rPr lang="en-US" dirty="0" err="1"/>
-              <a:t>sistemului</a:t>
-            </a:r>
-            <a:r>
-              <a:rPr lang="en-US" dirty="0"/>
-              <a:t> de combat. </a:t>
-            </a:r>
-            <a:r>
-              <a:rPr lang="en-US" dirty="0" err="1"/>
-              <a:t>Acesta</a:t>
-            </a:r>
-            <a:r>
-              <a:rPr lang="en-US" dirty="0"/>
-              <a:t> are la </a:t>
-            </a:r>
-            <a:r>
-              <a:rPr lang="en-US" dirty="0" err="1"/>
-              <a:t>baza</a:t>
-            </a:r>
-            <a:r>
-              <a:rPr lang="en-US" dirty="0"/>
-              <a:t> </a:t>
-            </a:r>
-            <a:r>
-              <a:rPr lang="en-US" dirty="0" err="1"/>
-              <a:t>interactiunile</a:t>
+              <a:t>limitata</a:t>
+            </a:r>
+            <a:r>
+              <a:rPr lang="en-US" dirty="0"/>
+              <a:t>, am </a:t>
+            </a:r>
+            <a:r>
+              <a:rPr lang="en-US" dirty="0" err="1"/>
+              <a:t>creat</a:t>
+            </a:r>
+            <a:r>
+              <a:rPr lang="en-US" dirty="0"/>
+              <a:t> </a:t>
+            </a:r>
+            <a:r>
+              <a:rPr lang="en-US" dirty="0" err="1"/>
+              <a:t>aceasta</a:t>
+            </a:r>
+            <a:r>
+              <a:rPr lang="en-US" dirty="0"/>
+              <a:t> </a:t>
+            </a:r>
+            <a:r>
+              <a:rPr lang="en-US" dirty="0" err="1"/>
+              <a:t>clasa</a:t>
+            </a:r>
+            <a:r>
+              <a:rPr lang="en-US" dirty="0"/>
+              <a:t> care </a:t>
+            </a:r>
+            <a:r>
+              <a:rPr lang="en-US" dirty="0" err="1"/>
+              <a:t>imparte</a:t>
+            </a:r>
+            <a:r>
+              <a:rPr lang="en-US" dirty="0"/>
+              <a:t> </a:t>
+            </a:r>
+            <a:r>
+              <a:rPr lang="en-US" dirty="0" err="1"/>
+              <a:t>lumea</a:t>
+            </a:r>
+            <a:r>
+              <a:rPr lang="en-US" dirty="0"/>
+              <a:t> in </a:t>
+            </a:r>
+            <a:r>
+              <a:rPr lang="en-US" dirty="0" err="1"/>
+              <a:t>sectiuni</a:t>
+            </a:r>
+            <a:r>
+              <a:rPr lang="en-US" dirty="0"/>
+              <a:t>, </a:t>
+            </a:r>
+            <a:r>
+              <a:rPr lang="en-US" dirty="0" err="1"/>
+              <a:t>fiecare</a:t>
             </a:r>
             <a:r>
               <a:rPr lang="en-US" dirty="0"/>
@@ -6597,11 +6443,147 @@
             </a:r>
             <a:r>
               <a:rPr lang="en-US" dirty="0"/>
-              <a:t> player, </a:t>
-            </a:r>
-            <a:r>
-              <a:rPr lang="en-US" dirty="0" err="1"/>
-              <a:t>iteme</a:t>
+              <a:t> </a:t>
+            </a:r>
+            <a:r>
+              <a:rPr lang="en-US" dirty="0" err="1"/>
+              <a:t>aceste</a:t>
+            </a:r>
+            <a:r>
+              <a:rPr lang="en-US" dirty="0"/>
+              <a:t> </a:t>
+            </a:r>
+            <a:r>
+              <a:rPr lang="en-US" dirty="0" err="1"/>
+              <a:t>sectiuni</a:t>
+            </a:r>
+            <a:r>
+              <a:rPr lang="en-US" dirty="0"/>
+              <a:t> </a:t>
+            </a:r>
+            <a:r>
+              <a:rPr lang="en-US" dirty="0" err="1"/>
+              <a:t>comunicand</a:t>
+            </a:r>
+            <a:r>
+              <a:rPr lang="en-US" dirty="0"/>
+              <a:t> cu </a:t>
+            </a:r>
+            <a:r>
+              <a:rPr lang="en-US" dirty="0" err="1"/>
+              <a:t>cele</a:t>
+            </a:r>
+            <a:r>
+              <a:rPr lang="en-US" dirty="0"/>
+              <a:t> </a:t>
+            </a:r>
+            <a:r>
+              <a:rPr lang="en-US" dirty="0" err="1"/>
+              <a:t>invecinate</a:t>
+            </a:r>
+            <a:r>
+              <a:rPr lang="en-US" dirty="0"/>
+              <a:t>. </a:t>
+            </a:r>
+            <a:r>
+              <a:rPr lang="en-US" dirty="0" err="1"/>
+              <a:t>Astfel</a:t>
+            </a:r>
+            <a:r>
+              <a:rPr lang="en-US" dirty="0"/>
+              <a:t> am </a:t>
+            </a:r>
+            <a:r>
+              <a:rPr lang="en-US" dirty="0" err="1"/>
+              <a:t>eliminat</a:t>
+            </a:r>
+            <a:r>
+              <a:rPr lang="en-US" dirty="0"/>
+              <a:t> </a:t>
+            </a:r>
+            <a:r>
+              <a:rPr lang="en-US" dirty="0" err="1"/>
+              <a:t>complet</a:t>
+            </a:r>
+            <a:r>
+              <a:rPr lang="en-US" dirty="0"/>
+              <a:t> </a:t>
+            </a:r>
+            <a:r>
+              <a:rPr lang="en-US" dirty="0" err="1"/>
+              <a:t>necesitatea</a:t>
+            </a:r>
+            <a:r>
+              <a:rPr lang="en-US" dirty="0"/>
+              <a:t> de a </a:t>
+            </a:r>
+            <a:r>
+              <a:rPr lang="en-US" dirty="0" err="1"/>
+              <a:t>schimba</a:t>
+            </a:r>
+            <a:r>
+              <a:rPr lang="en-US" dirty="0"/>
+              <a:t> </a:t>
+            </a:r>
+            <a:r>
+              <a:rPr lang="en-US" dirty="0" err="1"/>
+              <a:t>intre</a:t>
+            </a:r>
+            <a:r>
+              <a:rPr lang="en-US" dirty="0"/>
+              <a:t> </a:t>
+            </a:r>
+            <a:r>
+              <a:rPr lang="en-US" dirty="0" err="1"/>
+              <a:t>clase</a:t>
+            </a:r>
+            <a:r>
+              <a:rPr lang="en-US" dirty="0"/>
+              <a:t> </a:t>
+            </a:r>
+            <a:r>
+              <a:rPr lang="en-US" dirty="0" err="1"/>
+              <a:t>greenfoot</a:t>
+            </a:r>
+            <a:r>
+              <a:rPr lang="en-US" dirty="0"/>
+              <a:t> de tip </a:t>
+            </a:r>
+            <a:r>
+              <a:rPr lang="en-US" dirty="0" err="1"/>
+              <a:t>World,procesul</a:t>
+            </a:r>
+            <a:r>
+              <a:rPr lang="en-US" dirty="0"/>
+              <a:t> </a:t>
+            </a:r>
+            <a:r>
+              <a:rPr lang="en-US" dirty="0" err="1"/>
+              <a:t>fiind</a:t>
+            </a:r>
+            <a:r>
+              <a:rPr lang="en-US" dirty="0"/>
+              <a:t> redundant. </a:t>
+            </a:r>
+            <a:r>
+              <a:rPr lang="en-US" dirty="0" err="1"/>
+              <a:t>WorldListenerul</a:t>
+            </a:r>
+            <a:r>
+              <a:rPr lang="en-US" dirty="0"/>
+              <a:t> </a:t>
+            </a:r>
+            <a:r>
+              <a:rPr lang="en-US" dirty="0" err="1"/>
+              <a:t>exista</a:t>
+            </a:r>
+            <a:r>
+              <a:rPr lang="en-US" dirty="0"/>
+              <a:t> permanent in </a:t>
+            </a:r>
+            <a:r>
+              <a:rPr lang="en-US" dirty="0" err="1"/>
+              <a:t>simulare</a:t>
             </a:r>
             <a:r>
               <a:rPr lang="en-US" dirty="0"/>
@@ -6613,59 +6595,43 @@
             </a:r>
             <a:r>
               <a:rPr lang="en-US" dirty="0"/>
-              <a:t> NPC-</a:t>
-            </a:r>
-            <a:r>
-              <a:rPr lang="en-US" dirty="0" err="1"/>
-              <a:t>uri</a:t>
-            </a:r>
-            <a:r>
-              <a:rPr lang="en-US" dirty="0"/>
-              <a:t>(non-playable characters). NPC-urile </a:t>
-            </a:r>
-            <a:r>
-              <a:rPr lang="en-US" dirty="0" err="1"/>
-              <a:t>ostile</a:t>
-            </a:r>
-            <a:r>
-              <a:rPr lang="en-US" dirty="0"/>
-              <a:t>(</a:t>
-            </a:r>
-            <a:r>
-              <a:rPr lang="en-US" dirty="0" err="1"/>
-              <a:t>clasa</a:t>
-            </a:r>
-            <a:r>
-              <a:rPr lang="en-US" dirty="0"/>
-              <a:t> </a:t>
-            </a:r>
-            <a:r>
-              <a:rPr lang="en-US" dirty="0" err="1"/>
-              <a:t>Inamic</a:t>
-            </a:r>
-            <a:r>
-              <a:rPr lang="en-US" dirty="0"/>
-              <a:t>) au </a:t>
-            </a:r>
-            <a:r>
-              <a:rPr lang="en-US" dirty="0" err="1"/>
-              <a:t>fiecare</a:t>
-            </a:r>
-            <a:r>
-              <a:rPr lang="en-US" dirty="0"/>
-              <a:t> un mod </a:t>
-            </a:r>
-            <a:r>
-              <a:rPr lang="en-US" dirty="0" err="1"/>
-              <a:t>diferit</a:t>
-            </a:r>
-            <a:r>
-              <a:rPr lang="en-US" dirty="0"/>
-              <a:t> de </a:t>
-            </a:r>
-            <a:r>
-              <a:rPr lang="en-US" dirty="0" err="1"/>
-              <a:t>atac</a:t>
+              <a:t> se </a:t>
+            </a:r>
+            <a:r>
+              <a:rPr lang="en-US" dirty="0" err="1"/>
+              <a:t>ocupa</a:t>
+            </a:r>
+            <a:r>
+              <a:rPr lang="en-US" dirty="0"/>
+              <a:t> de tot </a:t>
+            </a:r>
+            <a:r>
+              <a:rPr lang="en-US" dirty="0" err="1"/>
+              <a:t>ceea</a:t>
+            </a:r>
+            <a:r>
+              <a:rPr lang="en-US" dirty="0"/>
+              <a:t> </a:t>
+            </a:r>
+            <a:r>
+              <a:rPr lang="en-US" dirty="0" err="1"/>
+              <a:t>ce</a:t>
+            </a:r>
+            <a:r>
+              <a:rPr lang="en-US" dirty="0"/>
+              <a:t> tine de </a:t>
+            </a:r>
+            <a:r>
+              <a:rPr lang="en-US" dirty="0" err="1"/>
+              <a:t>pozitia</a:t>
+            </a:r>
+            <a:r>
+              <a:rPr lang="en-US" dirty="0"/>
+              <a:t> </a:t>
+            </a:r>
+            <a:r>
+              <a:rPr lang="en-US" dirty="0" err="1"/>
+              <a:t>playerului</a:t>
             </a:r>
             <a:r>
               <a:rPr lang="en-US" dirty="0"/>
@@ -6681,83 +6647,160 @@
             </a:r>
             <a:r>
               <a:rPr lang="en-US" dirty="0" err="1"/>
-              <a:t>reactioneaza</a:t>
-            </a:r>
-            <a:r>
-              <a:rPr lang="en-US" dirty="0"/>
-              <a:t> </a:t>
-            </a:r>
-            <a:r>
-              <a:rPr lang="en-US" dirty="0" err="1"/>
-              <a:t>diferit</a:t>
-            </a:r>
-            <a:r>
-              <a:rPr lang="en-US" dirty="0"/>
-              <a:t> la </a:t>
-            </a:r>
-            <a:r>
-              <a:rPr lang="en-US" dirty="0" err="1"/>
-              <a:t>atacurile</a:t>
-            </a:r>
-            <a:r>
-              <a:rPr lang="en-US" dirty="0"/>
-              <a:t> </a:t>
-            </a:r>
-            <a:r>
-              <a:rPr lang="en-US" dirty="0" err="1"/>
-              <a:t>playerului</a:t>
-            </a:r>
-            <a:r>
-              <a:rPr lang="en-US" dirty="0"/>
-              <a:t>. </a:t>
-            </a:r>
-            <a:r>
-              <a:rPr lang="en-US" dirty="0" err="1"/>
-              <a:t>Playerul</a:t>
-            </a:r>
-            <a:r>
-              <a:rPr lang="en-US" dirty="0"/>
-              <a:t> </a:t>
-            </a:r>
-            <a:r>
-              <a:rPr lang="en-US" dirty="0" err="1"/>
-              <a:t>poate</a:t>
-            </a:r>
-            <a:r>
-              <a:rPr lang="en-US" dirty="0"/>
-              <a:t> </a:t>
-            </a:r>
-            <a:r>
-              <a:rPr lang="en-US" dirty="0" err="1"/>
-              <a:t>pierde</a:t>
-            </a:r>
-            <a:r>
-              <a:rPr lang="en-US" dirty="0"/>
-              <a:t> </a:t>
-            </a:r>
-            <a:r>
-              <a:rPr lang="en-US" dirty="0" err="1"/>
-              <a:t>si</a:t>
-            </a:r>
-            <a:r>
-              <a:rPr lang="en-US" dirty="0"/>
-              <a:t> </a:t>
-            </a:r>
-            <a:r>
-              <a:rPr lang="en-US" dirty="0" err="1"/>
-              <a:t>recupera</a:t>
-            </a:r>
-            <a:r>
-              <a:rPr lang="en-US" dirty="0"/>
-              <a:t> hp(</a:t>
-            </a:r>
-            <a:r>
-              <a:rPr lang="en-US" dirty="0" err="1"/>
-              <a:t>viata</a:t>
-            </a:r>
-            <a:r>
-              <a:rPr lang="en-US" dirty="0"/>
-              <a:t>).</a:t>
+              <a:t>statutul</a:t>
+            </a:r>
+            <a:r>
+              <a:rPr lang="en-US" dirty="0"/>
+              <a:t> </a:t>
+            </a:r>
+            <a:r>
+              <a:rPr lang="en-US" dirty="0" err="1"/>
+              <a:t>Scrollerului</a:t>
+            </a:r>
+            <a:r>
+              <a:rPr lang="en-US" dirty="0"/>
+              <a:t>, </a:t>
+            </a:r>
+            <a:r>
+              <a:rPr lang="en-US" dirty="0" err="1"/>
+              <a:t>apoi</a:t>
+            </a:r>
+            <a:r>
+              <a:rPr lang="en-US" dirty="0"/>
+              <a:t> </a:t>
+            </a:r>
+            <a:r>
+              <a:rPr lang="en-US" dirty="0" err="1"/>
+              <a:t>realizand</a:t>
+            </a:r>
+            <a:r>
+              <a:rPr lang="en-US" dirty="0"/>
+              <a:t> </a:t>
+            </a:r>
+            <a:r>
+              <a:rPr lang="en-US" dirty="0" err="1"/>
+              <a:t>modificarile</a:t>
+            </a:r>
+            <a:r>
+              <a:rPr lang="en-US" dirty="0"/>
+              <a:t> </a:t>
+            </a:r>
+            <a:r>
+              <a:rPr lang="en-US" dirty="0" err="1"/>
+              <a:t>necesare</a:t>
+            </a:r>
+            <a:r>
+              <a:rPr lang="en-US" dirty="0"/>
+              <a:t> in </a:t>
+            </a:r>
+            <a:r>
+              <a:rPr lang="en-US" dirty="0" err="1"/>
+              <a:t>lumea</a:t>
+            </a:r>
+            <a:r>
+              <a:rPr lang="en-US" dirty="0"/>
+              <a:t> </a:t>
+            </a:r>
+            <a:r>
+              <a:rPr lang="en-US" dirty="0" err="1"/>
+              <a:t>simularii</a:t>
+            </a:r>
+            <a:r>
+              <a:rPr lang="en-US" dirty="0"/>
+              <a:t>(“</a:t>
+            </a:r>
+            <a:r>
+              <a:rPr lang="en-US" dirty="0" err="1"/>
+              <a:t>PlayWorld</a:t>
+            </a:r>
+            <a:r>
+              <a:rPr lang="en-US" dirty="0"/>
+              <a:t>”).</a:t>
+            </a:r>
+          </a:p>
+        </p:txBody>
+      </p:sp>
+      <p:pic>
+        <p:nvPicPr>
+          <p:cNvPr id="6" name="Picture 5">
+            <a:extLst>
+              <a:ext uri="{FF2B5EF4-FFF2-40B4-BE49-F238E27FC236}">
+                <a16:creationId xmlns:a16="http://schemas.microsoft.com/office/drawing/2014/main" id="{EF3F0073-E2C6-4DDC-89CE-D9CC6FCF8C70}"/>
+              </a:ext>
+            </a:extLst>
+          </p:cNvPr>
+          <p:cNvPicPr>
+            <a:picLocks noChangeAspect="1"/>
+          </p:cNvPicPr>
+          <p:nvPr/>
+        </p:nvPicPr>
+        <p:blipFill>
+          <a:blip r:embed="rId2"/>
+          <a:stretch>
+            <a:fillRect/>
+          </a:stretch>
+        </p:blipFill>
+        <p:spPr>
+          <a:xfrm>
+            <a:off x="6387125" y="378098"/>
+            <a:ext cx="5693022" cy="1414671"/>
+          </a:xfrm>
+          <a:prstGeom prst="rect">
+            <a:avLst/>
+          </a:prstGeom>
+        </p:spPr>
+      </p:pic>
+      <p:sp>
+        <p:nvSpPr>
+          <p:cNvPr id="12" name="TextBox 11">
+            <a:extLst>
+              <a:ext uri="{FF2B5EF4-FFF2-40B4-BE49-F238E27FC236}">
+                <a16:creationId xmlns:a16="http://schemas.microsoft.com/office/drawing/2014/main" id="{A7142B42-910F-4E20-AAFE-82258ACF167E}"/>
+              </a:ext>
+            </a:extLst>
+          </p:cNvPr>
+          <p:cNvSpPr txBox="1"/>
+          <p:nvPr/>
+        </p:nvSpPr>
+        <p:spPr>
+          <a:xfrm>
+            <a:off x="7390700" y="1853967"/>
+            <a:ext cx="3850547" cy="276999"/>
+          </a:xfrm>
+          <a:prstGeom prst="rect">
+            <a:avLst/>
+          </a:prstGeom>
+          <a:noFill/>
+        </p:spPr>
+        <p:txBody>
+          <a:bodyPr wrap="square" rtlCol="0">
+            <a:spAutoFit/>
+          </a:bodyPr>
+          <a:lstStyle/>
+          <a:p>
+            <a:r>
+              <a:rPr lang="en-US" sz="1200" i="1" dirty="0" err="1">
+                <a:solidFill>
+                  <a:schemeClr val="bg2">
+                    <a:lumMod val="75000"/>
+                  </a:schemeClr>
+                </a:solidFill>
+                <a:latin typeface="Arial" panose="020B0604020202020204" pitchFamily="34" charset="0"/>
+                <a:cs typeface="Arial" panose="020B0604020202020204" pitchFamily="34" charset="0"/>
+              </a:rPr>
+              <a:t>Fisier</a:t>
+            </a:r>
+            <a:r>
+              <a:rPr lang="en-US" sz="1200" i="1" dirty="0">
+                <a:solidFill>
+                  <a:schemeClr val="bg2">
+                    <a:lumMod val="75000"/>
+                  </a:schemeClr>
+                </a:solidFill>
+                <a:latin typeface="Arial" panose="020B0604020202020204" pitchFamily="34" charset="0"/>
+                <a:cs typeface="Arial" panose="020B0604020202020204" pitchFamily="34" charset="0"/>
+              </a:rPr>
+              <a:t>: WorldListener.java</a:t>
             </a:r>
           </a:p>
         </p:txBody>
@@ -6810,7 +6853,7 @@
         </p:nvSpPr>
         <p:spPr>
           <a:xfrm>
-            <a:off x="503339" y="397537"/>
+            <a:off x="293614" y="2938906"/>
             <a:ext cx="9692640" cy="516863"/>
           </a:xfrm>
         </p:spPr>
@@ -6845,8 +6888,8 @@
         </p:nvSpPr>
         <p:spPr>
           <a:xfrm>
-            <a:off x="503339" y="914400"/>
-            <a:ext cx="10662408" cy="5265737"/>
+            <a:off x="151002" y="3458894"/>
+            <a:ext cx="7673933" cy="5265737"/>
           </a:xfrm>
         </p:spPr>
         <p:txBody>
@@ -7395,7 +7438,7 @@
         </p:nvSpPr>
         <p:spPr>
           <a:xfrm>
-            <a:off x="7933992" y="3680670"/>
+            <a:off x="7933992" y="3747731"/>
             <a:ext cx="3231755" cy="2400657"/>
           </a:xfrm>
           <a:prstGeom prst="rect">
@@ -7431,6 +7474,606 @@
               <a:rPr lang="en-US" sz="3000" dirty="0"/>
               <a:t>0      -1     -1     0</a:t>
             </a:r>
+          </a:p>
+        </p:txBody>
+      </p:sp>
+      <p:sp>
+        <p:nvSpPr>
+          <p:cNvPr id="7" name="TextBox 6">
+            <a:extLst>
+              <a:ext uri="{FF2B5EF4-FFF2-40B4-BE49-F238E27FC236}">
+                <a16:creationId xmlns:a16="http://schemas.microsoft.com/office/drawing/2014/main" id="{2DC14914-6988-4B94-BE9E-D0A209F742F7}"/>
+              </a:ext>
+            </a:extLst>
+          </p:cNvPr>
+          <p:cNvSpPr txBox="1"/>
+          <p:nvPr/>
+        </p:nvSpPr>
+        <p:spPr>
+          <a:xfrm>
+            <a:off x="151002" y="202137"/>
+            <a:ext cx="4479721" cy="584775"/>
+          </a:xfrm>
+          <a:prstGeom prst="rect">
+            <a:avLst/>
+          </a:prstGeom>
+          <a:noFill/>
+        </p:spPr>
+        <p:txBody>
+          <a:bodyPr wrap="square" rtlCol="0">
+            <a:spAutoFit/>
+          </a:bodyPr>
+          <a:lstStyle/>
+          <a:p>
+            <a:r>
+              <a:rPr lang="en-US" sz="3200" dirty="0" err="1"/>
+              <a:t>Sistemul</a:t>
+            </a:r>
+            <a:r>
+              <a:rPr lang="en-US" sz="3200" dirty="0"/>
+              <a:t> de combat</a:t>
+            </a:r>
+          </a:p>
+        </p:txBody>
+      </p:sp>
+      <p:sp>
+        <p:nvSpPr>
+          <p:cNvPr id="8" name="TextBox 7">
+            <a:extLst>
+              <a:ext uri="{FF2B5EF4-FFF2-40B4-BE49-F238E27FC236}">
+                <a16:creationId xmlns:a16="http://schemas.microsoft.com/office/drawing/2014/main" id="{586C2699-7A70-41F1-AC9A-40D355637CD9}"/>
+              </a:ext>
+            </a:extLst>
+          </p:cNvPr>
+          <p:cNvSpPr txBox="1"/>
+          <p:nvPr/>
+        </p:nvSpPr>
+        <p:spPr>
+          <a:xfrm>
+            <a:off x="151002" y="853973"/>
+            <a:ext cx="5847126" cy="2031325"/>
+          </a:xfrm>
+          <a:prstGeom prst="rect">
+            <a:avLst/>
+          </a:prstGeom>
+          <a:noFill/>
+        </p:spPr>
+        <p:txBody>
+          <a:bodyPr wrap="square" rtlCol="0">
+            <a:spAutoFit/>
+          </a:bodyPr>
+          <a:lstStyle/>
+          <a:p>
+            <a:pPr marL="285750" indent="-285750">
+              <a:buFont typeface="Arial" panose="020B0604020202020204" pitchFamily="34" charset="0"/>
+              <a:buChar char="•"/>
+            </a:pPr>
+            <a:r>
+              <a:rPr lang="en-US" dirty="0"/>
+              <a:t>O mare </a:t>
+            </a:r>
+            <a:r>
+              <a:rPr lang="en-US" dirty="0" err="1"/>
+              <a:t>parte</a:t>
+            </a:r>
+            <a:r>
+              <a:rPr lang="en-US" dirty="0"/>
+              <a:t> din </a:t>
+            </a:r>
+            <a:r>
+              <a:rPr lang="en-US" dirty="0" err="1"/>
+              <a:t>actiunea</a:t>
+            </a:r>
+            <a:r>
+              <a:rPr lang="en-US" dirty="0"/>
+              <a:t> din Strafer II </a:t>
+            </a:r>
+            <a:r>
+              <a:rPr lang="en-US" dirty="0" err="1"/>
+              <a:t>este</a:t>
+            </a:r>
+            <a:r>
+              <a:rPr lang="en-US" dirty="0"/>
+              <a:t> </a:t>
+            </a:r>
+            <a:r>
+              <a:rPr lang="en-US" dirty="0" err="1"/>
+              <a:t>datorata</a:t>
+            </a:r>
+            <a:r>
+              <a:rPr lang="en-US" dirty="0"/>
+              <a:t> </a:t>
+            </a:r>
+            <a:r>
+              <a:rPr lang="en-US" dirty="0" err="1"/>
+              <a:t>sistemului</a:t>
+            </a:r>
+            <a:r>
+              <a:rPr lang="en-US" dirty="0"/>
+              <a:t> de combat. </a:t>
+            </a:r>
+            <a:r>
+              <a:rPr lang="en-US" dirty="0" err="1"/>
+              <a:t>Acesta</a:t>
+            </a:r>
+            <a:r>
+              <a:rPr lang="en-US" dirty="0"/>
+              <a:t> are la </a:t>
+            </a:r>
+            <a:r>
+              <a:rPr lang="en-US" dirty="0" err="1"/>
+              <a:t>baza</a:t>
+            </a:r>
+            <a:r>
+              <a:rPr lang="en-US" dirty="0"/>
+              <a:t> </a:t>
+            </a:r>
+            <a:r>
+              <a:rPr lang="en-US" dirty="0" err="1"/>
+              <a:t>interactiunile</a:t>
+            </a:r>
+            <a:r>
+              <a:rPr lang="en-US" dirty="0"/>
+              <a:t> </a:t>
+            </a:r>
+            <a:r>
+              <a:rPr lang="en-US" dirty="0" err="1"/>
+              <a:t>dintre</a:t>
+            </a:r>
+            <a:r>
+              <a:rPr lang="en-US" dirty="0"/>
+              <a:t> player, </a:t>
+            </a:r>
+            <a:r>
+              <a:rPr lang="en-US" dirty="0" err="1"/>
+              <a:t>iteme</a:t>
+            </a:r>
+            <a:r>
+              <a:rPr lang="en-US" dirty="0"/>
+              <a:t> </a:t>
+            </a:r>
+            <a:r>
+              <a:rPr lang="en-US" dirty="0" err="1"/>
+              <a:t>si</a:t>
+            </a:r>
+            <a:r>
+              <a:rPr lang="en-US" dirty="0"/>
+              <a:t> NPC-</a:t>
+            </a:r>
+            <a:r>
+              <a:rPr lang="en-US" dirty="0" err="1"/>
+              <a:t>uri</a:t>
+            </a:r>
+            <a:r>
+              <a:rPr lang="en-US" dirty="0"/>
+              <a:t>(non-playable characters). NPC-urile </a:t>
+            </a:r>
+            <a:r>
+              <a:rPr lang="en-US" dirty="0" err="1"/>
+              <a:t>ostile</a:t>
+            </a:r>
+            <a:r>
+              <a:rPr lang="en-US" dirty="0"/>
+              <a:t>(</a:t>
+            </a:r>
+            <a:r>
+              <a:rPr lang="en-US" dirty="0" err="1"/>
+              <a:t>clasa</a:t>
+            </a:r>
+            <a:r>
+              <a:rPr lang="en-US" dirty="0"/>
+              <a:t> </a:t>
+            </a:r>
+            <a:r>
+              <a:rPr lang="en-US" dirty="0" err="1"/>
+              <a:t>Inamic</a:t>
+            </a:r>
+            <a:r>
+              <a:rPr lang="en-US" dirty="0"/>
+              <a:t>) au </a:t>
+            </a:r>
+            <a:r>
+              <a:rPr lang="en-US" dirty="0" err="1"/>
+              <a:t>fiecare</a:t>
+            </a:r>
+            <a:r>
+              <a:rPr lang="en-US" dirty="0"/>
+              <a:t> un mod </a:t>
+            </a:r>
+            <a:r>
+              <a:rPr lang="en-US" dirty="0" err="1"/>
+              <a:t>diferit</a:t>
+            </a:r>
+            <a:r>
+              <a:rPr lang="en-US" dirty="0"/>
+              <a:t> de </a:t>
+            </a:r>
+            <a:r>
+              <a:rPr lang="en-US" dirty="0" err="1"/>
+              <a:t>atac</a:t>
+            </a:r>
+            <a:r>
+              <a:rPr lang="en-US" dirty="0"/>
+              <a:t> </a:t>
+            </a:r>
+            <a:r>
+              <a:rPr lang="en-US" dirty="0" err="1"/>
+              <a:t>si</a:t>
+            </a:r>
+            <a:r>
+              <a:rPr lang="en-US" dirty="0"/>
+              <a:t> </a:t>
+            </a:r>
+            <a:r>
+              <a:rPr lang="en-US" dirty="0" err="1"/>
+              <a:t>reactioneaza</a:t>
+            </a:r>
+            <a:r>
+              <a:rPr lang="en-US" dirty="0"/>
+              <a:t> </a:t>
+            </a:r>
+            <a:r>
+              <a:rPr lang="en-US" dirty="0" err="1"/>
+              <a:t>diferit</a:t>
+            </a:r>
+            <a:r>
+              <a:rPr lang="en-US" dirty="0"/>
+              <a:t> la </a:t>
+            </a:r>
+            <a:r>
+              <a:rPr lang="en-US" dirty="0" err="1"/>
+              <a:t>atacurile</a:t>
+            </a:r>
+            <a:r>
+              <a:rPr lang="en-US" dirty="0"/>
+              <a:t> </a:t>
+            </a:r>
+            <a:r>
+              <a:rPr lang="en-US" dirty="0" err="1"/>
+              <a:t>playerului</a:t>
+            </a:r>
+            <a:r>
+              <a:rPr lang="en-US" dirty="0"/>
+              <a:t>. </a:t>
+            </a:r>
+            <a:r>
+              <a:rPr lang="en-US" dirty="0" err="1"/>
+              <a:t>Playerul</a:t>
+            </a:r>
+            <a:r>
+              <a:rPr lang="en-US" dirty="0"/>
+              <a:t> </a:t>
+            </a:r>
+            <a:r>
+              <a:rPr lang="en-US" dirty="0" err="1"/>
+              <a:t>poate</a:t>
+            </a:r>
+            <a:r>
+              <a:rPr lang="en-US" dirty="0"/>
+              <a:t> </a:t>
+            </a:r>
+            <a:r>
+              <a:rPr lang="en-US" dirty="0" err="1"/>
+              <a:t>pierde</a:t>
+            </a:r>
+            <a:r>
+              <a:rPr lang="en-US" dirty="0"/>
+              <a:t> </a:t>
+            </a:r>
+            <a:r>
+              <a:rPr lang="en-US" dirty="0" err="1"/>
+              <a:t>si</a:t>
+            </a:r>
+            <a:r>
+              <a:rPr lang="en-US" dirty="0"/>
+              <a:t> </a:t>
+            </a:r>
+            <a:r>
+              <a:rPr lang="en-US" dirty="0" err="1"/>
+              <a:t>recupera</a:t>
+            </a:r>
+            <a:r>
+              <a:rPr lang="en-US" dirty="0"/>
+              <a:t> hp(</a:t>
+            </a:r>
+            <a:r>
+              <a:rPr lang="en-US" dirty="0" err="1"/>
+              <a:t>viata</a:t>
+            </a:r>
+            <a:r>
+              <a:rPr lang="en-US" dirty="0"/>
+              <a:t>).</a:t>
+            </a:r>
+          </a:p>
+        </p:txBody>
+      </p:sp>
+      <p:sp>
+        <p:nvSpPr>
+          <p:cNvPr id="9" name="TextBox 8">
+            <a:extLst>
+              <a:ext uri="{FF2B5EF4-FFF2-40B4-BE49-F238E27FC236}">
+                <a16:creationId xmlns:a16="http://schemas.microsoft.com/office/drawing/2014/main" id="{9DE77F5C-7989-4310-8BE3-FCFD77808DD7}"/>
+              </a:ext>
+            </a:extLst>
+          </p:cNvPr>
+          <p:cNvSpPr txBox="1"/>
+          <p:nvPr/>
+        </p:nvSpPr>
+        <p:spPr>
+          <a:xfrm>
+            <a:off x="8872394" y="6178164"/>
+            <a:ext cx="3850547" cy="461665"/>
+          </a:xfrm>
+          <a:prstGeom prst="rect">
+            <a:avLst/>
+          </a:prstGeom>
+          <a:noFill/>
+        </p:spPr>
+        <p:txBody>
+          <a:bodyPr wrap="square" rtlCol="0">
+            <a:spAutoFit/>
+          </a:bodyPr>
+          <a:lstStyle/>
+          <a:p>
+            <a:r>
+              <a:rPr lang="en-US" sz="1200" i="1" dirty="0" err="1">
+                <a:solidFill>
+                  <a:schemeClr val="bg2">
+                    <a:lumMod val="75000"/>
+                  </a:schemeClr>
+                </a:solidFill>
+                <a:latin typeface="Arial" panose="020B0604020202020204" pitchFamily="34" charset="0"/>
+                <a:cs typeface="Arial" panose="020B0604020202020204" pitchFamily="34" charset="0"/>
+              </a:rPr>
+              <a:t>Reprezentare</a:t>
+            </a:r>
+            <a:r>
+              <a:rPr lang="en-US" sz="1200" i="1" dirty="0">
+                <a:solidFill>
+                  <a:schemeClr val="bg2">
+                    <a:lumMod val="75000"/>
+                  </a:schemeClr>
+                </a:solidFill>
+                <a:latin typeface="Arial" panose="020B0604020202020204" pitchFamily="34" charset="0"/>
+                <a:cs typeface="Arial" panose="020B0604020202020204" pitchFamily="34" charset="0"/>
+              </a:rPr>
+              <a:t> </a:t>
+            </a:r>
+            <a:r>
+              <a:rPr lang="en-US" sz="1200" i="1" dirty="0" err="1">
+                <a:solidFill>
+                  <a:schemeClr val="bg2">
+                    <a:lumMod val="75000"/>
+                  </a:schemeClr>
+                </a:solidFill>
+                <a:latin typeface="Arial" panose="020B0604020202020204" pitchFamily="34" charset="0"/>
+                <a:cs typeface="Arial" panose="020B0604020202020204" pitchFamily="34" charset="0"/>
+              </a:rPr>
+              <a:t>matrice</a:t>
+            </a:r>
+            <a:endParaRPr lang="en-US" sz="1200" i="1" dirty="0">
+              <a:solidFill>
+                <a:schemeClr val="bg2">
+                  <a:lumMod val="75000"/>
+                </a:schemeClr>
+              </a:solidFill>
+              <a:latin typeface="Arial" panose="020B0604020202020204" pitchFamily="34" charset="0"/>
+              <a:cs typeface="Arial" panose="020B0604020202020204" pitchFamily="34" charset="0"/>
+            </a:endParaRPr>
+          </a:p>
+          <a:p>
+            <a:endParaRPr lang="en-US" sz="1200" i="1" dirty="0">
+              <a:solidFill>
+                <a:schemeClr val="bg2">
+                  <a:lumMod val="75000"/>
+                </a:schemeClr>
+              </a:solidFill>
+              <a:latin typeface="Arial" panose="020B0604020202020204" pitchFamily="34" charset="0"/>
+              <a:cs typeface="Arial" panose="020B0604020202020204" pitchFamily="34" charset="0"/>
+            </a:endParaRPr>
+          </a:p>
+        </p:txBody>
+      </p:sp>
+      <p:pic>
+        <p:nvPicPr>
+          <p:cNvPr id="10" name="Picture 9">
+            <a:extLst>
+              <a:ext uri="{FF2B5EF4-FFF2-40B4-BE49-F238E27FC236}">
+                <a16:creationId xmlns:a16="http://schemas.microsoft.com/office/drawing/2014/main" id="{BE87E4E4-8F0E-4D1C-A57B-711C36D7D631}"/>
+              </a:ext>
+            </a:extLst>
+          </p:cNvPr>
+          <p:cNvPicPr>
+            <a:picLocks noChangeAspect="1"/>
+          </p:cNvPicPr>
+          <p:nvPr/>
+        </p:nvPicPr>
+        <p:blipFill>
+          <a:blip r:embed="rId3"/>
+          <a:stretch>
+            <a:fillRect/>
+          </a:stretch>
+        </p:blipFill>
+        <p:spPr>
+          <a:xfrm>
+            <a:off x="6096001" y="316016"/>
+            <a:ext cx="2209418" cy="1252725"/>
+          </a:xfrm>
+          <a:prstGeom prst="rect">
+            <a:avLst/>
+          </a:prstGeom>
+        </p:spPr>
+      </p:pic>
+      <p:pic>
+        <p:nvPicPr>
+          <p:cNvPr id="12" name="Picture 11">
+            <a:extLst>
+              <a:ext uri="{FF2B5EF4-FFF2-40B4-BE49-F238E27FC236}">
+                <a16:creationId xmlns:a16="http://schemas.microsoft.com/office/drawing/2014/main" id="{49F9A307-2705-498E-A6E1-7DCF9795F383}"/>
+              </a:ext>
+            </a:extLst>
+          </p:cNvPr>
+          <p:cNvPicPr>
+            <a:picLocks noChangeAspect="1"/>
+          </p:cNvPicPr>
+          <p:nvPr/>
+        </p:nvPicPr>
+        <p:blipFill>
+          <a:blip r:embed="rId4"/>
+          <a:stretch>
+            <a:fillRect/>
+          </a:stretch>
+        </p:blipFill>
+        <p:spPr>
+          <a:xfrm>
+            <a:off x="8621427" y="316016"/>
+            <a:ext cx="2298539" cy="1303649"/>
+          </a:xfrm>
+          <a:prstGeom prst="rect">
+            <a:avLst/>
+          </a:prstGeom>
+        </p:spPr>
+      </p:pic>
+      <p:sp>
+        <p:nvSpPr>
+          <p:cNvPr id="13" name="TextBox 12">
+            <a:extLst>
+              <a:ext uri="{FF2B5EF4-FFF2-40B4-BE49-F238E27FC236}">
+                <a16:creationId xmlns:a16="http://schemas.microsoft.com/office/drawing/2014/main" id="{B6B88187-1CBA-481F-810D-EECF73A23621}"/>
+              </a:ext>
+            </a:extLst>
+          </p:cNvPr>
+          <p:cNvSpPr txBox="1"/>
+          <p:nvPr/>
+        </p:nvSpPr>
+        <p:spPr>
+          <a:xfrm>
+            <a:off x="6380145" y="1586788"/>
+            <a:ext cx="3850547" cy="646331"/>
+          </a:xfrm>
+          <a:prstGeom prst="rect">
+            <a:avLst/>
+          </a:prstGeom>
+          <a:noFill/>
+        </p:spPr>
+        <p:txBody>
+          <a:bodyPr wrap="square" rtlCol="0">
+            <a:spAutoFit/>
+          </a:bodyPr>
+          <a:lstStyle/>
+          <a:p>
+            <a:r>
+              <a:rPr lang="en-US" sz="1200" i="1" dirty="0">
+                <a:solidFill>
+                  <a:schemeClr val="bg2">
+                    <a:lumMod val="75000"/>
+                  </a:schemeClr>
+                </a:solidFill>
+                <a:latin typeface="Arial" panose="020B0604020202020204" pitchFamily="34" charset="0"/>
+                <a:cs typeface="Arial" panose="020B0604020202020204" pitchFamily="34" charset="0"/>
+              </a:rPr>
+              <a:t>NPC </a:t>
+            </a:r>
+            <a:r>
+              <a:rPr lang="en-US" sz="1200" i="1" dirty="0" err="1">
+                <a:solidFill>
+                  <a:schemeClr val="bg2">
+                    <a:lumMod val="75000"/>
+                  </a:schemeClr>
+                </a:solidFill>
+                <a:latin typeface="Arial" panose="020B0604020202020204" pitchFamily="34" charset="0"/>
+                <a:cs typeface="Arial" panose="020B0604020202020204" pitchFamily="34" charset="0"/>
+              </a:rPr>
+              <a:t>ostil</a:t>
+            </a:r>
+            <a:r>
+              <a:rPr lang="en-US" sz="1200" i="1" dirty="0">
+                <a:solidFill>
+                  <a:schemeClr val="bg2">
+                    <a:lumMod val="75000"/>
+                  </a:schemeClr>
+                </a:solidFill>
+                <a:latin typeface="Arial" panose="020B0604020202020204" pitchFamily="34" charset="0"/>
+                <a:cs typeface="Arial" panose="020B0604020202020204" pitchFamily="34" charset="0"/>
+              </a:rPr>
+              <a:t>/combat</a:t>
+            </a:r>
+          </a:p>
+          <a:p>
+            <a:endParaRPr lang="en-US" sz="1200" i="1" dirty="0">
+              <a:solidFill>
+                <a:schemeClr val="bg2">
+                  <a:lumMod val="75000"/>
+                </a:schemeClr>
+              </a:solidFill>
+              <a:latin typeface="Arial" panose="020B0604020202020204" pitchFamily="34" charset="0"/>
+              <a:cs typeface="Arial" panose="020B0604020202020204" pitchFamily="34" charset="0"/>
+            </a:endParaRPr>
+          </a:p>
+          <a:p>
+            <a:endParaRPr lang="en-US" sz="1200" i="1" dirty="0">
+              <a:solidFill>
+                <a:schemeClr val="bg2">
+                  <a:lumMod val="75000"/>
+                </a:schemeClr>
+              </a:solidFill>
+              <a:latin typeface="Arial" panose="020B0604020202020204" pitchFamily="34" charset="0"/>
+              <a:cs typeface="Arial" panose="020B0604020202020204" pitchFamily="34" charset="0"/>
+            </a:endParaRPr>
+          </a:p>
+        </p:txBody>
+      </p:sp>
+      <p:sp>
+        <p:nvSpPr>
+          <p:cNvPr id="14" name="TextBox 13">
+            <a:extLst>
+              <a:ext uri="{FF2B5EF4-FFF2-40B4-BE49-F238E27FC236}">
+                <a16:creationId xmlns:a16="http://schemas.microsoft.com/office/drawing/2014/main" id="{69ED6CE1-9F98-4D2A-B0ED-35BB6557A3E0}"/>
+              </a:ext>
+            </a:extLst>
+          </p:cNvPr>
+          <p:cNvSpPr txBox="1"/>
+          <p:nvPr/>
+        </p:nvSpPr>
+        <p:spPr>
+          <a:xfrm>
+            <a:off x="8872394" y="1673273"/>
+            <a:ext cx="3850547" cy="461665"/>
+          </a:xfrm>
+          <a:prstGeom prst="rect">
+            <a:avLst/>
+          </a:prstGeom>
+          <a:noFill/>
+        </p:spPr>
+        <p:txBody>
+          <a:bodyPr wrap="square" rtlCol="0">
+            <a:spAutoFit/>
+          </a:bodyPr>
+          <a:lstStyle/>
+          <a:p>
+            <a:r>
+              <a:rPr lang="en-US" sz="1200" i="1" dirty="0">
+                <a:solidFill>
+                  <a:schemeClr val="bg2">
+                    <a:lumMod val="75000"/>
+                  </a:schemeClr>
+                </a:solidFill>
+                <a:latin typeface="Arial" panose="020B0604020202020204" pitchFamily="34" charset="0"/>
+                <a:cs typeface="Arial" panose="020B0604020202020204" pitchFamily="34" charset="0"/>
+              </a:rPr>
+              <a:t>NPC friendly</a:t>
+            </a:r>
+          </a:p>
+          <a:p>
+            <a:endParaRPr lang="en-US" sz="1200" i="1" dirty="0">
+              <a:solidFill>
+                <a:schemeClr val="bg2">
+                  <a:lumMod val="75000"/>
+                </a:schemeClr>
+              </a:solidFill>
+              <a:latin typeface="Arial" panose="020B0604020202020204" pitchFamily="34" charset="0"/>
+              <a:cs typeface="Arial" panose="020B0604020202020204" pitchFamily="34" charset="0"/>
+            </a:endParaRPr>
           </a:p>
         </p:txBody>
       </p:sp>
@@ -7482,7 +8125,7 @@
         </p:nvSpPr>
         <p:spPr>
           <a:xfrm>
-            <a:off x="565585" y="335560"/>
+            <a:off x="414583" y="1553120"/>
             <a:ext cx="9692640" cy="441362"/>
           </a:xfrm>
         </p:spPr>
@@ -7526,13 +8169,13 @@
         </p:nvSpPr>
         <p:spPr>
           <a:xfrm>
-            <a:off x="565585" y="880845"/>
+            <a:off x="171302" y="2791439"/>
             <a:ext cx="10717608" cy="2072080"/>
           </a:xfrm>
         </p:spPr>
         <p:txBody>
           <a:bodyPr>
-            <a:normAutofit fontScale="85000" lnSpcReduction="10000"/>
+            <a:noAutofit/>
           </a:bodyPr>
           <a:lstStyle/>
           <a:p>
@@ -7796,6 +8439,112 @@
               <a:t>curent</a:t>
             </a:r>
             <a:endParaRPr lang="en-US" dirty="0"/>
+          </a:p>
+        </p:txBody>
+      </p:sp>
+      <p:pic>
+        <p:nvPicPr>
+          <p:cNvPr id="6" name="Picture 5">
+            <a:extLst>
+              <a:ext uri="{FF2B5EF4-FFF2-40B4-BE49-F238E27FC236}">
+                <a16:creationId xmlns:a16="http://schemas.microsoft.com/office/drawing/2014/main" id="{FE8E0067-D180-43B6-8EDA-FE2465D74A4D}"/>
+              </a:ext>
+            </a:extLst>
+          </p:cNvPr>
+          <p:cNvPicPr>
+            <a:picLocks noChangeAspect="1"/>
+          </p:cNvPicPr>
+          <p:nvPr/>
+        </p:nvPicPr>
+        <p:blipFill>
+          <a:blip r:embed="rId2"/>
+          <a:stretch>
+            <a:fillRect/>
+          </a:stretch>
+        </p:blipFill>
+        <p:spPr>
+          <a:xfrm>
+            <a:off x="6372837" y="4139968"/>
+            <a:ext cx="1836708" cy="1032962"/>
+          </a:xfrm>
+          <a:prstGeom prst="rect">
+            <a:avLst/>
+          </a:prstGeom>
+        </p:spPr>
+      </p:pic>
+      <p:sp>
+        <p:nvSpPr>
+          <p:cNvPr id="10" name="TextBox 9">
+            <a:extLst>
+              <a:ext uri="{FF2B5EF4-FFF2-40B4-BE49-F238E27FC236}">
+                <a16:creationId xmlns:a16="http://schemas.microsoft.com/office/drawing/2014/main" id="{C881F4C8-5BB2-4A2D-B801-4784DC4D4A28}"/>
+              </a:ext>
+            </a:extLst>
+          </p:cNvPr>
+          <p:cNvSpPr txBox="1"/>
+          <p:nvPr/>
+        </p:nvSpPr>
+        <p:spPr>
+          <a:xfrm>
+            <a:off x="6489921" y="5198811"/>
+            <a:ext cx="3850547" cy="276999"/>
+          </a:xfrm>
+          <a:prstGeom prst="rect">
+            <a:avLst/>
+          </a:prstGeom>
+          <a:noFill/>
+        </p:spPr>
+        <p:txBody>
+          <a:bodyPr wrap="square" rtlCol="0">
+            <a:spAutoFit/>
+          </a:bodyPr>
+          <a:lstStyle/>
+          <a:p>
+            <a:r>
+              <a:rPr lang="en-US" sz="1200" i="1" dirty="0" err="1">
+                <a:solidFill>
+                  <a:schemeClr val="bg2">
+                    <a:lumMod val="75000"/>
+                  </a:schemeClr>
+                </a:solidFill>
+                <a:latin typeface="Arial" panose="020B0604020202020204" pitchFamily="34" charset="0"/>
+                <a:cs typeface="Arial" panose="020B0604020202020204" pitchFamily="34" charset="0"/>
+              </a:rPr>
+              <a:t>Meniu</a:t>
+            </a:r>
+            <a:r>
+              <a:rPr lang="en-US" sz="1200" i="1" dirty="0">
+                <a:solidFill>
+                  <a:schemeClr val="bg2">
+                    <a:lumMod val="75000"/>
+                  </a:schemeClr>
+                </a:solidFill>
+                <a:latin typeface="Arial" panose="020B0604020202020204" pitchFamily="34" charset="0"/>
+                <a:cs typeface="Arial" panose="020B0604020202020204" pitchFamily="34" charset="0"/>
+              </a:rPr>
+              <a:t> </a:t>
+            </a:r>
+            <a:r>
+              <a:rPr lang="en-US" sz="1200" i="1" dirty="0" err="1">
+                <a:solidFill>
+                  <a:schemeClr val="bg2">
+                    <a:lumMod val="75000"/>
+                  </a:schemeClr>
+                </a:solidFill>
+                <a:latin typeface="Arial" panose="020B0604020202020204" pitchFamily="34" charset="0"/>
+                <a:cs typeface="Arial" panose="020B0604020202020204" pitchFamily="34" charset="0"/>
+              </a:rPr>
+              <a:t>pauza</a:t>
+            </a:r>
+            <a:endParaRPr lang="en-US" sz="1200" i="1" dirty="0">
+              <a:solidFill>
+                <a:schemeClr val="bg2">
+                  <a:lumMod val="75000"/>
+                </a:schemeClr>
+              </a:solidFill>
+              <a:latin typeface="Arial" panose="020B0604020202020204" pitchFamily="34" charset="0"/>
+              <a:cs typeface="Arial" panose="020B0604020202020204" pitchFamily="34" charset="0"/>
+            </a:endParaRPr>
           </a:p>
         </p:txBody>
       </p:sp>
@@ -7803,6 +8552,504 @@
     <p:extLst>
       <p:ext uri="{BB962C8B-B14F-4D97-AF65-F5344CB8AC3E}">
         <p14:creationId xmlns:p14="http://schemas.microsoft.com/office/powerpoint/2010/main" val="3002524478"/>
+      </p:ext>
+    </p:extLst>
+  </p:cSld>
+  <p:clrMapOvr>
+    <a:masterClrMapping/>
+  </p:clrMapOvr>
+</p:sld>
+</file>
+
+<file path=ppt/slides/slide7.xml><?xml version="1.0" encoding="utf-8"?>
+<p:sld xmlns:a="http://schemas.openxmlformats.org/drawingml/2006/main" xmlns:r="http://schemas.openxmlformats.org/officeDocument/2006/relationships" xmlns:p="http://schemas.openxmlformats.org/presentationml/2006/main">
+  <p:cSld>
+    <p:spTree>
+      <p:nvGrpSpPr>
+        <p:cNvPr id="1" name=""/>
+        <p:cNvGrpSpPr/>
+        <p:nvPr/>
+      </p:nvGrpSpPr>
+      <p:grpSpPr>
+        <a:xfrm>
+          <a:off x="0" y="0"/>
+          <a:ext cx="0" cy="0"/>
+          <a:chOff x="0" y="0"/>
+          <a:chExt cx="0" cy="0"/>
+        </a:xfrm>
+      </p:grpSpPr>
+      <p:sp>
+        <p:nvSpPr>
+          <p:cNvPr id="2" name="Title 1">
+            <a:extLst>
+              <a:ext uri="{FF2B5EF4-FFF2-40B4-BE49-F238E27FC236}">
+                <a16:creationId xmlns:a16="http://schemas.microsoft.com/office/drawing/2014/main" id="{3BD63540-3031-48F0-A37B-84DE6B7AABBB}"/>
+              </a:ext>
+            </a:extLst>
+          </p:cNvPr>
+          <p:cNvSpPr>
+            <a:spLocks noGrp="1"/>
+          </p:cNvSpPr>
+          <p:nvPr>
+            <p:ph type="title"/>
+          </p:nvPr>
+        </p:nvSpPr>
+        <p:spPr>
+          <a:xfrm>
+            <a:off x="469504" y="4382497"/>
+            <a:ext cx="9692640" cy="1325562"/>
+          </a:xfrm>
+        </p:spPr>
+        <p:txBody>
+          <a:bodyPr/>
+          <a:lstStyle/>
+          <a:p>
+            <a:r>
+              <a:rPr lang="en-US" dirty="0" err="1"/>
+              <a:t>Observatii</a:t>
+            </a:r>
+            <a:r>
+              <a:rPr lang="en-US" dirty="0"/>
+              <a:t> Finale</a:t>
+            </a:r>
+          </a:p>
+        </p:txBody>
+      </p:sp>
+      <p:sp>
+        <p:nvSpPr>
+          <p:cNvPr id="3" name="Content Placeholder 2">
+            <a:extLst>
+              <a:ext uri="{FF2B5EF4-FFF2-40B4-BE49-F238E27FC236}">
+                <a16:creationId xmlns:a16="http://schemas.microsoft.com/office/drawing/2014/main" id="{4FAD1C96-645E-4BF7-AAEC-C5AD7E7E5C71}"/>
+              </a:ext>
+            </a:extLst>
+          </p:cNvPr>
+          <p:cNvSpPr>
+            <a:spLocks noGrp="1"/>
+          </p:cNvSpPr>
+          <p:nvPr>
+            <p:ph idx="1"/>
+          </p:nvPr>
+        </p:nvSpPr>
+        <p:spPr>
+          <a:xfrm>
+            <a:off x="469504" y="5728382"/>
+            <a:ext cx="8595360" cy="4351337"/>
+          </a:xfrm>
+        </p:spPr>
+        <p:txBody>
+          <a:bodyPr/>
+          <a:lstStyle/>
+          <a:p>
+            <a:pPr marL="0" indent="0">
+              <a:buNone/>
+            </a:pPr>
+            <a:r>
+              <a:rPr lang="en-US" dirty="0">
+                <a:hlinkClick r:id="rId2"/>
+              </a:rPr>
+              <a:t>https://youtu.be/Remt0gZBGpM</a:t>
+            </a:r>
+            <a:r>
+              <a:rPr lang="en-US" dirty="0"/>
+              <a:t>   link </a:t>
+            </a:r>
+            <a:r>
+              <a:rPr lang="en-US" dirty="0" err="1"/>
+              <a:t>catre</a:t>
+            </a:r>
+            <a:r>
+              <a:rPr lang="en-US" dirty="0"/>
+              <a:t> </a:t>
+            </a:r>
+            <a:r>
+              <a:rPr lang="en-US" dirty="0" err="1"/>
+              <a:t>prezentarea</a:t>
+            </a:r>
+            <a:r>
+              <a:rPr lang="en-US" dirty="0"/>
+              <a:t> video</a:t>
+            </a:r>
+          </a:p>
+          <a:p>
+            <a:pPr marL="0" indent="0">
+              <a:buNone/>
+            </a:pPr>
+            <a:endParaRPr lang="en-US" dirty="0"/>
+          </a:p>
+        </p:txBody>
+      </p:sp>
+      <p:sp>
+        <p:nvSpPr>
+          <p:cNvPr id="4" name="TextBox 3">
+            <a:extLst>
+              <a:ext uri="{FF2B5EF4-FFF2-40B4-BE49-F238E27FC236}">
+                <a16:creationId xmlns:a16="http://schemas.microsoft.com/office/drawing/2014/main" id="{7D82ED97-953D-43AB-96AE-6752E2B900DB}"/>
+              </a:ext>
+            </a:extLst>
+          </p:cNvPr>
+          <p:cNvSpPr txBox="1"/>
+          <p:nvPr/>
+        </p:nvSpPr>
+        <p:spPr>
+          <a:xfrm>
+            <a:off x="577805" y="2058784"/>
+            <a:ext cx="10717608" cy="1138773"/>
+          </a:xfrm>
+          <a:prstGeom prst="rect">
+            <a:avLst/>
+          </a:prstGeom>
+          <a:noFill/>
+        </p:spPr>
+        <p:txBody>
+          <a:bodyPr wrap="square" rtlCol="0">
+            <a:spAutoFit/>
+          </a:bodyPr>
+          <a:lstStyle/>
+          <a:p>
+            <a:r>
+              <a:rPr lang="en-US" sz="3200" dirty="0" err="1"/>
+              <a:t>Elemente</a:t>
+            </a:r>
+            <a:r>
+              <a:rPr lang="en-US" sz="3200" dirty="0"/>
+              <a:t> de </a:t>
+            </a:r>
+            <a:r>
+              <a:rPr lang="en-US" sz="3200" dirty="0" err="1"/>
+              <a:t>executie</a:t>
+            </a:r>
+            <a:r>
+              <a:rPr lang="en-US" sz="3200" dirty="0"/>
+              <a:t>:</a:t>
+            </a:r>
+          </a:p>
+          <a:p>
+            <a:pPr marL="285750" indent="-285750">
+              <a:buFont typeface="Arial" panose="020B0604020202020204" pitchFamily="34" charset="0"/>
+              <a:buChar char="•"/>
+            </a:pPr>
+            <a:r>
+              <a:rPr lang="en-US" dirty="0"/>
+              <a:t>Pe </a:t>
+            </a:r>
+            <a:r>
+              <a:rPr lang="en-US" dirty="0" err="1"/>
+              <a:t>langa</a:t>
+            </a:r>
+            <a:r>
+              <a:rPr lang="en-US" dirty="0"/>
+              <a:t> java-</a:t>
+            </a:r>
+            <a:r>
+              <a:rPr lang="en-US" dirty="0" err="1"/>
+              <a:t>greenfoot</a:t>
+            </a:r>
+            <a:r>
+              <a:rPr lang="en-US" dirty="0"/>
+              <a:t>, </a:t>
+            </a:r>
+            <a:r>
+              <a:rPr lang="en-US" dirty="0" err="1"/>
+              <a:t>partea</a:t>
+            </a:r>
+            <a:r>
+              <a:rPr lang="en-US" dirty="0"/>
+              <a:t> </a:t>
+            </a:r>
+            <a:r>
+              <a:rPr lang="en-US" dirty="0" err="1"/>
+              <a:t>grafica</a:t>
+            </a:r>
+            <a:r>
+              <a:rPr lang="en-US" dirty="0"/>
+              <a:t> a </a:t>
+            </a:r>
+            <a:r>
+              <a:rPr lang="en-US" dirty="0" err="1"/>
+              <a:t>fost</a:t>
+            </a:r>
+            <a:r>
+              <a:rPr lang="en-US" dirty="0"/>
+              <a:t> </a:t>
+            </a:r>
+            <a:r>
+              <a:rPr lang="en-US" dirty="0" err="1"/>
+              <a:t>realizata</a:t>
+            </a:r>
+            <a:r>
+              <a:rPr lang="en-US" dirty="0"/>
+              <a:t> in </a:t>
+            </a:r>
+            <a:r>
+              <a:rPr lang="en-US" dirty="0" err="1"/>
+              <a:t>aseprite</a:t>
+            </a:r>
+            <a:r>
+              <a:rPr lang="en-US" dirty="0"/>
+              <a:t> </a:t>
+            </a:r>
+            <a:r>
+              <a:rPr lang="en-US" dirty="0" err="1"/>
+              <a:t>si</a:t>
+            </a:r>
+            <a:r>
+              <a:rPr lang="en-US" dirty="0"/>
+              <a:t> tiled, </a:t>
+            </a:r>
+            <a:r>
+              <a:rPr lang="en-US" dirty="0" err="1"/>
+              <a:t>iar</a:t>
+            </a:r>
+            <a:r>
+              <a:rPr lang="en-US" dirty="0"/>
+              <a:t> </a:t>
+            </a:r>
+            <a:r>
+              <a:rPr lang="en-US" dirty="0" err="1"/>
+              <a:t>muzica</a:t>
+            </a:r>
+            <a:r>
+              <a:rPr lang="en-US" dirty="0"/>
+              <a:t> </a:t>
+            </a:r>
+            <a:r>
+              <a:rPr lang="en-US" dirty="0" err="1"/>
+              <a:t>compusa</a:t>
+            </a:r>
+            <a:r>
+              <a:rPr lang="en-US" dirty="0"/>
+              <a:t> </a:t>
+            </a:r>
+            <a:r>
+              <a:rPr lang="en-US" dirty="0" err="1"/>
+              <a:t>si</a:t>
+            </a:r>
+            <a:r>
+              <a:rPr lang="en-US" dirty="0"/>
+              <a:t> </a:t>
+            </a:r>
+            <a:r>
+              <a:rPr lang="en-US" dirty="0" err="1"/>
+              <a:t>inregistrata</a:t>
+            </a:r>
+            <a:r>
+              <a:rPr lang="en-US" dirty="0"/>
+              <a:t> live de </a:t>
+            </a:r>
+            <a:r>
+              <a:rPr lang="en-US" dirty="0" err="1"/>
+              <a:t>noi</a:t>
+            </a:r>
+            <a:endParaRPr lang="en-US" dirty="0"/>
+          </a:p>
+        </p:txBody>
+      </p:sp>
+      <p:sp>
+        <p:nvSpPr>
+          <p:cNvPr id="5" name="TextBox 4">
+            <a:extLst>
+              <a:ext uri="{FF2B5EF4-FFF2-40B4-BE49-F238E27FC236}">
+                <a16:creationId xmlns:a16="http://schemas.microsoft.com/office/drawing/2014/main" id="{54AF69DD-8E92-4A74-B233-66F7D848394E}"/>
+              </a:ext>
+            </a:extLst>
+          </p:cNvPr>
+          <p:cNvSpPr txBox="1"/>
+          <p:nvPr/>
+        </p:nvSpPr>
+        <p:spPr>
+          <a:xfrm>
+            <a:off x="577805" y="3290952"/>
+            <a:ext cx="7940852" cy="1754326"/>
+          </a:xfrm>
+          <a:prstGeom prst="rect">
+            <a:avLst/>
+          </a:prstGeom>
+          <a:noFill/>
+        </p:spPr>
+        <p:txBody>
+          <a:bodyPr wrap="square" rtlCol="0">
+            <a:spAutoFit/>
+          </a:bodyPr>
+          <a:lstStyle/>
+          <a:p>
+            <a:r>
+              <a:rPr lang="en-US" dirty="0" err="1"/>
+              <a:t>Fisiere</a:t>
+            </a:r>
+            <a:r>
+              <a:rPr lang="en-US" dirty="0"/>
+              <a:t>: </a:t>
+            </a:r>
+          </a:p>
+          <a:p>
+            <a:pPr marL="285750" indent="-285750">
+              <a:buFont typeface="Arial" panose="020B0604020202020204" pitchFamily="34" charset="0"/>
+              <a:buChar char="•"/>
+            </a:pPr>
+            <a:r>
+              <a:rPr lang="en-US" dirty="0"/>
+              <a:t>Text: </a:t>
+            </a:r>
+            <a:r>
+              <a:rPr lang="en-US" dirty="0" err="1"/>
+              <a:t>dialoguri</a:t>
+            </a:r>
+            <a:r>
+              <a:rPr lang="en-US" dirty="0"/>
+              <a:t>, </a:t>
+            </a:r>
+            <a:r>
+              <a:rPr lang="en-US" dirty="0" err="1"/>
+              <a:t>matrici</a:t>
+            </a:r>
+            <a:r>
+              <a:rPr lang="en-US" dirty="0"/>
+              <a:t> </a:t>
+            </a:r>
+            <a:r>
+              <a:rPr lang="en-US" dirty="0" err="1"/>
+              <a:t>pathfind</a:t>
+            </a:r>
+            <a:r>
+              <a:rPr lang="en-US" dirty="0"/>
+              <a:t>, </a:t>
+            </a:r>
+            <a:r>
+              <a:rPr lang="en-US" dirty="0" err="1"/>
+              <a:t>salvari</a:t>
+            </a:r>
+            <a:endParaRPr lang="en-US" dirty="0"/>
+          </a:p>
+          <a:p>
+            <a:pPr marL="285750" indent="-285750">
+              <a:buFont typeface="Arial" panose="020B0604020202020204" pitchFamily="34" charset="0"/>
+              <a:buChar char="•"/>
+            </a:pPr>
+            <a:r>
+              <a:rPr lang="en-US" dirty="0"/>
+              <a:t>Audio: </a:t>
+            </a:r>
+            <a:r>
+              <a:rPr lang="en-US" dirty="0" err="1"/>
+              <a:t>muzica</a:t>
+            </a:r>
+            <a:r>
+              <a:rPr lang="en-US" dirty="0"/>
+              <a:t>, </a:t>
+            </a:r>
+            <a:r>
+              <a:rPr lang="en-US" dirty="0" err="1"/>
+              <a:t>efecte</a:t>
+            </a:r>
+            <a:r>
+              <a:rPr lang="en-US" dirty="0"/>
+              <a:t> </a:t>
+            </a:r>
+            <a:r>
+              <a:rPr lang="en-US" dirty="0" err="1"/>
+              <a:t>sonore</a:t>
+            </a:r>
+            <a:endParaRPr lang="en-US" dirty="0"/>
+          </a:p>
+          <a:p>
+            <a:pPr marL="285750" indent="-285750">
+              <a:buFont typeface="Arial" panose="020B0604020202020204" pitchFamily="34" charset="0"/>
+              <a:buChar char="•"/>
+            </a:pPr>
+            <a:r>
+              <a:rPr lang="en-US" dirty="0" err="1"/>
+              <a:t>Imagini</a:t>
+            </a:r>
+            <a:r>
+              <a:rPr lang="en-US" dirty="0"/>
+              <a:t>: </a:t>
+            </a:r>
+            <a:r>
+              <a:rPr lang="en-US" dirty="0" err="1"/>
+              <a:t>toate</a:t>
+            </a:r>
+            <a:r>
+              <a:rPr lang="en-US" dirty="0"/>
+              <a:t> </a:t>
+            </a:r>
+            <a:r>
+              <a:rPr lang="en-US" dirty="0" err="1"/>
+              <a:t>imaginile</a:t>
+            </a:r>
+            <a:r>
+              <a:rPr lang="en-US" dirty="0"/>
+              <a:t> de fundal </a:t>
+            </a:r>
+            <a:r>
+              <a:rPr lang="en-US" dirty="0" err="1"/>
+              <a:t>si</a:t>
+            </a:r>
+            <a:r>
+              <a:rPr lang="en-US" dirty="0"/>
+              <a:t> </a:t>
+            </a:r>
+            <a:r>
+              <a:rPr lang="en-US" dirty="0" err="1"/>
+              <a:t>pentru</a:t>
+            </a:r>
+            <a:r>
+              <a:rPr lang="en-US" dirty="0"/>
+              <a:t> </a:t>
+            </a:r>
+            <a:r>
+              <a:rPr lang="en-US" dirty="0" err="1"/>
+              <a:t>actori</a:t>
+            </a:r>
+            <a:endParaRPr lang="en-US" dirty="0"/>
+          </a:p>
+          <a:p>
+            <a:pPr marL="285750" indent="-285750">
+              <a:buFont typeface="Arial" panose="020B0604020202020204" pitchFamily="34" charset="0"/>
+              <a:buChar char="•"/>
+            </a:pPr>
+            <a:r>
+              <a:rPr lang="en-US" dirty="0"/>
+              <a:t>Java: </a:t>
+            </a:r>
+            <a:r>
+              <a:rPr lang="en-US" dirty="0" err="1"/>
+              <a:t>toate</a:t>
+            </a:r>
+            <a:r>
+              <a:rPr lang="en-US" dirty="0"/>
+              <a:t> </a:t>
+            </a:r>
+            <a:r>
+              <a:rPr lang="en-US" dirty="0" err="1"/>
+              <a:t>clasele</a:t>
+            </a:r>
+            <a:r>
+              <a:rPr lang="en-US" dirty="0"/>
+              <a:t> </a:t>
+            </a:r>
+            <a:r>
+              <a:rPr lang="en-US" dirty="0" err="1"/>
+              <a:t>proiectului</a:t>
+            </a:r>
+            <a:endParaRPr lang="en-US" dirty="0"/>
+          </a:p>
+          <a:p>
+            <a:pPr marL="285750" indent="-285750">
+              <a:buFont typeface="Arial" panose="020B0604020202020204" pitchFamily="34" charset="0"/>
+              <a:buChar char="•"/>
+            </a:pPr>
+            <a:r>
+              <a:rPr lang="en-US" dirty="0"/>
+              <a:t>Javadoc</a:t>
+            </a:r>
+          </a:p>
+        </p:txBody>
+      </p:sp>
+    </p:spTree>
+    <p:extLst>
+      <p:ext uri="{BB962C8B-B14F-4D97-AF65-F5344CB8AC3E}">
+        <p14:creationId xmlns:p14="http://schemas.microsoft.com/office/powerpoint/2010/main" val="4095873044"/>
       </p:ext>
     </p:extLst>
   </p:cSld>
